--- a/slides/cwl_workshop.pptx
+++ b/slides/cwl_workshop.pptx
@@ -5119,11 +5119,6 @@
               </a:rPr>
               <a:t>/2OVcyeg</a:t>
             </a:r>
-            <a:endParaRPr lang="en-US" sz="1400" dirty="0">
-              <a:latin typeface="Menlo" charset="0"/>
-              <a:ea typeface="Menlo" charset="0"/>
-              <a:cs typeface="Menlo" charset="0"/>
-            </a:endParaRPr>
           </a:p>
         </p:txBody>
       </p:sp>
@@ -5409,7 +5404,7 @@
                 <a:cs typeface="Menlo" charset="0"/>
                 <a:hlinkClick r:id="rId6"/>
               </a:rPr>
-              <a:t>download.oracle.com/otn-pub/java/jdk/8u191-b12/2787e4a523244c269598db4e85c51e0c/jdk-8u191-windows-x64.exe</a:t>
+              <a:t>www.oracle.com/technetwork/java/javase/downloads/jdk8-downloads-2133151.html</a:t>
             </a:r>
             <a:endParaRPr lang="en-US" sz="1200" dirty="0">
               <a:latin typeface="Menlo" charset="0"/>
@@ -5427,31 +5422,22 @@
               <a:t>MacOS         </a:t>
             </a:r>
             <a:r>
+              <a:rPr lang="en-US" sz="1200" dirty="0">
+                <a:latin typeface="Menlo" charset="0"/>
+                <a:ea typeface="Menlo" charset="0"/>
+                <a:cs typeface="Menlo" charset="0"/>
+                <a:hlinkClick r:id="rId6"/>
+              </a:rPr>
+              <a:t>http://</a:t>
+            </a:r>
+            <a:r>
               <a:rPr lang="en-US" sz="1200" dirty="0" smtClean="0">
                 <a:latin typeface="Menlo" charset="0"/>
                 <a:ea typeface="Menlo" charset="0"/>
                 <a:cs typeface="Menlo" charset="0"/>
-                <a:hlinkClick r:id="rId7"/>
-              </a:rPr>
-              <a:t>http</a:t>
-            </a:r>
-            <a:r>
-              <a:rPr lang="en-US" sz="1200" dirty="0">
-                <a:latin typeface="Menlo" charset="0"/>
-                <a:ea typeface="Menlo" charset="0"/>
-                <a:cs typeface="Menlo" charset="0"/>
-                <a:hlinkClick r:id="rId7"/>
-              </a:rPr>
-              <a:t>://</a:t>
-            </a:r>
-            <a:r>
-              <a:rPr lang="en-US" sz="1200" dirty="0" smtClean="0">
-                <a:latin typeface="Menlo" charset="0"/>
-                <a:ea typeface="Menlo" charset="0"/>
-                <a:cs typeface="Menlo" charset="0"/>
-                <a:hlinkClick r:id="rId7"/>
-              </a:rPr>
-              <a:t>download.oracle.com/otn-pub/java/jdk/8u191-b12/2787e4a523244c269598db4e85c51e0c/jdk-8u191-macosx-x64.dmg</a:t>
+                <a:hlinkClick r:id="rId6"/>
+              </a:rPr>
+              <a:t>www.oracle.com/technetwork/java/javase/downloads/jdk8-downloads-2133151.html</a:t>
             </a:r>
             <a:endParaRPr lang="en-US" sz="1200" dirty="0" smtClean="0">
               <a:latin typeface="Menlo" charset="0"/>
@@ -5469,20 +5455,91 @@
               <a:t>Ubuntu        </a:t>
             </a:r>
             <a:r>
+              <a:rPr lang="en-US" sz="1200" dirty="0">
+                <a:latin typeface="Menlo" charset="0"/>
+                <a:ea typeface="Menlo" charset="0"/>
+                <a:cs typeface="Menlo" charset="0"/>
+                <a:hlinkClick r:id="rId6"/>
+              </a:rPr>
+              <a:t>http://</a:t>
+            </a:r>
+            <a:r>
               <a:rPr lang="en-US" sz="1200" dirty="0" smtClean="0">
                 <a:latin typeface="Menlo" charset="0"/>
                 <a:ea typeface="Menlo" charset="0"/>
                 <a:cs typeface="Menlo" charset="0"/>
-                <a:hlinkClick r:id="rId8"/>
-              </a:rPr>
-              <a:t>http</a:t>
+                <a:hlinkClick r:id="rId6"/>
+              </a:rPr>
+              <a:t>www.oracle.com/technetwork/java/javase/downloads/jdk8-downloads-2133151.html</a:t>
+            </a:r>
+            <a:endParaRPr lang="en-US" sz="1200" dirty="0">
+              <a:latin typeface="Menlo" charset="0"/>
+              <a:ea typeface="Menlo" charset="0"/>
+              <a:cs typeface="Menlo" charset="0"/>
+            </a:endParaRPr>
+          </a:p>
+        </p:txBody>
+      </p:sp>
+      <p:sp>
+        <p:nvSpPr>
+          <p:cNvPr id="5" name="TextBox 4"/>
+          <p:cNvSpPr txBox="1"/>
+          <p:nvPr/>
+        </p:nvSpPr>
+        <p:spPr>
+          <a:xfrm>
+            <a:off x="1" y="4122858"/>
+            <a:ext cx="12191999" cy="1169551"/>
+          </a:xfrm>
+          <a:prstGeom prst="rect">
+            <a:avLst/>
+          </a:prstGeom>
+          <a:noFill/>
+        </p:spPr>
+        <p:txBody>
+          <a:bodyPr wrap="square" rtlCol="0">
+            <a:spAutoFit/>
+          </a:bodyPr>
+          <a:lstStyle/>
+          <a:p>
+            <a:r>
+              <a:rPr lang="en-US" sz="1400" b="1" dirty="0" smtClean="0">
+                <a:latin typeface="Menlo" charset="0"/>
+                <a:ea typeface="Menlo" charset="0"/>
+                <a:cs typeface="Menlo" charset="0"/>
+              </a:rPr>
+              <a:t>Docker </a:t>
+            </a:r>
+            <a:endParaRPr lang="en-US" sz="1400" b="1" dirty="0">
+              <a:latin typeface="Menlo" charset="0"/>
+              <a:ea typeface="Menlo" charset="0"/>
+              <a:cs typeface="Menlo" charset="0"/>
+            </a:endParaRPr>
+          </a:p>
+          <a:p>
+            <a:r>
+              <a:rPr lang="en-US" sz="1400" dirty="0" smtClean="0">
+                <a:latin typeface="Menlo" charset="0"/>
+                <a:ea typeface="Menlo" charset="0"/>
+                <a:cs typeface="Menlo" charset="0"/>
+              </a:rPr>
+              <a:t>Windows 10    </a:t>
+            </a:r>
+            <a:r>
+              <a:rPr lang="en-US" sz="1200" dirty="0" smtClean="0">
+                <a:latin typeface="Menlo" charset="0"/>
+                <a:ea typeface="Menlo" charset="0"/>
+                <a:cs typeface="Menlo" charset="0"/>
+                <a:hlinkClick r:id="rId7" invalidUrl="https://download.docker.com/win/stable/Docker for Windows Installer.exe"/>
+              </a:rPr>
+              <a:t>https</a:t>
             </a:r>
             <a:r>
               <a:rPr lang="en-US" sz="1200" dirty="0">
                 <a:latin typeface="Menlo" charset="0"/>
                 <a:ea typeface="Menlo" charset="0"/>
                 <a:cs typeface="Menlo" charset="0"/>
-                <a:hlinkClick r:id="rId8"/>
+                <a:hlinkClick r:id="rId8" invalidUrl="https://download.docker.com/win/stable/Docker for Windows Installer.exe"/>
               </a:rPr>
               <a:t>://</a:t>
             </a:r>
@@ -5491,9 +5548,9 @@
                 <a:latin typeface="Menlo" charset="0"/>
                 <a:ea typeface="Menlo" charset="0"/>
                 <a:cs typeface="Menlo" charset="0"/>
-                <a:hlinkClick r:id="rId8"/>
-              </a:rPr>
-              <a:t>download.oracle.com/otn-pub/java/jdk/8u191-b12/2787e4a523244c269598db4e85c51e0c/jdk-8u191-linux-x64.rpm</a:t>
+                <a:hlinkClick r:id="rId9" invalidUrl="https://download.docker.com/win/stable/Docker for Windows Installer.exe"/>
+              </a:rPr>
+              <a:t>download.docker.com/win/stable/Docker%20for%20Windows%20Installer.exe</a:t>
             </a:r>
             <a:endParaRPr lang="en-US" sz="1200" dirty="0" smtClean="0">
               <a:latin typeface="Menlo" charset="0"/>
@@ -5501,44 +5558,6 @@
               <a:cs typeface="Menlo" charset="0"/>
             </a:endParaRPr>
           </a:p>
-        </p:txBody>
-      </p:sp>
-      <p:sp>
-        <p:nvSpPr>
-          <p:cNvPr id="5" name="TextBox 4"/>
-          <p:cNvSpPr txBox="1"/>
-          <p:nvPr/>
-        </p:nvSpPr>
-        <p:spPr>
-          <a:xfrm>
-            <a:off x="1" y="4122858"/>
-            <a:ext cx="12191999" cy="1169551"/>
-          </a:xfrm>
-          <a:prstGeom prst="rect">
-            <a:avLst/>
-          </a:prstGeom>
-          <a:noFill/>
-        </p:spPr>
-        <p:txBody>
-          <a:bodyPr wrap="square" rtlCol="0">
-            <a:spAutoFit/>
-          </a:bodyPr>
-          <a:lstStyle/>
-          <a:p>
-            <a:r>
-              <a:rPr lang="en-US" sz="1400" b="1" dirty="0" smtClean="0">
-                <a:latin typeface="Menlo" charset="0"/>
-                <a:ea typeface="Menlo" charset="0"/>
-                <a:cs typeface="Menlo" charset="0"/>
-              </a:rPr>
-              <a:t>Docker </a:t>
-            </a:r>
-            <a:endParaRPr lang="en-US" sz="1400" b="1" dirty="0">
-              <a:latin typeface="Menlo" charset="0"/>
-              <a:ea typeface="Menlo" charset="0"/>
-              <a:cs typeface="Menlo" charset="0"/>
-            </a:endParaRPr>
-          </a:p>
           <a:p>
             <a:r>
               <a:rPr lang="en-US" sz="1400" dirty="0" smtClean="0">
@@ -5546,14 +5565,14 @@
                 <a:ea typeface="Menlo" charset="0"/>
                 <a:cs typeface="Menlo" charset="0"/>
               </a:rPr>
-              <a:t>Windows 10    </a:t>
+              <a:t>Windows &lt; 10  </a:t>
             </a:r>
             <a:r>
               <a:rPr lang="en-US" sz="1200" dirty="0" smtClean="0">
                 <a:latin typeface="Menlo" charset="0"/>
                 <a:ea typeface="Menlo" charset="0"/>
                 <a:cs typeface="Menlo" charset="0"/>
-                <a:hlinkClick r:id="rId9" invalidUrl="https://download.docker.com/win/stable/Docker for Windows Installer.exe"/>
+                <a:hlinkClick r:id="rId10"/>
               </a:rPr>
               <a:t>https</a:t>
             </a:r>
@@ -5562,7 +5581,7 @@
                 <a:latin typeface="Menlo" charset="0"/>
                 <a:ea typeface="Menlo" charset="0"/>
                 <a:cs typeface="Menlo" charset="0"/>
-                <a:hlinkClick r:id="rId10" invalidUrl="https://download.docker.com/win/stable/Docker for Windows Installer.exe"/>
+                <a:hlinkClick r:id="rId10"/>
               </a:rPr>
               <a:t>://</a:t>
             </a:r>
@@ -5571,9 +5590,9 @@
                 <a:latin typeface="Menlo" charset="0"/>
                 <a:ea typeface="Menlo" charset="0"/>
                 <a:cs typeface="Menlo" charset="0"/>
-                <a:hlinkClick r:id="rId11" invalidUrl="https://download.docker.com/win/stable/Docker for Windows Installer.exe"/>
-              </a:rPr>
-              <a:t>download.docker.com/win/stable/Docker%20for%20Windows%20Installer.exe</a:t>
+                <a:hlinkClick r:id="rId10"/>
+              </a:rPr>
+              <a:t>download.docker.com/win/stable/DockerToolbox.exe</a:t>
             </a:r>
             <a:endParaRPr lang="en-US" sz="1200" dirty="0" smtClean="0">
               <a:latin typeface="Menlo" charset="0"/>
@@ -5588,14 +5607,14 @@
                 <a:ea typeface="Menlo" charset="0"/>
                 <a:cs typeface="Menlo" charset="0"/>
               </a:rPr>
-              <a:t>Windows &lt; 10  </a:t>
+              <a:t>MacOS         </a:t>
             </a:r>
             <a:r>
               <a:rPr lang="en-US" sz="1200" dirty="0" smtClean="0">
                 <a:latin typeface="Menlo" charset="0"/>
                 <a:ea typeface="Menlo" charset="0"/>
                 <a:cs typeface="Menlo" charset="0"/>
-                <a:hlinkClick r:id="rId12"/>
+                <a:hlinkClick r:id="rId11"/>
               </a:rPr>
               <a:t>https</a:t>
             </a:r>
@@ -5604,7 +5623,7 @@
                 <a:latin typeface="Menlo" charset="0"/>
                 <a:ea typeface="Menlo" charset="0"/>
                 <a:cs typeface="Menlo" charset="0"/>
-                <a:hlinkClick r:id="rId12"/>
+                <a:hlinkClick r:id="rId11"/>
               </a:rPr>
               <a:t>://</a:t>
             </a:r>
@@ -5613,9 +5632,9 @@
                 <a:latin typeface="Menlo" charset="0"/>
                 <a:ea typeface="Menlo" charset="0"/>
                 <a:cs typeface="Menlo" charset="0"/>
-                <a:hlinkClick r:id="rId12"/>
-              </a:rPr>
-              <a:t>download.docker.com/win/stable/DockerToolbox.exe</a:t>
+                <a:hlinkClick r:id="rId11"/>
+              </a:rPr>
+              <a:t>download.docker.com/mac/stable/Docker.dmg</a:t>
             </a:r>
             <a:endParaRPr lang="en-US" sz="1200" dirty="0" smtClean="0">
               <a:latin typeface="Menlo" charset="0"/>
@@ -5630,14 +5649,14 @@
                 <a:ea typeface="Menlo" charset="0"/>
                 <a:cs typeface="Menlo" charset="0"/>
               </a:rPr>
-              <a:t>MacOS         </a:t>
+              <a:t>Ubuntu        </a:t>
             </a:r>
             <a:r>
               <a:rPr lang="en-US" sz="1200" dirty="0" smtClean="0">
                 <a:latin typeface="Menlo" charset="0"/>
                 <a:ea typeface="Menlo" charset="0"/>
                 <a:cs typeface="Menlo" charset="0"/>
-                <a:hlinkClick r:id="rId13"/>
+                <a:hlinkClick r:id="rId12"/>
               </a:rPr>
               <a:t>https</a:t>
             </a:r>
@@ -5646,58 +5665,16 @@
                 <a:latin typeface="Menlo" charset="0"/>
                 <a:ea typeface="Menlo" charset="0"/>
                 <a:cs typeface="Menlo" charset="0"/>
-                <a:hlinkClick r:id="rId13"/>
-              </a:rPr>
-              <a:t>://</a:t>
+                <a:hlinkClick r:id="rId12"/>
+              </a:rPr>
+              <a:t>://docs.docker.com/install/linux/docker-ce/ubuntu</a:t>
             </a:r>
             <a:r>
               <a:rPr lang="en-US" sz="1200" dirty="0" smtClean="0">
                 <a:latin typeface="Menlo" charset="0"/>
                 <a:ea typeface="Menlo" charset="0"/>
                 <a:cs typeface="Menlo" charset="0"/>
-                <a:hlinkClick r:id="rId13"/>
-              </a:rPr>
-              <a:t>download.docker.com/mac/stable/Docker.dmg</a:t>
-            </a:r>
-            <a:endParaRPr lang="en-US" sz="1200" dirty="0" smtClean="0">
-              <a:latin typeface="Menlo" charset="0"/>
-              <a:ea typeface="Menlo" charset="0"/>
-              <a:cs typeface="Menlo" charset="0"/>
-            </a:endParaRPr>
-          </a:p>
-          <a:p>
-            <a:r>
-              <a:rPr lang="en-US" sz="1400" dirty="0" smtClean="0">
-                <a:latin typeface="Menlo" charset="0"/>
-                <a:ea typeface="Menlo" charset="0"/>
-                <a:cs typeface="Menlo" charset="0"/>
-              </a:rPr>
-              <a:t>Ubuntu        </a:t>
-            </a:r>
-            <a:r>
-              <a:rPr lang="en-US" sz="1200" dirty="0" smtClean="0">
-                <a:latin typeface="Menlo" charset="0"/>
-                <a:ea typeface="Menlo" charset="0"/>
-                <a:cs typeface="Menlo" charset="0"/>
-                <a:hlinkClick r:id="rId14"/>
-              </a:rPr>
-              <a:t>https</a:t>
-            </a:r>
-            <a:r>
-              <a:rPr lang="en-US" sz="1200" dirty="0">
-                <a:latin typeface="Menlo" charset="0"/>
-                <a:ea typeface="Menlo" charset="0"/>
-                <a:cs typeface="Menlo" charset="0"/>
-                <a:hlinkClick r:id="rId14"/>
-              </a:rPr>
-              <a:t>://docs.docker.com/install/linux/docker-ce/ubuntu</a:t>
-            </a:r>
-            <a:r>
-              <a:rPr lang="en-US" sz="1200" dirty="0" smtClean="0">
-                <a:latin typeface="Menlo" charset="0"/>
-                <a:ea typeface="Menlo" charset="0"/>
-                <a:cs typeface="Menlo" charset="0"/>
-                <a:hlinkClick r:id="rId14"/>
+                <a:hlinkClick r:id="rId12"/>
               </a:rPr>
               <a:t>/</a:t>
             </a:r>
@@ -6203,11 +6180,6 @@
               </a:rPr>
               <a:t>/2OVcyeg</a:t>
             </a:r>
-            <a:endParaRPr lang="en-US" sz="1400" dirty="0">
-              <a:latin typeface="Menlo" charset="0"/>
-              <a:ea typeface="Menlo" charset="0"/>
-              <a:cs typeface="Menlo" charset="0"/>
-            </a:endParaRPr>
           </a:p>
         </p:txBody>
       </p:sp>
@@ -8047,11 +8019,6 @@
               </a:rPr>
               <a:t>/2OVcyeg</a:t>
             </a:r>
-            <a:endParaRPr lang="en-US" sz="1400" dirty="0">
-              <a:latin typeface="Menlo" charset="0"/>
-              <a:ea typeface="Menlo" charset="0"/>
-              <a:cs typeface="Menlo" charset="0"/>
-            </a:endParaRPr>
           </a:p>
         </p:txBody>
       </p:sp>
@@ -12491,11 +12458,6 @@
               </a:rPr>
               <a:t>/2OVcyeg</a:t>
             </a:r>
-            <a:endParaRPr lang="en-US" sz="1400" dirty="0">
-              <a:latin typeface="Menlo" charset="0"/>
-              <a:ea typeface="Menlo" charset="0"/>
-              <a:cs typeface="Menlo" charset="0"/>
-            </a:endParaRPr>
           </a:p>
         </p:txBody>
       </p:sp>
@@ -14913,11 +14875,6 @@
               </a:rPr>
               <a:t>/2OVcyeg</a:t>
             </a:r>
-            <a:endParaRPr lang="en-US" sz="1400" dirty="0">
-              <a:latin typeface="Menlo" charset="0"/>
-              <a:ea typeface="Menlo" charset="0"/>
-              <a:cs typeface="Menlo" charset="0"/>
-            </a:endParaRPr>
           </a:p>
         </p:txBody>
       </p:sp>
@@ -16121,11 +16078,6 @@
               </a:rPr>
               <a:t>/2OVcyeg</a:t>
             </a:r>
-            <a:endParaRPr lang="en-US" sz="1400" dirty="0">
-              <a:latin typeface="Menlo" charset="0"/>
-              <a:ea typeface="Menlo" charset="0"/>
-              <a:cs typeface="Menlo" charset="0"/>
-            </a:endParaRPr>
           </a:p>
         </p:txBody>
       </p:sp>
@@ -16659,11 +16611,6 @@
               </a:rPr>
               <a:t>/2OVcyeg</a:t>
             </a:r>
-            <a:endParaRPr lang="en-US" sz="1400" dirty="0">
-              <a:latin typeface="Menlo" charset="0"/>
-              <a:ea typeface="Menlo" charset="0"/>
-              <a:cs typeface="Menlo" charset="0"/>
-            </a:endParaRPr>
           </a:p>
         </p:txBody>
       </p:sp>
@@ -17684,11 +17631,6 @@
               </a:rPr>
               <a:t>/2OVcyeg</a:t>
             </a:r>
-            <a:endParaRPr lang="en-US" sz="1400" dirty="0">
-              <a:latin typeface="Menlo" charset="0"/>
-              <a:ea typeface="Menlo" charset="0"/>
-              <a:cs typeface="Menlo" charset="0"/>
-            </a:endParaRPr>
           </a:p>
         </p:txBody>
       </p:sp>
@@ -19813,11 +19755,6 @@
               </a:rPr>
               <a:t>/2OVcyeg</a:t>
             </a:r>
-            <a:endParaRPr lang="en-US" sz="1400" dirty="0">
-              <a:latin typeface="Menlo" charset="0"/>
-              <a:ea typeface="Menlo" charset="0"/>
-              <a:cs typeface="Menlo" charset="0"/>
-            </a:endParaRPr>
           </a:p>
         </p:txBody>
       </p:sp>

--- a/slides/cwl_workshop.pptx
+++ b/slides/cwl_workshop.pptx
@@ -5339,8 +5339,8 @@
         </p:nvSpPr>
         <p:spPr>
           <a:xfrm>
-            <a:off x="0" y="2356219"/>
-            <a:ext cx="12192000" cy="954107"/>
+            <a:off x="0" y="2527675"/>
+            <a:ext cx="12192000" cy="707886"/>
           </a:xfrm>
           <a:prstGeom prst="rect">
             <a:avLst/>
@@ -5377,8 +5377,11 @@
                 <a:ea typeface="Menlo" charset="0"/>
                 <a:cs typeface="Menlo" charset="0"/>
               </a:rPr>
-              <a:t>Windows       </a:t>
-            </a:r>
+              <a:t>Windows/MacOS/Ubuntu</a:t>
+            </a:r>
+          </a:p>
+          <a:p>
+            <a:pPr indent="1497013"/>
             <a:r>
               <a:rPr lang="en-US" sz="1200" dirty="0" smtClean="0">
                 <a:latin typeface="Menlo" charset="0"/>
@@ -5396,72 +5399,6 @@
                 <a:hlinkClick r:id="rId6"/>
               </a:rPr>
               <a:t>://</a:t>
-            </a:r>
-            <a:r>
-              <a:rPr lang="en-US" sz="1200" dirty="0" smtClean="0">
-                <a:latin typeface="Menlo" charset="0"/>
-                <a:ea typeface="Menlo" charset="0"/>
-                <a:cs typeface="Menlo" charset="0"/>
-                <a:hlinkClick r:id="rId6"/>
-              </a:rPr>
-              <a:t>www.oracle.com/technetwork/java/javase/downloads/jdk8-downloads-2133151.html</a:t>
-            </a:r>
-            <a:endParaRPr lang="en-US" sz="1200" dirty="0">
-              <a:latin typeface="Menlo" charset="0"/>
-              <a:ea typeface="Menlo" charset="0"/>
-              <a:cs typeface="Menlo" charset="0"/>
-            </a:endParaRPr>
-          </a:p>
-          <a:p>
-            <a:r>
-              <a:rPr lang="en-US" sz="1400" dirty="0" smtClean="0">
-                <a:latin typeface="Menlo" charset="0"/>
-                <a:ea typeface="Menlo" charset="0"/>
-                <a:cs typeface="Menlo" charset="0"/>
-              </a:rPr>
-              <a:t>MacOS         </a:t>
-            </a:r>
-            <a:r>
-              <a:rPr lang="en-US" sz="1200" dirty="0">
-                <a:latin typeface="Menlo" charset="0"/>
-                <a:ea typeface="Menlo" charset="0"/>
-                <a:cs typeface="Menlo" charset="0"/>
-                <a:hlinkClick r:id="rId6"/>
-              </a:rPr>
-              <a:t>http://</a:t>
-            </a:r>
-            <a:r>
-              <a:rPr lang="en-US" sz="1200" dirty="0" smtClean="0">
-                <a:latin typeface="Menlo" charset="0"/>
-                <a:ea typeface="Menlo" charset="0"/>
-                <a:cs typeface="Menlo" charset="0"/>
-                <a:hlinkClick r:id="rId6"/>
-              </a:rPr>
-              <a:t>www.oracle.com/technetwork/java/javase/downloads/jdk8-downloads-2133151.html</a:t>
-            </a:r>
-            <a:endParaRPr lang="en-US" sz="1200" dirty="0" smtClean="0">
-              <a:latin typeface="Menlo" charset="0"/>
-              <a:ea typeface="Menlo" charset="0"/>
-              <a:cs typeface="Menlo" charset="0"/>
-            </a:endParaRPr>
-          </a:p>
-          <a:p>
-            <a:r>
-              <a:rPr lang="en-US" sz="1400" dirty="0" smtClean="0">
-                <a:latin typeface="Menlo" charset="0"/>
-                <a:ea typeface="Menlo" charset="0"/>
-                <a:cs typeface="Menlo" charset="0"/>
-              </a:rPr>
-              <a:t>Ubuntu        </a:t>
-            </a:r>
-            <a:r>
-              <a:rPr lang="en-US" sz="1200" dirty="0">
-                <a:latin typeface="Menlo" charset="0"/>
-                <a:ea typeface="Menlo" charset="0"/>
-                <a:cs typeface="Menlo" charset="0"/>
-                <a:hlinkClick r:id="rId6"/>
-              </a:rPr>
-              <a:t>http://</a:t>
             </a:r>
             <a:r>
               <a:rPr lang="en-US" sz="1200" dirty="0" smtClean="0">

--- a/slides/cwl_workshop.pptx
+++ b/slides/cwl_workshop.pptx
@@ -6333,8 +6333,8 @@
         </p:nvSpPr>
         <p:spPr>
           <a:xfrm>
-            <a:off x="8080955" y="2021817"/>
-            <a:ext cx="3657600" cy="3416320"/>
+            <a:off x="8080955" y="1807500"/>
+            <a:ext cx="3657600" cy="3970318"/>
           </a:xfrm>
           <a:prstGeom prst="rect">
             <a:avLst/>
@@ -6637,15 +6637,82 @@
               <a:t>    type: </a:t>
             </a:r>
             <a:r>
-              <a:rPr lang="en-US" dirty="0" err="1" smtClean="0">
-                <a:solidFill>
-                  <a:schemeClr val="tx1"/>
-                </a:solidFill>
-                <a:latin typeface="Menlo" charset="0"/>
-                <a:ea typeface="Menlo" charset="0"/>
-                <a:cs typeface="Menlo" charset="0"/>
-              </a:rPr>
-              <a:t>stdout</a:t>
+              <a:rPr lang="en-US" dirty="0" smtClean="0">
+                <a:solidFill>
+                  <a:schemeClr val="tx1"/>
+                </a:solidFill>
+                <a:latin typeface="Menlo" charset="0"/>
+                <a:ea typeface="Menlo" charset="0"/>
+                <a:cs typeface="Menlo" charset="0"/>
+              </a:rPr>
+              <a:t>File</a:t>
+            </a:r>
+          </a:p>
+          <a:p>
+            <a:r>
+              <a:rPr lang="en-US" dirty="0" smtClean="0">
+                <a:solidFill>
+                  <a:schemeClr val="tx1"/>
+                </a:solidFill>
+                <a:latin typeface="Menlo" charset="0"/>
+                <a:ea typeface="Menlo" charset="0"/>
+                <a:cs typeface="Menlo" charset="0"/>
+              </a:rPr>
+              <a:t>    outputBinding</a:t>
+            </a:r>
+            <a:r>
+              <a:rPr lang="en-US" dirty="0">
+                <a:solidFill>
+                  <a:schemeClr val="tx1"/>
+                </a:solidFill>
+                <a:latin typeface="Menlo" charset="0"/>
+                <a:ea typeface="Menlo" charset="0"/>
+                <a:cs typeface="Menlo" charset="0"/>
+              </a:rPr>
+              <a:t>:</a:t>
+            </a:r>
+            <a:br>
+              <a:rPr lang="en-US" dirty="0">
+                <a:solidFill>
+                  <a:schemeClr val="tx1"/>
+                </a:solidFill>
+                <a:latin typeface="Menlo" charset="0"/>
+                <a:ea typeface="Menlo" charset="0"/>
+                <a:cs typeface="Menlo" charset="0"/>
+              </a:rPr>
+            </a:br>
+            <a:r>
+              <a:rPr lang="en-US" dirty="0">
+                <a:solidFill>
+                  <a:schemeClr val="tx1"/>
+                </a:solidFill>
+                <a:latin typeface="Menlo" charset="0"/>
+                <a:ea typeface="Menlo" charset="0"/>
+                <a:cs typeface="Menlo" charset="0"/>
+              </a:rPr>
+              <a:t>  </a:t>
+            </a:r>
+            <a:r>
+              <a:rPr lang="en-US" dirty="0" smtClean="0">
+                <a:solidFill>
+                  <a:schemeClr val="tx1"/>
+                </a:solidFill>
+                <a:latin typeface="Menlo" charset="0"/>
+                <a:ea typeface="Menlo" charset="0"/>
+                <a:cs typeface="Menlo" charset="0"/>
+              </a:rPr>
+              <a:t>    glob</a:t>
+            </a:r>
+            <a:r>
+              <a:rPr lang="en-US" dirty="0">
+                <a:solidFill>
+                  <a:schemeClr val="tx1"/>
+                </a:solidFill>
+                <a:latin typeface="Menlo" charset="0"/>
+                <a:ea typeface="Menlo" charset="0"/>
+                <a:cs typeface="Menlo" charset="0"/>
+              </a:rPr>
+              <a:t>: "*"</a:t>
             </a:r>
             <a:r>
               <a:rPr lang="en-US" dirty="0">
@@ -6747,7 +6814,7 @@
         </p:nvSpPr>
         <p:spPr>
           <a:xfrm>
-            <a:off x="8080955" y="1156211"/>
+            <a:off x="8080955" y="1099059"/>
             <a:ext cx="3657600" cy="369332"/>
           </a:xfrm>
           <a:prstGeom prst="rect">
@@ -6837,7 +6904,7 @@
         </p:nvSpPr>
         <p:spPr>
           <a:xfrm>
-            <a:off x="8080955" y="5914278"/>
+            <a:off x="8080955" y="6100018"/>
             <a:ext cx="3657600" cy="369332"/>
           </a:xfrm>
           <a:prstGeom prst="rect">
@@ -6905,7 +6972,7 @@
         </p:nvSpPr>
         <p:spPr>
           <a:xfrm>
-            <a:off x="8080955" y="844303"/>
+            <a:off x="8080955" y="787151"/>
             <a:ext cx="3657600" cy="307777"/>
           </a:xfrm>
           <a:prstGeom prst="rect">
@@ -6943,7 +7010,7 @@
         </p:nvSpPr>
         <p:spPr>
           <a:xfrm>
-            <a:off x="8080955" y="1703753"/>
+            <a:off x="8080955" y="1489436"/>
             <a:ext cx="3657600" cy="307777"/>
           </a:xfrm>
           <a:prstGeom prst="rect">
@@ -6981,7 +7048,7 @@
         </p:nvSpPr>
         <p:spPr>
           <a:xfrm>
-            <a:off x="8080955" y="5605211"/>
+            <a:off x="8080955" y="5790951"/>
             <a:ext cx="3657600" cy="307777"/>
           </a:xfrm>
           <a:prstGeom prst="rect">
@@ -7804,7 +7871,7 @@
         </p:nvSpPr>
         <p:spPr>
           <a:xfrm>
-            <a:off x="6617361" y="3340332"/>
+            <a:off x="6617361" y="2925988"/>
             <a:ext cx="1689020" cy="785629"/>
           </a:xfrm>
           <a:prstGeom prst="rightArrow">

--- a/slides/cwl_workshop.pptx
+++ b/slides/cwl_workshop.pptx
@@ -5,7 +5,7 @@
     <p:sldMasterId id="2147483696" r:id="rId1"/>
   </p:sldMasterIdLst>
   <p:notesMasterIdLst>
-    <p:notesMasterId r:id="rId12"/>
+    <p:notesMasterId r:id="rId13"/>
   </p:notesMasterIdLst>
   <p:sldIdLst>
     <p:sldId id="256" r:id="rId2"/>
@@ -18,6 +18,7 @@
     <p:sldId id="271" r:id="rId9"/>
     <p:sldId id="272" r:id="rId10"/>
     <p:sldId id="273" r:id="rId11"/>
+    <p:sldId id="274" r:id="rId12"/>
   </p:sldIdLst>
   <p:sldSz cx="12192000" cy="6858000"/>
   <p:notesSz cx="6858000" cy="9144000"/>
@@ -241,7 +242,7 @@
           <a:p>
             <a:fld id="{C0D15687-4E0E-F84F-AFE0-1F1A52F58F6A}" type="datetimeFigureOut">
               <a:rPr lang="en-US" smtClean="0"/>
-              <a:t>10/29/18</a:t>
+              <a:t>10/30/18</a:t>
             </a:fld>
             <a:endParaRPr lang="en-US"/>
           </a:p>
@@ -1016,7 +1017,7 @@
           <a:p>
             <a:fld id="{1160EA64-D806-43AC-9DF2-F8C432F32B4C}" type="datetimeFigureOut">
               <a:rPr lang="en-US" dirty="0"/>
-              <a:t>10/29/18</a:t>
+              <a:t>10/30/18</a:t>
             </a:fld>
             <a:endParaRPr lang="en-US" dirty="0"/>
           </a:p>
@@ -1182,7 +1183,7 @@
           <a:p>
             <a:fld id="{E9F9C37B-1D36-470B-8223-D6C91242EC14}" type="datetimeFigureOut">
               <a:rPr lang="en-US" dirty="0"/>
-              <a:t>10/29/18</a:t>
+              <a:t>10/30/18</a:t>
             </a:fld>
             <a:endParaRPr lang="en-US" dirty="0"/>
           </a:p>
@@ -1357,7 +1358,7 @@
           <a:p>
             <a:fld id="{67C6F52A-A82B-47A2-A83A-8C4C91F2D59F}" type="datetimeFigureOut">
               <a:rPr lang="en-US" dirty="0"/>
-              <a:t>10/29/18</a:t>
+              <a:t>10/30/18</a:t>
             </a:fld>
             <a:endParaRPr lang="en-US" dirty="0"/>
           </a:p>
@@ -1522,7 +1523,7 @@
           <a:p>
             <a:fld id="{F070A7B3-6521-4DCA-87E5-044747A908C1}" type="datetimeFigureOut">
               <a:rPr lang="en-US" dirty="0"/>
-              <a:t>10/29/18</a:t>
+              <a:t>10/30/18</a:t>
             </a:fld>
             <a:endParaRPr lang="en-US" dirty="0"/>
           </a:p>
@@ -1786,7 +1787,7 @@
           <a:p>
             <a:fld id="{1160EA64-D806-43AC-9DF2-F8C432F32B4C}" type="datetimeFigureOut">
               <a:rPr lang="en-US" dirty="0"/>
-              <a:t>10/29/18</a:t>
+              <a:t>10/30/18</a:t>
             </a:fld>
             <a:endParaRPr lang="en-US" dirty="0"/>
           </a:p>
@@ -2014,7 +2015,7 @@
           <a:p>
             <a:fld id="{AB134690-1557-4C89-A502-4959FE7FAD70}" type="datetimeFigureOut">
               <a:rPr lang="en-US" dirty="0"/>
-              <a:t>10/29/18</a:t>
+              <a:t>10/30/18</a:t>
             </a:fld>
             <a:endParaRPr lang="en-US" dirty="0"/>
           </a:p>
@@ -2368,7 +2369,7 @@
           <a:p>
             <a:fld id="{4F7D4976-E339-4826-83B7-FBD03F55ECF8}" type="datetimeFigureOut">
               <a:rPr lang="en-US" dirty="0"/>
-              <a:t>10/29/18</a:t>
+              <a:t>10/30/18</a:t>
             </a:fld>
             <a:endParaRPr lang="en-US" dirty="0"/>
           </a:p>
@@ -2504,7 +2505,7 @@
           <a:p>
             <a:fld id="{E1037C31-9E7A-4F99-8774-A0E530DE1A42}" type="datetimeFigureOut">
               <a:rPr lang="en-US" dirty="0"/>
-              <a:t>10/29/18</a:t>
+              <a:t>10/30/18</a:t>
             </a:fld>
             <a:endParaRPr lang="en-US" dirty="0"/>
           </a:p>
@@ -2594,7 +2595,7 @@
           <a:p>
             <a:fld id="{C278504F-A551-4DE0-9316-4DCD1D8CC752}" type="datetimeFigureOut">
               <a:rPr lang="en-US" dirty="0"/>
-              <a:t>10/29/18</a:t>
+              <a:t>10/30/18</a:t>
             </a:fld>
             <a:endParaRPr lang="en-US" dirty="0"/>
           </a:p>
@@ -2946,7 +2947,7 @@
           <a:p>
             <a:fld id="{D1BE4249-C0D0-4B06-8692-E8BB871AF643}" type="datetimeFigureOut">
               <a:rPr lang="en-US" dirty="0"/>
-              <a:t>10/29/18</a:t>
+              <a:t>10/30/18</a:t>
             </a:fld>
             <a:endParaRPr lang="en-US" dirty="0"/>
           </a:p>
@@ -3298,7 +3299,7 @@
           <a:p>
             <a:fld id="{042B0DB6-F5C7-45FB-8CF3-31B45F9C2DAC}" type="datetimeFigureOut">
               <a:rPr lang="en-US" dirty="0"/>
-              <a:t>10/29/18</a:t>
+              <a:t>10/30/18</a:t>
             </a:fld>
             <a:endParaRPr lang="en-US" dirty="0"/>
           </a:p>
@@ -3534,7 +3535,7 @@
           <a:p>
             <a:fld id="{1160EA64-D806-43AC-9DF2-F8C432F32B4C}" type="datetimeFigureOut">
               <a:rPr lang="en-US" dirty="0"/>
-              <a:t>10/29/18</a:t>
+              <a:t>10/30/18</a:t>
             </a:fld>
             <a:endParaRPr lang="en-US" dirty="0"/>
           </a:p>
@@ -5142,6 +5143,2202 @@
 </p:sld>
 </file>
 
+<file path=ppt/slides/slide11.xml><?xml version="1.0" encoding="utf-8"?>
+<p:sld xmlns:a="http://schemas.openxmlformats.org/drawingml/2006/main" xmlns:r="http://schemas.openxmlformats.org/officeDocument/2006/relationships" xmlns:p="http://schemas.openxmlformats.org/presentationml/2006/main">
+  <p:cSld>
+    <p:spTree>
+      <p:nvGrpSpPr>
+        <p:cNvPr id="1" name=""/>
+        <p:cNvGrpSpPr/>
+        <p:nvPr/>
+      </p:nvGrpSpPr>
+      <p:grpSpPr>
+        <a:xfrm>
+          <a:off x="0" y="0"/>
+          <a:ext cx="0" cy="0"/>
+          <a:chOff x="0" y="0"/>
+          <a:chExt cx="0" cy="0"/>
+        </a:xfrm>
+      </p:grpSpPr>
+      <p:sp>
+        <p:nvSpPr>
+          <p:cNvPr id="8" name="Title 1"/>
+          <p:cNvSpPr>
+            <a:spLocks noGrp="1"/>
+          </p:cNvSpPr>
+          <p:nvPr>
+            <p:ph type="title"/>
+          </p:nvPr>
+        </p:nvSpPr>
+        <p:spPr>
+          <a:xfrm>
+            <a:off x="0" y="0"/>
+            <a:ext cx="12192000" cy="622995"/>
+          </a:xfrm>
+        </p:spPr>
+        <p:txBody>
+          <a:bodyPr>
+            <a:normAutofit fontScale="90000"/>
+          </a:bodyPr>
+          <a:lstStyle/>
+          <a:p>
+            <a:pPr algn="l"/>
+            <a:r>
+              <a:rPr lang="en-US" b="1" dirty="0" smtClean="0"/>
+              <a:t>Step </a:t>
+            </a:r>
+            <a:r>
+              <a:rPr lang="en-US" b="1" dirty="0"/>
+              <a:t>8</a:t>
+            </a:r>
+            <a:r>
+              <a:rPr lang="en-US" b="1" dirty="0" smtClean="0"/>
+              <a:t>:</a:t>
+            </a:r>
+            <a:endParaRPr lang="en-US" b="1" dirty="0"/>
+          </a:p>
+        </p:txBody>
+      </p:sp>
+      <p:sp>
+        <p:nvSpPr>
+          <p:cNvPr id="9" name="Title 1"/>
+          <p:cNvSpPr txBox="1">
+            <a:spLocks/>
+          </p:cNvSpPr>
+          <p:nvPr/>
+        </p:nvSpPr>
+        <p:spPr bwMode="black">
+          <a:xfrm>
+            <a:off x="1974273" y="0"/>
+            <a:ext cx="10217726" cy="622995"/>
+          </a:xfrm>
+          <a:prstGeom prst="rect">
+            <a:avLst/>
+          </a:prstGeom>
+          <a:noFill/>
+          <a:ln w="31750" cap="sq">
+            <a:noFill/>
+            <a:miter lim="800000"/>
+          </a:ln>
+        </p:spPr>
+        <p:txBody>
+          <a:bodyPr vert="horz" lIns="182880" tIns="182880" rIns="182880" bIns="182880" rtlCol="0" anchor="ctr">
+            <a:noAutofit/>
+          </a:bodyPr>
+          <a:lstStyle>
+            <a:lvl1pPr algn="ctr" defTabSz="914400" rtl="0" eaLnBrk="1" latinLnBrk="0" hangingPunct="1">
+              <a:lnSpc>
+                <a:spcPct val="90000"/>
+              </a:lnSpc>
+              <a:spcBef>
+                <a:spcPct val="0"/>
+              </a:spcBef>
+              <a:buNone/>
+              <a:defRPr sz="2800" kern="1200" cap="all" spc="200" baseline="0">
+                <a:solidFill>
+                  <a:srgbClr val="262626"/>
+                </a:solidFill>
+                <a:latin typeface="+mj-lt"/>
+                <a:ea typeface="+mj-ea"/>
+                <a:cs typeface="+mj-cs"/>
+              </a:defRPr>
+            </a:lvl1pPr>
+          </a:lstStyle>
+          <a:p>
+            <a:pPr algn="l"/>
+            <a:r>
+              <a:rPr lang="en-US" sz="2400" dirty="0" smtClean="0"/>
+              <a:t>for those who wants to know more</a:t>
+            </a:r>
+            <a:endParaRPr lang="en-US" sz="2500" dirty="0">
+              <a:solidFill>
+                <a:schemeClr val="tx1">
+                  <a:lumMod val="50000"/>
+                  <a:lumOff val="50000"/>
+                </a:schemeClr>
+              </a:solidFill>
+            </a:endParaRPr>
+          </a:p>
+        </p:txBody>
+      </p:sp>
+      <p:sp>
+        <p:nvSpPr>
+          <p:cNvPr id="15" name="TextBox 14"/>
+          <p:cNvSpPr txBox="1"/>
+          <p:nvPr/>
+        </p:nvSpPr>
+        <p:spPr>
+          <a:xfrm>
+            <a:off x="9265919" y="6537960"/>
+            <a:ext cx="2926080" cy="320040"/>
+          </a:xfrm>
+          <a:prstGeom prst="rect">
+            <a:avLst/>
+          </a:prstGeom>
+          <a:noFill/>
+        </p:spPr>
+        <p:txBody>
+          <a:bodyPr wrap="square" rtlCol="0">
+            <a:spAutoFit/>
+          </a:bodyPr>
+          <a:lstStyle/>
+          <a:p>
+            <a:pPr algn="r"/>
+            <a:r>
+              <a:rPr lang="en-US" sz="1400" smtClean="0">
+                <a:latin typeface="Menlo" charset="0"/>
+                <a:ea typeface="Menlo" charset="0"/>
+                <a:cs typeface="Menlo" charset="0"/>
+              </a:rPr>
+              <a:t>http</a:t>
+            </a:r>
+            <a:r>
+              <a:rPr lang="en-US" sz="1400" dirty="0">
+                <a:latin typeface="Menlo" charset="0"/>
+                <a:ea typeface="Menlo" charset="0"/>
+                <a:cs typeface="Menlo" charset="0"/>
+              </a:rPr>
+              <a:t>://</a:t>
+            </a:r>
+            <a:r>
+              <a:rPr lang="en-US" sz="1400" dirty="0" err="1">
+                <a:latin typeface="Menlo" charset="0"/>
+                <a:ea typeface="Menlo" charset="0"/>
+                <a:cs typeface="Menlo" charset="0"/>
+              </a:rPr>
+              <a:t>bit.ly</a:t>
+            </a:r>
+            <a:r>
+              <a:rPr lang="en-US" sz="1400" dirty="0">
+                <a:latin typeface="Menlo" charset="0"/>
+                <a:ea typeface="Menlo" charset="0"/>
+                <a:cs typeface="Menlo" charset="0"/>
+              </a:rPr>
+              <a:t>/2OVcyeg</a:t>
+            </a:r>
+          </a:p>
+        </p:txBody>
+      </p:sp>
+      <p:sp>
+        <p:nvSpPr>
+          <p:cNvPr id="16" name="Rounded Rectangle 15"/>
+          <p:cNvSpPr/>
+          <p:nvPr/>
+        </p:nvSpPr>
+        <p:spPr>
+          <a:xfrm>
+            <a:off x="7745791" y="965621"/>
+            <a:ext cx="4114800" cy="394138"/>
+          </a:xfrm>
+          <a:prstGeom prst="roundRect">
+            <a:avLst/>
+          </a:prstGeom>
+          <a:solidFill>
+            <a:schemeClr val="tx1"/>
+          </a:solidFill>
+          <a:ln>
+            <a:noFill/>
+          </a:ln>
+        </p:spPr>
+        <p:style>
+          <a:lnRef idx="2">
+            <a:schemeClr val="accent1">
+              <a:shade val="50000"/>
+            </a:schemeClr>
+          </a:lnRef>
+          <a:fillRef idx="1">
+            <a:schemeClr val="accent1"/>
+          </a:fillRef>
+          <a:effectRef idx="0">
+            <a:schemeClr val="accent1"/>
+          </a:effectRef>
+          <a:fontRef idx="minor">
+            <a:schemeClr val="lt1"/>
+          </a:fontRef>
+        </p:style>
+        <p:txBody>
+          <a:bodyPr rtlCol="0" anchor="ctr"/>
+          <a:lstStyle/>
+          <a:p>
+            <a:r>
+              <a:rPr lang="en-US" dirty="0" smtClean="0">
+                <a:solidFill>
+                  <a:srgbClr val="FFFF00"/>
+                </a:solidFill>
+                <a:latin typeface="Menlo" charset="0"/>
+                <a:ea typeface="Menlo" charset="0"/>
+                <a:cs typeface="Menlo" charset="0"/>
+              </a:rPr>
+              <a:t>&gt;_ </a:t>
+            </a:r>
+            <a:r>
+              <a:rPr lang="en-US" b="1" dirty="0">
+                <a:solidFill>
+                  <a:schemeClr val="bg1">
+                    <a:lumMod val="85000"/>
+                  </a:schemeClr>
+                </a:solidFill>
+                <a:latin typeface="Menlo" charset="0"/>
+                <a:ea typeface="Menlo" charset="0"/>
+                <a:cs typeface="Menlo" charset="0"/>
+              </a:rPr>
+              <a:t>CWL </a:t>
+            </a:r>
+            <a:r>
+              <a:rPr lang="en-US" b="1" dirty="0" smtClean="0">
+                <a:solidFill>
+                  <a:schemeClr val="bg1">
+                    <a:lumMod val="85000"/>
+                  </a:schemeClr>
+                </a:solidFill>
+                <a:latin typeface="Menlo" charset="0"/>
+                <a:ea typeface="Menlo" charset="0"/>
+                <a:cs typeface="Menlo" charset="0"/>
+              </a:rPr>
+              <a:t>standards           *</a:t>
+            </a:r>
+            <a:endParaRPr lang="en-US" dirty="0">
+              <a:solidFill>
+                <a:schemeClr val="bg1">
+                  <a:lumMod val="85000"/>
+                </a:schemeClr>
+              </a:solidFill>
+              <a:latin typeface="Menlo" charset="0"/>
+              <a:ea typeface="Menlo" charset="0"/>
+              <a:cs typeface="Menlo" charset="0"/>
+            </a:endParaRPr>
+          </a:p>
+        </p:txBody>
+      </p:sp>
+      <p:sp>
+        <p:nvSpPr>
+          <p:cNvPr id="17" name="TextBox 16"/>
+          <p:cNvSpPr txBox="1"/>
+          <p:nvPr/>
+        </p:nvSpPr>
+        <p:spPr>
+          <a:xfrm>
+            <a:off x="7745791" y="1393485"/>
+            <a:ext cx="4114800" cy="307777"/>
+          </a:xfrm>
+          <a:prstGeom prst="rect">
+            <a:avLst/>
+          </a:prstGeom>
+          <a:solidFill>
+            <a:schemeClr val="accent2">
+              <a:lumMod val="60000"/>
+              <a:lumOff val="40000"/>
+            </a:schemeClr>
+          </a:solidFill>
+          <a:ln>
+            <a:noFill/>
+          </a:ln>
+        </p:spPr>
+        <p:style>
+          <a:lnRef idx="2">
+            <a:schemeClr val="accent2">
+              <a:shade val="50000"/>
+            </a:schemeClr>
+          </a:lnRef>
+          <a:fillRef idx="1">
+            <a:schemeClr val="accent2"/>
+          </a:fillRef>
+          <a:effectRef idx="0">
+            <a:schemeClr val="accent2"/>
+          </a:effectRef>
+          <a:fontRef idx="minor">
+            <a:schemeClr val="lt1"/>
+          </a:fontRef>
+        </p:style>
+        <p:txBody>
+          <a:bodyPr wrap="square" rtlCol="0">
+            <a:spAutoFit/>
+          </a:bodyPr>
+          <a:lstStyle/>
+          <a:p>
+            <a:r>
+              <a:rPr lang="en-US" sz="1400" dirty="0" smtClean="0">
+                <a:solidFill>
+                  <a:schemeClr val="tx1"/>
+                </a:solidFill>
+                <a:latin typeface="Menlo" charset="0"/>
+                <a:ea typeface="Menlo" charset="0"/>
+                <a:cs typeface="Menlo" charset="0"/>
+              </a:rPr>
+              <a:t>https</a:t>
+            </a:r>
+            <a:r>
+              <a:rPr lang="en-US" sz="1400" dirty="0">
+                <a:solidFill>
+                  <a:schemeClr val="tx1"/>
+                </a:solidFill>
+                <a:latin typeface="Menlo" charset="0"/>
+                <a:ea typeface="Menlo" charset="0"/>
+                <a:cs typeface="Menlo" charset="0"/>
+              </a:rPr>
+              <a:t>://</a:t>
+            </a:r>
+            <a:r>
+              <a:rPr lang="en-US" sz="1400" dirty="0" err="1">
+                <a:solidFill>
+                  <a:schemeClr val="tx1"/>
+                </a:solidFill>
+                <a:latin typeface="Menlo" charset="0"/>
+                <a:ea typeface="Menlo" charset="0"/>
+                <a:cs typeface="Menlo" charset="0"/>
+              </a:rPr>
+              <a:t>www.commonwl.org</a:t>
+            </a:r>
+            <a:r>
+              <a:rPr lang="en-US" sz="1400" dirty="0" smtClean="0">
+                <a:solidFill>
+                  <a:schemeClr val="tx1"/>
+                </a:solidFill>
+                <a:latin typeface="Menlo" charset="0"/>
+                <a:ea typeface="Menlo" charset="0"/>
+                <a:cs typeface="Menlo" charset="0"/>
+              </a:rPr>
+              <a:t>/</a:t>
+            </a:r>
+            <a:endParaRPr lang="en-US" sz="1400" dirty="0" smtClean="0">
+              <a:solidFill>
+                <a:schemeClr val="tx1"/>
+              </a:solidFill>
+              <a:latin typeface="Menlo" charset="0"/>
+              <a:ea typeface="Menlo" charset="0"/>
+              <a:cs typeface="Menlo" charset="0"/>
+              <a:hlinkClick r:id="rId2"/>
+            </a:endParaRPr>
+          </a:p>
+        </p:txBody>
+      </p:sp>
+      <p:sp>
+        <p:nvSpPr>
+          <p:cNvPr id="18" name="Rounded Rectangle 17"/>
+          <p:cNvSpPr/>
+          <p:nvPr/>
+        </p:nvSpPr>
+        <p:spPr>
+          <a:xfrm>
+            <a:off x="323663" y="965621"/>
+            <a:ext cx="7091140" cy="394138"/>
+          </a:xfrm>
+          <a:prstGeom prst="roundRect">
+            <a:avLst/>
+          </a:prstGeom>
+          <a:solidFill>
+            <a:schemeClr val="tx1"/>
+          </a:solidFill>
+          <a:ln>
+            <a:noFill/>
+          </a:ln>
+        </p:spPr>
+        <p:style>
+          <a:lnRef idx="2">
+            <a:schemeClr val="accent1">
+              <a:shade val="50000"/>
+            </a:schemeClr>
+          </a:lnRef>
+          <a:fillRef idx="1">
+            <a:schemeClr val="accent1"/>
+          </a:fillRef>
+          <a:effectRef idx="0">
+            <a:schemeClr val="accent1"/>
+          </a:effectRef>
+          <a:fontRef idx="minor">
+            <a:schemeClr val="lt1"/>
+          </a:fontRef>
+        </p:style>
+        <p:txBody>
+          <a:bodyPr rtlCol="0" anchor="ctr"/>
+          <a:lstStyle/>
+          <a:p>
+            <a:r>
+              <a:rPr lang="en-US" dirty="0" smtClean="0">
+                <a:solidFill>
+                  <a:srgbClr val="FFFF00"/>
+                </a:solidFill>
+                <a:latin typeface="Menlo" charset="0"/>
+                <a:ea typeface="Menlo" charset="0"/>
+                <a:cs typeface="Menlo" charset="0"/>
+              </a:rPr>
+              <a:t>&gt;_ </a:t>
+            </a:r>
+            <a:r>
+              <a:rPr lang="en-US" b="1" dirty="0" smtClean="0">
+                <a:solidFill>
+                  <a:schemeClr val="bg1">
+                    <a:lumMod val="85000"/>
+                  </a:schemeClr>
+                </a:solidFill>
+                <a:latin typeface="Menlo" charset="0"/>
+                <a:ea typeface="Menlo" charset="0"/>
+                <a:cs typeface="Menlo" charset="0"/>
+              </a:rPr>
+              <a:t>CWL executors</a:t>
+            </a:r>
+            <a:endParaRPr lang="en-US" dirty="0">
+              <a:solidFill>
+                <a:schemeClr val="bg1">
+                  <a:lumMod val="85000"/>
+                </a:schemeClr>
+              </a:solidFill>
+              <a:latin typeface="Menlo" charset="0"/>
+              <a:ea typeface="Menlo" charset="0"/>
+              <a:cs typeface="Menlo" charset="0"/>
+            </a:endParaRPr>
+          </a:p>
+        </p:txBody>
+      </p:sp>
+      <p:sp>
+        <p:nvSpPr>
+          <p:cNvPr id="19" name="TextBox 18"/>
+          <p:cNvSpPr txBox="1"/>
+          <p:nvPr/>
+        </p:nvSpPr>
+        <p:spPr>
+          <a:xfrm>
+            <a:off x="323663" y="1394068"/>
+            <a:ext cx="7091140" cy="954107"/>
+          </a:xfrm>
+          <a:prstGeom prst="rect">
+            <a:avLst/>
+          </a:prstGeom>
+          <a:solidFill>
+            <a:schemeClr val="accent2">
+              <a:lumMod val="60000"/>
+              <a:lumOff val="40000"/>
+            </a:schemeClr>
+          </a:solidFill>
+          <a:ln>
+            <a:noFill/>
+          </a:ln>
+        </p:spPr>
+        <p:style>
+          <a:lnRef idx="2">
+            <a:schemeClr val="accent2">
+              <a:shade val="50000"/>
+            </a:schemeClr>
+          </a:lnRef>
+          <a:fillRef idx="1">
+            <a:schemeClr val="accent2"/>
+          </a:fillRef>
+          <a:effectRef idx="0">
+            <a:schemeClr val="accent2"/>
+          </a:effectRef>
+          <a:fontRef idx="minor">
+            <a:schemeClr val="lt1"/>
+          </a:fontRef>
+        </p:style>
+        <p:txBody>
+          <a:bodyPr wrap="square" rtlCol="0">
+            <a:spAutoFit/>
+          </a:bodyPr>
+          <a:lstStyle/>
+          <a:p>
+            <a:r>
+              <a:rPr lang="en-US" sz="1400" b="1" dirty="0" smtClean="0">
+                <a:solidFill>
+                  <a:schemeClr val="tx1"/>
+                </a:solidFill>
+                <a:latin typeface="Menlo" charset="0"/>
+                <a:ea typeface="Menlo" charset="0"/>
+                <a:cs typeface="Menlo" charset="0"/>
+              </a:rPr>
+              <a:t>cwltool</a:t>
+            </a:r>
+            <a:r>
+              <a:rPr lang="en-US" sz="1400" b="1" dirty="0">
+                <a:solidFill>
+                  <a:schemeClr val="tx1"/>
+                </a:solidFill>
+                <a:latin typeface="Menlo" charset="0"/>
+                <a:ea typeface="Menlo" charset="0"/>
+                <a:cs typeface="Menlo" charset="0"/>
+              </a:rPr>
+              <a:t> </a:t>
+            </a:r>
+            <a:r>
+              <a:rPr lang="en-US" sz="1400" b="1" dirty="0" smtClean="0">
+                <a:solidFill>
+                  <a:schemeClr val="tx1"/>
+                </a:solidFill>
+                <a:latin typeface="Menlo" charset="0"/>
+                <a:ea typeface="Menlo" charset="0"/>
+                <a:cs typeface="Menlo" charset="0"/>
+              </a:rPr>
+              <a:t> </a:t>
+            </a:r>
+            <a:r>
+              <a:rPr lang="en-US" sz="1400" dirty="0" smtClean="0">
+                <a:solidFill>
+                  <a:schemeClr val="tx1"/>
+                </a:solidFill>
+                <a:latin typeface="Menlo" charset="0"/>
+                <a:ea typeface="Menlo" charset="0"/>
+                <a:cs typeface="Menlo" charset="0"/>
+              </a:rPr>
+              <a:t>    </a:t>
+            </a:r>
+            <a:r>
+              <a:rPr lang="en-US" sz="1400" dirty="0">
+                <a:solidFill>
+                  <a:schemeClr val="tx1"/>
+                </a:solidFill>
+                <a:latin typeface="Menlo" charset="0"/>
+                <a:ea typeface="Menlo" charset="0"/>
+                <a:cs typeface="Menlo" charset="0"/>
+              </a:rPr>
+              <a:t>https://github.com/common-workflow-language/cwltool</a:t>
+            </a:r>
+          </a:p>
+          <a:p>
+            <a:r>
+              <a:rPr lang="en-US" sz="1400" b="1" dirty="0" smtClean="0">
+                <a:solidFill>
+                  <a:schemeClr val="tx1"/>
+                </a:solidFill>
+                <a:latin typeface="Menlo" charset="0"/>
+                <a:ea typeface="Menlo" charset="0"/>
+                <a:cs typeface="Menlo" charset="0"/>
+              </a:rPr>
+              <a:t>CWL-Airflow  </a:t>
+            </a:r>
+            <a:r>
+              <a:rPr lang="en-US" sz="1400" dirty="0">
+                <a:solidFill>
+                  <a:schemeClr val="tx1"/>
+                </a:solidFill>
+                <a:latin typeface="Menlo" charset="0"/>
+                <a:ea typeface="Menlo" charset="0"/>
+                <a:cs typeface="Menlo" charset="0"/>
+              </a:rPr>
+              <a:t>https://</a:t>
+            </a:r>
+            <a:r>
+              <a:rPr lang="en-US" sz="1400" dirty="0" err="1" smtClean="0">
+                <a:solidFill>
+                  <a:schemeClr val="tx1"/>
+                </a:solidFill>
+                <a:latin typeface="Menlo" charset="0"/>
+                <a:ea typeface="Menlo" charset="0"/>
+                <a:cs typeface="Menlo" charset="0"/>
+              </a:rPr>
+              <a:t>github.com</a:t>
+            </a:r>
+            <a:r>
+              <a:rPr lang="en-US" sz="1400" dirty="0" smtClean="0">
+                <a:solidFill>
+                  <a:schemeClr val="tx1"/>
+                </a:solidFill>
+                <a:latin typeface="Menlo" charset="0"/>
+                <a:ea typeface="Menlo" charset="0"/>
+                <a:cs typeface="Menlo" charset="0"/>
+              </a:rPr>
+              <a:t>/Barski-lab/cwl-airflow</a:t>
+            </a:r>
+            <a:endParaRPr lang="en-US" sz="1400" b="1" dirty="0" smtClean="0">
+              <a:solidFill>
+                <a:schemeClr val="tx1"/>
+              </a:solidFill>
+              <a:latin typeface="Menlo" charset="0"/>
+              <a:ea typeface="Menlo" charset="0"/>
+              <a:cs typeface="Menlo" charset="0"/>
+            </a:endParaRPr>
+          </a:p>
+          <a:p>
+            <a:r>
+              <a:rPr lang="en-US" sz="1400" b="1" dirty="0" err="1" smtClean="0">
+                <a:solidFill>
+                  <a:schemeClr val="tx1"/>
+                </a:solidFill>
+                <a:latin typeface="Menlo" charset="0"/>
+                <a:ea typeface="Menlo" charset="0"/>
+                <a:cs typeface="Menlo" charset="0"/>
+              </a:rPr>
+              <a:t>rabix</a:t>
+            </a:r>
+            <a:r>
+              <a:rPr lang="en-US" sz="1400" b="1" dirty="0">
+                <a:solidFill>
+                  <a:schemeClr val="tx1"/>
+                </a:solidFill>
+                <a:latin typeface="Menlo" charset="0"/>
+                <a:ea typeface="Menlo" charset="0"/>
+                <a:cs typeface="Menlo" charset="0"/>
+              </a:rPr>
+              <a:t> </a:t>
+            </a:r>
+            <a:r>
+              <a:rPr lang="en-US" sz="1400" b="1" dirty="0" smtClean="0">
+                <a:solidFill>
+                  <a:schemeClr val="tx1"/>
+                </a:solidFill>
+                <a:latin typeface="Menlo" charset="0"/>
+                <a:ea typeface="Menlo" charset="0"/>
+                <a:cs typeface="Menlo" charset="0"/>
+              </a:rPr>
+              <a:t>       </a:t>
+            </a:r>
+            <a:r>
+              <a:rPr lang="en-US" sz="1400" dirty="0" smtClean="0">
+                <a:solidFill>
+                  <a:schemeClr val="tx1"/>
+                </a:solidFill>
+                <a:latin typeface="Menlo" charset="0"/>
+                <a:ea typeface="Menlo" charset="0"/>
+                <a:cs typeface="Menlo" charset="0"/>
+              </a:rPr>
+              <a:t>http</a:t>
+            </a:r>
+            <a:r>
+              <a:rPr lang="en-US" sz="1400" dirty="0">
+                <a:solidFill>
+                  <a:schemeClr val="tx1"/>
+                </a:solidFill>
+                <a:latin typeface="Menlo" charset="0"/>
+                <a:ea typeface="Menlo" charset="0"/>
+                <a:cs typeface="Menlo" charset="0"/>
+              </a:rPr>
+              <a:t>://</a:t>
+            </a:r>
+            <a:r>
+              <a:rPr lang="en-US" sz="1400" dirty="0" err="1" smtClean="0">
+                <a:solidFill>
+                  <a:schemeClr val="tx1"/>
+                </a:solidFill>
+                <a:latin typeface="Menlo" charset="0"/>
+                <a:ea typeface="Menlo" charset="0"/>
+                <a:cs typeface="Menlo" charset="0"/>
+              </a:rPr>
+              <a:t>rabix.io</a:t>
+            </a:r>
+            <a:endParaRPr lang="en-US" sz="1400" dirty="0" smtClean="0">
+              <a:solidFill>
+                <a:schemeClr val="tx1"/>
+              </a:solidFill>
+              <a:latin typeface="Menlo" charset="0"/>
+              <a:ea typeface="Menlo" charset="0"/>
+              <a:cs typeface="Menlo" charset="0"/>
+            </a:endParaRPr>
+          </a:p>
+          <a:p>
+            <a:r>
+              <a:rPr lang="en-US" sz="1400" b="1" dirty="0" smtClean="0">
+                <a:solidFill>
+                  <a:schemeClr val="tx1"/>
+                </a:solidFill>
+                <a:latin typeface="Menlo" charset="0"/>
+                <a:ea typeface="Menlo" charset="0"/>
+                <a:cs typeface="Menlo" charset="0"/>
+              </a:rPr>
+              <a:t>toil     </a:t>
+            </a:r>
+            <a:r>
+              <a:rPr lang="en-US" sz="1400" dirty="0" smtClean="0">
+                <a:solidFill>
+                  <a:schemeClr val="tx1"/>
+                </a:solidFill>
+                <a:latin typeface="Menlo" charset="0"/>
+                <a:ea typeface="Menlo" charset="0"/>
+                <a:cs typeface="Menlo" charset="0"/>
+              </a:rPr>
+              <a:t>    https</a:t>
+            </a:r>
+            <a:r>
+              <a:rPr lang="en-US" sz="1400" dirty="0">
+                <a:solidFill>
+                  <a:schemeClr val="tx1"/>
+                </a:solidFill>
+                <a:latin typeface="Menlo" charset="0"/>
+                <a:ea typeface="Menlo" charset="0"/>
+                <a:cs typeface="Menlo" charset="0"/>
+              </a:rPr>
+              <a:t>://</a:t>
+            </a:r>
+            <a:r>
+              <a:rPr lang="en-US" sz="1400" dirty="0" err="1" smtClean="0">
+                <a:solidFill>
+                  <a:schemeClr val="tx1"/>
+                </a:solidFill>
+                <a:latin typeface="Menlo" charset="0"/>
+                <a:ea typeface="Menlo" charset="0"/>
+                <a:cs typeface="Menlo" charset="0"/>
+              </a:rPr>
+              <a:t>github.com</a:t>
+            </a:r>
+            <a:r>
+              <a:rPr lang="en-US" sz="1400" dirty="0" smtClean="0">
+                <a:solidFill>
+                  <a:schemeClr val="tx1"/>
+                </a:solidFill>
+                <a:latin typeface="Menlo" charset="0"/>
+                <a:ea typeface="Menlo" charset="0"/>
+                <a:cs typeface="Menlo" charset="0"/>
+              </a:rPr>
+              <a:t>/</a:t>
+            </a:r>
+            <a:r>
+              <a:rPr lang="en-US" sz="1400" dirty="0" err="1" smtClean="0">
+                <a:solidFill>
+                  <a:schemeClr val="tx1"/>
+                </a:solidFill>
+                <a:latin typeface="Menlo" charset="0"/>
+                <a:ea typeface="Menlo" charset="0"/>
+                <a:cs typeface="Menlo" charset="0"/>
+              </a:rPr>
+              <a:t>DataBiosphere</a:t>
+            </a:r>
+            <a:r>
+              <a:rPr lang="en-US" sz="1400" dirty="0" smtClean="0">
+                <a:solidFill>
+                  <a:schemeClr val="tx1"/>
+                </a:solidFill>
+                <a:latin typeface="Menlo" charset="0"/>
+                <a:ea typeface="Menlo" charset="0"/>
+                <a:cs typeface="Menlo" charset="0"/>
+              </a:rPr>
+              <a:t>/toil</a:t>
+            </a:r>
+          </a:p>
+        </p:txBody>
+      </p:sp>
+      <p:sp>
+        <p:nvSpPr>
+          <p:cNvPr id="20" name="Rounded Rectangle 19"/>
+          <p:cNvSpPr/>
+          <p:nvPr/>
+        </p:nvSpPr>
+        <p:spPr>
+          <a:xfrm>
+            <a:off x="323663" y="2491943"/>
+            <a:ext cx="7091140" cy="394138"/>
+          </a:xfrm>
+          <a:prstGeom prst="roundRect">
+            <a:avLst/>
+          </a:prstGeom>
+          <a:solidFill>
+            <a:schemeClr val="tx1"/>
+          </a:solidFill>
+          <a:ln>
+            <a:noFill/>
+          </a:ln>
+        </p:spPr>
+        <p:style>
+          <a:lnRef idx="2">
+            <a:schemeClr val="accent1">
+              <a:shade val="50000"/>
+            </a:schemeClr>
+          </a:lnRef>
+          <a:fillRef idx="1">
+            <a:schemeClr val="accent1"/>
+          </a:fillRef>
+          <a:effectRef idx="0">
+            <a:schemeClr val="accent1"/>
+          </a:effectRef>
+          <a:fontRef idx="minor">
+            <a:schemeClr val="lt1"/>
+          </a:fontRef>
+        </p:style>
+        <p:txBody>
+          <a:bodyPr rtlCol="0" anchor="ctr"/>
+          <a:lstStyle/>
+          <a:p>
+            <a:r>
+              <a:rPr lang="en-US" dirty="0" smtClean="0">
+                <a:solidFill>
+                  <a:srgbClr val="FFFF00"/>
+                </a:solidFill>
+                <a:latin typeface="Menlo" charset="0"/>
+                <a:ea typeface="Menlo" charset="0"/>
+                <a:cs typeface="Menlo" charset="0"/>
+              </a:rPr>
+              <a:t>&gt;_ </a:t>
+            </a:r>
+            <a:r>
+              <a:rPr lang="en-US" b="1" dirty="0">
+                <a:solidFill>
+                  <a:schemeClr val="bg1">
+                    <a:lumMod val="85000"/>
+                  </a:schemeClr>
+                </a:solidFill>
+                <a:latin typeface="Menlo" charset="0"/>
+                <a:ea typeface="Menlo" charset="0"/>
+                <a:cs typeface="Menlo" charset="0"/>
+              </a:rPr>
+              <a:t>CWL </a:t>
+            </a:r>
+            <a:r>
+              <a:rPr lang="en-US" b="1" dirty="0" smtClean="0">
+                <a:solidFill>
+                  <a:schemeClr val="bg1">
+                    <a:lumMod val="85000"/>
+                  </a:schemeClr>
+                </a:solidFill>
+                <a:latin typeface="Menlo" charset="0"/>
+                <a:ea typeface="Menlo" charset="0"/>
+                <a:cs typeface="Menlo" charset="0"/>
+              </a:rPr>
+              <a:t>workflows</a:t>
+            </a:r>
+            <a:endParaRPr lang="en-US" dirty="0">
+              <a:solidFill>
+                <a:schemeClr val="bg1">
+                  <a:lumMod val="85000"/>
+                </a:schemeClr>
+              </a:solidFill>
+              <a:latin typeface="Menlo" charset="0"/>
+              <a:ea typeface="Menlo" charset="0"/>
+              <a:cs typeface="Menlo" charset="0"/>
+            </a:endParaRPr>
+          </a:p>
+        </p:txBody>
+      </p:sp>
+      <p:sp>
+        <p:nvSpPr>
+          <p:cNvPr id="21" name="TextBox 20"/>
+          <p:cNvSpPr txBox="1"/>
+          <p:nvPr/>
+        </p:nvSpPr>
+        <p:spPr>
+          <a:xfrm>
+            <a:off x="323663" y="2920390"/>
+            <a:ext cx="7091140" cy="738664"/>
+          </a:xfrm>
+          <a:prstGeom prst="rect">
+            <a:avLst/>
+          </a:prstGeom>
+          <a:solidFill>
+            <a:schemeClr val="accent2">
+              <a:lumMod val="60000"/>
+              <a:lumOff val="40000"/>
+            </a:schemeClr>
+          </a:solidFill>
+          <a:ln>
+            <a:noFill/>
+          </a:ln>
+        </p:spPr>
+        <p:style>
+          <a:lnRef idx="2">
+            <a:schemeClr val="accent2">
+              <a:shade val="50000"/>
+            </a:schemeClr>
+          </a:lnRef>
+          <a:fillRef idx="1">
+            <a:schemeClr val="accent2"/>
+          </a:fillRef>
+          <a:effectRef idx="0">
+            <a:schemeClr val="accent2"/>
+          </a:effectRef>
+          <a:fontRef idx="minor">
+            <a:schemeClr val="lt1"/>
+          </a:fontRef>
+        </p:style>
+        <p:txBody>
+          <a:bodyPr wrap="square" rtlCol="0">
+            <a:spAutoFit/>
+          </a:bodyPr>
+          <a:lstStyle/>
+          <a:p>
+            <a:r>
+              <a:rPr lang="en-US" sz="1400" b="1" dirty="0" smtClean="0">
+                <a:solidFill>
+                  <a:schemeClr val="tx1"/>
+                </a:solidFill>
+                <a:latin typeface="Menlo" charset="0"/>
+                <a:ea typeface="Menlo" charset="0"/>
+                <a:cs typeface="Menlo" charset="0"/>
+              </a:rPr>
+              <a:t>Barski Lab  </a:t>
+            </a:r>
+            <a:r>
+              <a:rPr lang="en-US" sz="1400" dirty="0" smtClean="0">
+                <a:solidFill>
+                  <a:schemeClr val="tx1"/>
+                </a:solidFill>
+                <a:latin typeface="Menlo" charset="0"/>
+                <a:ea typeface="Menlo" charset="0"/>
+                <a:cs typeface="Menlo" charset="0"/>
+              </a:rPr>
+              <a:t>            https</a:t>
+            </a:r>
+            <a:r>
+              <a:rPr lang="en-US" sz="1400" dirty="0">
+                <a:solidFill>
+                  <a:schemeClr val="tx1"/>
+                </a:solidFill>
+                <a:latin typeface="Menlo" charset="0"/>
+                <a:ea typeface="Menlo" charset="0"/>
+                <a:cs typeface="Menlo" charset="0"/>
+              </a:rPr>
+              <a:t>://</a:t>
+            </a:r>
+            <a:r>
+              <a:rPr lang="en-US" sz="1400" dirty="0" smtClean="0">
+                <a:solidFill>
+                  <a:schemeClr val="tx1"/>
+                </a:solidFill>
+                <a:latin typeface="Menlo" charset="0"/>
+                <a:ea typeface="Menlo" charset="0"/>
+                <a:cs typeface="Menlo" charset="0"/>
+              </a:rPr>
+              <a:t>github.com/Barski-lab/workflows</a:t>
+            </a:r>
+            <a:endParaRPr lang="en-US" sz="1400" dirty="0">
+              <a:solidFill>
+                <a:schemeClr val="tx1"/>
+              </a:solidFill>
+              <a:latin typeface="Menlo" charset="0"/>
+              <a:ea typeface="Menlo" charset="0"/>
+              <a:cs typeface="Menlo" charset="0"/>
+            </a:endParaRPr>
+          </a:p>
+          <a:p>
+            <a:r>
+              <a:rPr lang="en-US" sz="1400" b="1" dirty="0" smtClean="0">
+                <a:solidFill>
+                  <a:schemeClr val="tx1"/>
+                </a:solidFill>
+                <a:latin typeface="Menlo" charset="0"/>
+                <a:ea typeface="Menlo" charset="0"/>
+                <a:cs typeface="Menlo" charset="0"/>
+              </a:rPr>
+              <a:t>Cancer Genomics Cloud   </a:t>
+            </a:r>
+            <a:r>
+              <a:rPr lang="en-US" sz="1400" dirty="0" smtClean="0">
+                <a:solidFill>
+                  <a:schemeClr val="tx1"/>
+                </a:solidFill>
+                <a:latin typeface="Menlo" charset="0"/>
+                <a:ea typeface="Menlo" charset="0"/>
+                <a:cs typeface="Menlo" charset="0"/>
+              </a:rPr>
+              <a:t>https</a:t>
+            </a:r>
+            <a:r>
+              <a:rPr lang="en-US" sz="1400" dirty="0">
+                <a:solidFill>
+                  <a:schemeClr val="tx1"/>
+                </a:solidFill>
+                <a:latin typeface="Menlo" charset="0"/>
+                <a:ea typeface="Menlo" charset="0"/>
+                <a:cs typeface="Menlo" charset="0"/>
+              </a:rPr>
+              <a:t>://</a:t>
+            </a:r>
+            <a:r>
+              <a:rPr lang="en-US" sz="1400" dirty="0" smtClean="0">
+                <a:solidFill>
+                  <a:schemeClr val="tx1"/>
+                </a:solidFill>
+                <a:latin typeface="Menlo" charset="0"/>
+                <a:ea typeface="Menlo" charset="0"/>
+                <a:cs typeface="Menlo" charset="0"/>
+              </a:rPr>
+              <a:t>cgc.sbgenomics.com/public/apps</a:t>
+            </a:r>
+          </a:p>
+          <a:p>
+            <a:r>
+              <a:rPr lang="en-US" sz="1400" b="1" dirty="0" err="1" smtClean="0">
+                <a:solidFill>
+                  <a:schemeClr val="tx1"/>
+                </a:solidFill>
+                <a:latin typeface="Menlo" charset="0"/>
+                <a:ea typeface="Menlo" charset="0"/>
+                <a:cs typeface="Menlo" charset="0"/>
+              </a:rPr>
+              <a:t>Dockstore</a:t>
+            </a:r>
+            <a:r>
+              <a:rPr lang="en-US" sz="1400" b="1" dirty="0">
+                <a:solidFill>
+                  <a:schemeClr val="tx1"/>
+                </a:solidFill>
+                <a:latin typeface="Menlo" charset="0"/>
+                <a:ea typeface="Menlo" charset="0"/>
+                <a:cs typeface="Menlo" charset="0"/>
+              </a:rPr>
+              <a:t> </a:t>
+            </a:r>
+            <a:r>
+              <a:rPr lang="en-US" sz="1400" b="1" dirty="0" smtClean="0">
+                <a:solidFill>
+                  <a:schemeClr val="tx1"/>
+                </a:solidFill>
+                <a:latin typeface="Menlo" charset="0"/>
+                <a:ea typeface="Menlo" charset="0"/>
+                <a:cs typeface="Menlo" charset="0"/>
+              </a:rPr>
+              <a:t>   </a:t>
+            </a:r>
+            <a:r>
+              <a:rPr lang="en-US" sz="1400" dirty="0" smtClean="0">
+                <a:solidFill>
+                  <a:schemeClr val="tx1"/>
+                </a:solidFill>
+                <a:latin typeface="Menlo" charset="0"/>
+                <a:ea typeface="Menlo" charset="0"/>
+                <a:cs typeface="Menlo" charset="0"/>
+              </a:rPr>
+              <a:t>           https</a:t>
+            </a:r>
+            <a:r>
+              <a:rPr lang="en-US" sz="1400" dirty="0">
+                <a:solidFill>
+                  <a:schemeClr val="tx1"/>
+                </a:solidFill>
+                <a:latin typeface="Menlo" charset="0"/>
+                <a:ea typeface="Menlo" charset="0"/>
+                <a:cs typeface="Menlo" charset="0"/>
+              </a:rPr>
+              <a:t>://</a:t>
+            </a:r>
+            <a:r>
+              <a:rPr lang="en-US" sz="1400" dirty="0" err="1" smtClean="0">
+                <a:solidFill>
+                  <a:schemeClr val="tx1"/>
+                </a:solidFill>
+                <a:latin typeface="Menlo" charset="0"/>
+                <a:ea typeface="Menlo" charset="0"/>
+                <a:cs typeface="Menlo" charset="0"/>
+              </a:rPr>
+              <a:t>dockstore.org</a:t>
+            </a:r>
+            <a:endParaRPr lang="en-US" sz="1400" dirty="0" smtClean="0">
+              <a:solidFill>
+                <a:schemeClr val="tx1"/>
+              </a:solidFill>
+              <a:latin typeface="Menlo" charset="0"/>
+              <a:ea typeface="Menlo" charset="0"/>
+              <a:cs typeface="Menlo" charset="0"/>
+              <a:hlinkClick r:id="rId3"/>
+            </a:endParaRPr>
+          </a:p>
+        </p:txBody>
+      </p:sp>
+      <p:sp>
+        <p:nvSpPr>
+          <p:cNvPr id="24" name="Rounded Rectangle 23"/>
+          <p:cNvSpPr/>
+          <p:nvPr/>
+        </p:nvSpPr>
+        <p:spPr>
+          <a:xfrm>
+            <a:off x="323663" y="3800755"/>
+            <a:ext cx="7091140" cy="394138"/>
+          </a:xfrm>
+          <a:prstGeom prst="roundRect">
+            <a:avLst/>
+          </a:prstGeom>
+          <a:solidFill>
+            <a:schemeClr val="tx1"/>
+          </a:solidFill>
+          <a:ln>
+            <a:noFill/>
+          </a:ln>
+        </p:spPr>
+        <p:style>
+          <a:lnRef idx="2">
+            <a:schemeClr val="accent1">
+              <a:shade val="50000"/>
+            </a:schemeClr>
+          </a:lnRef>
+          <a:fillRef idx="1">
+            <a:schemeClr val="accent1"/>
+          </a:fillRef>
+          <a:effectRef idx="0">
+            <a:schemeClr val="accent1"/>
+          </a:effectRef>
+          <a:fontRef idx="minor">
+            <a:schemeClr val="lt1"/>
+          </a:fontRef>
+        </p:style>
+        <p:txBody>
+          <a:bodyPr rtlCol="0" anchor="ctr"/>
+          <a:lstStyle/>
+          <a:p>
+            <a:r>
+              <a:rPr lang="en-US" dirty="0" smtClean="0">
+                <a:solidFill>
+                  <a:srgbClr val="FFFF00"/>
+                </a:solidFill>
+                <a:latin typeface="Menlo" charset="0"/>
+                <a:ea typeface="Menlo" charset="0"/>
+                <a:cs typeface="Menlo" charset="0"/>
+              </a:rPr>
+              <a:t>&gt;_ </a:t>
+            </a:r>
+            <a:r>
+              <a:rPr lang="en-US" b="1" dirty="0" smtClean="0">
+                <a:solidFill>
+                  <a:schemeClr val="bg1">
+                    <a:lumMod val="85000"/>
+                  </a:schemeClr>
+                </a:solidFill>
+                <a:latin typeface="Menlo" charset="0"/>
+                <a:ea typeface="Menlo" charset="0"/>
+                <a:cs typeface="Menlo" charset="0"/>
+              </a:rPr>
+              <a:t>Containerized tools</a:t>
+            </a:r>
+            <a:endParaRPr lang="en-US" dirty="0">
+              <a:solidFill>
+                <a:schemeClr val="bg1">
+                  <a:lumMod val="85000"/>
+                </a:schemeClr>
+              </a:solidFill>
+              <a:latin typeface="Menlo" charset="0"/>
+              <a:ea typeface="Menlo" charset="0"/>
+              <a:cs typeface="Menlo" charset="0"/>
+            </a:endParaRPr>
+          </a:p>
+        </p:txBody>
+      </p:sp>
+      <p:sp>
+        <p:nvSpPr>
+          <p:cNvPr id="25" name="TextBox 24"/>
+          <p:cNvSpPr txBox="1"/>
+          <p:nvPr/>
+        </p:nvSpPr>
+        <p:spPr>
+          <a:xfrm>
+            <a:off x="323663" y="4229202"/>
+            <a:ext cx="7091140" cy="738664"/>
+          </a:xfrm>
+          <a:prstGeom prst="rect">
+            <a:avLst/>
+          </a:prstGeom>
+          <a:solidFill>
+            <a:schemeClr val="accent2">
+              <a:lumMod val="60000"/>
+              <a:lumOff val="40000"/>
+            </a:schemeClr>
+          </a:solidFill>
+          <a:ln>
+            <a:noFill/>
+          </a:ln>
+        </p:spPr>
+        <p:style>
+          <a:lnRef idx="2">
+            <a:schemeClr val="accent2">
+              <a:shade val="50000"/>
+            </a:schemeClr>
+          </a:lnRef>
+          <a:fillRef idx="1">
+            <a:schemeClr val="accent2"/>
+          </a:fillRef>
+          <a:effectRef idx="0">
+            <a:schemeClr val="accent2"/>
+          </a:effectRef>
+          <a:fontRef idx="minor">
+            <a:schemeClr val="lt1"/>
+          </a:fontRef>
+        </p:style>
+        <p:txBody>
+          <a:bodyPr wrap="square" rtlCol="0">
+            <a:spAutoFit/>
+          </a:bodyPr>
+          <a:lstStyle/>
+          <a:p>
+            <a:r>
+              <a:rPr lang="en-US" sz="1400" b="1" dirty="0" smtClean="0">
+                <a:solidFill>
+                  <a:schemeClr val="tx1"/>
+                </a:solidFill>
+                <a:latin typeface="Menlo" charset="0"/>
+                <a:ea typeface="Menlo" charset="0"/>
+                <a:cs typeface="Menlo" charset="0"/>
+              </a:rPr>
+              <a:t>Docker Hub      </a:t>
+            </a:r>
+            <a:r>
+              <a:rPr lang="en-US" sz="1400" dirty="0" smtClean="0">
+                <a:solidFill>
+                  <a:schemeClr val="tx1"/>
+                </a:solidFill>
+                <a:latin typeface="Menlo" charset="0"/>
+                <a:ea typeface="Menlo" charset="0"/>
+                <a:cs typeface="Menlo" charset="0"/>
+              </a:rPr>
+              <a:t>https</a:t>
+            </a:r>
+            <a:r>
+              <a:rPr lang="en-US" sz="1400" dirty="0">
+                <a:solidFill>
+                  <a:schemeClr val="tx1"/>
+                </a:solidFill>
+                <a:latin typeface="Menlo" charset="0"/>
+                <a:ea typeface="Menlo" charset="0"/>
+                <a:cs typeface="Menlo" charset="0"/>
+              </a:rPr>
+              <a:t>://</a:t>
+            </a:r>
+            <a:r>
+              <a:rPr lang="en-US" sz="1400" dirty="0" err="1" smtClean="0">
+                <a:solidFill>
+                  <a:schemeClr val="tx1"/>
+                </a:solidFill>
+                <a:latin typeface="Menlo" charset="0"/>
+                <a:ea typeface="Menlo" charset="0"/>
+                <a:cs typeface="Menlo" charset="0"/>
+              </a:rPr>
+              <a:t>hub.docker.com</a:t>
+            </a:r>
+            <a:endParaRPr lang="en-US" sz="1400" dirty="0" smtClean="0">
+              <a:solidFill>
+                <a:schemeClr val="tx1"/>
+              </a:solidFill>
+              <a:latin typeface="Menlo" charset="0"/>
+              <a:ea typeface="Menlo" charset="0"/>
+              <a:cs typeface="Menlo" charset="0"/>
+            </a:endParaRPr>
+          </a:p>
+          <a:p>
+            <a:r>
+              <a:rPr lang="en-US" sz="1400" b="1" dirty="0" err="1" smtClean="0">
+                <a:solidFill>
+                  <a:schemeClr val="tx1"/>
+                </a:solidFill>
+                <a:latin typeface="Menlo" charset="0"/>
+                <a:ea typeface="Menlo" charset="0"/>
+                <a:cs typeface="Menlo" charset="0"/>
+              </a:rPr>
+              <a:t>Biocontainers</a:t>
+            </a:r>
+            <a:r>
+              <a:rPr lang="en-US" sz="1400" b="1" dirty="0" smtClean="0">
+                <a:solidFill>
+                  <a:schemeClr val="tx1"/>
+                </a:solidFill>
+                <a:latin typeface="Menlo" charset="0"/>
+                <a:ea typeface="Menlo" charset="0"/>
+                <a:cs typeface="Menlo" charset="0"/>
+              </a:rPr>
+              <a:t>   </a:t>
+            </a:r>
+            <a:r>
+              <a:rPr lang="en-US" sz="1400" dirty="0" smtClean="0">
+                <a:solidFill>
+                  <a:schemeClr val="tx1"/>
+                </a:solidFill>
+                <a:latin typeface="Menlo" charset="0"/>
+                <a:ea typeface="Menlo" charset="0"/>
+                <a:cs typeface="Menlo" charset="0"/>
+              </a:rPr>
+              <a:t>https</a:t>
+            </a:r>
+            <a:r>
+              <a:rPr lang="en-US" sz="1400" dirty="0">
+                <a:solidFill>
+                  <a:schemeClr val="tx1"/>
+                </a:solidFill>
+                <a:latin typeface="Menlo" charset="0"/>
+                <a:ea typeface="Menlo" charset="0"/>
+                <a:cs typeface="Menlo" charset="0"/>
+              </a:rPr>
+              <a:t>://</a:t>
+            </a:r>
+            <a:r>
+              <a:rPr lang="en-US" sz="1400" dirty="0" err="1" smtClean="0">
+                <a:solidFill>
+                  <a:schemeClr val="tx1"/>
+                </a:solidFill>
+                <a:latin typeface="Menlo" charset="0"/>
+                <a:ea typeface="Menlo" charset="0"/>
+                <a:cs typeface="Menlo" charset="0"/>
+              </a:rPr>
+              <a:t>biocontainers.pro</a:t>
+            </a:r>
+            <a:endParaRPr lang="en-US" sz="1400" dirty="0" smtClean="0">
+              <a:solidFill>
+                <a:schemeClr val="tx1"/>
+              </a:solidFill>
+              <a:latin typeface="Menlo" charset="0"/>
+              <a:ea typeface="Menlo" charset="0"/>
+              <a:cs typeface="Menlo" charset="0"/>
+            </a:endParaRPr>
+          </a:p>
+          <a:p>
+            <a:r>
+              <a:rPr lang="en-US" sz="1400" b="1" dirty="0" smtClean="0">
+                <a:solidFill>
+                  <a:schemeClr val="tx1"/>
+                </a:solidFill>
+                <a:latin typeface="Menlo" charset="0"/>
+                <a:ea typeface="Menlo" charset="0"/>
+                <a:cs typeface="Menlo" charset="0"/>
+              </a:rPr>
+              <a:t>QUAY            </a:t>
+            </a:r>
+            <a:r>
+              <a:rPr lang="en-US" sz="1400" dirty="0" smtClean="0">
+                <a:solidFill>
+                  <a:schemeClr val="tx1"/>
+                </a:solidFill>
+                <a:latin typeface="Menlo" charset="0"/>
+                <a:ea typeface="Menlo" charset="0"/>
+                <a:cs typeface="Menlo" charset="0"/>
+              </a:rPr>
+              <a:t>https</a:t>
+            </a:r>
+            <a:r>
+              <a:rPr lang="en-US" sz="1400" dirty="0">
+                <a:solidFill>
+                  <a:schemeClr val="tx1"/>
+                </a:solidFill>
+                <a:latin typeface="Menlo" charset="0"/>
+                <a:ea typeface="Menlo" charset="0"/>
+                <a:cs typeface="Menlo" charset="0"/>
+              </a:rPr>
+              <a:t>://</a:t>
+            </a:r>
+            <a:r>
+              <a:rPr lang="en-US" sz="1400" dirty="0" err="1" smtClean="0">
+                <a:solidFill>
+                  <a:schemeClr val="tx1"/>
+                </a:solidFill>
+                <a:latin typeface="Menlo" charset="0"/>
+                <a:ea typeface="Menlo" charset="0"/>
+                <a:cs typeface="Menlo" charset="0"/>
+              </a:rPr>
+              <a:t>quay.io</a:t>
+            </a:r>
+            <a:endParaRPr lang="en-US" sz="1400" dirty="0" smtClean="0">
+              <a:solidFill>
+                <a:schemeClr val="tx1"/>
+              </a:solidFill>
+              <a:latin typeface="Menlo" charset="0"/>
+              <a:ea typeface="Menlo" charset="0"/>
+              <a:cs typeface="Menlo" charset="0"/>
+              <a:hlinkClick r:id="rId3"/>
+            </a:endParaRPr>
+          </a:p>
+        </p:txBody>
+      </p:sp>
+      <p:sp>
+        <p:nvSpPr>
+          <p:cNvPr id="31" name="Rounded Rectangle 30"/>
+          <p:cNvSpPr/>
+          <p:nvPr/>
+        </p:nvSpPr>
+        <p:spPr>
+          <a:xfrm>
+            <a:off x="323663" y="5116901"/>
+            <a:ext cx="7091140" cy="394138"/>
+          </a:xfrm>
+          <a:prstGeom prst="roundRect">
+            <a:avLst/>
+          </a:prstGeom>
+          <a:solidFill>
+            <a:schemeClr val="tx1"/>
+          </a:solidFill>
+          <a:ln>
+            <a:noFill/>
+          </a:ln>
+        </p:spPr>
+        <p:style>
+          <a:lnRef idx="2">
+            <a:schemeClr val="accent1">
+              <a:shade val="50000"/>
+            </a:schemeClr>
+          </a:lnRef>
+          <a:fillRef idx="1">
+            <a:schemeClr val="accent1"/>
+          </a:fillRef>
+          <a:effectRef idx="0">
+            <a:schemeClr val="accent1"/>
+          </a:effectRef>
+          <a:fontRef idx="minor">
+            <a:schemeClr val="lt1"/>
+          </a:fontRef>
+        </p:style>
+        <p:txBody>
+          <a:bodyPr rtlCol="0" anchor="ctr"/>
+          <a:lstStyle/>
+          <a:p>
+            <a:r>
+              <a:rPr lang="en-US" dirty="0" smtClean="0">
+                <a:solidFill>
+                  <a:srgbClr val="FFFF00"/>
+                </a:solidFill>
+                <a:latin typeface="Menlo" charset="0"/>
+                <a:ea typeface="Menlo" charset="0"/>
+                <a:cs typeface="Menlo" charset="0"/>
+              </a:rPr>
+              <a:t>&gt;_ </a:t>
+            </a:r>
+            <a:r>
+              <a:rPr lang="en-US" b="1" dirty="0" smtClean="0">
+                <a:solidFill>
+                  <a:schemeClr val="bg1">
+                    <a:lumMod val="85000"/>
+                  </a:schemeClr>
+                </a:solidFill>
+                <a:latin typeface="Menlo" charset="0"/>
+                <a:ea typeface="Menlo" charset="0"/>
+                <a:cs typeface="Menlo" charset="0"/>
+              </a:rPr>
+              <a:t>Use</a:t>
+            </a:r>
+            <a:r>
+              <a:rPr lang="en-US" b="1" dirty="0" smtClean="0">
+                <a:solidFill>
+                  <a:schemeClr val="bg1">
+                    <a:lumMod val="85000"/>
+                  </a:schemeClr>
+                </a:solidFill>
+                <a:latin typeface="Menlo" charset="0"/>
+                <a:ea typeface="Menlo" charset="0"/>
+                <a:cs typeface="Menlo" charset="0"/>
+              </a:rPr>
+              <a:t>ful links</a:t>
+            </a:r>
+            <a:endParaRPr lang="en-US" dirty="0">
+              <a:solidFill>
+                <a:schemeClr val="bg1">
+                  <a:lumMod val="85000"/>
+                </a:schemeClr>
+              </a:solidFill>
+              <a:latin typeface="Menlo" charset="0"/>
+              <a:ea typeface="Menlo" charset="0"/>
+              <a:cs typeface="Menlo" charset="0"/>
+            </a:endParaRPr>
+          </a:p>
+        </p:txBody>
+      </p:sp>
+      <p:sp>
+        <p:nvSpPr>
+          <p:cNvPr id="36" name="TextBox 35"/>
+          <p:cNvSpPr txBox="1"/>
+          <p:nvPr/>
+        </p:nvSpPr>
+        <p:spPr>
+          <a:xfrm>
+            <a:off x="323662" y="5545348"/>
+            <a:ext cx="7091141" cy="954107"/>
+          </a:xfrm>
+          <a:prstGeom prst="rect">
+            <a:avLst/>
+          </a:prstGeom>
+          <a:solidFill>
+            <a:schemeClr val="accent2">
+              <a:lumMod val="60000"/>
+              <a:lumOff val="40000"/>
+            </a:schemeClr>
+          </a:solidFill>
+          <a:ln>
+            <a:noFill/>
+          </a:ln>
+        </p:spPr>
+        <p:style>
+          <a:lnRef idx="2">
+            <a:schemeClr val="accent2">
+              <a:shade val="50000"/>
+            </a:schemeClr>
+          </a:lnRef>
+          <a:fillRef idx="1">
+            <a:schemeClr val="accent2"/>
+          </a:fillRef>
+          <a:effectRef idx="0">
+            <a:schemeClr val="accent2"/>
+          </a:effectRef>
+          <a:fontRef idx="minor">
+            <a:schemeClr val="lt1"/>
+          </a:fontRef>
+        </p:style>
+        <p:txBody>
+          <a:bodyPr wrap="square" rtlCol="0">
+            <a:spAutoFit/>
+          </a:bodyPr>
+          <a:lstStyle/>
+          <a:p>
+            <a:r>
+              <a:rPr lang="en-US" sz="1400" b="1" dirty="0" smtClean="0">
+                <a:solidFill>
+                  <a:schemeClr val="tx1"/>
+                </a:solidFill>
+                <a:latin typeface="Menlo" charset="0"/>
+                <a:ea typeface="Menlo" charset="0"/>
+                <a:cs typeface="Menlo" charset="0"/>
+              </a:rPr>
+              <a:t>CWL Viewer      </a:t>
+            </a:r>
+            <a:r>
+              <a:rPr lang="en-US" sz="1400" dirty="0" smtClean="0">
+                <a:solidFill>
+                  <a:schemeClr val="tx1"/>
+                </a:solidFill>
+                <a:latin typeface="Menlo" charset="0"/>
+                <a:ea typeface="Menlo" charset="0"/>
+                <a:cs typeface="Menlo" charset="0"/>
+              </a:rPr>
+              <a:t>https</a:t>
+            </a:r>
+            <a:r>
+              <a:rPr lang="en-US" sz="1400" dirty="0">
+                <a:solidFill>
+                  <a:schemeClr val="tx1"/>
+                </a:solidFill>
+                <a:latin typeface="Menlo" charset="0"/>
+                <a:ea typeface="Menlo" charset="0"/>
+                <a:cs typeface="Menlo" charset="0"/>
+              </a:rPr>
+              <a:t>://</a:t>
+            </a:r>
+            <a:r>
+              <a:rPr lang="en-US" sz="1400" dirty="0" err="1" smtClean="0">
+                <a:solidFill>
+                  <a:schemeClr val="tx1"/>
+                </a:solidFill>
+                <a:latin typeface="Menlo" charset="0"/>
+                <a:ea typeface="Menlo" charset="0"/>
+                <a:cs typeface="Menlo" charset="0"/>
+              </a:rPr>
+              <a:t>view.commonwl.org</a:t>
+            </a:r>
+            <a:r>
+              <a:rPr lang="en-US" sz="1400" dirty="0" smtClean="0">
+                <a:solidFill>
+                  <a:schemeClr val="tx1"/>
+                </a:solidFill>
+                <a:latin typeface="Menlo" charset="0"/>
+                <a:ea typeface="Menlo" charset="0"/>
+                <a:cs typeface="Menlo" charset="0"/>
+              </a:rPr>
+              <a:t>/workflows</a:t>
+            </a:r>
+            <a:endParaRPr lang="en-US" sz="1400" b="1" dirty="0" smtClean="0">
+              <a:solidFill>
+                <a:schemeClr val="tx1"/>
+              </a:solidFill>
+              <a:latin typeface="Menlo" charset="0"/>
+              <a:ea typeface="Menlo" charset="0"/>
+              <a:cs typeface="Menlo" charset="0"/>
+            </a:endParaRPr>
+          </a:p>
+          <a:p>
+            <a:r>
+              <a:rPr lang="en-US" sz="1400" b="1" dirty="0" smtClean="0">
+                <a:solidFill>
+                  <a:schemeClr val="tx1"/>
+                </a:solidFill>
+                <a:latin typeface="Menlo" charset="0"/>
+                <a:ea typeface="Menlo" charset="0"/>
+                <a:cs typeface="Menlo" charset="0"/>
+              </a:rPr>
+              <a:t>Atom Plugin     </a:t>
+            </a:r>
+            <a:r>
+              <a:rPr lang="en-US" sz="1400" dirty="0" smtClean="0">
+                <a:solidFill>
+                  <a:schemeClr val="tx1"/>
+                </a:solidFill>
+                <a:latin typeface="Menlo" charset="0"/>
+                <a:ea typeface="Menlo" charset="0"/>
+                <a:cs typeface="Menlo" charset="0"/>
+              </a:rPr>
+              <a:t>https</a:t>
+            </a:r>
+            <a:r>
+              <a:rPr lang="en-US" sz="1400" dirty="0">
+                <a:solidFill>
+                  <a:schemeClr val="tx1"/>
+                </a:solidFill>
+                <a:latin typeface="Menlo" charset="0"/>
+                <a:ea typeface="Menlo" charset="0"/>
+                <a:cs typeface="Menlo" charset="0"/>
+              </a:rPr>
+              <a:t>://</a:t>
+            </a:r>
+            <a:r>
+              <a:rPr lang="en-US" sz="1400" dirty="0" err="1" smtClean="0">
+                <a:solidFill>
+                  <a:schemeClr val="tx1"/>
+                </a:solidFill>
+                <a:latin typeface="Menlo" charset="0"/>
+                <a:ea typeface="Menlo" charset="0"/>
+                <a:cs typeface="Menlo" charset="0"/>
+              </a:rPr>
+              <a:t>github.com</a:t>
+            </a:r>
+            <a:r>
+              <a:rPr lang="en-US" sz="1400" dirty="0" smtClean="0">
+                <a:solidFill>
+                  <a:schemeClr val="tx1"/>
+                </a:solidFill>
+                <a:latin typeface="Menlo" charset="0"/>
+                <a:ea typeface="Menlo" charset="0"/>
+                <a:cs typeface="Menlo" charset="0"/>
+              </a:rPr>
+              <a:t>/</a:t>
+            </a:r>
+            <a:r>
+              <a:rPr lang="en-US" sz="1400" dirty="0" err="1" smtClean="0">
+                <a:solidFill>
+                  <a:schemeClr val="tx1"/>
+                </a:solidFill>
+                <a:latin typeface="Menlo" charset="0"/>
+                <a:ea typeface="Menlo" charset="0"/>
+                <a:cs typeface="Menlo" charset="0"/>
+              </a:rPr>
+              <a:t>manabuishii</a:t>
+            </a:r>
+            <a:r>
+              <a:rPr lang="en-US" sz="1400" dirty="0" smtClean="0">
+                <a:solidFill>
+                  <a:schemeClr val="tx1"/>
+                </a:solidFill>
+                <a:latin typeface="Menlo" charset="0"/>
+                <a:ea typeface="Menlo" charset="0"/>
+                <a:cs typeface="Menlo" charset="0"/>
+              </a:rPr>
+              <a:t>/language-cwl</a:t>
+            </a:r>
+            <a:endParaRPr lang="en-US" sz="1400" b="1" dirty="0" smtClean="0">
+              <a:solidFill>
+                <a:schemeClr val="tx1"/>
+              </a:solidFill>
+              <a:latin typeface="Menlo" charset="0"/>
+              <a:ea typeface="Menlo" charset="0"/>
+              <a:cs typeface="Menlo" charset="0"/>
+            </a:endParaRPr>
+          </a:p>
+          <a:p>
+            <a:r>
+              <a:rPr lang="en-US" sz="1400" b="1" dirty="0" smtClean="0">
+                <a:solidFill>
+                  <a:schemeClr val="tx1"/>
+                </a:solidFill>
+                <a:latin typeface="Menlo" charset="0"/>
+                <a:ea typeface="Menlo" charset="0"/>
+                <a:cs typeface="Menlo" charset="0"/>
+              </a:rPr>
+              <a:t>VS Code Plugin  </a:t>
+            </a:r>
+            <a:r>
+              <a:rPr lang="en-US" sz="1400" dirty="0" smtClean="0">
+                <a:solidFill>
+                  <a:schemeClr val="tx1"/>
+                </a:solidFill>
+                <a:latin typeface="Menlo" charset="0"/>
+                <a:ea typeface="Menlo" charset="0"/>
+                <a:cs typeface="Menlo" charset="0"/>
+              </a:rPr>
+              <a:t>https</a:t>
+            </a:r>
+            <a:r>
+              <a:rPr lang="en-US" sz="1400" dirty="0">
+                <a:solidFill>
+                  <a:schemeClr val="tx1"/>
+                </a:solidFill>
+                <a:latin typeface="Menlo" charset="0"/>
+                <a:ea typeface="Menlo" charset="0"/>
+                <a:cs typeface="Menlo" charset="0"/>
+              </a:rPr>
+              <a:t>://</a:t>
+            </a:r>
+            <a:r>
+              <a:rPr lang="en-US" sz="1400" dirty="0" err="1">
+                <a:solidFill>
+                  <a:schemeClr val="tx1"/>
+                </a:solidFill>
+                <a:latin typeface="Menlo" charset="0"/>
+                <a:ea typeface="Menlo" charset="0"/>
+                <a:cs typeface="Menlo" charset="0"/>
+              </a:rPr>
+              <a:t>github.com</a:t>
+            </a:r>
+            <a:r>
+              <a:rPr lang="en-US" sz="1400" dirty="0">
+                <a:solidFill>
+                  <a:schemeClr val="tx1"/>
+                </a:solidFill>
+                <a:latin typeface="Menlo" charset="0"/>
+                <a:ea typeface="Menlo" charset="0"/>
+                <a:cs typeface="Menlo" charset="0"/>
+              </a:rPr>
+              <a:t>/</a:t>
+            </a:r>
+            <a:r>
+              <a:rPr lang="en-US" sz="1400" dirty="0" err="1">
+                <a:solidFill>
+                  <a:schemeClr val="tx1"/>
+                </a:solidFill>
+                <a:latin typeface="Menlo" charset="0"/>
+                <a:ea typeface="Menlo" charset="0"/>
+                <a:cs typeface="Menlo" charset="0"/>
+              </a:rPr>
+              <a:t>manabuishii</a:t>
+            </a:r>
+            <a:r>
+              <a:rPr lang="en-US" sz="1400" dirty="0">
+                <a:solidFill>
+                  <a:schemeClr val="tx1"/>
+                </a:solidFill>
+                <a:latin typeface="Menlo" charset="0"/>
+                <a:ea typeface="Menlo" charset="0"/>
+                <a:cs typeface="Menlo" charset="0"/>
+              </a:rPr>
+              <a:t>/</a:t>
+            </a:r>
+            <a:r>
+              <a:rPr lang="en-US" sz="1400" dirty="0" err="1">
+                <a:solidFill>
+                  <a:schemeClr val="tx1"/>
+                </a:solidFill>
+                <a:latin typeface="Menlo" charset="0"/>
+                <a:ea typeface="Menlo" charset="0"/>
+                <a:cs typeface="Menlo" charset="0"/>
+              </a:rPr>
+              <a:t>vscode</a:t>
+            </a:r>
+            <a:r>
+              <a:rPr lang="en-US" sz="1400" dirty="0">
+                <a:solidFill>
+                  <a:schemeClr val="tx1"/>
+                </a:solidFill>
+                <a:latin typeface="Menlo" charset="0"/>
+                <a:ea typeface="Menlo" charset="0"/>
+                <a:cs typeface="Menlo" charset="0"/>
+              </a:rPr>
+              <a:t>-cwl</a:t>
+            </a:r>
+            <a:endParaRPr lang="en-US" sz="1400" dirty="0" smtClean="0">
+              <a:solidFill>
+                <a:schemeClr val="tx1"/>
+              </a:solidFill>
+              <a:latin typeface="Menlo" charset="0"/>
+              <a:ea typeface="Menlo" charset="0"/>
+              <a:cs typeface="Menlo" charset="0"/>
+            </a:endParaRPr>
+          </a:p>
+          <a:p>
+            <a:r>
+              <a:rPr lang="en-US" sz="1400" b="1" dirty="0" smtClean="0">
+                <a:solidFill>
+                  <a:schemeClr val="tx1"/>
+                </a:solidFill>
+                <a:latin typeface="Menlo" charset="0"/>
+                <a:ea typeface="Menlo" charset="0"/>
+                <a:cs typeface="Menlo" charset="0"/>
+              </a:rPr>
+              <a:t>IntelliJ Plugin </a:t>
+            </a:r>
+            <a:r>
+              <a:rPr lang="en-US" sz="1400" dirty="0" smtClean="0">
+                <a:solidFill>
+                  <a:schemeClr val="tx1"/>
+                </a:solidFill>
+                <a:latin typeface="Menlo" charset="0"/>
+                <a:ea typeface="Menlo" charset="0"/>
+                <a:cs typeface="Menlo" charset="0"/>
+              </a:rPr>
+              <a:t>https</a:t>
+            </a:r>
+            <a:r>
+              <a:rPr lang="en-US" sz="1400" dirty="0">
+                <a:solidFill>
+                  <a:schemeClr val="tx1"/>
+                </a:solidFill>
+                <a:latin typeface="Menlo" charset="0"/>
+                <a:ea typeface="Menlo" charset="0"/>
+                <a:cs typeface="Menlo" charset="0"/>
+              </a:rPr>
+              <a:t>://</a:t>
+            </a:r>
+            <a:r>
+              <a:rPr lang="en-US" sz="1400" dirty="0" err="1" smtClean="0">
+                <a:solidFill>
+                  <a:schemeClr val="tx1"/>
+                </a:solidFill>
+                <a:latin typeface="Menlo" charset="0"/>
+                <a:ea typeface="Menlo" charset="0"/>
+                <a:cs typeface="Menlo" charset="0"/>
+              </a:rPr>
+              <a:t>gitlab.com</a:t>
+            </a:r>
+            <a:r>
+              <a:rPr lang="en-US" sz="1400" dirty="0" smtClean="0">
+                <a:solidFill>
+                  <a:schemeClr val="tx1"/>
+                </a:solidFill>
+                <a:latin typeface="Menlo" charset="0"/>
+                <a:ea typeface="Menlo" charset="0"/>
+                <a:cs typeface="Menlo" charset="0"/>
+              </a:rPr>
+              <a:t>/</a:t>
+            </a:r>
+            <a:r>
+              <a:rPr lang="en-US" sz="1400" dirty="0" err="1" smtClean="0">
+                <a:solidFill>
+                  <a:schemeClr val="tx1"/>
+                </a:solidFill>
+                <a:latin typeface="Menlo" charset="0"/>
+                <a:ea typeface="Menlo" charset="0"/>
+                <a:cs typeface="Menlo" charset="0"/>
+              </a:rPr>
+              <a:t>AleksandrSl</a:t>
+            </a:r>
+            <a:r>
+              <a:rPr lang="en-US" sz="1400" dirty="0" smtClean="0">
+                <a:solidFill>
+                  <a:schemeClr val="tx1"/>
+                </a:solidFill>
+                <a:latin typeface="Menlo" charset="0"/>
+                <a:ea typeface="Menlo" charset="0"/>
+                <a:cs typeface="Menlo" charset="0"/>
+              </a:rPr>
+              <a:t>/cwl-plugin</a:t>
+            </a:r>
+          </a:p>
+        </p:txBody>
+      </p:sp>
+      <p:sp>
+        <p:nvSpPr>
+          <p:cNvPr id="37" name="Rounded Rectangle 36"/>
+          <p:cNvSpPr/>
+          <p:nvPr/>
+        </p:nvSpPr>
+        <p:spPr>
+          <a:xfrm>
+            <a:off x="7745791" y="1845030"/>
+            <a:ext cx="4114800" cy="394138"/>
+          </a:xfrm>
+          <a:prstGeom prst="roundRect">
+            <a:avLst/>
+          </a:prstGeom>
+          <a:solidFill>
+            <a:schemeClr val="tx1"/>
+          </a:solidFill>
+          <a:ln>
+            <a:noFill/>
+          </a:ln>
+        </p:spPr>
+        <p:style>
+          <a:lnRef idx="2">
+            <a:schemeClr val="accent1">
+              <a:shade val="50000"/>
+            </a:schemeClr>
+          </a:lnRef>
+          <a:fillRef idx="1">
+            <a:schemeClr val="accent1"/>
+          </a:fillRef>
+          <a:effectRef idx="0">
+            <a:schemeClr val="accent1"/>
+          </a:effectRef>
+          <a:fontRef idx="minor">
+            <a:schemeClr val="lt1"/>
+          </a:fontRef>
+        </p:style>
+        <p:txBody>
+          <a:bodyPr rtlCol="0" anchor="ctr"/>
+          <a:lstStyle/>
+          <a:p>
+            <a:r>
+              <a:rPr lang="en-US" dirty="0" smtClean="0">
+                <a:solidFill>
+                  <a:srgbClr val="FFFF00"/>
+                </a:solidFill>
+                <a:latin typeface="Menlo" charset="0"/>
+                <a:ea typeface="Menlo" charset="0"/>
+                <a:cs typeface="Menlo" charset="0"/>
+              </a:rPr>
+              <a:t>&gt;_ </a:t>
+            </a:r>
+            <a:r>
+              <a:rPr lang="en-US" b="1" dirty="0">
+                <a:solidFill>
+                  <a:schemeClr val="bg1">
+                    <a:lumMod val="85000"/>
+                  </a:schemeClr>
+                </a:solidFill>
+                <a:latin typeface="Menlo" charset="0"/>
+                <a:ea typeface="Menlo" charset="0"/>
+                <a:cs typeface="Menlo" charset="0"/>
+              </a:rPr>
+              <a:t>H</a:t>
+            </a:r>
+            <a:r>
+              <a:rPr lang="en-US" b="1" dirty="0" smtClean="0">
+                <a:solidFill>
+                  <a:schemeClr val="bg1">
+                    <a:lumMod val="85000"/>
+                  </a:schemeClr>
+                </a:solidFill>
+                <a:latin typeface="Menlo" charset="0"/>
+                <a:ea typeface="Menlo" charset="0"/>
+                <a:cs typeface="Menlo" charset="0"/>
+              </a:rPr>
+              <a:t>ave a question?</a:t>
+            </a:r>
+            <a:endParaRPr lang="en-US" dirty="0">
+              <a:solidFill>
+                <a:schemeClr val="bg1">
+                  <a:lumMod val="85000"/>
+                </a:schemeClr>
+              </a:solidFill>
+              <a:latin typeface="Menlo" charset="0"/>
+              <a:ea typeface="Menlo" charset="0"/>
+              <a:cs typeface="Menlo" charset="0"/>
+            </a:endParaRPr>
+          </a:p>
+        </p:txBody>
+      </p:sp>
+      <p:sp>
+        <p:nvSpPr>
+          <p:cNvPr id="38" name="TextBox 37"/>
+          <p:cNvSpPr txBox="1"/>
+          <p:nvPr/>
+        </p:nvSpPr>
+        <p:spPr>
+          <a:xfrm>
+            <a:off x="7745791" y="2273477"/>
+            <a:ext cx="4114801" cy="2246769"/>
+          </a:xfrm>
+          <a:prstGeom prst="rect">
+            <a:avLst/>
+          </a:prstGeom>
+          <a:solidFill>
+            <a:schemeClr val="accent2">
+              <a:lumMod val="60000"/>
+              <a:lumOff val="40000"/>
+            </a:schemeClr>
+          </a:solidFill>
+          <a:ln>
+            <a:noFill/>
+          </a:ln>
+        </p:spPr>
+        <p:style>
+          <a:lnRef idx="2">
+            <a:schemeClr val="accent2">
+              <a:shade val="50000"/>
+            </a:schemeClr>
+          </a:lnRef>
+          <a:fillRef idx="1">
+            <a:schemeClr val="accent2"/>
+          </a:fillRef>
+          <a:effectRef idx="0">
+            <a:schemeClr val="accent2"/>
+          </a:effectRef>
+          <a:fontRef idx="minor">
+            <a:schemeClr val="lt1"/>
+          </a:fontRef>
+        </p:style>
+        <p:txBody>
+          <a:bodyPr wrap="square" rtlCol="0">
+            <a:spAutoFit/>
+          </a:bodyPr>
+          <a:lstStyle/>
+          <a:p>
+            <a:r>
+              <a:rPr lang="en-US" sz="1400" b="1" dirty="0" err="1" smtClean="0">
+                <a:solidFill>
+                  <a:schemeClr val="tx1"/>
+                </a:solidFill>
+                <a:latin typeface="Menlo" charset="0"/>
+                <a:ea typeface="Menlo" charset="0"/>
+                <a:cs typeface="Menlo" charset="0"/>
+              </a:rPr>
+              <a:t>Gitter</a:t>
+            </a:r>
+            <a:endParaRPr lang="en-US" sz="1400" b="1" dirty="0">
+              <a:solidFill>
+                <a:schemeClr val="tx1"/>
+              </a:solidFill>
+              <a:latin typeface="Menlo" charset="0"/>
+              <a:ea typeface="Menlo" charset="0"/>
+              <a:cs typeface="Menlo" charset="0"/>
+            </a:endParaRPr>
+          </a:p>
+          <a:p>
+            <a:r>
+              <a:rPr lang="en-US" sz="1400" dirty="0" smtClean="0">
+                <a:solidFill>
+                  <a:schemeClr val="tx1"/>
+                </a:solidFill>
+                <a:latin typeface="Menlo" charset="0"/>
+                <a:ea typeface="Menlo" charset="0"/>
+                <a:cs typeface="Menlo" charset="0"/>
+              </a:rPr>
+              <a:t>https</a:t>
+            </a:r>
+            <a:r>
+              <a:rPr lang="en-US" sz="1400" dirty="0">
+                <a:solidFill>
+                  <a:schemeClr val="tx1"/>
+                </a:solidFill>
+                <a:latin typeface="Menlo" charset="0"/>
+                <a:ea typeface="Menlo" charset="0"/>
+                <a:cs typeface="Menlo" charset="0"/>
+              </a:rPr>
+              <a:t>://</a:t>
+            </a:r>
+            <a:r>
+              <a:rPr lang="en-US" sz="1400" dirty="0" smtClean="0">
+                <a:solidFill>
+                  <a:schemeClr val="tx1"/>
+                </a:solidFill>
+                <a:latin typeface="Menlo" charset="0"/>
+                <a:ea typeface="Menlo" charset="0"/>
+                <a:cs typeface="Menlo" charset="0"/>
+              </a:rPr>
+              <a:t>gitter.im/common-workflow-language/common-workflow-language</a:t>
+            </a:r>
+          </a:p>
+          <a:p>
+            <a:endParaRPr lang="en-US" sz="1400" b="1" dirty="0" smtClean="0">
+              <a:solidFill>
+                <a:schemeClr val="tx1"/>
+              </a:solidFill>
+              <a:latin typeface="Menlo" charset="0"/>
+              <a:ea typeface="Menlo" charset="0"/>
+              <a:cs typeface="Menlo" charset="0"/>
+            </a:endParaRPr>
+          </a:p>
+          <a:p>
+            <a:r>
+              <a:rPr lang="en-US" sz="1400" b="1" dirty="0" err="1" smtClean="0">
+                <a:solidFill>
+                  <a:schemeClr val="tx1"/>
+                </a:solidFill>
+                <a:latin typeface="Menlo" charset="0"/>
+                <a:ea typeface="Menlo" charset="0"/>
+                <a:cs typeface="Menlo" charset="0"/>
+              </a:rPr>
+              <a:t>Biostars</a:t>
+            </a:r>
+            <a:endParaRPr lang="en-US" sz="1400" b="1" dirty="0" smtClean="0">
+              <a:solidFill>
+                <a:schemeClr val="tx1"/>
+              </a:solidFill>
+              <a:latin typeface="Menlo" charset="0"/>
+              <a:ea typeface="Menlo" charset="0"/>
+              <a:cs typeface="Menlo" charset="0"/>
+            </a:endParaRPr>
+          </a:p>
+          <a:p>
+            <a:r>
+              <a:rPr lang="en-US" sz="1400" dirty="0">
+                <a:solidFill>
+                  <a:schemeClr val="tx1"/>
+                </a:solidFill>
+                <a:latin typeface="Menlo" charset="0"/>
+                <a:ea typeface="Menlo" charset="0"/>
+                <a:cs typeface="Menlo" charset="0"/>
+              </a:rPr>
+              <a:t>https://</a:t>
+            </a:r>
+            <a:r>
+              <a:rPr lang="en-US" sz="1400" dirty="0" err="1" smtClean="0">
+                <a:solidFill>
+                  <a:schemeClr val="tx1"/>
+                </a:solidFill>
+                <a:latin typeface="Menlo" charset="0"/>
+                <a:ea typeface="Menlo" charset="0"/>
+                <a:cs typeface="Menlo" charset="0"/>
+              </a:rPr>
+              <a:t>www.biostars.org</a:t>
+            </a:r>
+            <a:r>
+              <a:rPr lang="en-US" sz="1400" dirty="0" smtClean="0">
+                <a:solidFill>
+                  <a:schemeClr val="tx1"/>
+                </a:solidFill>
+                <a:latin typeface="Menlo" charset="0"/>
+                <a:ea typeface="Menlo" charset="0"/>
+                <a:cs typeface="Menlo" charset="0"/>
+              </a:rPr>
+              <a:t>/t/cwl</a:t>
+            </a:r>
+            <a:endParaRPr lang="en-US" sz="1400" dirty="0">
+              <a:solidFill>
+                <a:schemeClr val="tx1"/>
+              </a:solidFill>
+              <a:latin typeface="Menlo" charset="0"/>
+              <a:ea typeface="Menlo" charset="0"/>
+              <a:cs typeface="Menlo" charset="0"/>
+            </a:endParaRPr>
+          </a:p>
+          <a:p>
+            <a:endParaRPr lang="en-US" sz="1400" b="1" dirty="0" smtClean="0">
+              <a:solidFill>
+                <a:schemeClr val="tx1"/>
+              </a:solidFill>
+              <a:latin typeface="Menlo" charset="0"/>
+              <a:ea typeface="Menlo" charset="0"/>
+              <a:cs typeface="Menlo" charset="0"/>
+            </a:endParaRPr>
+          </a:p>
+          <a:p>
+            <a:r>
+              <a:rPr lang="en-US" sz="1400" b="1" dirty="0" smtClean="0">
+                <a:solidFill>
+                  <a:schemeClr val="tx1"/>
+                </a:solidFill>
+                <a:latin typeface="Menlo" charset="0"/>
+                <a:ea typeface="Menlo" charset="0"/>
+                <a:cs typeface="Menlo" charset="0"/>
+              </a:rPr>
+              <a:t>Google Groups</a:t>
+            </a:r>
+          </a:p>
+          <a:p>
+            <a:r>
+              <a:rPr lang="en-US" sz="1400" dirty="0" smtClean="0">
+                <a:solidFill>
+                  <a:schemeClr val="tx1"/>
+                </a:solidFill>
+                <a:latin typeface="Menlo" charset="0"/>
+                <a:ea typeface="Menlo" charset="0"/>
+                <a:cs typeface="Menlo" charset="0"/>
+              </a:rPr>
+              <a:t>https</a:t>
+            </a:r>
+            <a:r>
+              <a:rPr lang="en-US" sz="1400" dirty="0">
+                <a:solidFill>
+                  <a:schemeClr val="tx1"/>
+                </a:solidFill>
+                <a:latin typeface="Menlo" charset="0"/>
+                <a:ea typeface="Menlo" charset="0"/>
+                <a:cs typeface="Menlo" charset="0"/>
+              </a:rPr>
+              <a:t>://groups.google.com/forum/#!forum/common-workflow-language</a:t>
+            </a:r>
+            <a:endParaRPr lang="en-US" sz="1400" dirty="0" smtClean="0">
+              <a:solidFill>
+                <a:schemeClr val="tx1"/>
+              </a:solidFill>
+              <a:latin typeface="Menlo" charset="0"/>
+              <a:ea typeface="Menlo" charset="0"/>
+              <a:cs typeface="Menlo" charset="0"/>
+              <a:hlinkClick r:id="rId2"/>
+            </a:endParaRPr>
+          </a:p>
+        </p:txBody>
+      </p:sp>
+    </p:spTree>
+    <p:extLst>
+      <p:ext uri="{BB962C8B-B14F-4D97-AF65-F5344CB8AC3E}">
+        <p14:creationId xmlns:p14="http://schemas.microsoft.com/office/powerpoint/2010/main" val="1339486336"/>
+      </p:ext>
+    </p:extLst>
+  </p:cSld>
+  <p:clrMapOvr>
+    <a:masterClrMapping/>
+  </p:clrMapOvr>
+  <p:timing>
+    <p:tnLst>
+      <p:par>
+        <p:cTn id="1" dur="indefinite" restart="never" nodeType="tmRoot"/>
+      </p:par>
+    </p:tnLst>
+  </p:timing>
+</p:sld>
+</file>
+
 <file path=ppt/slides/slide2.xml><?xml version="1.0" encoding="utf-8"?>
 <p:sld xmlns:a="http://schemas.openxmlformats.org/drawingml/2006/main" xmlns:r="http://schemas.openxmlformats.org/officeDocument/2006/relationships" xmlns:p="http://schemas.openxmlformats.org/presentationml/2006/main">
   <p:cSld>
@@ -6713,17 +8910,6 @@
                 <a:cs typeface="Menlo" charset="0"/>
               </a:rPr>
               <a:t>: "*"</a:t>
-            </a:r>
-            <a:r>
-              <a:rPr lang="en-US" dirty="0">
-                <a:solidFill>
-                  <a:schemeClr val="tx1"/>
-                </a:solidFill>
-                <a:latin typeface="Menlo" charset="0"/>
-                <a:ea typeface="Menlo" charset="0"/>
-                <a:cs typeface="Menlo" charset="0"/>
-              </a:rPr>
-              <a:t/>
             </a:r>
             <a:br>
               <a:rPr lang="en-US" dirty="0">

--- a/slides/cwl_workshop.pptx
+++ b/slides/cwl_workshop.pptx
@@ -243,7 +243,7 @@
           <a:p>
             <a:fld id="{C0D15687-4E0E-F84F-AFE0-1F1A52F58F6A}" type="datetimeFigureOut">
               <a:rPr lang="en-US" smtClean="0"/>
-              <a:t>10/30/18</a:t>
+              <a:t>10/31/18</a:t>
             </a:fld>
             <a:endParaRPr lang="en-US"/>
           </a:p>
@@ -555,6 +555,43 @@
           <a:bodyPr/>
           <a:lstStyle/>
           <a:p>
+            <a:r>
+              <a:rPr lang="en-US" sz="1200" b="0" i="0" kern="1200" dirty="0" smtClean="0">
+                <a:solidFill>
+                  <a:schemeClr val="tx1"/>
+                </a:solidFill>
+                <a:effectLst/>
+                <a:latin typeface="+mn-lt"/>
+                <a:ea typeface="+mn-ea"/>
+                <a:cs typeface="+mn-cs"/>
+              </a:rPr>
+              <a:t>CWL is a way to describe command line tools and connect them together to create workflows.</a:t>
+            </a:r>
+          </a:p>
+          <a:p>
+            <a:endParaRPr lang="en-US" sz="1200" b="0" i="0" kern="1200" dirty="0" smtClean="0">
+              <a:solidFill>
+                <a:schemeClr val="tx1"/>
+              </a:solidFill>
+              <a:effectLst/>
+              <a:latin typeface="+mn-lt"/>
+              <a:ea typeface="+mn-ea"/>
+              <a:cs typeface="+mn-cs"/>
+            </a:endParaRPr>
+          </a:p>
+          <a:p>
+            <a:r>
+              <a:rPr lang="en-US" sz="1200" b="0" i="0" kern="1200" dirty="0" smtClean="0">
+                <a:solidFill>
+                  <a:schemeClr val="tx1"/>
+                </a:solidFill>
+                <a:effectLst/>
+                <a:latin typeface="+mn-lt"/>
+                <a:ea typeface="+mn-ea"/>
+                <a:cs typeface="+mn-cs"/>
+              </a:rPr>
+              <a:t>Because CWL is a specification and not a specific piece of software, tools and workflows described using CWL are portable across a variety of platforms that support the CWL standard.</a:t>
+            </a:r>
             <a:endParaRPr lang="en-US" dirty="0"/>
           </a:p>
         </p:txBody>
@@ -576,7 +613,7 @@
           <a:p>
             <a:fld id="{3B33CAB0-BBB4-B94F-9BB9-10D6CE331DF9}" type="slidenum">
               <a:rPr lang="en-US" smtClean="0"/>
-              <a:t>2</a:t>
+              <a:t>1</a:t>
             </a:fld>
             <a:endParaRPr lang="en-US"/>
           </a:p>
@@ -585,7 +622,7 @@
     </p:spTree>
     <p:extLst>
       <p:ext uri="{BB962C8B-B14F-4D97-AF65-F5344CB8AC3E}">
-        <p14:creationId xmlns:p14="http://schemas.microsoft.com/office/powerpoint/2010/main" val="1025082472"/>
+        <p14:creationId xmlns:p14="http://schemas.microsoft.com/office/powerpoint/2010/main" val="412387555"/>
       </p:ext>
     </p:extLst>
   </p:cSld>
@@ -639,7 +676,465 @@
           <a:bodyPr/>
           <a:lstStyle/>
           <a:p>
-            <a:endParaRPr lang="en-US" dirty="0"/>
+            <a:pPr marL="0" marR="0" indent="0" algn="l" defTabSz="914400" rtl="0" eaLnBrk="1" fontAlgn="auto" latinLnBrk="0" hangingPunct="1">
+              <a:lnSpc>
+                <a:spcPct val="100000"/>
+              </a:lnSpc>
+              <a:spcBef>
+                <a:spcPts val="0"/>
+              </a:spcBef>
+              <a:spcAft>
+                <a:spcPts val="0"/>
+              </a:spcAft>
+              <a:buClrTx/>
+              <a:buSzTx/>
+              <a:buFontTx/>
+              <a:buNone/>
+              <a:tabLst/>
+              <a:defRPr/>
+            </a:pPr>
+            <a:r>
+              <a:rPr lang="en-US" sz="1200" b="0" i="0" kern="1200" baseline="0" dirty="0" smtClean="0">
+                <a:solidFill>
+                  <a:schemeClr val="tx1"/>
+                </a:solidFill>
+                <a:effectLst/>
+                <a:latin typeface="+mn-lt"/>
+                <a:ea typeface="+mn-ea"/>
+                <a:cs typeface="+mn-cs"/>
+              </a:rPr>
+              <a:t>===CLICK===</a:t>
+            </a:r>
+          </a:p>
+          <a:p>
+            <a:endParaRPr lang="en-US" sz="1200" b="0" i="0" kern="1200" dirty="0" smtClean="0">
+              <a:solidFill>
+                <a:schemeClr val="tx1"/>
+              </a:solidFill>
+              <a:effectLst/>
+              <a:latin typeface="+mn-lt"/>
+              <a:ea typeface="+mn-ea"/>
+              <a:cs typeface="+mn-cs"/>
+            </a:endParaRPr>
+          </a:p>
+          <a:p>
+            <a:r>
+              <a:rPr lang="en-US" sz="1200" b="0" i="0" kern="1200" dirty="0" smtClean="0">
+                <a:solidFill>
+                  <a:schemeClr val="tx1"/>
+                </a:solidFill>
+                <a:effectLst/>
+                <a:latin typeface="+mn-lt"/>
+                <a:ea typeface="+mn-ea"/>
+                <a:cs typeface="+mn-cs"/>
+              </a:rPr>
+              <a:t>Rabix Composer</a:t>
+            </a:r>
+            <a:r>
+              <a:rPr lang="en-US" sz="1200" b="0" i="0" kern="1200" baseline="0" dirty="0" smtClean="0">
+                <a:solidFill>
+                  <a:schemeClr val="tx1"/>
+                </a:solidFill>
+                <a:effectLst/>
+                <a:latin typeface="+mn-lt"/>
+                <a:ea typeface="+mn-ea"/>
+                <a:cs typeface="+mn-cs"/>
+              </a:rPr>
+              <a:t> </a:t>
+            </a:r>
+            <a:r>
+              <a:rPr lang="en-US" sz="1200" b="0" i="0" kern="1200" dirty="0" smtClean="0">
+                <a:solidFill>
+                  <a:schemeClr val="tx1"/>
+                </a:solidFill>
+                <a:effectLst/>
+                <a:latin typeface="+mn-lt"/>
+                <a:ea typeface="+mn-ea"/>
+                <a:cs typeface="+mn-cs"/>
+              </a:rPr>
+              <a:t>is an open-source development kit for creating computational workflows in the Common Workflow Language (CWL).</a:t>
+            </a:r>
+          </a:p>
+          <a:p>
+            <a:endParaRPr lang="en-US" sz="1200" b="0" i="0" kern="1200" dirty="0" smtClean="0">
+              <a:solidFill>
+                <a:schemeClr val="tx1"/>
+              </a:solidFill>
+              <a:effectLst/>
+              <a:latin typeface="+mn-lt"/>
+              <a:ea typeface="+mn-ea"/>
+              <a:cs typeface="+mn-cs"/>
+            </a:endParaRPr>
+          </a:p>
+          <a:p>
+            <a:r>
+              <a:rPr lang="en-US" sz="1200" b="0" i="0" kern="1200" dirty="0" smtClean="0">
+                <a:solidFill>
+                  <a:schemeClr val="tx1"/>
+                </a:solidFill>
+                <a:effectLst/>
+                <a:latin typeface="+mn-lt"/>
+                <a:ea typeface="+mn-ea"/>
+                <a:cs typeface="+mn-cs"/>
+              </a:rPr>
+              <a:t>It provides an intuitive, visual editor to view and edit CWL tools and workflows.</a:t>
+            </a:r>
+          </a:p>
+          <a:p>
+            <a:endParaRPr lang="en-US" sz="1200" b="0" i="0" kern="1200" dirty="0" smtClean="0">
+              <a:solidFill>
+                <a:schemeClr val="tx1"/>
+              </a:solidFill>
+              <a:effectLst/>
+              <a:latin typeface="+mn-lt"/>
+              <a:ea typeface="+mn-ea"/>
+              <a:cs typeface="+mn-cs"/>
+            </a:endParaRPr>
+          </a:p>
+          <a:p>
+            <a:r>
+              <a:rPr lang="en-US" sz="1200" b="0" i="0" kern="1200" dirty="0" smtClean="0">
+                <a:solidFill>
+                  <a:schemeClr val="tx1"/>
+                </a:solidFill>
+                <a:effectLst/>
+                <a:latin typeface="+mn-lt"/>
+                <a:ea typeface="+mn-ea"/>
+                <a:cs typeface="+mn-cs"/>
+              </a:rPr>
+              <a:t>To install the latest stable version of Rabix Composer</a:t>
+            </a:r>
+            <a:r>
+              <a:rPr lang="en-US" sz="1200" b="0" i="0" kern="1200" baseline="0" dirty="0" smtClean="0">
+                <a:solidFill>
+                  <a:schemeClr val="tx1"/>
+                </a:solidFill>
+                <a:effectLst/>
+                <a:latin typeface="+mn-lt"/>
+                <a:ea typeface="+mn-ea"/>
+                <a:cs typeface="+mn-cs"/>
+              </a:rPr>
+              <a:t> follow the provided links. Chose the link depending on the Operating System you use.</a:t>
+            </a:r>
+          </a:p>
+          <a:p>
+            <a:endParaRPr lang="en-US" sz="1200" b="0" i="0" kern="1200" dirty="0" smtClean="0">
+              <a:solidFill>
+                <a:schemeClr val="tx1"/>
+              </a:solidFill>
+              <a:effectLst/>
+              <a:latin typeface="+mn-lt"/>
+              <a:ea typeface="+mn-ea"/>
+              <a:cs typeface="+mn-cs"/>
+            </a:endParaRPr>
+          </a:p>
+          <a:p>
+            <a:r>
+              <a:rPr lang="en-US" sz="1200" b="0" i="0" kern="1200" dirty="0" smtClean="0">
+                <a:solidFill>
+                  <a:schemeClr val="tx1"/>
+                </a:solidFill>
+                <a:effectLst/>
+                <a:latin typeface="+mn-lt"/>
+                <a:ea typeface="+mn-ea"/>
+                <a:cs typeface="+mn-cs"/>
+              </a:rPr>
+              <a:t>In</a:t>
+            </a:r>
+            <a:r>
+              <a:rPr lang="en-US" sz="1200" b="0" i="0" kern="1200" baseline="0" dirty="0" smtClean="0">
+                <a:solidFill>
+                  <a:schemeClr val="tx1"/>
+                </a:solidFill>
+                <a:effectLst/>
+                <a:latin typeface="+mn-lt"/>
+                <a:ea typeface="+mn-ea"/>
+                <a:cs typeface="+mn-cs"/>
+              </a:rPr>
+              <a:t> latest version </a:t>
+            </a:r>
+            <a:r>
+              <a:rPr lang="en-US" sz="1200" b="0" i="0" kern="1200" dirty="0" smtClean="0">
+                <a:solidFill>
+                  <a:schemeClr val="tx1"/>
+                </a:solidFill>
+                <a:effectLst/>
+                <a:latin typeface="+mn-lt"/>
+                <a:ea typeface="+mn-ea"/>
+                <a:cs typeface="+mn-cs"/>
+              </a:rPr>
+              <a:t>Rabix Composer</a:t>
+            </a:r>
+            <a:r>
+              <a:rPr lang="en-US" sz="1200" b="0" i="0" kern="1200" baseline="0" dirty="0" smtClean="0">
+                <a:solidFill>
+                  <a:schemeClr val="tx1"/>
+                </a:solidFill>
+                <a:effectLst/>
+                <a:latin typeface="+mn-lt"/>
+                <a:ea typeface="+mn-ea"/>
+                <a:cs typeface="+mn-cs"/>
+              </a:rPr>
+              <a:t> also includes Rabix Executor that allows to run workflows on your local machine.</a:t>
+            </a:r>
+          </a:p>
+          <a:p>
+            <a:endParaRPr lang="en-US" sz="1200" b="0" i="0" kern="1200" baseline="0" dirty="0" smtClean="0">
+              <a:solidFill>
+                <a:schemeClr val="tx1"/>
+              </a:solidFill>
+              <a:effectLst/>
+              <a:latin typeface="+mn-lt"/>
+              <a:ea typeface="+mn-ea"/>
+              <a:cs typeface="+mn-cs"/>
+            </a:endParaRPr>
+          </a:p>
+          <a:p>
+            <a:r>
+              <a:rPr lang="en-US" sz="1200" b="0" i="0" kern="1200" baseline="0" dirty="0" smtClean="0">
+                <a:solidFill>
+                  <a:schemeClr val="tx1"/>
+                </a:solidFill>
+                <a:effectLst/>
+                <a:latin typeface="+mn-lt"/>
+                <a:ea typeface="+mn-ea"/>
+                <a:cs typeface="+mn-cs"/>
+              </a:rPr>
+              <a:t>===CLICK===</a:t>
+            </a:r>
+          </a:p>
+          <a:p>
+            <a:endParaRPr lang="en-US" sz="1200" b="0" i="0" kern="1200" baseline="0" dirty="0" smtClean="0">
+              <a:solidFill>
+                <a:schemeClr val="tx1"/>
+              </a:solidFill>
+              <a:effectLst/>
+              <a:latin typeface="+mn-lt"/>
+              <a:ea typeface="+mn-ea"/>
+              <a:cs typeface="+mn-cs"/>
+            </a:endParaRPr>
+          </a:p>
+          <a:p>
+            <a:r>
+              <a:rPr lang="en-US" sz="1200" b="0" i="0" kern="1200" baseline="0" dirty="0" smtClean="0">
+                <a:solidFill>
+                  <a:schemeClr val="tx1"/>
+                </a:solidFill>
+                <a:effectLst/>
+                <a:latin typeface="+mn-lt"/>
+                <a:ea typeface="+mn-ea"/>
+                <a:cs typeface="+mn-cs"/>
+              </a:rPr>
+              <a:t>Rabix Executor is written on Java. Therefore to execute CWL workflows Java Development Kit should be installed. Open the provided link and chose the version that corresponds to you Operating System Type.</a:t>
+            </a:r>
+          </a:p>
+          <a:p>
+            <a:endParaRPr lang="en-US" sz="1200" b="0" i="0" kern="1200" baseline="0" dirty="0" smtClean="0">
+              <a:solidFill>
+                <a:schemeClr val="tx1"/>
+              </a:solidFill>
+              <a:effectLst/>
+              <a:latin typeface="+mn-lt"/>
+              <a:ea typeface="+mn-ea"/>
+              <a:cs typeface="+mn-cs"/>
+            </a:endParaRPr>
+          </a:p>
+          <a:p>
+            <a:pPr marL="0" marR="0" indent="0" algn="l" defTabSz="914400" rtl="0" eaLnBrk="1" fontAlgn="auto" latinLnBrk="0" hangingPunct="1">
+              <a:lnSpc>
+                <a:spcPct val="100000"/>
+              </a:lnSpc>
+              <a:spcBef>
+                <a:spcPts val="0"/>
+              </a:spcBef>
+              <a:spcAft>
+                <a:spcPts val="0"/>
+              </a:spcAft>
+              <a:buClrTx/>
+              <a:buSzTx/>
+              <a:buFontTx/>
+              <a:buNone/>
+              <a:tabLst/>
+              <a:defRPr/>
+            </a:pPr>
+            <a:r>
+              <a:rPr lang="en-US" sz="1200" b="0" i="0" kern="1200" baseline="0" dirty="0" smtClean="0">
+                <a:solidFill>
+                  <a:schemeClr val="tx1"/>
+                </a:solidFill>
+                <a:effectLst/>
+                <a:latin typeface="+mn-lt"/>
+                <a:ea typeface="+mn-ea"/>
+                <a:cs typeface="+mn-cs"/>
+              </a:rPr>
+              <a:t>===CLICK===</a:t>
+            </a:r>
+          </a:p>
+          <a:p>
+            <a:endParaRPr lang="en-US" sz="1200" b="0" i="0" kern="1200" baseline="0" dirty="0" smtClean="0">
+              <a:solidFill>
+                <a:schemeClr val="tx1"/>
+              </a:solidFill>
+              <a:effectLst/>
+              <a:latin typeface="+mn-lt"/>
+              <a:ea typeface="+mn-ea"/>
+              <a:cs typeface="+mn-cs"/>
+            </a:endParaRPr>
+          </a:p>
+          <a:p>
+            <a:r>
+              <a:rPr lang="en-US" sz="1200" b="0" i="0" kern="1200" baseline="0" dirty="0" smtClean="0">
+                <a:solidFill>
+                  <a:schemeClr val="tx1"/>
+                </a:solidFill>
+                <a:effectLst/>
+                <a:latin typeface="+mn-lt"/>
+                <a:ea typeface="+mn-ea"/>
+                <a:cs typeface="+mn-cs"/>
+              </a:rPr>
+              <a:t>Additionally, Docker must be present in your system. </a:t>
+            </a:r>
+            <a:r>
+              <a:rPr lang="en-US" sz="1200" b="0" i="0" kern="1200" dirty="0" smtClean="0">
+                <a:solidFill>
+                  <a:schemeClr val="tx1"/>
+                </a:solidFill>
+                <a:effectLst/>
+                <a:latin typeface="+mn-lt"/>
+                <a:ea typeface="+mn-ea"/>
+                <a:cs typeface="+mn-cs"/>
+              </a:rPr>
+              <a:t>Docker is a computer program that performs operating-system-level virtualization, also known as "containerization”.</a:t>
+            </a:r>
+          </a:p>
+          <a:p>
+            <a:endParaRPr lang="en-US" sz="1200" b="0" i="0" kern="1200" dirty="0" smtClean="0">
+              <a:solidFill>
+                <a:schemeClr val="tx1"/>
+              </a:solidFill>
+              <a:effectLst/>
+              <a:latin typeface="+mn-lt"/>
+              <a:ea typeface="+mn-ea"/>
+              <a:cs typeface="+mn-cs"/>
+            </a:endParaRPr>
+          </a:p>
+          <a:p>
+            <a:r>
+              <a:rPr lang="en-US" sz="1200" b="0" i="0" kern="1200" dirty="0" smtClean="0">
+                <a:solidFill>
+                  <a:schemeClr val="tx1"/>
+                </a:solidFill>
+                <a:effectLst/>
+                <a:latin typeface="+mn-lt"/>
+                <a:ea typeface="+mn-ea"/>
+                <a:cs typeface="+mn-cs"/>
+              </a:rPr>
+              <a:t>Docker is used to run software packages called "containers”</a:t>
+            </a:r>
+            <a:r>
+              <a:rPr lang="en-US" sz="1200" b="0" i="0" kern="1200" baseline="0" dirty="0" smtClean="0">
+                <a:solidFill>
+                  <a:schemeClr val="tx1"/>
+                </a:solidFill>
+                <a:effectLst/>
+                <a:latin typeface="+mn-lt"/>
+                <a:ea typeface="+mn-ea"/>
+                <a:cs typeface="+mn-cs"/>
+              </a:rPr>
+              <a:t> in isolated environments. To make it clearer, lets assume that it works like any other virtual machine that you might use in Virtual Box, for example.</a:t>
+            </a:r>
+          </a:p>
+          <a:p>
+            <a:endParaRPr lang="en-US" sz="1200" b="0" i="0" kern="1200" baseline="0" dirty="0" smtClean="0">
+              <a:solidFill>
+                <a:schemeClr val="tx1"/>
+              </a:solidFill>
+              <a:effectLst/>
+              <a:latin typeface="+mn-lt"/>
+              <a:ea typeface="+mn-ea"/>
+              <a:cs typeface="+mn-cs"/>
+            </a:endParaRPr>
+          </a:p>
+          <a:p>
+            <a:r>
+              <a:rPr lang="en-US" sz="1200" b="0" i="0" kern="1200" baseline="0" dirty="0" smtClean="0">
+                <a:solidFill>
+                  <a:schemeClr val="tx1"/>
+                </a:solidFill>
+                <a:effectLst/>
+                <a:latin typeface="+mn-lt"/>
+                <a:ea typeface="+mn-ea"/>
+                <a:cs typeface="+mn-cs"/>
+              </a:rPr>
+              <a:t>We are not going to use it in our examples, but it’s a required dependency for Rabix Composer to work. To install Docker follow one of the links depending on your Operating System Type.</a:t>
+            </a:r>
+          </a:p>
+          <a:p>
+            <a:endParaRPr lang="en-US" sz="1200" b="0" i="0" kern="1200" baseline="0" dirty="0" smtClean="0">
+              <a:solidFill>
+                <a:schemeClr val="tx1"/>
+              </a:solidFill>
+              <a:effectLst/>
+              <a:latin typeface="+mn-lt"/>
+              <a:ea typeface="+mn-ea"/>
+              <a:cs typeface="+mn-cs"/>
+            </a:endParaRPr>
+          </a:p>
+          <a:p>
+            <a:pPr marL="0" marR="0" indent="0" algn="l" defTabSz="914400" rtl="0" eaLnBrk="1" fontAlgn="auto" latinLnBrk="0" hangingPunct="1">
+              <a:lnSpc>
+                <a:spcPct val="100000"/>
+              </a:lnSpc>
+              <a:spcBef>
+                <a:spcPts val="0"/>
+              </a:spcBef>
+              <a:spcAft>
+                <a:spcPts val="0"/>
+              </a:spcAft>
+              <a:buClrTx/>
+              <a:buSzTx/>
+              <a:buFontTx/>
+              <a:buNone/>
+              <a:tabLst/>
+              <a:defRPr/>
+            </a:pPr>
+            <a:r>
+              <a:rPr lang="en-US" sz="1200" b="0" i="0" kern="1200" baseline="0" dirty="0" smtClean="0">
+                <a:solidFill>
+                  <a:schemeClr val="tx1"/>
+                </a:solidFill>
+                <a:effectLst/>
+                <a:latin typeface="+mn-lt"/>
+                <a:ea typeface="+mn-ea"/>
+                <a:cs typeface="+mn-cs"/>
+              </a:rPr>
+              <a:t>===CLICK===</a:t>
+            </a:r>
+          </a:p>
+          <a:p>
+            <a:endParaRPr lang="en-US" sz="1200" b="0" i="0" kern="1200" baseline="0" dirty="0" smtClean="0">
+              <a:solidFill>
+                <a:schemeClr val="tx1"/>
+              </a:solidFill>
+              <a:effectLst/>
+              <a:latin typeface="+mn-lt"/>
+              <a:ea typeface="+mn-ea"/>
+              <a:cs typeface="+mn-cs"/>
+            </a:endParaRPr>
+          </a:p>
+          <a:p>
+            <a:r>
+              <a:rPr lang="en-US" sz="1200" b="0" i="0" kern="1200" baseline="0" dirty="0" smtClean="0">
+                <a:solidFill>
+                  <a:schemeClr val="tx1"/>
+                </a:solidFill>
+                <a:effectLst/>
+                <a:latin typeface="+mn-lt"/>
+                <a:ea typeface="+mn-ea"/>
+                <a:cs typeface="+mn-cs"/>
+              </a:rPr>
+              <a:t>And if you are one of those who “feels the force”, you can install all these programs using your console. However, we will not cover how to become a Jedi in this workshop.</a:t>
+            </a:r>
           </a:p>
         </p:txBody>
       </p:sp>
@@ -660,7 +1155,7 @@
           <a:p>
             <a:fld id="{3B33CAB0-BBB4-B94F-9BB9-10D6CE331DF9}" type="slidenum">
               <a:rPr lang="en-US" smtClean="0"/>
-              <a:t>3</a:t>
+              <a:t>2</a:t>
             </a:fld>
             <a:endParaRPr lang="en-US"/>
           </a:p>
@@ -669,7 +1164,7 @@
     </p:spTree>
     <p:extLst>
       <p:ext uri="{BB962C8B-B14F-4D97-AF65-F5344CB8AC3E}">
-        <p14:creationId xmlns:p14="http://schemas.microsoft.com/office/powerpoint/2010/main" val="1192065103"/>
+        <p14:creationId xmlns:p14="http://schemas.microsoft.com/office/powerpoint/2010/main" val="1025082472"/>
       </p:ext>
     </p:extLst>
   </p:cSld>
@@ -725,12 +1220,1652 @@
           <a:p>
             <a:r>
               <a:rPr lang="en-US" dirty="0" smtClean="0"/>
-              <a:t>CWL specification defines the structure of the three basic</a:t>
+              <a:t>To </a:t>
+            </a:r>
+            <a:r>
+              <a:rPr lang="en-US" dirty="0" err="1" smtClean="0"/>
+              <a:t>undestand</a:t>
             </a:r>
             <a:r>
               <a:rPr lang="en-US" baseline="0" dirty="0" smtClean="0"/>
-              <a:t> components. First of them is Command Line tool</a:t>
-            </a:r>
+              <a:t> what it’s all about and how to use it, let’s look at the examples.</a:t>
+            </a:r>
+          </a:p>
+          <a:p>
+            <a:endParaRPr lang="en-US" baseline="0" dirty="0" smtClean="0"/>
+          </a:p>
+          <a:p>
+            <a:pPr marL="0" marR="0" indent="0" algn="l" defTabSz="914400" rtl="0" eaLnBrk="1" fontAlgn="auto" latinLnBrk="0" hangingPunct="1">
+              <a:lnSpc>
+                <a:spcPct val="100000"/>
+              </a:lnSpc>
+              <a:spcBef>
+                <a:spcPts val="0"/>
+              </a:spcBef>
+              <a:spcAft>
+                <a:spcPts val="0"/>
+              </a:spcAft>
+              <a:buClrTx/>
+              <a:buSzTx/>
+              <a:buFontTx/>
+              <a:buNone/>
+              <a:tabLst/>
+              <a:defRPr/>
+            </a:pPr>
+            <a:r>
+              <a:rPr lang="en-US" sz="1200" b="0" i="0" kern="1200" baseline="0" dirty="0" smtClean="0">
+                <a:solidFill>
+                  <a:schemeClr val="tx1"/>
+                </a:solidFill>
+                <a:effectLst/>
+                <a:latin typeface="+mn-lt"/>
+                <a:ea typeface="+mn-ea"/>
+                <a:cs typeface="+mn-cs"/>
+              </a:rPr>
+              <a:t>===CLICK===</a:t>
+            </a:r>
+          </a:p>
+          <a:p>
+            <a:endParaRPr lang="en-US" dirty="0" smtClean="0"/>
+          </a:p>
+          <a:p>
+            <a:r>
+              <a:rPr lang="en-US" dirty="0" smtClean="0"/>
+              <a:t>Let’s say we want</a:t>
+            </a:r>
+            <a:r>
+              <a:rPr lang="en-US" baseline="0" dirty="0" smtClean="0"/>
+              <a:t> to wrap in CWL the simplest command </a:t>
+            </a:r>
+            <a:r>
+              <a:rPr lang="mr-IN" baseline="0" dirty="0" smtClean="0"/>
+              <a:t>–</a:t>
+            </a:r>
+            <a:r>
+              <a:rPr lang="en-US" baseline="0" dirty="0" smtClean="0"/>
+              <a:t> "echo".</a:t>
+            </a:r>
+          </a:p>
+          <a:p>
+            <a:endParaRPr lang="en-US" baseline="0" dirty="0" smtClean="0"/>
+          </a:p>
+          <a:p>
+            <a:r>
+              <a:rPr lang="en-US" baseline="0" dirty="0" smtClean="0"/>
+              <a:t>If you type this in your console, the “Hello World” will be saved into the file “</a:t>
+            </a:r>
+            <a:r>
+              <a:rPr lang="en-US" baseline="0" dirty="0" err="1" smtClean="0"/>
+              <a:t>echo.txt</a:t>
+            </a:r>
+            <a:r>
+              <a:rPr lang="en-US" baseline="0" dirty="0" smtClean="0"/>
+              <a:t>”.</a:t>
+            </a:r>
+          </a:p>
+          <a:p>
+            <a:endParaRPr lang="en-US" baseline="0" dirty="0" smtClean="0"/>
+          </a:p>
+          <a:p>
+            <a:pPr marL="0" marR="0" indent="0" algn="l" defTabSz="914400" rtl="0" eaLnBrk="1" fontAlgn="auto" latinLnBrk="0" hangingPunct="1">
+              <a:lnSpc>
+                <a:spcPct val="100000"/>
+              </a:lnSpc>
+              <a:spcBef>
+                <a:spcPts val="0"/>
+              </a:spcBef>
+              <a:spcAft>
+                <a:spcPts val="0"/>
+              </a:spcAft>
+              <a:buClrTx/>
+              <a:buSzTx/>
+              <a:buFontTx/>
+              <a:buNone/>
+              <a:tabLst/>
+              <a:defRPr/>
+            </a:pPr>
+            <a:r>
+              <a:rPr lang="en-US" sz="1200" b="0" i="0" kern="1200" baseline="0" dirty="0" smtClean="0">
+                <a:solidFill>
+                  <a:schemeClr val="tx1"/>
+                </a:solidFill>
+                <a:effectLst/>
+                <a:latin typeface="+mn-lt"/>
+                <a:ea typeface="+mn-ea"/>
+                <a:cs typeface="+mn-cs"/>
+              </a:rPr>
+              <a:t>===CLICK===</a:t>
+            </a:r>
+          </a:p>
+          <a:p>
+            <a:endParaRPr lang="en-US" baseline="0" dirty="0" smtClean="0"/>
+          </a:p>
+          <a:p>
+            <a:r>
+              <a:rPr lang="en-US" baseline="0" dirty="0" smtClean="0"/>
+              <a:t>First thing we need to do if we want to wrap our "echo" command in CWL is to decide what are our inputs and outputs.</a:t>
+            </a:r>
+          </a:p>
+          <a:p>
+            <a:endParaRPr lang="en-US" baseline="0" dirty="0" smtClean="0"/>
+          </a:p>
+          <a:p>
+            <a:r>
+              <a:rPr lang="en-US" baseline="0" dirty="0" smtClean="0"/>
+              <a:t>Also, we need to chose the names for these inputs and outputs.</a:t>
+            </a:r>
+          </a:p>
+          <a:p>
+            <a:endParaRPr lang="en-US" baseline="0" dirty="0" smtClean="0"/>
+          </a:p>
+          <a:p>
+            <a:r>
+              <a:rPr lang="en-US" baseline="0" dirty="0" smtClean="0"/>
+              <a:t>As you can see, we have only on input (let’s call it “message”) and only one output (let’s call it "</a:t>
+            </a:r>
+            <a:r>
+              <a:rPr lang="en-US" baseline="0" dirty="0" err="1" smtClean="0"/>
+              <a:t>echo_file</a:t>
+            </a:r>
+            <a:r>
+              <a:rPr lang="en-US" baseline="0" dirty="0" smtClean="0"/>
+              <a:t>").</a:t>
+            </a:r>
+          </a:p>
+          <a:p>
+            <a:endParaRPr lang="en-US" baseline="0" dirty="0" smtClean="0"/>
+          </a:p>
+          <a:p>
+            <a:r>
+              <a:rPr lang="en-US" baseline="0" dirty="0" smtClean="0"/>
+              <a:t>We will use “message” to pass our “Hello World” to the </a:t>
+            </a:r>
+            <a:r>
+              <a:rPr lang="en-US" baseline="0" dirty="0" err="1" smtClean="0"/>
+              <a:t>baseCommand</a:t>
+            </a:r>
+            <a:r>
+              <a:rPr lang="en-US" baseline="0" dirty="0" smtClean="0"/>
+              <a:t> “echo”, and “</a:t>
+            </a:r>
+            <a:r>
+              <a:rPr lang="en-US" baseline="0" dirty="0" err="1" smtClean="0"/>
+              <a:t>echo_file</a:t>
+            </a:r>
+            <a:r>
+              <a:rPr lang="en-US" baseline="0" dirty="0" smtClean="0"/>
+              <a:t>” to return the results to the text file.</a:t>
+            </a:r>
+          </a:p>
+          <a:p>
+            <a:endParaRPr lang="en-US" baseline="0" dirty="0" smtClean="0"/>
+          </a:p>
+          <a:p>
+            <a:pPr marL="0" marR="0" indent="0" algn="l" defTabSz="914400" rtl="0" eaLnBrk="1" fontAlgn="auto" latinLnBrk="0" hangingPunct="1">
+              <a:lnSpc>
+                <a:spcPct val="100000"/>
+              </a:lnSpc>
+              <a:spcBef>
+                <a:spcPts val="0"/>
+              </a:spcBef>
+              <a:spcAft>
+                <a:spcPts val="0"/>
+              </a:spcAft>
+              <a:buClrTx/>
+              <a:buSzTx/>
+              <a:buFontTx/>
+              <a:buNone/>
+              <a:tabLst/>
+              <a:defRPr/>
+            </a:pPr>
+            <a:r>
+              <a:rPr lang="en-US" sz="1200" b="0" i="0" kern="1200" baseline="0" dirty="0" smtClean="0">
+                <a:solidFill>
+                  <a:schemeClr val="tx1"/>
+                </a:solidFill>
+                <a:effectLst/>
+                <a:latin typeface="+mn-lt"/>
+                <a:ea typeface="+mn-ea"/>
+                <a:cs typeface="+mn-cs"/>
+              </a:rPr>
+              <a:t>===CLICK===</a:t>
+            </a:r>
+          </a:p>
+          <a:p>
+            <a:endParaRPr lang="en-US" baseline="0" dirty="0" smtClean="0"/>
+          </a:p>
+          <a:p>
+            <a:r>
+              <a:rPr lang="en-US" baseline="0" dirty="0" smtClean="0"/>
+              <a:t>Next step is to figure out how to pass the value to our input “message”.</a:t>
+            </a:r>
+          </a:p>
+          <a:p>
+            <a:pPr marL="0" marR="0" indent="0" algn="l" defTabSz="914400" rtl="0" eaLnBrk="1" fontAlgn="auto" latinLnBrk="0" hangingPunct="1">
+              <a:lnSpc>
+                <a:spcPct val="100000"/>
+              </a:lnSpc>
+              <a:spcBef>
+                <a:spcPts val="0"/>
+              </a:spcBef>
+              <a:spcAft>
+                <a:spcPts val="0"/>
+              </a:spcAft>
+              <a:buClrTx/>
+              <a:buSzTx/>
+              <a:buFontTx/>
+              <a:buNone/>
+              <a:tabLst/>
+              <a:defRPr/>
+            </a:pPr>
+            <a:endParaRPr lang="en-US" sz="1200" b="0" i="0" kern="1200" baseline="0" dirty="0" smtClean="0">
+              <a:solidFill>
+                <a:schemeClr val="tx1"/>
+              </a:solidFill>
+              <a:effectLst/>
+              <a:latin typeface="+mn-lt"/>
+              <a:ea typeface="+mn-ea"/>
+              <a:cs typeface="+mn-cs"/>
+            </a:endParaRPr>
+          </a:p>
+          <a:p>
+            <a:pPr marL="0" marR="0" indent="0" algn="l" defTabSz="914400" rtl="0" eaLnBrk="1" fontAlgn="auto" latinLnBrk="0" hangingPunct="1">
+              <a:lnSpc>
+                <a:spcPct val="100000"/>
+              </a:lnSpc>
+              <a:spcBef>
+                <a:spcPts val="0"/>
+              </a:spcBef>
+              <a:spcAft>
+                <a:spcPts val="0"/>
+              </a:spcAft>
+              <a:buClrTx/>
+              <a:buSzTx/>
+              <a:buFontTx/>
+              <a:buNone/>
+              <a:tabLst/>
+              <a:defRPr/>
+            </a:pPr>
+            <a:r>
+              <a:rPr lang="en-US" sz="1200" b="0" i="0" kern="1200" baseline="0" dirty="0" smtClean="0">
+                <a:solidFill>
+                  <a:schemeClr val="tx1"/>
+                </a:solidFill>
+                <a:effectLst/>
+                <a:latin typeface="+mn-lt"/>
+                <a:ea typeface="+mn-ea"/>
+                <a:cs typeface="+mn-cs"/>
+              </a:rPr>
+              <a:t>===CLICK===</a:t>
+            </a:r>
+            <a:endParaRPr lang="en-US" baseline="0" dirty="0" smtClean="0"/>
+          </a:p>
+          <a:p>
+            <a:endParaRPr lang="en-US" baseline="0" dirty="0" smtClean="0"/>
+          </a:p>
+          <a:p>
+            <a:r>
+              <a:rPr lang="en-US" baseline="0" dirty="0" smtClean="0"/>
+              <a:t>The simplest way is to read it from the so called job file. In our case this file has name “</a:t>
+            </a:r>
+            <a:r>
+              <a:rPr lang="en-US" baseline="0" dirty="0" err="1" smtClean="0"/>
+              <a:t>echo.yml</a:t>
+            </a:r>
+            <a:r>
+              <a:rPr lang="en-US" baseline="0" dirty="0" smtClean="0"/>
+              <a:t>”.</a:t>
+            </a:r>
+          </a:p>
+          <a:p>
+            <a:endParaRPr lang="en-US" baseline="0" dirty="0" smtClean="0"/>
+          </a:p>
+          <a:p>
+            <a:r>
+              <a:rPr lang="en-US" baseline="0" dirty="0" smtClean="0"/>
+              <a:t>You don</a:t>
+            </a:r>
+            <a:r>
+              <a:rPr lang="mr-IN" baseline="0" dirty="0" smtClean="0"/>
+              <a:t>’</a:t>
+            </a:r>
+            <a:r>
+              <a:rPr lang="en-US" baseline="0" dirty="0" smtClean="0"/>
+              <a:t>t need any job files in the exercises you will do later, because Rabix Composer will do it for you.</a:t>
+            </a:r>
+          </a:p>
+          <a:p>
+            <a:endParaRPr lang="en-US" baseline="0" dirty="0" smtClean="0"/>
+          </a:p>
+          <a:p>
+            <a:r>
+              <a:rPr lang="en-US" baseline="0" dirty="0" smtClean="0"/>
+              <a:t>However, it’s always good to know how it’s all organized on the lower level.</a:t>
+            </a:r>
+          </a:p>
+          <a:p>
+            <a:endParaRPr lang="en-US" baseline="0" dirty="0" smtClean="0"/>
+          </a:p>
+          <a:p>
+            <a:pPr marL="0" marR="0" indent="0" algn="l" defTabSz="914400" rtl="0" eaLnBrk="1" fontAlgn="auto" latinLnBrk="0" hangingPunct="1">
+              <a:lnSpc>
+                <a:spcPct val="100000"/>
+              </a:lnSpc>
+              <a:spcBef>
+                <a:spcPts val="0"/>
+              </a:spcBef>
+              <a:spcAft>
+                <a:spcPts val="0"/>
+              </a:spcAft>
+              <a:buClrTx/>
+              <a:buSzTx/>
+              <a:buFontTx/>
+              <a:buNone/>
+              <a:tabLst/>
+              <a:defRPr/>
+            </a:pPr>
+            <a:r>
+              <a:rPr lang="en-US" sz="1200" b="0" i="0" kern="1200" baseline="0" dirty="0" smtClean="0">
+                <a:solidFill>
+                  <a:schemeClr val="tx1"/>
+                </a:solidFill>
+                <a:effectLst/>
+                <a:latin typeface="+mn-lt"/>
+                <a:ea typeface="+mn-ea"/>
+                <a:cs typeface="+mn-cs"/>
+              </a:rPr>
+              <a:t>===CLICK===</a:t>
+            </a:r>
+            <a:endParaRPr lang="en-US" baseline="0" dirty="0" smtClean="0"/>
+          </a:p>
+          <a:p>
+            <a:endParaRPr lang="en-US" baseline="0" dirty="0" smtClean="0"/>
+          </a:p>
+          <a:p>
+            <a:r>
+              <a:rPr lang="en-US" baseline="0" dirty="0" smtClean="0"/>
+              <a:t>The results will be always saved into the text file “</a:t>
+            </a:r>
+            <a:r>
+              <a:rPr lang="en-US" baseline="0" dirty="0" err="1" smtClean="0"/>
+              <a:t>echo.txt</a:t>
+            </a:r>
+            <a:r>
+              <a:rPr lang="en-US" baseline="0" dirty="0" smtClean="0"/>
+              <a:t>”. The output filename is hardcoded.</a:t>
+            </a:r>
+          </a:p>
+          <a:p>
+            <a:endParaRPr lang="en-US" baseline="0" dirty="0" smtClean="0"/>
+          </a:p>
+          <a:p>
+            <a:r>
+              <a:rPr lang="en-US" baseline="0" dirty="0" smtClean="0"/>
+              <a:t>It was made intentionally to simplify the example.</a:t>
+            </a:r>
+          </a:p>
+          <a:p>
+            <a:endParaRPr lang="en-US" baseline="0" dirty="0" smtClean="0"/>
+          </a:p>
+          <a:p>
+            <a:r>
+              <a:rPr lang="en-US" baseline="0" dirty="0" smtClean="0"/>
+              <a:t>Later we will have the separate workflow step to save the output with the custom name.</a:t>
+            </a:r>
+          </a:p>
+          <a:p>
+            <a:endParaRPr lang="en-US" baseline="0" dirty="0" smtClean="0"/>
+          </a:p>
+          <a:p>
+            <a:pPr marL="0" marR="0" indent="0" algn="l" defTabSz="914400" rtl="0" eaLnBrk="1" fontAlgn="auto" latinLnBrk="0" hangingPunct="1">
+              <a:lnSpc>
+                <a:spcPct val="100000"/>
+              </a:lnSpc>
+              <a:spcBef>
+                <a:spcPts val="0"/>
+              </a:spcBef>
+              <a:spcAft>
+                <a:spcPts val="0"/>
+              </a:spcAft>
+              <a:buClrTx/>
+              <a:buSzTx/>
+              <a:buFontTx/>
+              <a:buNone/>
+              <a:tabLst/>
+              <a:defRPr/>
+            </a:pPr>
+            <a:r>
+              <a:rPr lang="en-US" sz="1200" b="0" i="0" kern="1200" baseline="0" dirty="0" smtClean="0">
+                <a:solidFill>
+                  <a:schemeClr val="tx1"/>
+                </a:solidFill>
+                <a:effectLst/>
+                <a:latin typeface="+mn-lt"/>
+                <a:ea typeface="+mn-ea"/>
+                <a:cs typeface="+mn-cs"/>
+              </a:rPr>
+              <a:t>===CLICK===</a:t>
+            </a:r>
+            <a:endParaRPr lang="en-US" baseline="0" dirty="0" smtClean="0"/>
+          </a:p>
+          <a:p>
+            <a:endParaRPr lang="en-US" baseline="0" dirty="0" smtClean="0"/>
+          </a:p>
+          <a:p>
+            <a:r>
+              <a:rPr lang="en-US" baseline="0" dirty="0" smtClean="0"/>
+              <a:t>Once we have an idea how the CWL version of ”echo” command should look like, we can start writing the code of our CWL file.</a:t>
+            </a:r>
+          </a:p>
+          <a:p>
+            <a:endParaRPr lang="en-US" baseline="0" dirty="0" smtClean="0"/>
+          </a:p>
+          <a:p>
+            <a:r>
+              <a:rPr lang="en-US" baseline="0" dirty="0" smtClean="0"/>
+              <a:t>I’ll briefly explain every line of the code.</a:t>
+            </a:r>
+          </a:p>
+          <a:p>
+            <a:endParaRPr lang="en-US" baseline="0" dirty="0" smtClean="0"/>
+          </a:p>
+          <a:p>
+            <a:r>
+              <a:rPr lang="en-US" baseline="0" dirty="0" smtClean="0"/>
+              <a:t>We always start our CWL file with the </a:t>
+            </a:r>
+            <a:r>
+              <a:rPr lang="en-US" dirty="0" smtClean="0"/>
+              <a:t>cwlVersion</a:t>
+            </a:r>
+            <a:r>
+              <a:rPr lang="en-US" sz="1200" b="0" i="0" kern="1200" dirty="0" smtClean="0">
+                <a:solidFill>
+                  <a:schemeClr val="tx1"/>
+                </a:solidFill>
+                <a:effectLst/>
+                <a:latin typeface="+mn-lt"/>
+                <a:ea typeface="+mn-ea"/>
+                <a:cs typeface="+mn-cs"/>
+              </a:rPr>
+              <a:t> field</a:t>
+            </a:r>
+            <a:r>
+              <a:rPr lang="en-US" baseline="0" dirty="0" smtClean="0"/>
+              <a:t>.</a:t>
+            </a:r>
+          </a:p>
+          <a:p>
+            <a:endParaRPr lang="en-US" baseline="0" dirty="0" smtClean="0"/>
+          </a:p>
+          <a:p>
+            <a:r>
+              <a:rPr lang="en-US" sz="1200" b="0" i="0" kern="1200" dirty="0" smtClean="0">
+                <a:solidFill>
+                  <a:schemeClr val="tx1"/>
+                </a:solidFill>
+                <a:effectLst/>
+                <a:latin typeface="+mn-lt"/>
+                <a:ea typeface="+mn-ea"/>
+                <a:cs typeface="+mn-cs"/>
+              </a:rPr>
+              <a:t>It</a:t>
+            </a:r>
+            <a:r>
+              <a:rPr lang="en-US" sz="1200" b="0" i="0" kern="1200" baseline="0" dirty="0" smtClean="0">
+                <a:solidFill>
+                  <a:schemeClr val="tx1"/>
+                </a:solidFill>
+                <a:effectLst/>
+                <a:latin typeface="+mn-lt"/>
+                <a:ea typeface="+mn-ea"/>
+                <a:cs typeface="+mn-cs"/>
+              </a:rPr>
+              <a:t> </a:t>
+            </a:r>
+            <a:r>
+              <a:rPr lang="en-US" sz="1200" b="0" i="0" kern="1200" dirty="0" smtClean="0">
+                <a:solidFill>
+                  <a:schemeClr val="tx1"/>
+                </a:solidFill>
+                <a:effectLst/>
+                <a:latin typeface="+mn-lt"/>
+                <a:ea typeface="+mn-ea"/>
+                <a:cs typeface="+mn-cs"/>
+              </a:rPr>
+              <a:t>indicates the version of the CWL</a:t>
+            </a:r>
+            <a:r>
+              <a:rPr lang="en-US" sz="1200" b="0" i="0" kern="1200" baseline="0" dirty="0" smtClean="0">
+                <a:solidFill>
+                  <a:schemeClr val="tx1"/>
+                </a:solidFill>
+                <a:effectLst/>
+                <a:latin typeface="+mn-lt"/>
+                <a:ea typeface="+mn-ea"/>
+                <a:cs typeface="+mn-cs"/>
+              </a:rPr>
+              <a:t> we are going to use.</a:t>
+            </a:r>
+          </a:p>
+          <a:p>
+            <a:endParaRPr lang="en-US" baseline="0" dirty="0" smtClean="0"/>
+          </a:p>
+          <a:p>
+            <a:r>
+              <a:rPr lang="en-US" baseline="0" dirty="0" smtClean="0"/>
+              <a:t>The latest stable version is v1.0. Different versions might have slightly different syntax.</a:t>
+            </a:r>
+          </a:p>
+          <a:p>
+            <a:endParaRPr lang="en-US" baseline="0" dirty="0" smtClean="0"/>
+          </a:p>
+          <a:p>
+            <a:r>
+              <a:rPr lang="en-US" sz="1200" b="0" i="0" kern="1200" dirty="0" smtClean="0">
+                <a:solidFill>
+                  <a:schemeClr val="tx1"/>
+                </a:solidFill>
+                <a:effectLst/>
+                <a:latin typeface="+mn-lt"/>
+                <a:ea typeface="+mn-ea"/>
+                <a:cs typeface="+mn-cs"/>
+              </a:rPr>
+              <a:t>The </a:t>
+            </a:r>
+            <a:r>
+              <a:rPr lang="en-US" dirty="0" smtClean="0"/>
+              <a:t>class</a:t>
+            </a:r>
+            <a:r>
+              <a:rPr lang="en-US" sz="1200" b="0" i="0" kern="1200" dirty="0" smtClean="0">
+                <a:solidFill>
+                  <a:schemeClr val="tx1"/>
+                </a:solidFill>
+                <a:effectLst/>
+                <a:latin typeface="+mn-lt"/>
+                <a:ea typeface="+mn-ea"/>
+                <a:cs typeface="+mn-cs"/>
+              </a:rPr>
+              <a:t> field indicates that this document describes a CommandLineTool.</a:t>
+            </a:r>
+            <a:endParaRPr lang="en-US" baseline="0" dirty="0" smtClean="0"/>
+          </a:p>
+          <a:p>
+            <a:endParaRPr lang="en-US" baseline="0" dirty="0" smtClean="0"/>
+          </a:p>
+          <a:p>
+            <a:r>
+              <a:rPr lang="en-US" baseline="0" dirty="0" smtClean="0"/>
+              <a:t>It means that we are going to describe one single command, not the workflow.</a:t>
+            </a:r>
+          </a:p>
+          <a:p>
+            <a:endParaRPr lang="en-US" baseline="0" dirty="0" smtClean="0"/>
+          </a:p>
+          <a:p>
+            <a:r>
+              <a:rPr lang="en-US" baseline="0" dirty="0" smtClean="0"/>
+              <a:t>Workflows may sequentially (or sometimes in parallel) run several commands.</a:t>
+            </a:r>
+          </a:p>
+          <a:p>
+            <a:endParaRPr lang="en-US" baseline="0" dirty="0" smtClean="0"/>
+          </a:p>
+          <a:p>
+            <a:r>
+              <a:rPr lang="en-US" baseline="0" dirty="0" smtClean="0"/>
+              <a:t>We’ll see how to write the Workflow in the next example.</a:t>
+            </a:r>
+          </a:p>
+          <a:p>
+            <a:endParaRPr lang="en-US" baseline="0" dirty="0" smtClean="0"/>
+          </a:p>
+          <a:p>
+            <a:r>
+              <a:rPr lang="en-US" sz="1200" b="0" i="0" kern="1200" dirty="0" smtClean="0">
+                <a:solidFill>
+                  <a:schemeClr val="tx1"/>
+                </a:solidFill>
+                <a:effectLst/>
+                <a:latin typeface="+mn-lt"/>
+                <a:ea typeface="+mn-ea"/>
+                <a:cs typeface="+mn-cs"/>
+              </a:rPr>
+              <a:t>The </a:t>
+            </a:r>
+            <a:r>
+              <a:rPr lang="en-US" dirty="0" err="1" smtClean="0"/>
+              <a:t>baseCommand</a:t>
+            </a:r>
+            <a:r>
+              <a:rPr lang="en-US" sz="1200" b="0" i="0" kern="1200" dirty="0" smtClean="0">
+                <a:solidFill>
+                  <a:schemeClr val="tx1"/>
+                </a:solidFill>
+                <a:effectLst/>
+                <a:latin typeface="+mn-lt"/>
+                <a:ea typeface="+mn-ea"/>
+                <a:cs typeface="+mn-cs"/>
+              </a:rPr>
+              <a:t> provides the name of the program that will actually run.</a:t>
+            </a:r>
+          </a:p>
+          <a:p>
+            <a:endParaRPr lang="en-US" sz="1200" b="0" i="0" kern="1200" baseline="0" dirty="0" smtClean="0">
+              <a:solidFill>
+                <a:schemeClr val="tx1"/>
+              </a:solidFill>
+              <a:effectLst/>
+              <a:latin typeface="+mn-lt"/>
+              <a:ea typeface="+mn-ea"/>
+              <a:cs typeface="+mn-cs"/>
+            </a:endParaRPr>
+          </a:p>
+          <a:p>
+            <a:r>
+              <a:rPr lang="en-US" sz="1200" b="0" i="0" kern="1200" baseline="0" dirty="0" smtClean="0">
+                <a:solidFill>
+                  <a:schemeClr val="tx1"/>
+                </a:solidFill>
+                <a:effectLst/>
+                <a:latin typeface="+mn-lt"/>
+                <a:ea typeface="+mn-ea"/>
+                <a:cs typeface="+mn-cs"/>
+              </a:rPr>
+              <a:t>In our case it’s “echo”.</a:t>
+            </a:r>
+            <a:endParaRPr lang="en-US" baseline="0" dirty="0" smtClean="0"/>
+          </a:p>
+          <a:p>
+            <a:endParaRPr lang="en-US" baseline="0" dirty="0" smtClean="0"/>
+          </a:p>
+          <a:p>
+            <a:r>
+              <a:rPr lang="en-US" sz="1200" b="0" i="0" kern="1200" dirty="0" smtClean="0">
+                <a:solidFill>
+                  <a:schemeClr val="tx1"/>
+                </a:solidFill>
+                <a:effectLst/>
+                <a:latin typeface="+mn-lt"/>
+                <a:ea typeface="+mn-ea"/>
+                <a:cs typeface="+mn-cs"/>
+              </a:rPr>
+              <a:t>The </a:t>
+            </a:r>
+            <a:r>
+              <a:rPr lang="en-US" dirty="0" smtClean="0"/>
+              <a:t>inputs</a:t>
+            </a:r>
+            <a:r>
+              <a:rPr lang="en-US" sz="1200" b="0" i="0" kern="1200" dirty="0" smtClean="0">
+                <a:solidFill>
+                  <a:schemeClr val="tx1"/>
+                </a:solidFill>
+                <a:effectLst/>
+                <a:latin typeface="+mn-lt"/>
+                <a:ea typeface="+mn-ea"/>
+                <a:cs typeface="+mn-cs"/>
+              </a:rPr>
+              <a:t> section describes the inputs of the tool.</a:t>
+            </a:r>
+          </a:p>
+          <a:p>
+            <a:endParaRPr lang="en-US" sz="1200" b="0" i="0" kern="1200" dirty="0" smtClean="0">
+              <a:solidFill>
+                <a:schemeClr val="tx1"/>
+              </a:solidFill>
+              <a:effectLst/>
+              <a:latin typeface="+mn-lt"/>
+              <a:ea typeface="+mn-ea"/>
+              <a:cs typeface="+mn-cs"/>
+            </a:endParaRPr>
+          </a:p>
+          <a:p>
+            <a:r>
+              <a:rPr lang="en-US" sz="1200" b="0" i="0" kern="1200" dirty="0" smtClean="0">
+                <a:solidFill>
+                  <a:schemeClr val="tx1"/>
+                </a:solidFill>
+                <a:effectLst/>
+                <a:latin typeface="+mn-lt"/>
+                <a:ea typeface="+mn-ea"/>
+                <a:cs typeface="+mn-cs"/>
+              </a:rPr>
+              <a:t>Here we have list of inputs that</a:t>
+            </a:r>
+            <a:r>
+              <a:rPr lang="en-US" sz="1200" b="0" i="0" kern="1200" baseline="0" dirty="0" smtClean="0">
+                <a:solidFill>
+                  <a:schemeClr val="tx1"/>
+                </a:solidFill>
+                <a:effectLst/>
+                <a:latin typeface="+mn-lt"/>
+                <a:ea typeface="+mn-ea"/>
+                <a:cs typeface="+mn-cs"/>
+              </a:rPr>
+              <a:t> includes only </a:t>
+            </a:r>
+            <a:r>
+              <a:rPr lang="en-US" sz="1200" b="0" i="0" kern="1200" dirty="0" smtClean="0">
+                <a:solidFill>
+                  <a:schemeClr val="tx1"/>
+                </a:solidFill>
+                <a:effectLst/>
+                <a:latin typeface="+mn-lt"/>
+                <a:ea typeface="+mn-ea"/>
+                <a:cs typeface="+mn-cs"/>
+              </a:rPr>
+              <a:t>one input.</a:t>
+            </a:r>
+            <a:endParaRPr lang="en-US" sz="1200" b="0" i="0" kern="1200" baseline="0" dirty="0" smtClean="0">
+              <a:solidFill>
+                <a:schemeClr val="tx1"/>
+              </a:solidFill>
+              <a:effectLst/>
+              <a:latin typeface="+mn-lt"/>
+              <a:ea typeface="+mn-ea"/>
+              <a:cs typeface="+mn-cs"/>
+            </a:endParaRPr>
+          </a:p>
+          <a:p>
+            <a:endParaRPr lang="en-US" sz="1200" b="0" i="0" kern="1200" baseline="0" dirty="0" smtClean="0">
+              <a:solidFill>
+                <a:schemeClr val="tx1"/>
+              </a:solidFill>
+              <a:effectLst/>
+              <a:latin typeface="+mn-lt"/>
+              <a:ea typeface="+mn-ea"/>
+              <a:cs typeface="+mn-cs"/>
+            </a:endParaRPr>
+          </a:p>
+          <a:p>
+            <a:r>
+              <a:rPr lang="en-US" sz="1200" b="0" i="0" kern="1200" dirty="0" smtClean="0">
+                <a:solidFill>
+                  <a:schemeClr val="tx1"/>
+                </a:solidFill>
+                <a:effectLst/>
+                <a:latin typeface="+mn-lt"/>
+                <a:ea typeface="+mn-ea"/>
+                <a:cs typeface="+mn-cs"/>
+              </a:rPr>
+              <a:t>This input has</a:t>
+            </a:r>
+            <a:r>
+              <a:rPr lang="en-US" sz="1200" b="0" i="0" kern="1200" baseline="0" dirty="0" smtClean="0">
+                <a:solidFill>
+                  <a:schemeClr val="tx1"/>
+                </a:solidFill>
+                <a:effectLst/>
+                <a:latin typeface="+mn-lt"/>
+                <a:ea typeface="+mn-ea"/>
+                <a:cs typeface="+mn-cs"/>
+              </a:rPr>
+              <a:t> and </a:t>
+            </a:r>
+            <a:r>
+              <a:rPr lang="en-US" sz="1200" b="0" i="0" kern="1200" dirty="0" smtClean="0">
+                <a:solidFill>
+                  <a:schemeClr val="tx1"/>
+                </a:solidFill>
+                <a:effectLst/>
+                <a:latin typeface="+mn-lt"/>
+                <a:ea typeface="+mn-ea"/>
+                <a:cs typeface="+mn-cs"/>
+              </a:rPr>
+              <a:t>identifier  “message”</a:t>
+            </a:r>
+            <a:r>
+              <a:rPr lang="en-US" sz="1200" b="0" i="0" kern="1200" baseline="0" dirty="0" smtClean="0">
+                <a:solidFill>
+                  <a:schemeClr val="tx1"/>
+                </a:solidFill>
+                <a:effectLst/>
+                <a:latin typeface="+mn-lt"/>
+                <a:ea typeface="+mn-ea"/>
+                <a:cs typeface="+mn-cs"/>
+              </a:rPr>
+              <a:t> with the</a:t>
+            </a:r>
+            <a:r>
+              <a:rPr lang="en-US" sz="1200" b="0" i="0" kern="1200" dirty="0" smtClean="0">
+                <a:solidFill>
+                  <a:schemeClr val="tx1"/>
+                </a:solidFill>
+                <a:effectLst/>
+                <a:latin typeface="+mn-lt"/>
+                <a:ea typeface="+mn-ea"/>
+                <a:cs typeface="+mn-cs"/>
+              </a:rPr>
+              <a:t> data type “string”.</a:t>
+            </a:r>
+          </a:p>
+          <a:p>
+            <a:endParaRPr lang="en-US" sz="1200" b="0" i="0" kern="1200" dirty="0" smtClean="0">
+              <a:solidFill>
+                <a:schemeClr val="tx1"/>
+              </a:solidFill>
+              <a:effectLst/>
+              <a:latin typeface="+mn-lt"/>
+              <a:ea typeface="+mn-ea"/>
+              <a:cs typeface="+mn-cs"/>
+            </a:endParaRPr>
+          </a:p>
+          <a:p>
+            <a:r>
+              <a:rPr lang="en-US" sz="1200" b="0" i="0" kern="1200" dirty="0" smtClean="0">
+                <a:solidFill>
+                  <a:schemeClr val="tx1"/>
+                </a:solidFill>
+                <a:effectLst/>
+                <a:latin typeface="+mn-lt"/>
+                <a:ea typeface="+mn-ea"/>
+                <a:cs typeface="+mn-cs"/>
+              </a:rPr>
+              <a:t>You can also use other data</a:t>
+            </a:r>
+            <a:r>
+              <a:rPr lang="en-US" sz="1200" b="0" i="0" kern="1200" baseline="0" dirty="0" smtClean="0">
+                <a:solidFill>
+                  <a:schemeClr val="tx1"/>
+                </a:solidFill>
+                <a:effectLst/>
+                <a:latin typeface="+mn-lt"/>
+                <a:ea typeface="+mn-ea"/>
+                <a:cs typeface="+mn-cs"/>
+              </a:rPr>
+              <a:t> types such as </a:t>
+            </a:r>
+            <a:r>
+              <a:rPr lang="en-US" sz="1200" b="0" i="0" kern="1200" dirty="0" err="1" smtClean="0">
+                <a:solidFill>
+                  <a:schemeClr val="tx1"/>
+                </a:solidFill>
+                <a:effectLst/>
+                <a:latin typeface="+mn-lt"/>
+                <a:ea typeface="+mn-ea"/>
+                <a:cs typeface="+mn-cs"/>
+              </a:rPr>
+              <a:t>int</a:t>
+            </a:r>
+            <a:r>
+              <a:rPr lang="en-US" sz="1200" b="0" i="0" kern="1200" dirty="0" smtClean="0">
+                <a:solidFill>
+                  <a:schemeClr val="tx1"/>
+                </a:solidFill>
+                <a:effectLst/>
+                <a:latin typeface="+mn-lt"/>
+                <a:ea typeface="+mn-ea"/>
+                <a:cs typeface="+mn-cs"/>
+              </a:rPr>
+              <a:t>, long, float, double, null, File,</a:t>
+            </a:r>
+            <a:r>
+              <a:rPr lang="en-US" sz="1200" b="0" i="0" kern="1200" baseline="0" dirty="0" smtClean="0">
+                <a:solidFill>
+                  <a:schemeClr val="tx1"/>
+                </a:solidFill>
+                <a:effectLst/>
+                <a:latin typeface="+mn-lt"/>
+                <a:ea typeface="+mn-ea"/>
+                <a:cs typeface="+mn-cs"/>
+              </a:rPr>
+              <a:t> Directory.</a:t>
+            </a:r>
+            <a:endParaRPr lang="en-US" sz="1200" b="0" i="0" kern="1200" dirty="0" smtClean="0">
+              <a:solidFill>
+                <a:schemeClr val="tx1"/>
+              </a:solidFill>
+              <a:effectLst/>
+              <a:latin typeface="+mn-lt"/>
+              <a:ea typeface="+mn-ea"/>
+              <a:cs typeface="+mn-cs"/>
+            </a:endParaRPr>
+          </a:p>
+          <a:p>
+            <a:endParaRPr lang="en-US" sz="1200" b="0" i="0" kern="1200" dirty="0" smtClean="0">
+              <a:solidFill>
+                <a:schemeClr val="tx1"/>
+              </a:solidFill>
+              <a:effectLst/>
+              <a:latin typeface="+mn-lt"/>
+              <a:ea typeface="+mn-ea"/>
+              <a:cs typeface="+mn-cs"/>
+            </a:endParaRPr>
+          </a:p>
+          <a:p>
+            <a:r>
+              <a:rPr lang="en-US" dirty="0" err="1" smtClean="0"/>
+              <a:t>inputBinding</a:t>
+            </a:r>
+            <a:r>
+              <a:rPr lang="en-US" dirty="0" smtClean="0"/>
+              <a:t> field</a:t>
+            </a:r>
+            <a:r>
+              <a:rPr lang="en-US" sz="1200" b="0" i="0" kern="1200" dirty="0" smtClean="0">
+                <a:solidFill>
+                  <a:schemeClr val="tx1"/>
+                </a:solidFill>
+                <a:effectLst/>
+                <a:latin typeface="+mn-lt"/>
+                <a:ea typeface="+mn-ea"/>
+                <a:cs typeface="+mn-cs"/>
+              </a:rPr>
+              <a:t> describes how this input parameter should appear on the command line.</a:t>
+            </a:r>
+          </a:p>
+          <a:p>
+            <a:endParaRPr lang="en-US" sz="1200" b="0" i="0" kern="1200" dirty="0" smtClean="0">
+              <a:solidFill>
+                <a:schemeClr val="tx1"/>
+              </a:solidFill>
+              <a:effectLst/>
+              <a:latin typeface="+mn-lt"/>
+              <a:ea typeface="+mn-ea"/>
+              <a:cs typeface="+mn-cs"/>
+            </a:endParaRPr>
+          </a:p>
+          <a:p>
+            <a:r>
+              <a:rPr lang="en-US" sz="1200" b="0" i="0" kern="1200" dirty="0" smtClean="0">
+                <a:solidFill>
+                  <a:schemeClr val="tx1"/>
+                </a:solidFill>
+                <a:effectLst/>
+                <a:latin typeface="+mn-lt"/>
+                <a:ea typeface="+mn-ea"/>
+                <a:cs typeface="+mn-cs"/>
+              </a:rPr>
+              <a:t>In this example, the </a:t>
+            </a:r>
+            <a:r>
+              <a:rPr lang="en-US" dirty="0" smtClean="0"/>
+              <a:t>position</a:t>
+            </a:r>
+            <a:r>
+              <a:rPr lang="en-US" sz="1200" b="0" i="0" kern="1200" dirty="0" smtClean="0">
+                <a:solidFill>
+                  <a:schemeClr val="tx1"/>
+                </a:solidFill>
+                <a:effectLst/>
+                <a:latin typeface="+mn-lt"/>
+                <a:ea typeface="+mn-ea"/>
+                <a:cs typeface="+mn-cs"/>
+              </a:rPr>
+              <a:t> field indicates that the value</a:t>
+            </a:r>
+            <a:r>
+              <a:rPr lang="en-US" sz="1200" b="0" i="0" kern="1200" baseline="0" dirty="0" smtClean="0">
+                <a:solidFill>
+                  <a:schemeClr val="tx1"/>
+                </a:solidFill>
+                <a:effectLst/>
+                <a:latin typeface="+mn-lt"/>
+                <a:ea typeface="+mn-ea"/>
+                <a:cs typeface="+mn-cs"/>
+              </a:rPr>
+              <a:t> passed to “message” input</a:t>
+            </a:r>
+            <a:r>
+              <a:rPr lang="en-US" sz="1200" b="0" i="0" kern="1200" dirty="0" smtClean="0">
+                <a:solidFill>
+                  <a:schemeClr val="tx1"/>
+                </a:solidFill>
+                <a:effectLst/>
+                <a:latin typeface="+mn-lt"/>
+                <a:ea typeface="+mn-ea"/>
+                <a:cs typeface="+mn-cs"/>
+              </a:rPr>
+              <a:t> should appear on the first position after</a:t>
+            </a:r>
+            <a:r>
+              <a:rPr lang="en-US" sz="1200" b="0" i="0" kern="1200" baseline="0" dirty="0" smtClean="0">
+                <a:solidFill>
+                  <a:schemeClr val="tx1"/>
+                </a:solidFill>
+                <a:effectLst/>
+                <a:latin typeface="+mn-lt"/>
+                <a:ea typeface="+mn-ea"/>
+                <a:cs typeface="+mn-cs"/>
+              </a:rPr>
+              <a:t> “echo" </a:t>
+            </a:r>
+            <a:r>
+              <a:rPr lang="en-US" sz="1200" b="0" i="0" kern="1200" baseline="0" dirty="0" err="1" smtClean="0">
+                <a:solidFill>
+                  <a:schemeClr val="tx1"/>
+                </a:solidFill>
+                <a:effectLst/>
+                <a:latin typeface="+mn-lt"/>
+                <a:ea typeface="+mn-ea"/>
+                <a:cs typeface="+mn-cs"/>
+              </a:rPr>
+              <a:t>baseCommand</a:t>
+            </a:r>
+            <a:r>
+              <a:rPr lang="en-US" sz="1200" b="0" i="0" kern="1200" baseline="0" dirty="0" smtClean="0">
+                <a:solidFill>
+                  <a:schemeClr val="tx1"/>
+                </a:solidFill>
+                <a:effectLst/>
+                <a:latin typeface="+mn-lt"/>
+                <a:ea typeface="+mn-ea"/>
+                <a:cs typeface="+mn-cs"/>
+              </a:rPr>
+              <a:t>.</a:t>
+            </a:r>
+          </a:p>
+          <a:p>
+            <a:endParaRPr lang="en-US" sz="1200" b="0" i="0" kern="1200" baseline="0" dirty="0" smtClean="0">
+              <a:solidFill>
+                <a:schemeClr val="tx1"/>
+              </a:solidFill>
+              <a:effectLst/>
+              <a:latin typeface="+mn-lt"/>
+              <a:ea typeface="+mn-ea"/>
+              <a:cs typeface="+mn-cs"/>
+            </a:endParaRPr>
+          </a:p>
+          <a:p>
+            <a:r>
+              <a:rPr lang="en-US" baseline="0" dirty="0" smtClean="0"/>
+              <a:t>Position field is optional. There are other alternatives that you can use instead of position field, but you cannot avoid using </a:t>
+            </a:r>
+            <a:r>
+              <a:rPr lang="en-US" dirty="0" err="1" smtClean="0"/>
+              <a:t>inputBinding</a:t>
+            </a:r>
+            <a:r>
+              <a:rPr lang="en-US" dirty="0" smtClean="0"/>
+              <a:t> field.</a:t>
+            </a:r>
+          </a:p>
+          <a:p>
+            <a:endParaRPr lang="en-US" baseline="0" dirty="0" smtClean="0"/>
+          </a:p>
+          <a:p>
+            <a:r>
+              <a:rPr lang="en-US" baseline="0" dirty="0" smtClean="0"/>
+              <a:t>Otherwise, this input will not appear in your command line. </a:t>
+            </a:r>
+          </a:p>
+          <a:p>
+            <a:endParaRPr lang="en-US" baseline="0" dirty="0" smtClean="0"/>
+          </a:p>
+          <a:p>
+            <a:r>
+              <a:rPr lang="en-US" sz="1200" b="0" i="0" kern="1200" dirty="0" smtClean="0">
+                <a:solidFill>
+                  <a:schemeClr val="tx1"/>
+                </a:solidFill>
+                <a:effectLst/>
+                <a:latin typeface="+mn-lt"/>
+                <a:ea typeface="+mn-ea"/>
+                <a:cs typeface="+mn-cs"/>
+              </a:rPr>
+              <a:t>The </a:t>
+            </a:r>
+            <a:r>
+              <a:rPr lang="en-US" dirty="0" smtClean="0"/>
+              <a:t>outputs</a:t>
+            </a:r>
+            <a:r>
+              <a:rPr lang="en-US" sz="1200" b="0" i="0" kern="1200" dirty="0" smtClean="0">
+                <a:solidFill>
+                  <a:schemeClr val="tx1"/>
+                </a:solidFill>
+                <a:effectLst/>
+                <a:latin typeface="+mn-lt"/>
+                <a:ea typeface="+mn-ea"/>
+                <a:cs typeface="+mn-cs"/>
+              </a:rPr>
+              <a:t> of a tool is a list of output parameters that should be returned after running the tool.</a:t>
+            </a:r>
+          </a:p>
+          <a:p>
+            <a:endParaRPr lang="en-US" sz="1200" b="0" i="0" kern="1200" baseline="0" dirty="0" smtClean="0">
+              <a:solidFill>
+                <a:schemeClr val="tx1"/>
+              </a:solidFill>
+              <a:effectLst/>
+              <a:latin typeface="+mn-lt"/>
+              <a:ea typeface="+mn-ea"/>
+              <a:cs typeface="+mn-cs"/>
+            </a:endParaRPr>
+          </a:p>
+          <a:p>
+            <a:r>
+              <a:rPr lang="en-US" sz="1200" b="0" i="0" kern="1200" baseline="0" dirty="0" smtClean="0">
+                <a:solidFill>
+                  <a:schemeClr val="tx1"/>
+                </a:solidFill>
+                <a:effectLst/>
+                <a:latin typeface="+mn-lt"/>
+                <a:ea typeface="+mn-ea"/>
+                <a:cs typeface="+mn-cs"/>
+              </a:rPr>
+              <a:t>In out case we have only one output with the name “</a:t>
+            </a:r>
+            <a:r>
+              <a:rPr lang="en-US" sz="1200" b="0" i="0" kern="1200" baseline="0" dirty="0" err="1" smtClean="0">
+                <a:solidFill>
+                  <a:schemeClr val="tx1"/>
+                </a:solidFill>
+                <a:effectLst/>
+                <a:latin typeface="+mn-lt"/>
+                <a:ea typeface="+mn-ea"/>
+                <a:cs typeface="+mn-cs"/>
+              </a:rPr>
+              <a:t>echo_file</a:t>
+            </a:r>
+            <a:r>
+              <a:rPr lang="en-US" sz="1200" b="0" i="0" kern="1200" baseline="0" dirty="0" smtClean="0">
+                <a:solidFill>
+                  <a:schemeClr val="tx1"/>
+                </a:solidFill>
+                <a:effectLst/>
+                <a:latin typeface="+mn-lt"/>
+                <a:ea typeface="+mn-ea"/>
+                <a:cs typeface="+mn-cs"/>
+              </a:rPr>
+              <a:t>”.</a:t>
+            </a:r>
+          </a:p>
+          <a:p>
+            <a:endParaRPr lang="en-US" sz="1200" b="0" i="0" kern="1200" baseline="0" dirty="0" smtClean="0">
+              <a:solidFill>
+                <a:schemeClr val="tx1"/>
+              </a:solidFill>
+              <a:effectLst/>
+              <a:latin typeface="+mn-lt"/>
+              <a:ea typeface="+mn-ea"/>
+              <a:cs typeface="+mn-cs"/>
+            </a:endParaRPr>
+          </a:p>
+          <a:p>
+            <a:r>
+              <a:rPr lang="en-US" sz="1200" b="0" i="0" kern="1200" baseline="0" dirty="0" smtClean="0">
+                <a:solidFill>
+                  <a:schemeClr val="tx1"/>
+                </a:solidFill>
+                <a:effectLst/>
+                <a:latin typeface="+mn-lt"/>
+                <a:ea typeface="+mn-ea"/>
+                <a:cs typeface="+mn-cs"/>
+              </a:rPr>
+              <a:t>Every output should also have a </a:t>
+            </a:r>
+            <a:r>
+              <a:rPr lang="en-US" dirty="0" smtClean="0"/>
+              <a:t>type</a:t>
+            </a:r>
+            <a:r>
+              <a:rPr lang="en-US" sz="1200" b="0" i="0" kern="1200" dirty="0" smtClean="0">
+                <a:solidFill>
+                  <a:schemeClr val="tx1"/>
+                </a:solidFill>
+                <a:effectLst/>
+                <a:latin typeface="+mn-lt"/>
+                <a:ea typeface="+mn-ea"/>
+                <a:cs typeface="+mn-cs"/>
+              </a:rPr>
+              <a:t> describing what type</a:t>
+            </a:r>
+            <a:r>
+              <a:rPr lang="en-US" sz="1200" b="0" i="0" kern="1200" baseline="0" dirty="0" smtClean="0">
+                <a:solidFill>
+                  <a:schemeClr val="tx1"/>
+                </a:solidFill>
+                <a:effectLst/>
+                <a:latin typeface="+mn-lt"/>
+                <a:ea typeface="+mn-ea"/>
+                <a:cs typeface="+mn-cs"/>
+              </a:rPr>
+              <a:t> of data should be returned from the tool.</a:t>
+            </a:r>
+          </a:p>
+          <a:p>
+            <a:endParaRPr lang="en-US" sz="1200" b="0" i="0" kern="1200" baseline="0" dirty="0" smtClean="0">
+              <a:solidFill>
+                <a:schemeClr val="tx1"/>
+              </a:solidFill>
+              <a:effectLst/>
+              <a:latin typeface="+mn-lt"/>
+              <a:ea typeface="+mn-ea"/>
+              <a:cs typeface="+mn-cs"/>
+            </a:endParaRPr>
+          </a:p>
+          <a:p>
+            <a:r>
+              <a:rPr lang="en-US" sz="1200" b="0" i="0" kern="1200" baseline="0" dirty="0" smtClean="0">
+                <a:solidFill>
+                  <a:schemeClr val="tx1"/>
+                </a:solidFill>
+                <a:effectLst/>
+                <a:latin typeface="+mn-lt"/>
+                <a:ea typeface="+mn-ea"/>
+                <a:cs typeface="+mn-cs"/>
+              </a:rPr>
+              <a:t>In our case the data type is File</a:t>
+            </a:r>
+            <a:endParaRPr lang="en-US" sz="1200" b="0" i="0" kern="1200" dirty="0" smtClean="0">
+              <a:solidFill>
+                <a:schemeClr val="tx1"/>
+              </a:solidFill>
+              <a:effectLst/>
+              <a:latin typeface="+mn-lt"/>
+              <a:ea typeface="+mn-ea"/>
+              <a:cs typeface="+mn-cs"/>
+            </a:endParaRPr>
+          </a:p>
+          <a:p>
+            <a:endParaRPr lang="en-US" sz="1200" b="0" i="0" kern="1200" baseline="0" dirty="0" smtClean="0">
+              <a:solidFill>
+                <a:schemeClr val="tx1"/>
+              </a:solidFill>
+              <a:effectLst/>
+              <a:latin typeface="+mn-lt"/>
+              <a:ea typeface="+mn-ea"/>
+              <a:cs typeface="+mn-cs"/>
+            </a:endParaRPr>
+          </a:p>
+          <a:p>
+            <a:r>
+              <a:rPr lang="en-US" sz="1200" b="0" i="0" kern="1200" dirty="0" smtClean="0">
+                <a:solidFill>
+                  <a:schemeClr val="tx1"/>
+                </a:solidFill>
+                <a:effectLst/>
+                <a:latin typeface="+mn-lt"/>
+                <a:ea typeface="+mn-ea"/>
+                <a:cs typeface="+mn-cs"/>
+              </a:rPr>
+              <a:t>The field </a:t>
+            </a:r>
+            <a:r>
+              <a:rPr lang="en-US" dirty="0" smtClean="0"/>
+              <a:t>outputBinding</a:t>
+            </a:r>
+            <a:r>
+              <a:rPr lang="en-US" sz="1200" b="0" i="0" kern="1200" dirty="0" smtClean="0">
+                <a:solidFill>
+                  <a:schemeClr val="tx1"/>
+                </a:solidFill>
+                <a:effectLst/>
+                <a:latin typeface="+mn-lt"/>
+                <a:ea typeface="+mn-ea"/>
+                <a:cs typeface="+mn-cs"/>
+              </a:rPr>
+              <a:t> describes how to to set the value of our</a:t>
+            </a:r>
+            <a:r>
+              <a:rPr lang="en-US" sz="1200" b="0" i="0" kern="1200" baseline="0" dirty="0" smtClean="0">
+                <a:solidFill>
+                  <a:schemeClr val="tx1"/>
+                </a:solidFill>
+                <a:effectLst/>
+                <a:latin typeface="+mn-lt"/>
+                <a:ea typeface="+mn-ea"/>
+                <a:cs typeface="+mn-cs"/>
+              </a:rPr>
+              <a:t> “</a:t>
+            </a:r>
+            <a:r>
+              <a:rPr lang="en-US" sz="1200" b="0" i="0" kern="1200" baseline="0" dirty="0" err="1" smtClean="0">
+                <a:solidFill>
+                  <a:schemeClr val="tx1"/>
+                </a:solidFill>
+                <a:effectLst/>
+                <a:latin typeface="+mn-lt"/>
+                <a:ea typeface="+mn-ea"/>
+                <a:cs typeface="+mn-cs"/>
+              </a:rPr>
+              <a:t>echo_file</a:t>
+            </a:r>
+            <a:r>
+              <a:rPr lang="en-US" sz="1200" b="0" i="0" kern="1200" baseline="0" dirty="0" smtClean="0">
+                <a:solidFill>
+                  <a:schemeClr val="tx1"/>
+                </a:solidFill>
+                <a:effectLst/>
+                <a:latin typeface="+mn-lt"/>
+                <a:ea typeface="+mn-ea"/>
+                <a:cs typeface="+mn-cs"/>
+              </a:rPr>
+              <a:t>” output.</a:t>
+            </a:r>
+          </a:p>
+          <a:p>
+            <a:endParaRPr lang="en-US" sz="1200" b="0" i="0" kern="1200" baseline="0" dirty="0" smtClean="0">
+              <a:solidFill>
+                <a:schemeClr val="tx1"/>
+              </a:solidFill>
+              <a:effectLst/>
+              <a:latin typeface="+mn-lt"/>
+              <a:ea typeface="+mn-ea"/>
+              <a:cs typeface="+mn-cs"/>
+            </a:endParaRPr>
+          </a:p>
+          <a:p>
+            <a:r>
+              <a:rPr lang="en-US" sz="1200" b="0" i="0" kern="1200" baseline="0" dirty="0" smtClean="0">
+                <a:solidFill>
+                  <a:schemeClr val="tx1"/>
+                </a:solidFill>
+                <a:effectLst/>
+                <a:latin typeface="+mn-lt"/>
+                <a:ea typeface="+mn-ea"/>
+                <a:cs typeface="+mn-cs"/>
+              </a:rPr>
+              <a:t>In this particular example we use the field “glob” with the </a:t>
+            </a:r>
+            <a:r>
+              <a:rPr lang="en-US" sz="1200" b="0" i="0" kern="1200" dirty="0" smtClean="0">
+                <a:solidFill>
+                  <a:schemeClr val="tx1"/>
+                </a:solidFill>
+                <a:effectLst/>
+                <a:latin typeface="+mn-lt"/>
+                <a:ea typeface="+mn-ea"/>
+                <a:cs typeface="+mn-cs"/>
+              </a:rPr>
+              <a:t>wildcard pattern ”*”.</a:t>
+            </a:r>
+          </a:p>
+          <a:p>
+            <a:endParaRPr lang="en-US" sz="1200" b="0" i="0" kern="1200" baseline="0" dirty="0" smtClean="0">
+              <a:solidFill>
+                <a:schemeClr val="tx1"/>
+              </a:solidFill>
+              <a:effectLst/>
+              <a:latin typeface="+mn-lt"/>
+              <a:ea typeface="+mn-ea"/>
+              <a:cs typeface="+mn-cs"/>
+            </a:endParaRPr>
+          </a:p>
+          <a:p>
+            <a:r>
+              <a:rPr lang="en-US" sz="1200" b="0" i="0" kern="1200" baseline="0" dirty="0" smtClean="0">
+                <a:solidFill>
+                  <a:schemeClr val="tx1"/>
+                </a:solidFill>
+                <a:effectLst/>
+                <a:latin typeface="+mn-lt"/>
+                <a:ea typeface="+mn-ea"/>
+                <a:cs typeface="+mn-cs"/>
+              </a:rPr>
+              <a:t>It will return any file generated by our “echo” </a:t>
+            </a:r>
+            <a:r>
+              <a:rPr lang="en-US" sz="1200" b="0" i="0" kern="1200" baseline="0" dirty="0" err="1" smtClean="0">
+                <a:solidFill>
+                  <a:schemeClr val="tx1"/>
+                </a:solidFill>
+                <a:effectLst/>
+                <a:latin typeface="+mn-lt"/>
+                <a:ea typeface="+mn-ea"/>
+                <a:cs typeface="+mn-cs"/>
+              </a:rPr>
+              <a:t>basecCommand</a:t>
+            </a:r>
+            <a:r>
+              <a:rPr lang="en-US" sz="1200" b="0" i="0" kern="1200" baseline="0" dirty="0" smtClean="0">
+                <a:solidFill>
+                  <a:schemeClr val="tx1"/>
+                </a:solidFill>
+                <a:effectLst/>
+                <a:latin typeface="+mn-lt"/>
+                <a:ea typeface="+mn-ea"/>
+                <a:cs typeface="+mn-cs"/>
+              </a:rPr>
+              <a:t>.</a:t>
+            </a:r>
+            <a:endParaRPr lang="en-US" baseline="0" dirty="0" smtClean="0"/>
+          </a:p>
+          <a:p>
+            <a:r>
+              <a:rPr lang="en-US" dirty="0" smtClean="0"/>
+              <a:t/>
+            </a:r>
+            <a:br>
+              <a:rPr lang="en-US" dirty="0" smtClean="0"/>
+            </a:br>
+            <a:r>
+              <a:rPr lang="en-US" dirty="0" smtClean="0"/>
+              <a:t>The </a:t>
+            </a:r>
+            <a:r>
+              <a:rPr lang="en-US" dirty="0" err="1" smtClean="0"/>
+              <a:t>stdout</a:t>
+            </a:r>
+            <a:r>
+              <a:rPr lang="en-US" dirty="0" smtClean="0"/>
+              <a:t> field</a:t>
+            </a:r>
+            <a:r>
+              <a:rPr lang="en-US" baseline="0" dirty="0" smtClean="0"/>
+              <a:t> is used </a:t>
+            </a:r>
+            <a:r>
+              <a:rPr lang="en-US" sz="1200" b="0" i="0" kern="1200" baseline="0" dirty="0" smtClean="0">
+                <a:solidFill>
+                  <a:schemeClr val="tx1"/>
+                </a:solidFill>
+                <a:effectLst/>
+                <a:latin typeface="+mn-lt"/>
+                <a:ea typeface="+mn-ea"/>
+                <a:cs typeface="+mn-cs"/>
+              </a:rPr>
+              <a:t>t</a:t>
+            </a:r>
+            <a:r>
+              <a:rPr lang="en-US" sz="1200" b="0" i="0" kern="1200" dirty="0" smtClean="0">
+                <a:solidFill>
+                  <a:schemeClr val="tx1"/>
+                </a:solidFill>
+                <a:effectLst/>
+                <a:latin typeface="+mn-lt"/>
+                <a:ea typeface="+mn-ea"/>
+                <a:cs typeface="+mn-cs"/>
+              </a:rPr>
+              <a:t>o capture a tool’s standard output stream</a:t>
+            </a:r>
+            <a:r>
+              <a:rPr lang="en-US" sz="1200" b="0" i="0" kern="1200" baseline="0" dirty="0" smtClean="0">
+                <a:solidFill>
+                  <a:schemeClr val="tx1"/>
+                </a:solidFill>
+                <a:effectLst/>
+                <a:latin typeface="+mn-lt"/>
+                <a:ea typeface="+mn-ea"/>
+                <a:cs typeface="+mn-cs"/>
+              </a:rPr>
+              <a:t> and redirect it to the file “</a:t>
+            </a:r>
+            <a:r>
+              <a:rPr lang="en-US" sz="1200" b="0" i="0" kern="1200" baseline="0" dirty="0" err="1" smtClean="0">
+                <a:solidFill>
+                  <a:schemeClr val="tx1"/>
+                </a:solidFill>
+                <a:effectLst/>
+                <a:latin typeface="+mn-lt"/>
+                <a:ea typeface="+mn-ea"/>
+                <a:cs typeface="+mn-cs"/>
+              </a:rPr>
+              <a:t>echo.txt</a:t>
+            </a:r>
+            <a:r>
+              <a:rPr lang="en-US" sz="1200" b="0" i="0" kern="1200" baseline="0" dirty="0" smtClean="0">
+                <a:solidFill>
+                  <a:schemeClr val="tx1"/>
+                </a:solidFill>
+                <a:effectLst/>
+                <a:latin typeface="+mn-lt"/>
+                <a:ea typeface="+mn-ea"/>
+                <a:cs typeface="+mn-cs"/>
+              </a:rPr>
+              <a:t>”</a:t>
+            </a:r>
+          </a:p>
+          <a:p>
+            <a:endParaRPr lang="en-US" sz="1200" b="0" i="0" kern="1200" baseline="0" dirty="0" smtClean="0">
+              <a:solidFill>
+                <a:schemeClr val="tx1"/>
+              </a:solidFill>
+              <a:effectLst/>
+              <a:latin typeface="+mn-lt"/>
+              <a:ea typeface="+mn-ea"/>
+              <a:cs typeface="+mn-cs"/>
+            </a:endParaRPr>
+          </a:p>
+          <a:p>
+            <a:pPr marL="0" marR="0" indent="0" algn="l" defTabSz="914400" rtl="0" eaLnBrk="1" fontAlgn="auto" latinLnBrk="0" hangingPunct="1">
+              <a:lnSpc>
+                <a:spcPct val="100000"/>
+              </a:lnSpc>
+              <a:spcBef>
+                <a:spcPts val="0"/>
+              </a:spcBef>
+              <a:spcAft>
+                <a:spcPts val="0"/>
+              </a:spcAft>
+              <a:buClrTx/>
+              <a:buSzTx/>
+              <a:buFontTx/>
+              <a:buNone/>
+              <a:tabLst/>
+              <a:defRPr/>
+            </a:pPr>
+            <a:r>
+              <a:rPr lang="en-US" sz="1200" b="0" i="0" kern="1200" baseline="0" dirty="0" smtClean="0">
+                <a:solidFill>
+                  <a:schemeClr val="tx1"/>
+                </a:solidFill>
+                <a:effectLst/>
+                <a:latin typeface="+mn-lt"/>
+                <a:ea typeface="+mn-ea"/>
+                <a:cs typeface="+mn-cs"/>
+              </a:rPr>
+              <a:t>===CLICK===</a:t>
+            </a:r>
+            <a:endParaRPr lang="en-US" baseline="0" dirty="0" smtClean="0"/>
+          </a:p>
+          <a:p>
+            <a:endParaRPr lang="en-US" dirty="0" smtClean="0"/>
+          </a:p>
+          <a:p>
+            <a:r>
+              <a:rPr lang="en-US" dirty="0" smtClean="0"/>
+              <a:t>Here we can see how our</a:t>
+            </a:r>
+            <a:r>
+              <a:rPr lang="en-US" baseline="0" dirty="0" smtClean="0"/>
+              <a:t> job file may look like.</a:t>
+            </a:r>
+          </a:p>
+          <a:p>
+            <a:endParaRPr lang="en-US" baseline="0" dirty="0" smtClean="0"/>
+          </a:p>
+          <a:p>
+            <a:r>
+              <a:rPr lang="en-US" baseline="0" dirty="0" smtClean="0"/>
+              <a:t>It’s a simple YAML file where you set the value for our input "message".</a:t>
+            </a:r>
+          </a:p>
+          <a:p>
+            <a:endParaRPr lang="en-US" baseline="0" dirty="0" smtClean="0"/>
+          </a:p>
+          <a:p>
+            <a:r>
+              <a:rPr lang="en-US" baseline="0" dirty="0" smtClean="0"/>
+              <a:t>Alternatively you can use JSON formatted job file.</a:t>
+            </a:r>
+          </a:p>
+          <a:p>
+            <a:pPr marL="0" marR="0" indent="0" algn="l" defTabSz="914400" rtl="0" eaLnBrk="1" fontAlgn="auto" latinLnBrk="0" hangingPunct="1">
+              <a:lnSpc>
+                <a:spcPct val="100000"/>
+              </a:lnSpc>
+              <a:spcBef>
+                <a:spcPts val="0"/>
+              </a:spcBef>
+              <a:spcAft>
+                <a:spcPts val="0"/>
+              </a:spcAft>
+              <a:buClrTx/>
+              <a:buSzTx/>
+              <a:buFontTx/>
+              <a:buNone/>
+              <a:tabLst/>
+              <a:defRPr/>
+            </a:pPr>
+            <a:endParaRPr lang="en-US" sz="1200" b="0" i="0" kern="1200" baseline="0" dirty="0" smtClean="0">
+              <a:solidFill>
+                <a:schemeClr val="tx1"/>
+              </a:solidFill>
+              <a:effectLst/>
+              <a:latin typeface="+mn-lt"/>
+              <a:ea typeface="+mn-ea"/>
+              <a:cs typeface="+mn-cs"/>
+            </a:endParaRPr>
+          </a:p>
+          <a:p>
+            <a:pPr marL="0" marR="0" indent="0" algn="l" defTabSz="914400" rtl="0" eaLnBrk="1" fontAlgn="auto" latinLnBrk="0" hangingPunct="1">
+              <a:lnSpc>
+                <a:spcPct val="100000"/>
+              </a:lnSpc>
+              <a:spcBef>
+                <a:spcPts val="0"/>
+              </a:spcBef>
+              <a:spcAft>
+                <a:spcPts val="0"/>
+              </a:spcAft>
+              <a:buClrTx/>
+              <a:buSzTx/>
+              <a:buFontTx/>
+              <a:buNone/>
+              <a:tabLst/>
+              <a:defRPr/>
+            </a:pPr>
+            <a:r>
+              <a:rPr lang="en-US" sz="1200" b="0" i="0" kern="1200" baseline="0" dirty="0" smtClean="0">
+                <a:solidFill>
+                  <a:schemeClr val="tx1"/>
+                </a:solidFill>
+                <a:effectLst/>
+                <a:latin typeface="+mn-lt"/>
+                <a:ea typeface="+mn-ea"/>
+                <a:cs typeface="+mn-cs"/>
+              </a:rPr>
+              <a:t>===CLICK===</a:t>
+            </a:r>
+            <a:endParaRPr lang="en-US" baseline="0" dirty="0" smtClean="0"/>
+          </a:p>
+          <a:p>
+            <a:endParaRPr lang="en-US" dirty="0" smtClean="0"/>
+          </a:p>
+          <a:p>
+            <a:r>
+              <a:rPr lang="en-US" dirty="0" smtClean="0"/>
+              <a:t>And</a:t>
+            </a:r>
+            <a:r>
+              <a:rPr lang="en-US" baseline="0" dirty="0" smtClean="0"/>
+              <a:t> t</a:t>
+            </a:r>
+            <a:r>
+              <a:rPr lang="en-US" dirty="0" smtClean="0"/>
+              <a:t>his is how</a:t>
+            </a:r>
+            <a:r>
+              <a:rPr lang="en-US" baseline="0" dirty="0" smtClean="0"/>
+              <a:t> the output file may look like.</a:t>
+            </a:r>
+            <a:endParaRPr lang="en-US" dirty="0" smtClean="0"/>
+          </a:p>
+          <a:p>
             <a:endParaRPr lang="en-US" dirty="0"/>
           </a:p>
         </p:txBody>
@@ -752,7 +2887,7 @@
           <a:p>
             <a:fld id="{3B33CAB0-BBB4-B94F-9BB9-10D6CE331DF9}" type="slidenum">
               <a:rPr lang="en-US" smtClean="0"/>
-              <a:t>4</a:t>
+              <a:t>3</a:t>
             </a:fld>
             <a:endParaRPr lang="en-US"/>
           </a:p>
@@ -761,7 +2896,7 @@
     </p:spTree>
     <p:extLst>
       <p:ext uri="{BB962C8B-B14F-4D97-AF65-F5344CB8AC3E}">
-        <p14:creationId xmlns:p14="http://schemas.microsoft.com/office/powerpoint/2010/main" val="1709835390"/>
+        <p14:creationId xmlns:p14="http://schemas.microsoft.com/office/powerpoint/2010/main" val="1192065103"/>
       </p:ext>
     </p:extLst>
   </p:cSld>
@@ -817,13 +2952,391 @@
           <a:p>
             <a:r>
               <a:rPr lang="en-US" dirty="0" smtClean="0"/>
-              <a:t>CWL specification defines the structure of the three basic</a:t>
+              <a:t>The next example illustrates</a:t>
             </a:r>
             <a:r>
               <a:rPr lang="en-US" baseline="0" dirty="0" smtClean="0"/>
-              <a:t> components. First of them is Command Line tool</a:t>
-            </a:r>
-            <a:endParaRPr lang="en-US" dirty="0"/>
+              <a:t> you how to combine two command line tools in a workflow.</a:t>
+            </a:r>
+          </a:p>
+          <a:p>
+            <a:endParaRPr lang="en-US" baseline="0" dirty="0" smtClean="0"/>
+          </a:p>
+          <a:p>
+            <a:r>
+              <a:rPr lang="en-US" dirty="0" smtClean="0"/>
+              <a:t>We already have our echo command line</a:t>
+            </a:r>
+            <a:r>
+              <a:rPr lang="en-US" baseline="0" dirty="0" smtClean="0"/>
+              <a:t> </a:t>
+            </a:r>
+            <a:r>
+              <a:rPr lang="en-US" dirty="0" smtClean="0"/>
+              <a:t>tool that exports results into</a:t>
+            </a:r>
+            <a:r>
+              <a:rPr lang="en-US" baseline="0" dirty="0" smtClean="0"/>
+              <a:t> the </a:t>
+            </a:r>
+            <a:r>
+              <a:rPr lang="en-US" baseline="0" dirty="0" err="1" smtClean="0"/>
+              <a:t>echo.txt</a:t>
+            </a:r>
+            <a:r>
+              <a:rPr lang="en-US" baseline="0" dirty="0" smtClean="0"/>
+              <a:t> file.</a:t>
+            </a:r>
+          </a:p>
+          <a:p>
+            <a:endParaRPr lang="en-US" baseline="0" dirty="0" smtClean="0"/>
+          </a:p>
+          <a:p>
+            <a:r>
+              <a:rPr lang="en-US" baseline="0" dirty="0" smtClean="0"/>
+              <a:t>What if we want to save results with the different name?</a:t>
+            </a:r>
+          </a:p>
+          <a:p>
+            <a:endParaRPr lang="en-US" baseline="0" dirty="0" smtClean="0"/>
+          </a:p>
+          <a:p>
+            <a:r>
+              <a:rPr lang="en-US" baseline="0" dirty="0" smtClean="0"/>
+              <a:t>Moreover, what if we want to chose the output filename every time we execute our workflow.</a:t>
+            </a:r>
+          </a:p>
+          <a:p>
+            <a:endParaRPr lang="en-US" baseline="0" dirty="0" smtClean="0"/>
+          </a:p>
+          <a:p>
+            <a:r>
+              <a:rPr lang="en-US" baseline="0" dirty="0" smtClean="0"/>
+              <a:t>Of course, the easiest way is to add another input into our echo command line tool, but that is too easy.</a:t>
+            </a:r>
+          </a:p>
+          <a:p>
+            <a:endParaRPr lang="en-US" baseline="0" dirty="0" smtClean="0"/>
+          </a:p>
+          <a:p>
+            <a:r>
+              <a:rPr lang="en-US" baseline="0" dirty="0" smtClean="0"/>
+              <a:t>Instead, we will create another command line tool, that will rename the results of the echo step.</a:t>
+            </a:r>
+          </a:p>
+          <a:p>
+            <a:endParaRPr lang="en-US" baseline="0" dirty="0" smtClean="0"/>
+          </a:p>
+          <a:p>
+            <a:r>
+              <a:rPr lang="en-US" baseline="0" dirty="0" smtClean="0"/>
+              <a:t>Later, both command line tools will be combined in a workflow.</a:t>
+            </a:r>
+          </a:p>
+          <a:p>
+            <a:endParaRPr lang="en-US" baseline="0" dirty="0" smtClean="0"/>
+          </a:p>
+          <a:p>
+            <a:pPr marL="0" marR="0" indent="0" algn="l" defTabSz="914400" rtl="0" eaLnBrk="1" fontAlgn="auto" latinLnBrk="0" hangingPunct="1">
+              <a:lnSpc>
+                <a:spcPct val="100000"/>
+              </a:lnSpc>
+              <a:spcBef>
+                <a:spcPts val="0"/>
+              </a:spcBef>
+              <a:spcAft>
+                <a:spcPts val="0"/>
+              </a:spcAft>
+              <a:buClrTx/>
+              <a:buSzTx/>
+              <a:buFontTx/>
+              <a:buNone/>
+              <a:tabLst/>
+              <a:defRPr/>
+            </a:pPr>
+            <a:r>
+              <a:rPr lang="en-US" baseline="0" dirty="0" smtClean="0"/>
+              <a:t>===CLICK===</a:t>
+            </a:r>
+          </a:p>
+          <a:p>
+            <a:pPr marL="0" marR="0" indent="0" algn="l" defTabSz="914400" rtl="0" eaLnBrk="1" fontAlgn="auto" latinLnBrk="0" hangingPunct="1">
+              <a:lnSpc>
+                <a:spcPct val="100000"/>
+              </a:lnSpc>
+              <a:spcBef>
+                <a:spcPts val="0"/>
+              </a:spcBef>
+              <a:spcAft>
+                <a:spcPts val="0"/>
+              </a:spcAft>
+              <a:buClrTx/>
+              <a:buSzTx/>
+              <a:buFontTx/>
+              <a:buNone/>
+              <a:tabLst/>
+              <a:defRPr/>
+            </a:pPr>
+            <a:endParaRPr lang="en-US" baseline="0" dirty="0" smtClean="0"/>
+          </a:p>
+          <a:p>
+            <a:r>
+              <a:rPr lang="en-US" baseline="0" dirty="0" smtClean="0"/>
+              <a:t>Let's look at the structure of this workflow</a:t>
+            </a:r>
+          </a:p>
+          <a:p>
+            <a:endParaRPr lang="en-US" baseline="0" dirty="0" smtClean="0"/>
+          </a:p>
+          <a:p>
+            <a:r>
+              <a:rPr lang="en-US" baseline="0" dirty="0" smtClean="0"/>
+              <a:t>We have two inputs. The first one (”message”) will be used to set the text we want to save into the output file.</a:t>
+            </a:r>
+          </a:p>
+          <a:p>
+            <a:endParaRPr lang="en-US" baseline="0" dirty="0" smtClean="0"/>
+          </a:p>
+          <a:p>
+            <a:r>
+              <a:rPr lang="en-US" baseline="0" dirty="0" smtClean="0"/>
+              <a:t>This is the input we use to pass our “Hello World” string.</a:t>
+            </a:r>
+          </a:p>
+          <a:p>
+            <a:endParaRPr lang="en-US" baseline="0" dirty="0" smtClean="0"/>
+          </a:p>
+          <a:p>
+            <a:r>
+              <a:rPr lang="en-US" baseline="0" dirty="0" smtClean="0"/>
+              <a:t>Another input “</a:t>
+            </a:r>
+            <a:r>
+              <a:rPr lang="en-US" baseline="0" dirty="0" err="1" smtClean="0"/>
+              <a:t>trgt_filename</a:t>
+            </a:r>
+            <a:r>
+              <a:rPr lang="en-US" baseline="0" dirty="0" smtClean="0"/>
+              <a:t>” should be used to set the name of the output file (instead of our “</a:t>
+            </a:r>
+            <a:r>
+              <a:rPr lang="en-US" baseline="0" dirty="0" err="1" smtClean="0"/>
+              <a:t>echo.txt</a:t>
+            </a:r>
+            <a:r>
+              <a:rPr lang="en-US" baseline="0" dirty="0" smtClean="0"/>
+              <a:t>”)</a:t>
+            </a:r>
+          </a:p>
+          <a:p>
+            <a:endParaRPr lang="en-US" baseline="0" dirty="0" smtClean="0"/>
+          </a:p>
+          <a:p>
+            <a:r>
+              <a:rPr lang="en-US" baseline="0" dirty="0" smtClean="0"/>
+              <a:t>Workflow should have two steps. Let’s call then “echo” and “rename”.</a:t>
+            </a:r>
+          </a:p>
+          <a:p>
+            <a:endParaRPr lang="en-US" baseline="0" dirty="0" smtClean="0"/>
+          </a:p>
+          <a:p>
+            <a:r>
+              <a:rPr lang="en-US" baseline="0" dirty="0" smtClean="0"/>
+              <a:t>“rename” step should get the output of the “echo” step and also the “</a:t>
+            </a:r>
+            <a:r>
+              <a:rPr lang="en-US" baseline="0" dirty="0" err="1" smtClean="0"/>
+              <a:t>trgt_filename</a:t>
+            </a:r>
+            <a:r>
+              <a:rPr lang="en-US" baseline="0" dirty="0" smtClean="0"/>
+              <a:t>” from the workflow inputs.</a:t>
+            </a:r>
+          </a:p>
+          <a:p>
+            <a:endParaRPr lang="en-US" baseline="0" dirty="0" smtClean="0"/>
+          </a:p>
+          <a:p>
+            <a:r>
+              <a:rPr lang="en-US" baseline="0" dirty="0" smtClean="0"/>
+              <a:t>The workflow results will be returned using the output with the name “</a:t>
+            </a:r>
+            <a:r>
+              <a:rPr lang="en-US" baseline="0" dirty="0" err="1" smtClean="0"/>
+              <a:t>renamed_file</a:t>
+            </a:r>
+            <a:r>
+              <a:rPr lang="en-US" baseline="0" dirty="0" smtClean="0"/>
+              <a:t>”</a:t>
+            </a:r>
+          </a:p>
+          <a:p>
+            <a:endParaRPr lang="en-US" baseline="0" dirty="0" smtClean="0"/>
+          </a:p>
+          <a:p>
+            <a:pPr marL="0" marR="0" indent="0" algn="l" defTabSz="914400" rtl="0" eaLnBrk="1" fontAlgn="auto" latinLnBrk="0" hangingPunct="1">
+              <a:lnSpc>
+                <a:spcPct val="100000"/>
+              </a:lnSpc>
+              <a:spcBef>
+                <a:spcPts val="0"/>
+              </a:spcBef>
+              <a:spcAft>
+                <a:spcPts val="0"/>
+              </a:spcAft>
+              <a:buClrTx/>
+              <a:buSzTx/>
+              <a:buFontTx/>
+              <a:buNone/>
+              <a:tabLst/>
+              <a:defRPr/>
+            </a:pPr>
+            <a:r>
+              <a:rPr lang="en-US" baseline="0" dirty="0" smtClean="0"/>
+              <a:t>===CLICK===</a:t>
+            </a:r>
+          </a:p>
+          <a:p>
+            <a:endParaRPr lang="en-US" baseline="0" dirty="0" smtClean="0"/>
+          </a:p>
+          <a:p>
+            <a:r>
+              <a:rPr lang="en-US" baseline="0" dirty="0" smtClean="0"/>
+              <a:t>We already have “echo” command line tool that we created on the previous slide.</a:t>
+            </a:r>
+          </a:p>
+          <a:p>
+            <a:endParaRPr lang="en-US" baseline="0" dirty="0" smtClean="0"/>
+          </a:p>
+          <a:p>
+            <a:r>
+              <a:rPr lang="en-US" baseline="0" dirty="0" smtClean="0"/>
+              <a:t>However, we need another tool tool that will rename the file we get from “echo” step.</a:t>
+            </a:r>
+          </a:p>
+          <a:p>
+            <a:endParaRPr lang="en-US" baseline="0" dirty="0" smtClean="0"/>
+          </a:p>
+          <a:p>
+            <a:pPr marL="0" marR="0" indent="0" algn="l" defTabSz="914400" rtl="0" eaLnBrk="1" fontAlgn="auto" latinLnBrk="0" hangingPunct="1">
+              <a:lnSpc>
+                <a:spcPct val="100000"/>
+              </a:lnSpc>
+              <a:spcBef>
+                <a:spcPts val="0"/>
+              </a:spcBef>
+              <a:spcAft>
+                <a:spcPts val="0"/>
+              </a:spcAft>
+              <a:buClrTx/>
+              <a:buSzTx/>
+              <a:buFontTx/>
+              <a:buNone/>
+              <a:tabLst/>
+              <a:defRPr/>
+            </a:pPr>
+            <a:r>
+              <a:rPr lang="en-US" baseline="0" dirty="0" smtClean="0"/>
+              <a:t>===CLICK===</a:t>
+            </a:r>
+          </a:p>
+          <a:p>
+            <a:endParaRPr lang="en-US" baseline="0" dirty="0" smtClean="0"/>
+          </a:p>
+          <a:p>
+            <a:r>
+              <a:rPr lang="en-US" baseline="0" dirty="0" smtClean="0"/>
+              <a:t>This is how the "rename" command line tool should look like.</a:t>
+            </a:r>
+          </a:p>
+          <a:p>
+            <a:endParaRPr lang="en-US" baseline="0" dirty="0" smtClean="0"/>
+          </a:p>
+          <a:p>
+            <a:r>
+              <a:rPr lang="en-US" baseline="0" dirty="0" smtClean="0"/>
+              <a:t>The major difference between "echo" and "rename" tools is that the later has two inputs instead of one.</a:t>
+            </a:r>
+          </a:p>
+          <a:p>
+            <a:endParaRPr lang="en-US" baseline="0" dirty="0" smtClean="0"/>
+          </a:p>
+          <a:p>
+            <a:r>
+              <a:rPr lang="en-US" baseline="0" dirty="0" smtClean="0"/>
+              <a:t>Input “</a:t>
+            </a:r>
+            <a:r>
+              <a:rPr lang="en-US" baseline="0" dirty="0" err="1" smtClean="0"/>
+              <a:t>src_file</a:t>
+            </a:r>
+            <a:r>
+              <a:rPr lang="en-US" baseline="0" dirty="0" smtClean="0"/>
+              <a:t>” defines the file we want to rename. It has a type set to "File".</a:t>
+            </a:r>
+          </a:p>
+          <a:p>
+            <a:endParaRPr lang="en-US" baseline="0" dirty="0" smtClean="0"/>
+          </a:p>
+          <a:p>
+            <a:r>
+              <a:rPr lang="en-US" baseline="0" dirty="0" smtClean="0"/>
+              <a:t>Another input “</a:t>
+            </a:r>
+            <a:r>
+              <a:rPr lang="en-US" baseline="0" dirty="0" err="1" smtClean="0"/>
+              <a:t>trgt_filename</a:t>
+            </a:r>
+            <a:r>
+              <a:rPr lang="en-US" baseline="0" dirty="0" smtClean="0"/>
+              <a:t>” has a string type. It’s used to set new name for “</a:t>
+            </a:r>
+            <a:r>
+              <a:rPr lang="en-US" baseline="0" dirty="0" err="1" smtClean="0"/>
+              <a:t>echo.txt</a:t>
+            </a:r>
+            <a:r>
+              <a:rPr lang="en-US" baseline="0" dirty="0" smtClean="0"/>
+              <a:t>” file.</a:t>
+            </a:r>
+          </a:p>
+          <a:p>
+            <a:endParaRPr lang="en-US" baseline="0" dirty="0" smtClean="0"/>
+          </a:p>
+          <a:p>
+            <a:r>
+              <a:rPr lang="en-US" baseline="0" dirty="0" smtClean="0"/>
+              <a:t>The "</a:t>
+            </a:r>
+            <a:r>
+              <a:rPr lang="en-US" baseline="0" dirty="0" err="1" smtClean="0"/>
+              <a:t>baseCommand</a:t>
+            </a:r>
+            <a:r>
+              <a:rPr lang="en-US" baseline="0" dirty="0" smtClean="0"/>
+              <a:t>" here is a simple “cp”.</a:t>
+            </a:r>
+          </a:p>
+          <a:p>
+            <a:endParaRPr lang="en-US" baseline="0" dirty="0" smtClean="0"/>
+          </a:p>
+          <a:p>
+            <a:r>
+              <a:rPr lang="en-US" baseline="0" dirty="0" smtClean="0"/>
+              <a:t>Renamed file is returned as "</a:t>
+            </a:r>
+            <a:r>
+              <a:rPr lang="en-US" baseline="0" dirty="0" err="1" smtClean="0"/>
+              <a:t>renamed_file</a:t>
+            </a:r>
+            <a:r>
+              <a:rPr lang="en-US" baseline="0" dirty="0" smtClean="0"/>
+              <a:t>" output, that has data type "File" and "outputBinding" field with the "glob" set to “*”</a:t>
+            </a:r>
+          </a:p>
+          <a:p>
+            <a:endParaRPr lang="en-US" baseline="0" dirty="0" smtClean="0"/>
           </a:p>
         </p:txBody>
       </p:sp>
@@ -844,7 +3357,7 @@
           <a:p>
             <a:fld id="{3B33CAB0-BBB4-B94F-9BB9-10D6CE331DF9}" type="slidenum">
               <a:rPr lang="en-US" smtClean="0"/>
-              <a:t>5</a:t>
+              <a:t>4</a:t>
             </a:fld>
             <a:endParaRPr lang="en-US"/>
           </a:p>
@@ -853,7 +3366,7 @@
     </p:spTree>
     <p:extLst>
       <p:ext uri="{BB962C8B-B14F-4D97-AF65-F5344CB8AC3E}">
-        <p14:creationId xmlns:p14="http://schemas.microsoft.com/office/powerpoint/2010/main" val="2115162799"/>
+        <p14:creationId xmlns:p14="http://schemas.microsoft.com/office/powerpoint/2010/main" val="1709835390"/>
       </p:ext>
     </p:extLst>
   </p:cSld>
@@ -907,7 +3420,451 @@
           <a:bodyPr/>
           <a:lstStyle/>
           <a:p>
+            <a:r>
+              <a:rPr lang="en-US" dirty="0" smtClean="0"/>
+              <a:t>Let’s take</a:t>
+            </a:r>
+            <a:r>
+              <a:rPr lang="en-US" baseline="0" dirty="0" smtClean="0"/>
+              <a:t> a</a:t>
+            </a:r>
+            <a:r>
+              <a:rPr lang="en-US" dirty="0" smtClean="0"/>
+              <a:t> closer look at this workflow</a:t>
+            </a:r>
+          </a:p>
+          <a:p>
+            <a:endParaRPr lang="en-US" dirty="0" smtClean="0"/>
+          </a:p>
+          <a:p>
+            <a:r>
+              <a:rPr lang="en-US" dirty="0" smtClean="0"/>
+              <a:t>===CLICK===</a:t>
+            </a:r>
+          </a:p>
+          <a:p>
+            <a:endParaRPr lang="en-US" dirty="0" smtClean="0"/>
+          </a:p>
+          <a:p>
+            <a:r>
+              <a:rPr lang="en-US" baseline="0" dirty="0" smtClean="0"/>
+              <a:t>Here we can see our workflow that consists of two steps: "echo" and "rename".</a:t>
+            </a:r>
+          </a:p>
+          <a:p>
+            <a:endParaRPr lang="en-US" baseline="0" dirty="0" smtClean="0"/>
+          </a:p>
+          <a:p>
+            <a:r>
+              <a:rPr lang="en-US" baseline="0" dirty="0" smtClean="0"/>
+              <a:t>It has two inputs: "message" and "</a:t>
+            </a:r>
+            <a:r>
+              <a:rPr lang="en-US" baseline="0" dirty="0" err="1" smtClean="0"/>
+              <a:t>trgt_filename</a:t>
+            </a:r>
+            <a:r>
+              <a:rPr lang="en-US" baseline="0" dirty="0" smtClean="0"/>
+              <a:t>", and only one output </a:t>
+            </a:r>
+            <a:r>
+              <a:rPr lang="mr-IN" baseline="0" dirty="0" smtClean="0"/>
+              <a:t>–</a:t>
+            </a:r>
+            <a:r>
+              <a:rPr lang="en-US" baseline="0" dirty="0" smtClean="0"/>
+              <a:t> "</a:t>
+            </a:r>
+            <a:r>
+              <a:rPr lang="en-US" baseline="0" dirty="0" err="1" smtClean="0"/>
+              <a:t>renamed_file</a:t>
+            </a:r>
+            <a:r>
+              <a:rPr lang="en-US" baseline="0" dirty="0" smtClean="0"/>
+              <a:t>".</a:t>
+            </a:r>
+          </a:p>
+          <a:p>
+            <a:endParaRPr lang="en-US" baseline="0" dirty="0" smtClean="0"/>
+          </a:p>
+          <a:p>
+            <a:r>
+              <a:rPr lang="en-US" baseline="0" dirty="0" smtClean="0"/>
+              <a:t>There isn’t any "</a:t>
+            </a:r>
+            <a:r>
+              <a:rPr lang="en-US" baseline="0" dirty="0" err="1" smtClean="0"/>
+              <a:t>baseCommand</a:t>
+            </a:r>
+            <a:r>
+              <a:rPr lang="en-US" baseline="0" dirty="0" smtClean="0"/>
+              <a:t>" </a:t>
+            </a:r>
+            <a:r>
+              <a:rPr lang="en-US" baseline="0" dirty="0" err="1" smtClean="0"/>
+              <a:t>fileds</a:t>
+            </a:r>
+            <a:r>
+              <a:rPr lang="en-US" baseline="0" dirty="0" smtClean="0"/>
+              <a:t>, because each step has its own command to run.</a:t>
+            </a:r>
+          </a:p>
+          <a:p>
+            <a:endParaRPr lang="en-US" baseline="0" dirty="0" smtClean="0"/>
+          </a:p>
+          <a:p>
+            <a:r>
+              <a:rPr lang="en-US" baseline="0" dirty="0" smtClean="0"/>
+              <a:t>Every step has also a special field ”run” that points to the location of </a:t>
+            </a:r>
+            <a:r>
+              <a:rPr lang="en-US" baseline="0" dirty="0" err="1" smtClean="0"/>
+              <a:t>correposndent</a:t>
+            </a:r>
+            <a:r>
+              <a:rPr lang="en-US" baseline="0" dirty="0" smtClean="0"/>
+              <a:t> CWL command line tool file.</a:t>
+            </a:r>
+          </a:p>
+          <a:p>
+            <a:endParaRPr lang="en-US" baseline="0" dirty="0" smtClean="0"/>
+          </a:p>
+          <a:p>
+            <a:r>
+              <a:rPr lang="en-US" baseline="0" dirty="0" smtClean="0"/>
+              <a:t>Another difference that you might notice is that the "class"  is now set to "Workflow."</a:t>
+            </a:r>
+          </a:p>
+          <a:p>
+            <a:endParaRPr lang="en-US" baseline="0" dirty="0" smtClean="0"/>
+          </a:p>
+          <a:p>
+            <a:r>
+              <a:rPr lang="en-US" baseline="0" dirty="0" smtClean="0"/>
+              <a:t>We also have slightly different structure of our inputs and outputs.</a:t>
+            </a:r>
+          </a:p>
+          <a:p>
+            <a:endParaRPr lang="en-US" baseline="0" dirty="0" smtClean="0"/>
+          </a:p>
+          <a:p>
+            <a:r>
+              <a:rPr lang="en-US" baseline="0" dirty="0" smtClean="0"/>
+              <a:t>For inputs we don’t need to specify "</a:t>
+            </a:r>
+            <a:r>
+              <a:rPr lang="en-US" baseline="0" dirty="0" err="1" smtClean="0"/>
+              <a:t>inputBinding</a:t>
+            </a:r>
+            <a:r>
+              <a:rPr lang="en-US" baseline="0" dirty="0" smtClean="0"/>
+              <a:t>" anymore, because we don’t have any "</a:t>
+            </a:r>
+            <a:r>
+              <a:rPr lang="en-US" baseline="0" dirty="0" err="1" smtClean="0"/>
+              <a:t>baseCommand"s</a:t>
+            </a:r>
+            <a:r>
+              <a:rPr lang="en-US" baseline="0" dirty="0" smtClean="0"/>
+              <a:t> to run.</a:t>
+            </a:r>
+          </a:p>
+          <a:p>
+            <a:endParaRPr lang="en-US" baseline="0" dirty="0" smtClean="0"/>
+          </a:p>
+          <a:p>
+            <a:r>
+              <a:rPr lang="en-US" baseline="0" dirty="0" smtClean="0"/>
+              <a:t>Outputs don’t have any "outputBinding" </a:t>
+            </a:r>
+            <a:r>
+              <a:rPr lang="en-US" baseline="0" dirty="0" err="1" smtClean="0"/>
+              <a:t>fileds</a:t>
+            </a:r>
+            <a:r>
+              <a:rPr lang="en-US" baseline="0" dirty="0" smtClean="0"/>
+              <a:t>. Instead we use "</a:t>
+            </a:r>
+            <a:r>
+              <a:rPr lang="en-US" baseline="0" dirty="0" err="1" smtClean="0"/>
+              <a:t>outputSource</a:t>
+            </a:r>
+            <a:r>
+              <a:rPr lang="en-US" baseline="0" dirty="0" smtClean="0"/>
+              <a:t>" that points the the name of the step and name of the output from that step to return value from.</a:t>
+            </a:r>
+          </a:p>
+          <a:p>
+            <a:endParaRPr lang="en-US" baseline="0" dirty="0" smtClean="0"/>
+          </a:p>
+          <a:p>
+            <a:r>
+              <a:rPr lang="en-US" baseline="0" dirty="0" smtClean="0"/>
+              <a:t>When we run our workflow the value from the input “message” is passed as an input ”message” of the echo step.</a:t>
+            </a:r>
+          </a:p>
+          <a:p>
+            <a:endParaRPr lang="en-US" baseline="0" dirty="0" smtClean="0"/>
+          </a:p>
+          <a:p>
+            <a:r>
+              <a:rPr lang="en-US" baseline="0" dirty="0" smtClean="0"/>
+              <a:t>When echo step is finished, it’s output "</a:t>
+            </a:r>
+            <a:r>
+              <a:rPr lang="en-US" baseline="0" dirty="0" err="1" smtClean="0"/>
+              <a:t>echo_file</a:t>
+            </a:r>
+            <a:r>
+              <a:rPr lang="en-US" baseline="0" dirty="0" smtClean="0"/>
+              <a:t>" is passed to the "rename" step as “</a:t>
+            </a:r>
+            <a:r>
+              <a:rPr lang="en-US" baseline="0" dirty="0" err="1" smtClean="0"/>
+              <a:t>src_file</a:t>
+            </a:r>
+            <a:r>
+              <a:rPr lang="en-US" baseline="0" dirty="0" smtClean="0"/>
+              <a:t>” input.</a:t>
+            </a:r>
+          </a:p>
+          <a:p>
+            <a:endParaRPr lang="en-US" baseline="0" dirty="0" smtClean="0"/>
+          </a:p>
+          <a:p>
+            <a:r>
+              <a:rPr lang="en-US" baseline="0" dirty="0" smtClean="0"/>
+              <a:t>Additionally </a:t>
+            </a:r>
+            <a:r>
+              <a:rPr lang="en-US" baseline="0" dirty="0" err="1" smtClean="0"/>
+              <a:t>wokflow</a:t>
+            </a:r>
+            <a:r>
+              <a:rPr lang="en-US" baseline="0" dirty="0" smtClean="0"/>
+              <a:t> input “</a:t>
+            </a:r>
+            <a:r>
+              <a:rPr lang="en-US" baseline="0" dirty="0" err="1" smtClean="0"/>
+              <a:t>trgt_filename</a:t>
+            </a:r>
+            <a:r>
+              <a:rPr lang="en-US" baseline="0" dirty="0" smtClean="0"/>
+              <a:t>” is also passed to the "rename" step as “</a:t>
+            </a:r>
+            <a:r>
+              <a:rPr lang="en-US" baseline="0" dirty="0" err="1" smtClean="0"/>
+              <a:t>trgt_filename</a:t>
+            </a:r>
+            <a:r>
+              <a:rPr lang="en-US" baseline="0" dirty="0" smtClean="0"/>
+              <a:t>” input.</a:t>
+            </a:r>
+          </a:p>
+          <a:p>
+            <a:endParaRPr lang="en-US" baseline="0" dirty="0" smtClean="0"/>
+          </a:p>
+          <a:p>
+            <a:r>
+              <a:rPr lang="en-US" baseline="0" dirty="0" smtClean="0"/>
+              <a:t>When "rename" step is finished, it</a:t>
+            </a:r>
+            <a:r>
+              <a:rPr lang="mr-IN" baseline="0" dirty="0" smtClean="0"/>
+              <a:t>’</a:t>
+            </a:r>
+            <a:r>
+              <a:rPr lang="en-US" baseline="0" dirty="0" smtClean="0"/>
+              <a:t>s results "</a:t>
+            </a:r>
+            <a:r>
+              <a:rPr lang="en-US" baseline="0" dirty="0" err="1" smtClean="0"/>
+              <a:t>renamed_file</a:t>
+            </a:r>
+            <a:r>
+              <a:rPr lang="en-US" baseline="0" dirty="0" smtClean="0"/>
+              <a:t>" is returned from the workflow as “</a:t>
+            </a:r>
+            <a:r>
+              <a:rPr lang="en-US" baseline="0" dirty="0" err="1" smtClean="0"/>
+              <a:t>rename_file</a:t>
+            </a:r>
+            <a:r>
+              <a:rPr lang="en-US" baseline="0" dirty="0" smtClean="0"/>
+              <a:t>” (using "</a:t>
+            </a:r>
+            <a:r>
+              <a:rPr lang="en-US" baseline="0" dirty="0" err="1" smtClean="0"/>
+              <a:t>outputSouce</a:t>
+            </a:r>
+            <a:r>
+              <a:rPr lang="en-US" baseline="0" dirty="0" smtClean="0"/>
+              <a:t>" field)</a:t>
+            </a:r>
+          </a:p>
+          <a:p>
+            <a:endParaRPr lang="en-US" baseline="0" dirty="0" smtClean="0"/>
+          </a:p>
+          <a:p>
+            <a:pPr marL="0" marR="0" indent="0" algn="l" defTabSz="914400" rtl="0" eaLnBrk="1" fontAlgn="auto" latinLnBrk="0" hangingPunct="1">
+              <a:lnSpc>
+                <a:spcPct val="100000"/>
+              </a:lnSpc>
+              <a:spcBef>
+                <a:spcPts val="0"/>
+              </a:spcBef>
+              <a:spcAft>
+                <a:spcPts val="0"/>
+              </a:spcAft>
+              <a:buClrTx/>
+              <a:buSzTx/>
+              <a:buFontTx/>
+              <a:buNone/>
+              <a:tabLst/>
+              <a:defRPr/>
+            </a:pPr>
+            <a:r>
+              <a:rPr lang="en-US" dirty="0" smtClean="0"/>
+              <a:t>===CLICK===</a:t>
+            </a:r>
+          </a:p>
+          <a:p>
+            <a:endParaRPr lang="en-US" dirty="0" smtClean="0"/>
+          </a:p>
+          <a:p>
+            <a:r>
+              <a:rPr lang="en-US" dirty="0" smtClean="0"/>
+              <a:t>This is</a:t>
+            </a:r>
+            <a:r>
+              <a:rPr lang="en-US" baseline="0" dirty="0" smtClean="0"/>
+              <a:t> an example of how the input job file may look like</a:t>
+            </a:r>
+          </a:p>
+          <a:p>
+            <a:endParaRPr lang="en-US" baseline="0" dirty="0" smtClean="0"/>
+          </a:p>
+          <a:p>
+            <a:pPr marL="0" marR="0" indent="0" algn="l" defTabSz="914400" rtl="0" eaLnBrk="1" fontAlgn="auto" latinLnBrk="0" hangingPunct="1">
+              <a:lnSpc>
+                <a:spcPct val="100000"/>
+              </a:lnSpc>
+              <a:spcBef>
+                <a:spcPts val="0"/>
+              </a:spcBef>
+              <a:spcAft>
+                <a:spcPts val="0"/>
+              </a:spcAft>
+              <a:buClrTx/>
+              <a:buSzTx/>
+              <a:buFontTx/>
+              <a:buNone/>
+              <a:tabLst/>
+              <a:defRPr/>
+            </a:pPr>
+            <a:r>
+              <a:rPr lang="en-US" dirty="0" smtClean="0"/>
+              <a:t>===CLICK===</a:t>
+            </a:r>
+          </a:p>
+          <a:p>
+            <a:endParaRPr lang="en-US" baseline="0" dirty="0" smtClean="0"/>
+          </a:p>
+          <a:p>
+            <a:r>
+              <a:rPr lang="en-US" baseline="0" dirty="0" smtClean="0"/>
+              <a:t>And this is how the workflow output file may look like if we had used our job file.</a:t>
+            </a:r>
+          </a:p>
+          <a:p>
+            <a:endParaRPr lang="en-US" baseline="0" dirty="0" smtClean="0"/>
+          </a:p>
+          <a:p>
             <a:endParaRPr lang="en-US" dirty="0"/>
+          </a:p>
+        </p:txBody>
+      </p:sp>
+      <p:sp>
+        <p:nvSpPr>
+          <p:cNvPr id="4" name="Slide Number Placeholder 3"/>
+          <p:cNvSpPr>
+            <a:spLocks noGrp="1"/>
+          </p:cNvSpPr>
+          <p:nvPr>
+            <p:ph type="sldNum" sz="quarter" idx="10"/>
+          </p:nvPr>
+        </p:nvSpPr>
+        <p:spPr/>
+        <p:txBody>
+          <a:bodyPr/>
+          <a:lstStyle/>
+          <a:p>
+            <a:fld id="{3B33CAB0-BBB4-B94F-9BB9-10D6CE331DF9}" type="slidenum">
+              <a:rPr lang="en-US" smtClean="0"/>
+              <a:t>5</a:t>
+            </a:fld>
+            <a:endParaRPr lang="en-US"/>
+          </a:p>
+        </p:txBody>
+      </p:sp>
+    </p:spTree>
+    <p:extLst>
+      <p:ext uri="{BB962C8B-B14F-4D97-AF65-F5344CB8AC3E}">
+        <p14:creationId xmlns:p14="http://schemas.microsoft.com/office/powerpoint/2010/main" val="2115162799"/>
+      </p:ext>
+    </p:extLst>
+  </p:cSld>
+  <p:clrMapOvr>
+    <a:masterClrMapping/>
+  </p:clrMapOvr>
+</p:notes>
+</file>
+
+<file path=ppt/notesSlides/notesSlide6.xml><?xml version="1.0" encoding="utf-8"?>
+<p:notes xmlns:a="http://schemas.openxmlformats.org/drawingml/2006/main" xmlns:r="http://schemas.openxmlformats.org/officeDocument/2006/relationships" xmlns:p="http://schemas.openxmlformats.org/presentationml/2006/main">
+  <p:cSld>
+    <p:spTree>
+      <p:nvGrpSpPr>
+        <p:cNvPr id="1" name=""/>
+        <p:cNvGrpSpPr/>
+        <p:nvPr/>
+      </p:nvGrpSpPr>
+      <p:grpSpPr>
+        <a:xfrm>
+          <a:off x="0" y="0"/>
+          <a:ext cx="0" cy="0"/>
+          <a:chOff x="0" y="0"/>
+          <a:chExt cx="0" cy="0"/>
+        </a:xfrm>
+      </p:grpSpPr>
+      <p:sp>
+        <p:nvSpPr>
+          <p:cNvPr id="2" name="Slide Image Placeholder 1"/>
+          <p:cNvSpPr>
+            <a:spLocks noGrp="1" noRot="1" noChangeAspect="1"/>
+          </p:cNvSpPr>
+          <p:nvPr>
+            <p:ph type="sldImg"/>
+          </p:nvPr>
+        </p:nvSpPr>
+        <p:spPr/>
+      </p:sp>
+      <p:sp>
+        <p:nvSpPr>
+          <p:cNvPr id="3" name="Notes Placeholder 2"/>
+          <p:cNvSpPr>
+            <a:spLocks noGrp="1"/>
+          </p:cNvSpPr>
+          <p:nvPr>
+            <p:ph type="body" idx="1"/>
+          </p:nvPr>
+        </p:nvSpPr>
+        <p:spPr/>
+        <p:txBody>
+          <a:bodyPr/>
+          <a:lstStyle/>
+          <a:p>
+            <a:endParaRPr lang="en-US" baseline="0" dirty="0" smtClean="0"/>
           </a:p>
         </p:txBody>
       </p:sp>
@@ -1110,7 +4067,7 @@
           <a:p>
             <a:fld id="{1160EA64-D806-43AC-9DF2-F8C432F32B4C}" type="datetimeFigureOut">
               <a:rPr lang="en-US" dirty="0"/>
-              <a:t>10/30/18</a:t>
+              <a:t>10/31/18</a:t>
             </a:fld>
             <a:endParaRPr lang="en-US" dirty="0"/>
           </a:p>
@@ -1276,7 +4233,7 @@
           <a:p>
             <a:fld id="{E9F9C37B-1D36-470B-8223-D6C91242EC14}" type="datetimeFigureOut">
               <a:rPr lang="en-US" dirty="0"/>
-              <a:t>10/30/18</a:t>
+              <a:t>10/31/18</a:t>
             </a:fld>
             <a:endParaRPr lang="en-US" dirty="0"/>
           </a:p>
@@ -1451,7 +4408,7 @@
           <a:p>
             <a:fld id="{67C6F52A-A82B-47A2-A83A-8C4C91F2D59F}" type="datetimeFigureOut">
               <a:rPr lang="en-US" dirty="0"/>
-              <a:t>10/30/18</a:t>
+              <a:t>10/31/18</a:t>
             </a:fld>
             <a:endParaRPr lang="en-US" dirty="0"/>
           </a:p>
@@ -1616,7 +4573,7 @@
           <a:p>
             <a:fld id="{F070A7B3-6521-4DCA-87E5-044747A908C1}" type="datetimeFigureOut">
               <a:rPr lang="en-US" dirty="0"/>
-              <a:t>10/30/18</a:t>
+              <a:t>10/31/18</a:t>
             </a:fld>
             <a:endParaRPr lang="en-US" dirty="0"/>
           </a:p>
@@ -1880,7 +4837,7 @@
           <a:p>
             <a:fld id="{1160EA64-D806-43AC-9DF2-F8C432F32B4C}" type="datetimeFigureOut">
               <a:rPr lang="en-US" dirty="0"/>
-              <a:t>10/30/18</a:t>
+              <a:t>10/31/18</a:t>
             </a:fld>
             <a:endParaRPr lang="en-US" dirty="0"/>
           </a:p>
@@ -2108,7 +5065,7 @@
           <a:p>
             <a:fld id="{AB134690-1557-4C89-A502-4959FE7FAD70}" type="datetimeFigureOut">
               <a:rPr lang="en-US" dirty="0"/>
-              <a:t>10/30/18</a:t>
+              <a:t>10/31/18</a:t>
             </a:fld>
             <a:endParaRPr lang="en-US" dirty="0"/>
           </a:p>
@@ -2462,7 +5419,7 @@
           <a:p>
             <a:fld id="{4F7D4976-E339-4826-83B7-FBD03F55ECF8}" type="datetimeFigureOut">
               <a:rPr lang="en-US" dirty="0"/>
-              <a:t>10/30/18</a:t>
+              <a:t>10/31/18</a:t>
             </a:fld>
             <a:endParaRPr lang="en-US" dirty="0"/>
           </a:p>
@@ -2598,7 +5555,7 @@
           <a:p>
             <a:fld id="{E1037C31-9E7A-4F99-8774-A0E530DE1A42}" type="datetimeFigureOut">
               <a:rPr lang="en-US" dirty="0"/>
-              <a:t>10/30/18</a:t>
+              <a:t>10/31/18</a:t>
             </a:fld>
             <a:endParaRPr lang="en-US" dirty="0"/>
           </a:p>
@@ -2688,7 +5645,7 @@
           <a:p>
             <a:fld id="{C278504F-A551-4DE0-9316-4DCD1D8CC752}" type="datetimeFigureOut">
               <a:rPr lang="en-US" dirty="0"/>
-              <a:t>10/30/18</a:t>
+              <a:t>10/31/18</a:t>
             </a:fld>
             <a:endParaRPr lang="en-US" dirty="0"/>
           </a:p>
@@ -3040,7 +5997,7 @@
           <a:p>
             <a:fld id="{D1BE4249-C0D0-4B06-8692-E8BB871AF643}" type="datetimeFigureOut">
               <a:rPr lang="en-US" dirty="0"/>
-              <a:t>10/30/18</a:t>
+              <a:t>10/31/18</a:t>
             </a:fld>
             <a:endParaRPr lang="en-US" dirty="0"/>
           </a:p>
@@ -3392,7 +6349,7 @@
           <a:p>
             <a:fld id="{042B0DB6-F5C7-45FB-8CF3-31B45F9C2DAC}" type="datetimeFigureOut">
               <a:rPr lang="en-US" dirty="0"/>
-              <a:t>10/30/18</a:t>
+              <a:t>10/31/18</a:t>
             </a:fld>
             <a:endParaRPr lang="en-US" dirty="0"/>
           </a:p>
@@ -3628,7 +6585,7 @@
           <a:p>
             <a:fld id="{1160EA64-D806-43AC-9DF2-F8C432F32B4C}" type="datetimeFigureOut">
               <a:rPr lang="en-US" dirty="0"/>
-              <a:t>10/30/18</a:t>
+              <a:t>10/31/18</a:t>
             </a:fld>
             <a:endParaRPr lang="en-US" dirty="0"/>
           </a:p>
@@ -4211,7 +7168,7 @@
           <p:nvPr/>
         </p:nvPicPr>
         <p:blipFill>
-          <a:blip r:embed="rId2">
+          <a:blip r:embed="rId3">
             <a:extLst>
               <a:ext uri="{28A0092B-C50C-407E-A947-70E740481C1C}">
                 <a14:useLocalDpi xmlns:a14="http://schemas.microsoft.com/office/drawing/2010/main" val="0"/>
@@ -4488,13 +7445,13 @@
   <p:clrMapOvr>
     <a:masterClrMapping/>
   </p:clrMapOvr>
-  <mc:AlternateContent xmlns:mc="http://schemas.openxmlformats.org/markup-compatibility/2006">
-    <mc:Choice xmlns:p14="http://schemas.microsoft.com/office/powerpoint/2010/main" Requires="p14">
+  <mc:AlternateContent xmlns:mc="http://schemas.openxmlformats.org/markup-compatibility/2006" xmlns:p14="http://schemas.microsoft.com/office/powerpoint/2010/main">
+    <mc:Choice Requires="p14">
       <p:transition spd="med" p14:dur="700">
         <p:fade/>
       </p:transition>
     </mc:Choice>
-    <mc:Fallback>
+    <mc:Fallback xmlns="">
       <p:transition spd="med">
         <p:fade/>
       </p:transition>
@@ -6566,13 +9523,13 @@
   <p:clrMapOvr>
     <a:masterClrMapping/>
   </p:clrMapOvr>
-  <mc:AlternateContent xmlns:mc="http://schemas.openxmlformats.org/markup-compatibility/2006">
-    <mc:Choice xmlns:p14="http://schemas.microsoft.com/office/powerpoint/2010/main" Requires="p14">
+  <mc:AlternateContent xmlns:mc="http://schemas.openxmlformats.org/markup-compatibility/2006" xmlns:p14="http://schemas.microsoft.com/office/powerpoint/2010/main">
+    <mc:Choice Requires="p14">
       <p:transition spd="med" p14:dur="700">
         <p:fade/>
       </p:transition>
     </mc:Choice>
-    <mc:Fallback>
+    <mc:Fallback xmlns="">
       <p:transition spd="med">
         <p:fade/>
       </p:transition>
@@ -7768,13 +10725,13 @@
   <p:clrMapOvr>
     <a:masterClrMapping/>
   </p:clrMapOvr>
-  <mc:AlternateContent xmlns:mc="http://schemas.openxmlformats.org/markup-compatibility/2006">
-    <mc:Choice xmlns:p14="http://schemas.microsoft.com/office/powerpoint/2010/main" Requires="p14">
+  <mc:AlternateContent xmlns:mc="http://schemas.openxmlformats.org/markup-compatibility/2006" xmlns:p14="http://schemas.microsoft.com/office/powerpoint/2010/main">
+    <mc:Choice Requires="p14">
       <p:transition spd="med" p14:dur="700">
         <p:fade/>
       </p:transition>
     </mc:Choice>
-    <mc:Fallback>
+    <mc:Fallback xmlns="">
       <p:transition spd="med">
         <p:fade/>
       </p:transition>
@@ -10433,13 +13390,13 @@
   <p:clrMapOvr>
     <a:masterClrMapping/>
   </p:clrMapOvr>
-  <mc:AlternateContent xmlns:mc="http://schemas.openxmlformats.org/markup-compatibility/2006">
-    <mc:Choice xmlns:p14="http://schemas.microsoft.com/office/powerpoint/2010/main" Requires="p14">
+  <mc:AlternateContent xmlns:mc="http://schemas.openxmlformats.org/markup-compatibility/2006" xmlns:p14="http://schemas.microsoft.com/office/powerpoint/2010/main">
+    <mc:Choice Requires="p14">
       <p:transition spd="med" p14:dur="700">
         <p:fade/>
       </p:transition>
     </mc:Choice>
-    <mc:Fallback>
+    <mc:Fallback xmlns="">
       <p:transition spd="med">
         <p:fade/>
       </p:transition>
@@ -11978,11 +14935,6 @@
               </a:rPr>
               <a:t>Development Kit 8+ </a:t>
             </a:r>
-            <a:endParaRPr lang="en-US" sz="1400" b="1" dirty="0">
-              <a:latin typeface="Menlo" charset="0"/>
-              <a:ea typeface="Menlo" charset="0"/>
-              <a:cs typeface="Menlo" charset="0"/>
-            </a:endParaRPr>
           </a:p>
           <a:p>
             <a:r>
@@ -12029,17 +14981,6 @@
               </a:rPr>
               <a:t>cask install java</a:t>
             </a:r>
-            <a:endParaRPr lang="en-US" sz="1200" i="1" dirty="0">
-              <a:solidFill>
-                <a:schemeClr val="tx1">
-                  <a:lumMod val="65000"/>
-                  <a:lumOff val="35000"/>
-                </a:schemeClr>
-              </a:solidFill>
-              <a:latin typeface="Menlo" charset="0"/>
-              <a:ea typeface="Menlo" charset="0"/>
-              <a:cs typeface="Menlo" charset="0"/>
-            </a:endParaRPr>
           </a:p>
         </p:txBody>
       </p:sp>
@@ -12162,13 +15103,13 @@
   <p:clrMapOvr>
     <a:masterClrMapping/>
   </p:clrMapOvr>
-  <mc:AlternateContent xmlns:mc="http://schemas.openxmlformats.org/markup-compatibility/2006">
-    <mc:Choice xmlns:p14="http://schemas.microsoft.com/office/powerpoint/2010/main" Requires="p14">
+  <mc:AlternateContent xmlns:mc="http://schemas.openxmlformats.org/markup-compatibility/2006" xmlns:p14="http://schemas.microsoft.com/office/powerpoint/2010/main">
+    <mc:Choice Requires="p14">
       <p:transition spd="med" p14:dur="700">
         <p:fade/>
       </p:transition>
     </mc:Choice>
-    <mc:Fallback>
+    <mc:Fallback xmlns="">
       <p:transition spd="med">
         <p:fade/>
       </p:transition>
@@ -12276,21 +15217,30 @@
                             </p:childTnLst>
                           </p:cTn>
                         </p:par>
+                      </p:childTnLst>
+                    </p:cTn>
+                  </p:par>
+                  <p:par>
+                    <p:cTn id="12" fill="hold">
+                      <p:stCondLst>
+                        <p:cond delay="indefinite"/>
+                      </p:stCondLst>
+                      <p:childTnLst>
                         <p:par>
-                          <p:cTn id="12" fill="hold">
+                          <p:cTn id="13" fill="hold">
                             <p:stCondLst>
-                              <p:cond delay="1000"/>
+                              <p:cond delay="0"/>
                             </p:stCondLst>
                             <p:childTnLst>
                               <p:par>
-                                <p:cTn id="13" presetID="10" presetClass="entr" presetSubtype="0" fill="hold" grpId="0" nodeType="afterEffect">
+                                <p:cTn id="14" presetID="10" presetClass="entr" presetSubtype="0" fill="hold" grpId="0" nodeType="clickEffect">
                                   <p:stCondLst>
                                     <p:cond delay="0"/>
                                   </p:stCondLst>
                                   <p:childTnLst>
                                     <p:set>
                                       <p:cBhvr>
-                                        <p:cTn id="14" dur="1" fill="hold">
+                                        <p:cTn id="15" dur="1" fill="hold">
                                           <p:stCondLst>
                                             <p:cond delay="0"/>
                                           </p:stCondLst>
@@ -12308,7 +15258,7 @@
                                     </p:set>
                                     <p:animEffect transition="in" filter="fade">
                                       <p:cBhvr>
-                                        <p:cTn id="15" dur="500"/>
+                                        <p:cTn id="16" dur="500"/>
                                         <p:tgtEl>
                                           <p:spTgt spid="4"/>
                                         </p:tgtEl>
@@ -12324,26 +15274,26 @@
                     </p:cTn>
                   </p:par>
                   <p:par>
-                    <p:cTn id="16" fill="hold">
+                    <p:cTn id="17" fill="hold">
                       <p:stCondLst>
                         <p:cond delay="indefinite"/>
                       </p:stCondLst>
                       <p:childTnLst>
                         <p:par>
-                          <p:cTn id="17" fill="hold">
+                          <p:cTn id="18" fill="hold">
                             <p:stCondLst>
                               <p:cond delay="0"/>
                             </p:stCondLst>
                             <p:childTnLst>
                               <p:par>
-                                <p:cTn id="18" presetID="10" presetClass="entr" presetSubtype="0" fill="hold" grpId="0" nodeType="clickEffect">
+                                <p:cTn id="19" presetID="10" presetClass="entr" presetSubtype="0" fill="hold" grpId="0" nodeType="clickEffect">
                                   <p:stCondLst>
                                     <p:cond delay="0"/>
                                   </p:stCondLst>
                                   <p:childTnLst>
                                     <p:set>
                                       <p:cBhvr>
-                                        <p:cTn id="19" dur="1" fill="hold">
+                                        <p:cTn id="20" dur="1" fill="hold">
                                           <p:stCondLst>
                                             <p:cond delay="0"/>
                                           </p:stCondLst>
@@ -12361,7 +15311,7 @@
                                     </p:set>
                                     <p:animEffect transition="in" filter="fade">
                                       <p:cBhvr>
-                                        <p:cTn id="20" dur="500"/>
+                                        <p:cTn id="21" dur="500"/>
                                         <p:tgtEl>
                                           <p:spTgt spid="8"/>
                                         </p:tgtEl>
@@ -12374,20 +15324,20 @@
                           </p:cTn>
                         </p:par>
                         <p:par>
-                          <p:cTn id="21" fill="hold">
+                          <p:cTn id="22" fill="hold">
                             <p:stCondLst>
                               <p:cond delay="500"/>
                             </p:stCondLst>
                             <p:childTnLst>
                               <p:par>
-                                <p:cTn id="22" presetID="10" presetClass="entr" presetSubtype="0" fill="hold" grpId="0" nodeType="afterEffect">
+                                <p:cTn id="23" presetID="10" presetClass="entr" presetSubtype="0" fill="hold" grpId="0" nodeType="afterEffect">
                                   <p:stCondLst>
                                     <p:cond delay="0"/>
                                   </p:stCondLst>
                                   <p:childTnLst>
                                     <p:set>
                                       <p:cBhvr>
-                                        <p:cTn id="23" dur="1" fill="hold">
+                                        <p:cTn id="24" dur="1" fill="hold">
                                           <p:stCondLst>
                                             <p:cond delay="0"/>
                                           </p:stCondLst>
@@ -12405,7 +15355,7 @@
                                     </p:set>
                                     <p:animEffect transition="in" filter="fade">
                                       <p:cBhvr>
-                                        <p:cTn id="24" dur="500"/>
+                                        <p:cTn id="25" dur="500"/>
                                         <p:tgtEl>
                                           <p:spTgt spid="5"/>
                                         </p:tgtEl>
@@ -12421,26 +15371,26 @@
                     </p:cTn>
                   </p:par>
                   <p:par>
-                    <p:cTn id="25" fill="hold">
+                    <p:cTn id="26" fill="hold">
                       <p:stCondLst>
                         <p:cond delay="indefinite"/>
                       </p:stCondLst>
                       <p:childTnLst>
                         <p:par>
-                          <p:cTn id="26" fill="hold">
+                          <p:cTn id="27" fill="hold">
                             <p:stCondLst>
                               <p:cond delay="0"/>
                             </p:stCondLst>
                             <p:childTnLst>
                               <p:par>
-                                <p:cTn id="27" presetID="10" presetClass="entr" presetSubtype="0" fill="hold" grpId="0" nodeType="clickEffect">
+                                <p:cTn id="28" presetID="10" presetClass="entr" presetSubtype="0" fill="hold" grpId="0" nodeType="clickEffect">
                                   <p:stCondLst>
                                     <p:cond delay="0"/>
                                   </p:stCondLst>
                                   <p:childTnLst>
                                     <p:set>
                                       <p:cBhvr>
-                                        <p:cTn id="28" dur="1" fill="hold">
+                                        <p:cTn id="29" dur="1" fill="hold">
                                           <p:stCondLst>
                                             <p:cond delay="0"/>
                                           </p:stCondLst>
@@ -12458,7 +15408,7 @@
                                     </p:set>
                                     <p:animEffect transition="in" filter="fade">
                                       <p:cBhvr>
-                                        <p:cTn id="29" dur="500"/>
+                                        <p:cTn id="30" dur="500"/>
                                         <p:tgtEl>
                                           <p:spTgt spid="9"/>
                                         </p:tgtEl>
@@ -12471,20 +15421,20 @@
                           </p:cTn>
                         </p:par>
                         <p:par>
-                          <p:cTn id="30" fill="hold">
+                          <p:cTn id="31" fill="hold">
                             <p:stCondLst>
                               <p:cond delay="500"/>
                             </p:stCondLst>
                             <p:childTnLst>
                               <p:par>
-                                <p:cTn id="31" presetID="10" presetClass="entr" presetSubtype="0" fill="hold" grpId="0" nodeType="afterEffect">
+                                <p:cTn id="32" presetID="10" presetClass="entr" presetSubtype="0" fill="hold" grpId="0" nodeType="afterEffect">
                                   <p:stCondLst>
                                     <p:cond delay="0"/>
                                   </p:stCondLst>
                                   <p:childTnLst>
                                     <p:set>
                                       <p:cBhvr>
-                                        <p:cTn id="32" dur="1" fill="hold">
+                                        <p:cTn id="33" dur="1" fill="hold">
                                           <p:stCondLst>
                                             <p:cond delay="0"/>
                                           </p:stCondLst>
@@ -12502,7 +15452,7 @@
                                     </p:set>
                                     <p:animEffect transition="in" filter="fade">
                                       <p:cBhvr>
-                                        <p:cTn id="33" dur="500"/>
+                                        <p:cTn id="34" dur="500"/>
                                         <p:tgtEl>
                                           <p:spTgt spid="10"/>
                                         </p:tgtEl>
@@ -12515,20 +15465,20 @@
                           </p:cTn>
                         </p:par>
                         <p:par>
-                          <p:cTn id="34" fill="hold">
+                          <p:cTn id="35" fill="hold">
                             <p:stCondLst>
                               <p:cond delay="1000"/>
                             </p:stCondLst>
                             <p:childTnLst>
                               <p:par>
-                                <p:cTn id="35" presetID="10" presetClass="entr" presetSubtype="0" fill="hold" grpId="0" nodeType="afterEffect">
+                                <p:cTn id="36" presetID="10" presetClass="entr" presetSubtype="0" fill="hold" grpId="0" nodeType="afterEffect">
                                   <p:stCondLst>
                                     <p:cond delay="0"/>
                                   </p:stCondLst>
                                   <p:childTnLst>
                                     <p:set>
                                       <p:cBhvr>
-                                        <p:cTn id="36" dur="1" fill="hold">
+                                        <p:cTn id="37" dur="1" fill="hold">
                                           <p:stCondLst>
                                             <p:cond delay="0"/>
                                           </p:stCondLst>
@@ -12546,7 +15496,7 @@
                                     </p:set>
                                     <p:animEffect transition="in" filter="fade">
                                       <p:cBhvr>
-                                        <p:cTn id="37" dur="500"/>
+                                        <p:cTn id="38" dur="500"/>
                                         <p:tgtEl>
                                           <p:spTgt spid="12"/>
                                         </p:tgtEl>
@@ -12559,20 +15509,20 @@
                           </p:cTn>
                         </p:par>
                         <p:par>
-                          <p:cTn id="38" fill="hold">
+                          <p:cTn id="39" fill="hold">
                             <p:stCondLst>
                               <p:cond delay="1500"/>
                             </p:stCondLst>
                             <p:childTnLst>
                               <p:par>
-                                <p:cTn id="39" presetID="10" presetClass="entr" presetSubtype="0" fill="hold" grpId="0" nodeType="afterEffect">
+                                <p:cTn id="40" presetID="10" presetClass="entr" presetSubtype="0" fill="hold" grpId="0" nodeType="afterEffect">
                                   <p:stCondLst>
                                     <p:cond delay="0"/>
                                   </p:stCondLst>
                                   <p:childTnLst>
                                     <p:set>
                                       <p:cBhvr>
-                                        <p:cTn id="40" dur="1" fill="hold">
+                                        <p:cTn id="41" dur="1" fill="hold">
                                           <p:stCondLst>
                                             <p:cond delay="0"/>
                                           </p:stCondLst>
@@ -12590,7 +15540,7 @@
                                     </p:set>
                                     <p:animEffect transition="in" filter="fade">
                                       <p:cBhvr>
-                                        <p:cTn id="41" dur="500"/>
+                                        <p:cTn id="42" dur="500"/>
                                         <p:tgtEl>
                                           <p:spTgt spid="14"/>
                                         </p:tgtEl>
@@ -14238,7 +17188,7 @@
         </p:nvGrpSpPr>
         <p:grpSpPr>
           <a:xfrm>
-            <a:off x="584443" y="1081356"/>
+            <a:off x="904791" y="1081356"/>
             <a:ext cx="4480560" cy="716400"/>
             <a:chOff x="584443" y="1081356"/>
             <a:chExt cx="4480560" cy="716400"/>
@@ -14532,13 +17482,13 @@
   <p:clrMapOvr>
     <a:masterClrMapping/>
   </p:clrMapOvr>
-  <mc:AlternateContent xmlns:mc="http://schemas.openxmlformats.org/markup-compatibility/2006">
-    <mc:Choice xmlns:p14="http://schemas.microsoft.com/office/powerpoint/2010/main" Requires="p14">
+  <mc:AlternateContent xmlns:mc="http://schemas.openxmlformats.org/markup-compatibility/2006" xmlns:p14="http://schemas.microsoft.com/office/powerpoint/2010/main">
+    <mc:Choice Requires="p14">
       <p:transition spd="med" p14:dur="700">
         <p:fade/>
       </p:transition>
     </mc:Choice>
-    <mc:Fallback>
+    <mc:Fallback xmlns="">
       <p:transition spd="med">
         <p:fade/>
       </p:transition>
@@ -14618,14 +17568,67 @@
                             </p:stCondLst>
                             <p:childTnLst>
                               <p:par>
-                                <p:cTn id="10" presetID="10" presetClass="exit" presetSubtype="0" fill="hold" nodeType="clickEffect">
+                                <p:cTn id="10" presetID="10" presetClass="entr" presetSubtype="0" fill="hold" nodeType="clickEffect">
+                                  <p:stCondLst>
+                                    <p:cond delay="0"/>
+                                  </p:stCondLst>
+                                  <p:childTnLst>
+                                    <p:set>
+                                      <p:cBhvr>
+                                        <p:cTn id="11" dur="1" fill="hold">
+                                          <p:stCondLst>
+                                            <p:cond delay="0"/>
+                                          </p:stCondLst>
+                                        </p:cTn>
+                                        <p:tgtEl>
+                                          <p:spTgt spid="2"/>
+                                        </p:tgtEl>
+                                        <p:attrNameLst>
+                                          <p:attrName>style.visibility</p:attrName>
+                                        </p:attrNameLst>
+                                      </p:cBhvr>
+                                      <p:to>
+                                        <p:strVal val="visible"/>
+                                      </p:to>
+                                    </p:set>
+                                    <p:animEffect transition="in" filter="fade">
+                                      <p:cBhvr>
+                                        <p:cTn id="12" dur="500"/>
+                                        <p:tgtEl>
+                                          <p:spTgt spid="2"/>
+                                        </p:tgtEl>
+                                      </p:cBhvr>
+                                    </p:animEffect>
+                                  </p:childTnLst>
+                                </p:cTn>
+                              </p:par>
+                            </p:childTnLst>
+                          </p:cTn>
+                        </p:par>
+                      </p:childTnLst>
+                    </p:cTn>
+                  </p:par>
+                  <p:par>
+                    <p:cTn id="13" fill="hold">
+                      <p:stCondLst>
+                        <p:cond delay="indefinite"/>
+                      </p:stCondLst>
+                      <p:childTnLst>
+                        <p:par>
+                          <p:cTn id="14" fill="hold">
+                            <p:stCondLst>
+                              <p:cond delay="0"/>
+                            </p:stCondLst>
+                            <p:childTnLst>
+                              <p:par>
+                                <p:cTn id="15" presetID="10" presetClass="exit" presetSubtype="0" fill="hold" nodeType="clickEffect">
                                   <p:stCondLst>
                                     <p:cond delay="0"/>
                                   </p:stCondLst>
                                   <p:childTnLst>
                                     <p:animEffect transition="out" filter="fade">
                                       <p:cBhvr>
-                                        <p:cTn id="11" dur="500"/>
+                                        <p:cTn id="16" dur="500"/>
                                         <p:tgtEl>
                                           <p:spTgt spid="5"/>
                                         </p:tgtEl>
@@ -14633,7 +17636,7 @@
                                     </p:animEffect>
                                     <p:set>
                                       <p:cBhvr>
-                                        <p:cTn id="12" dur="1" fill="hold">
+                                        <p:cTn id="17" dur="1" fill="hold">
                                           <p:stCondLst>
                                             <p:cond delay="499"/>
                                           </p:stCondLst>
@@ -14655,74 +17658,30 @@
                             </p:childTnLst>
                           </p:cTn>
                         </p:par>
-                        <p:par>
-                          <p:cTn id="13" fill="hold">
-                            <p:stCondLst>
-                              <p:cond delay="500"/>
-                            </p:stCondLst>
-                            <p:childTnLst>
-                              <p:par>
-                                <p:cTn id="14" presetID="10" presetClass="entr" presetSubtype="0" fill="hold" nodeType="afterEffect">
-                                  <p:stCondLst>
-                                    <p:cond delay="500"/>
-                                  </p:stCondLst>
-                                  <p:childTnLst>
-                                    <p:set>
-                                      <p:cBhvr>
-                                        <p:cTn id="15" dur="1" fill="hold">
-                                          <p:stCondLst>
-                                            <p:cond delay="0"/>
-                                          </p:stCondLst>
-                                        </p:cTn>
-                                        <p:tgtEl>
-                                          <p:spTgt spid="2"/>
-                                        </p:tgtEl>
-                                        <p:attrNameLst>
-                                          <p:attrName>style.visibility</p:attrName>
-                                        </p:attrNameLst>
-                                      </p:cBhvr>
-                                      <p:to>
-                                        <p:strVal val="visible"/>
-                                      </p:to>
-                                    </p:set>
-                                    <p:animEffect transition="in" filter="fade">
-                                      <p:cBhvr>
-                                        <p:cTn id="16" dur="500"/>
-                                        <p:tgtEl>
-                                          <p:spTgt spid="2"/>
-                                        </p:tgtEl>
-                                      </p:cBhvr>
-                                    </p:animEffect>
-                                  </p:childTnLst>
-                                </p:cTn>
-                              </p:par>
-                            </p:childTnLst>
-                          </p:cTn>
-                        </p:par>
                       </p:childTnLst>
                     </p:cTn>
                   </p:par>
                   <p:par>
-                    <p:cTn id="17" fill="hold">
+                    <p:cTn id="18" fill="hold">
                       <p:stCondLst>
                         <p:cond delay="indefinite"/>
                       </p:stCondLst>
                       <p:childTnLst>
                         <p:par>
-                          <p:cTn id="18" fill="hold">
+                          <p:cTn id="19" fill="hold">
                             <p:stCondLst>
                               <p:cond delay="0"/>
                             </p:stCondLst>
                             <p:childTnLst>
                               <p:par>
-                                <p:cTn id="19" presetID="10" presetClass="entr" presetSubtype="0" fill="hold" nodeType="clickEffect">
+                                <p:cTn id="20" presetID="10" presetClass="entr" presetSubtype="0" fill="hold" nodeType="clickEffect">
                                   <p:stCondLst>
                                     <p:cond delay="0"/>
                                   </p:stCondLst>
                                   <p:childTnLst>
                                     <p:set>
                                       <p:cBhvr>
-                                        <p:cTn id="20" dur="1" fill="hold">
+                                        <p:cTn id="21" dur="1" fill="hold">
                                           <p:stCondLst>
                                             <p:cond delay="0"/>
                                           </p:stCondLst>
@@ -14740,7 +17699,7 @@
                                     </p:set>
                                     <p:animEffect transition="in" filter="fade">
                                       <p:cBhvr>
-                                        <p:cTn id="21" dur="500"/>
+                                        <p:cTn id="22" dur="500"/>
                                         <p:tgtEl>
                                           <p:spTgt spid="8"/>
                                         </p:tgtEl>
@@ -14756,26 +17715,26 @@
                     </p:cTn>
                   </p:par>
                   <p:par>
-                    <p:cTn id="22" fill="hold">
+                    <p:cTn id="23" fill="hold">
                       <p:stCondLst>
                         <p:cond delay="indefinite"/>
                       </p:stCondLst>
                       <p:childTnLst>
                         <p:par>
-                          <p:cTn id="23" fill="hold">
+                          <p:cTn id="24" fill="hold">
                             <p:stCondLst>
                               <p:cond delay="0"/>
                             </p:stCondLst>
                             <p:childTnLst>
                               <p:par>
-                                <p:cTn id="24" presetID="10" presetClass="entr" presetSubtype="0" fill="hold" nodeType="clickEffect">
+                                <p:cTn id="25" presetID="10" presetClass="entr" presetSubtype="0" fill="hold" nodeType="clickEffect">
                                   <p:stCondLst>
                                     <p:cond delay="0"/>
                                   </p:stCondLst>
                                   <p:childTnLst>
                                     <p:set>
                                       <p:cBhvr>
-                                        <p:cTn id="25" dur="1" fill="hold">
+                                        <p:cTn id="26" dur="1" fill="hold">
                                           <p:stCondLst>
                                             <p:cond delay="0"/>
                                           </p:stCondLst>
@@ -14793,7 +17752,7 @@
                                     </p:set>
                                     <p:animEffect transition="in" filter="fade">
                                       <p:cBhvr>
-                                        <p:cTn id="26" dur="500"/>
+                                        <p:cTn id="27" dur="500"/>
                                         <p:tgtEl>
                                           <p:spTgt spid="9"/>
                                         </p:tgtEl>
@@ -14809,26 +17768,26 @@
                     </p:cTn>
                   </p:par>
                   <p:par>
-                    <p:cTn id="27" fill="hold">
+                    <p:cTn id="28" fill="hold">
                       <p:stCondLst>
                         <p:cond delay="indefinite"/>
                       </p:stCondLst>
                       <p:childTnLst>
                         <p:par>
-                          <p:cTn id="28" fill="hold">
+                          <p:cTn id="29" fill="hold">
                             <p:stCondLst>
                               <p:cond delay="0"/>
                             </p:stCondLst>
                             <p:childTnLst>
                               <p:par>
-                                <p:cTn id="29" presetID="10" presetClass="entr" presetSubtype="0" fill="hold" grpId="0" nodeType="clickEffect">
+                                <p:cTn id="30" presetID="10" presetClass="entr" presetSubtype="0" fill="hold" grpId="0" nodeType="clickEffect">
                                   <p:stCondLst>
                                     <p:cond delay="0"/>
                                   </p:stCondLst>
                                   <p:childTnLst>
                                     <p:set>
                                       <p:cBhvr>
-                                        <p:cTn id="30" dur="1" fill="hold">
+                                        <p:cTn id="31" dur="1" fill="hold">
                                           <p:stCondLst>
                                             <p:cond delay="0"/>
                                           </p:stCondLst>
@@ -14846,7 +17805,7 @@
                                     </p:set>
                                     <p:animEffect transition="in" filter="fade">
                                       <p:cBhvr>
-                                        <p:cTn id="31" dur="500"/>
+                                        <p:cTn id="32" dur="500"/>
                                         <p:tgtEl>
                                           <p:spTgt spid="18"/>
                                         </p:tgtEl>
@@ -14859,20 +17818,20 @@
                           </p:cTn>
                         </p:par>
                         <p:par>
-                          <p:cTn id="32" fill="hold">
+                          <p:cTn id="33" fill="hold">
                             <p:stCondLst>
                               <p:cond delay="500"/>
                             </p:stCondLst>
                             <p:childTnLst>
                               <p:par>
-                                <p:cTn id="33" presetID="10" presetClass="entr" presetSubtype="0" fill="hold" nodeType="afterEffect">
+                                <p:cTn id="34" presetID="10" presetClass="entr" presetSubtype="0" fill="hold" nodeType="afterEffect">
                                   <p:stCondLst>
                                     <p:cond delay="0"/>
                                   </p:stCondLst>
                                   <p:childTnLst>
                                     <p:set>
                                       <p:cBhvr>
-                                        <p:cTn id="34" dur="1" fill="hold">
+                                        <p:cTn id="35" dur="1" fill="hold">
                                           <p:stCondLst>
                                             <p:cond delay="0"/>
                                           </p:stCondLst>
@@ -14890,7 +17849,7 @@
                                     </p:set>
                                     <p:animEffect transition="in" filter="fade">
                                       <p:cBhvr>
-                                        <p:cTn id="35" dur="500"/>
+                                        <p:cTn id="36" dur="500"/>
                                         <p:tgtEl>
                                           <p:spTgt spid="7"/>
                                         </p:tgtEl>
@@ -14906,26 +17865,26 @@
                     </p:cTn>
                   </p:par>
                   <p:par>
-                    <p:cTn id="36" fill="hold">
+                    <p:cTn id="37" fill="hold">
                       <p:stCondLst>
                         <p:cond delay="indefinite"/>
                       </p:stCondLst>
                       <p:childTnLst>
                         <p:par>
-                          <p:cTn id="37" fill="hold">
+                          <p:cTn id="38" fill="hold">
                             <p:stCondLst>
                               <p:cond delay="0"/>
                             </p:stCondLst>
                             <p:childTnLst>
                               <p:par>
-                                <p:cTn id="38" presetID="10" presetClass="entr" presetSubtype="0" fill="hold" nodeType="clickEffect">
+                                <p:cTn id="39" presetID="10" presetClass="entr" presetSubtype="0" fill="hold" nodeType="clickEffect">
                                   <p:stCondLst>
                                     <p:cond delay="0"/>
                                   </p:stCondLst>
                                   <p:childTnLst>
                                     <p:set>
                                       <p:cBhvr>
-                                        <p:cTn id="39" dur="1" fill="hold">
+                                        <p:cTn id="40" dur="1" fill="hold">
                                           <p:stCondLst>
                                             <p:cond delay="0"/>
                                           </p:stCondLst>
@@ -14943,7 +17902,7 @@
                                     </p:set>
                                     <p:animEffect transition="in" filter="fade">
                                       <p:cBhvr>
-                                        <p:cTn id="40" dur="500"/>
+                                        <p:cTn id="41" dur="500"/>
                                         <p:tgtEl>
                                           <p:spTgt spid="10"/>
                                         </p:tgtEl>
@@ -14959,26 +17918,26 @@
                     </p:cTn>
                   </p:par>
                   <p:par>
-                    <p:cTn id="41" fill="hold">
+                    <p:cTn id="42" fill="hold">
                       <p:stCondLst>
                         <p:cond delay="indefinite"/>
                       </p:stCondLst>
                       <p:childTnLst>
                         <p:par>
-                          <p:cTn id="42" fill="hold">
+                          <p:cTn id="43" fill="hold">
                             <p:stCondLst>
                               <p:cond delay="0"/>
                             </p:stCondLst>
                             <p:childTnLst>
                               <p:par>
-                                <p:cTn id="43" presetID="10" presetClass="entr" presetSubtype="0" fill="hold" nodeType="clickEffect">
+                                <p:cTn id="44" presetID="10" presetClass="entr" presetSubtype="0" fill="hold" nodeType="clickEffect">
                                   <p:stCondLst>
                                     <p:cond delay="0"/>
                                   </p:stCondLst>
                                   <p:childTnLst>
                                     <p:set>
                                       <p:cBhvr>
-                                        <p:cTn id="44" dur="1" fill="hold">
+                                        <p:cTn id="45" dur="1" fill="hold">
                                           <p:stCondLst>
                                             <p:cond delay="0"/>
                                           </p:stCondLst>
@@ -14996,7 +17955,7 @@
                                     </p:set>
                                     <p:animEffect transition="in" filter="fade">
                                       <p:cBhvr>
-                                        <p:cTn id="45" dur="500"/>
+                                        <p:cTn id="46" dur="500"/>
                                         <p:tgtEl>
                                           <p:spTgt spid="11"/>
                                         </p:tgtEl>
@@ -15170,12 +18129,12 @@
             </a:fontRef>
           </p:style>
           <p:txBody>
-            <a:bodyPr vert="vert270" rtlCol="0" anchor="t" anchorCtr="0"/>
+            <a:bodyPr vert="vert270" lIns="0" rtlCol="0" anchor="t" anchorCtr="0"/>
             <a:lstStyle/>
             <a:p>
               <a:pPr algn="ctr"/>
               <a:r>
-                <a:rPr lang="en-US" b="1" dirty="0" smtClean="0">
+                <a:rPr lang="en-US" sz="1400" b="1" dirty="0" smtClean="0">
                   <a:solidFill>
                     <a:schemeClr val="tx1">
                       <a:lumMod val="75000"/>
@@ -15185,7 +18144,7 @@
                 </a:rPr>
                 <a:t>STEPS</a:t>
               </a:r>
-              <a:endParaRPr lang="en-US" b="1" dirty="0">
+              <a:endParaRPr lang="en-US" sz="1400" b="1" dirty="0">
                 <a:solidFill>
                   <a:schemeClr val="tx1">
                     <a:lumMod val="75000"/>
@@ -15925,244 +18884,6 @@
           </p:txBody>
         </p:sp>
       </p:grpSp>
-      <p:grpSp>
-        <p:nvGrpSpPr>
-          <p:cNvPr id="10" name="Group 9"/>
-          <p:cNvGrpSpPr/>
-          <p:nvPr/>
-        </p:nvGrpSpPr>
-        <p:grpSpPr>
-          <a:xfrm>
-            <a:off x="5090160" y="750013"/>
-            <a:ext cx="2011680" cy="579905"/>
-            <a:chOff x="5090160" y="750013"/>
-            <a:chExt cx="2011680" cy="579905"/>
-          </a:xfrm>
-        </p:grpSpPr>
-        <p:sp>
-          <p:nvSpPr>
-            <p:cNvPr id="73" name="Rounded Rectangle 72"/>
-            <p:cNvSpPr/>
-            <p:nvPr/>
-          </p:nvSpPr>
-          <p:spPr>
-            <a:xfrm>
-              <a:off x="5090160" y="750013"/>
-              <a:ext cx="2011680" cy="362743"/>
-            </a:xfrm>
-            <a:prstGeom prst="roundRect">
-              <a:avLst/>
-            </a:prstGeom>
-            <a:solidFill>
-              <a:schemeClr val="accent4">
-                <a:lumMod val="60000"/>
-                <a:lumOff val="40000"/>
-              </a:schemeClr>
-            </a:solidFill>
-          </p:spPr>
-          <p:style>
-            <a:lnRef idx="3">
-              <a:schemeClr val="lt1"/>
-            </a:lnRef>
-            <a:fillRef idx="1">
-              <a:schemeClr val="accent1"/>
-            </a:fillRef>
-            <a:effectRef idx="1">
-              <a:schemeClr val="accent1"/>
-            </a:effectRef>
-            <a:fontRef idx="minor">
-              <a:schemeClr val="lt1"/>
-            </a:fontRef>
-          </p:style>
-          <p:txBody>
-            <a:bodyPr rtlCol="0" anchor="ctr"/>
-            <a:lstStyle/>
-            <a:p>
-              <a:pPr algn="ctr"/>
-              <a:r>
-                <a:rPr lang="en-US" sz="1500" dirty="0" smtClean="0">
-                  <a:solidFill>
-                    <a:schemeClr val="tx1"/>
-                  </a:solidFill>
-                </a:rPr>
-                <a:t>echo-</a:t>
-              </a:r>
-              <a:r>
-                <a:rPr lang="en-US" sz="1500" dirty="0" err="1" smtClean="0">
-                  <a:solidFill>
-                    <a:schemeClr val="tx1"/>
-                  </a:solidFill>
-                </a:rPr>
-                <a:t>rename.yml</a:t>
-              </a:r>
-              <a:endParaRPr lang="en-US" sz="1500" dirty="0" smtClean="0">
-                <a:solidFill>
-                  <a:schemeClr val="tx1"/>
-                </a:solidFill>
-              </a:endParaRPr>
-            </a:p>
-          </p:txBody>
-        </p:sp>
-        <p:cxnSp>
-          <p:nvCxnSpPr>
-            <p:cNvPr id="74" name="Elbow Connector 73"/>
-            <p:cNvCxnSpPr>
-              <a:stCxn id="73" idx="2"/>
-              <a:endCxn id="28" idx="0"/>
-            </p:cNvCxnSpPr>
-            <p:nvPr/>
-          </p:nvCxnSpPr>
-          <p:spPr>
-            <a:xfrm rot="16200000" flipH="1">
-              <a:off x="5987419" y="1221336"/>
-              <a:ext cx="217163" cy="1"/>
-            </a:xfrm>
-            <a:prstGeom prst="bentConnector3">
-              <a:avLst>
-                <a:gd name="adj1" fmla="val 50000"/>
-              </a:avLst>
-            </a:prstGeom>
-            <a:ln w="50800">
-              <a:solidFill>
-                <a:schemeClr val="tx1">
-                  <a:lumMod val="75000"/>
-                  <a:lumOff val="25000"/>
-                </a:schemeClr>
-              </a:solidFill>
-              <a:tailEnd type="triangle"/>
-            </a:ln>
-          </p:spPr>
-          <p:style>
-            <a:lnRef idx="1">
-              <a:schemeClr val="accent1"/>
-            </a:lnRef>
-            <a:fillRef idx="0">
-              <a:schemeClr val="accent1"/>
-            </a:fillRef>
-            <a:effectRef idx="0">
-              <a:schemeClr val="accent1"/>
-            </a:effectRef>
-            <a:fontRef idx="minor">
-              <a:schemeClr val="tx1"/>
-            </a:fontRef>
-          </p:style>
-        </p:cxnSp>
-      </p:grpSp>
-      <p:grpSp>
-        <p:nvGrpSpPr>
-          <p:cNvPr id="9" name="Group 8"/>
-          <p:cNvGrpSpPr/>
-          <p:nvPr/>
-        </p:nvGrpSpPr>
-        <p:grpSpPr>
-          <a:xfrm>
-            <a:off x="5090160" y="6163109"/>
-            <a:ext cx="2011680" cy="567276"/>
-            <a:chOff x="5090160" y="6163109"/>
-            <a:chExt cx="2011680" cy="567276"/>
-          </a:xfrm>
-        </p:grpSpPr>
-        <p:sp>
-          <p:nvSpPr>
-            <p:cNvPr id="75" name="Rounded Rectangle 74"/>
-            <p:cNvSpPr/>
-            <p:nvPr/>
-          </p:nvSpPr>
-          <p:spPr>
-            <a:xfrm>
-              <a:off x="5090160" y="6367642"/>
-              <a:ext cx="2011680" cy="362743"/>
-            </a:xfrm>
-            <a:prstGeom prst="roundRect">
-              <a:avLst/>
-            </a:prstGeom>
-            <a:solidFill>
-              <a:schemeClr val="accent4">
-                <a:lumMod val="60000"/>
-                <a:lumOff val="40000"/>
-              </a:schemeClr>
-            </a:solidFill>
-          </p:spPr>
-          <p:style>
-            <a:lnRef idx="3">
-              <a:schemeClr val="lt1"/>
-            </a:lnRef>
-            <a:fillRef idx="1">
-              <a:schemeClr val="accent1"/>
-            </a:fillRef>
-            <a:effectRef idx="1">
-              <a:schemeClr val="accent1"/>
-            </a:effectRef>
-            <a:fontRef idx="minor">
-              <a:schemeClr val="lt1"/>
-            </a:fontRef>
-          </p:style>
-          <p:txBody>
-            <a:bodyPr rtlCol="0" anchor="ctr"/>
-            <a:lstStyle/>
-            <a:p>
-              <a:pPr algn="ctr"/>
-              <a:r>
-                <a:rPr lang="en-US" sz="1500" dirty="0" err="1" smtClean="0">
-                  <a:solidFill>
-                    <a:schemeClr val="tx1"/>
-                  </a:solidFill>
-                </a:rPr>
-                <a:t>renamed.txt</a:t>
-              </a:r>
-              <a:endParaRPr lang="en-US" sz="1500" dirty="0" smtClean="0">
-                <a:solidFill>
-                  <a:schemeClr val="tx1"/>
-                </a:solidFill>
-              </a:endParaRPr>
-            </a:p>
-          </p:txBody>
-        </p:sp>
-        <p:cxnSp>
-          <p:nvCxnSpPr>
-            <p:cNvPr id="77" name="Elbow Connector 76"/>
-            <p:cNvCxnSpPr>
-              <a:stCxn id="28" idx="2"/>
-              <a:endCxn id="75" idx="0"/>
-            </p:cNvCxnSpPr>
-            <p:nvPr/>
-          </p:nvCxnSpPr>
-          <p:spPr>
-            <a:xfrm rot="5400000">
-              <a:off x="5993735" y="6265375"/>
-              <a:ext cx="204533" cy="1"/>
-            </a:xfrm>
-            <a:prstGeom prst="bentConnector3">
-              <a:avLst>
-                <a:gd name="adj1" fmla="val 50000"/>
-              </a:avLst>
-            </a:prstGeom>
-            <a:ln w="50800">
-              <a:solidFill>
-                <a:schemeClr val="tx1">
-                  <a:lumMod val="75000"/>
-                  <a:lumOff val="25000"/>
-                </a:schemeClr>
-              </a:solidFill>
-              <a:tailEnd type="triangle"/>
-            </a:ln>
-          </p:spPr>
-          <p:style>
-            <a:lnRef idx="1">
-              <a:schemeClr val="accent1"/>
-            </a:lnRef>
-            <a:fillRef idx="0">
-              <a:schemeClr val="accent1"/>
-            </a:fillRef>
-            <a:effectRef idx="0">
-              <a:schemeClr val="accent1"/>
-            </a:effectRef>
-            <a:fontRef idx="minor">
-              <a:schemeClr val="tx1"/>
-            </a:fontRef>
-          </p:style>
-        </p:cxnSp>
-      </p:grpSp>
       <p:sp>
         <p:nvSpPr>
           <p:cNvPr id="143" name="Title 1"/>
@@ -16188,11 +18909,7 @@
             <a:pPr algn="l"/>
             <a:r>
               <a:rPr lang="en-US" b="1" dirty="0" smtClean="0"/>
-              <a:t>Step </a:t>
-            </a:r>
-            <a:r>
-              <a:rPr lang="en-US" b="1" dirty="0" smtClean="0"/>
-              <a:t>3.1:</a:t>
+              <a:t>Step 3.1:</a:t>
             </a:r>
             <a:endParaRPr lang="en-US" dirty="0"/>
           </a:p>
@@ -16409,7 +19126,29 @@
                   <a:ea typeface="Menlo" charset="0"/>
                   <a:cs typeface="Menlo" charset="0"/>
                 </a:rPr>
-                <a:t>	message:</a:t>
+                <a:t> </a:t>
+              </a:r>
+              <a:r>
+                <a:rPr lang="en-US" sz="1400" dirty="0" smtClean="0">
+                  <a:solidFill>
+                    <a:schemeClr val="tx1"/>
+                  </a:solidFill>
+                  <a:latin typeface="Menlo" charset="0"/>
+                  <a:ea typeface="Menlo" charset="0"/>
+                  <a:cs typeface="Menlo" charset="0"/>
+                </a:rPr>
+                <a:t> message</a:t>
+              </a:r>
+              <a:r>
+                <a:rPr lang="en-US" sz="1400" dirty="0" smtClean="0">
+                  <a:solidFill>
+                    <a:schemeClr val="tx1"/>
+                  </a:solidFill>
+                  <a:latin typeface="Menlo" charset="0"/>
+                  <a:ea typeface="Menlo" charset="0"/>
+                  <a:cs typeface="Menlo" charset="0"/>
+                </a:rPr>
+                <a:t>:</a:t>
               </a:r>
             </a:p>
             <a:p>
@@ -16422,7 +19161,18 @@
                   <a:ea typeface="Menlo" charset="0"/>
                   <a:cs typeface="Menlo" charset="0"/>
                 </a:rPr>
-                <a:t>		type</a:t>
+                <a:t>	</a:t>
+              </a:r>
+              <a:r>
+                <a:rPr lang="en-US" sz="1400" dirty="0" smtClean="0">
+                  <a:solidFill>
+                    <a:schemeClr val="tx1"/>
+                  </a:solidFill>
+                  <a:latin typeface="Menlo" charset="0"/>
+                  <a:ea typeface="Menlo" charset="0"/>
+                  <a:cs typeface="Menlo" charset="0"/>
+                </a:rPr>
+                <a:t>type</a:t>
               </a:r>
               <a:r>
                 <a:rPr lang="en-US" sz="1400" dirty="0">
@@ -16457,7 +19207,29 @@
                   <a:ea typeface="Menlo" charset="0"/>
                   <a:cs typeface="Menlo" charset="0"/>
                 </a:rPr>
-                <a:t>		inputBinding:</a:t>
+                <a:t>	</a:t>
+              </a:r>
+              <a:r>
+                <a:rPr lang="en-US" sz="1400" dirty="0" err="1" smtClean="0">
+                  <a:solidFill>
+                    <a:schemeClr val="tx1"/>
+                  </a:solidFill>
+                  <a:latin typeface="Menlo" charset="0"/>
+                  <a:ea typeface="Menlo" charset="0"/>
+                  <a:cs typeface="Menlo" charset="0"/>
+                </a:rPr>
+                <a:t>inputBinding</a:t>
+              </a:r>
+              <a:r>
+                <a:rPr lang="en-US" sz="1400" dirty="0" smtClean="0">
+                  <a:solidFill>
+                    <a:schemeClr val="tx1"/>
+                  </a:solidFill>
+                  <a:latin typeface="Menlo" charset="0"/>
+                  <a:ea typeface="Menlo" charset="0"/>
+                  <a:cs typeface="Menlo" charset="0"/>
+                </a:rPr>
+                <a:t>:</a:t>
               </a:r>
             </a:p>
             <a:p>
@@ -16470,7 +19242,40 @@
                   <a:ea typeface="Menlo" charset="0"/>
                   <a:cs typeface="Menlo" charset="0"/>
                 </a:rPr>
-                <a:t>			position</a:t>
+                <a:t>	</a:t>
+              </a:r>
+              <a:r>
+                <a:rPr lang="en-US" sz="1400" dirty="0">
+                  <a:solidFill>
+                    <a:schemeClr val="tx1"/>
+                  </a:solidFill>
+                  <a:latin typeface="Menlo" charset="0"/>
+                  <a:ea typeface="Menlo" charset="0"/>
+                  <a:cs typeface="Menlo" charset="0"/>
+                </a:rPr>
+                <a:t> </a:t>
+              </a:r>
+              <a:r>
+                <a:rPr lang="en-US" sz="1400" dirty="0" smtClean="0">
+                  <a:solidFill>
+                    <a:schemeClr val="tx1"/>
+                  </a:solidFill>
+                  <a:latin typeface="Menlo" charset="0"/>
+                  <a:ea typeface="Menlo" charset="0"/>
+                  <a:cs typeface="Menlo" charset="0"/>
+                </a:rPr>
+                <a:t> </a:t>
+              </a:r>
+              <a:r>
+                <a:rPr lang="en-US" sz="1400" dirty="0" smtClean="0">
+                  <a:solidFill>
+                    <a:schemeClr val="tx1"/>
+                  </a:solidFill>
+                  <a:latin typeface="Menlo" charset="0"/>
+                  <a:ea typeface="Menlo" charset="0"/>
+                  <a:cs typeface="Menlo" charset="0"/>
+                </a:rPr>
+                <a:t>position</a:t>
               </a:r>
               <a:r>
                 <a:rPr lang="en-US" sz="1400" dirty="0">
@@ -17570,13 +20375,13 @@
   <p:clrMapOvr>
     <a:masterClrMapping/>
   </p:clrMapOvr>
-  <mc:AlternateContent xmlns:mc="http://schemas.openxmlformats.org/markup-compatibility/2006">
-    <mc:Choice xmlns:p14="http://schemas.microsoft.com/office/powerpoint/2010/main" Requires="p14">
+  <mc:AlternateContent xmlns:mc="http://schemas.openxmlformats.org/markup-compatibility/2006" xmlns:p14="http://schemas.microsoft.com/office/powerpoint/2010/main">
+    <mc:Choice Requires="p14">
       <p:transition spd="med" p14:dur="700">
         <p:fade/>
       </p:transition>
     </mc:Choice>
-    <mc:Fallback>
+    <mc:Fallback xmlns="">
       <p:transition spd="med">
         <p:fade/>
       </p:transition>
@@ -17656,7 +20461,7 @@
                             </p:stCondLst>
                             <p:childTnLst>
                               <p:par>
-                                <p:cTn id="10" presetID="10" presetClass="entr" presetSubtype="0" fill="hold" nodeType="clickEffect">
+                                <p:cTn id="10" presetID="10" presetClass="entr" presetSubtype="0" fill="hold" grpId="0" nodeType="clickEffect">
                                   <p:stCondLst>
                                     <p:cond delay="0"/>
                                   </p:stCondLst>
@@ -17664,112 +20469,6 @@
                                     <p:set>
                                       <p:cBhvr>
                                         <p:cTn id="11" dur="1" fill="hold">
-                                          <p:stCondLst>
-                                            <p:cond delay="0"/>
-                                          </p:stCondLst>
-                                        </p:cTn>
-                                        <p:tgtEl>
-                                          <p:spTgt spid="10"/>
-                                        </p:tgtEl>
-                                        <p:attrNameLst>
-                                          <p:attrName>style.visibility</p:attrName>
-                                        </p:attrNameLst>
-                                      </p:cBhvr>
-                                      <p:to>
-                                        <p:strVal val="visible"/>
-                                      </p:to>
-                                    </p:set>
-                                    <p:animEffect transition="in" filter="fade">
-                                      <p:cBhvr>
-                                        <p:cTn id="12" dur="500"/>
-                                        <p:tgtEl>
-                                          <p:spTgt spid="10"/>
-                                        </p:tgtEl>
-                                      </p:cBhvr>
-                                    </p:animEffect>
-                                  </p:childTnLst>
-                                </p:cTn>
-                              </p:par>
-                            </p:childTnLst>
-                          </p:cTn>
-                        </p:par>
-                      </p:childTnLst>
-                    </p:cTn>
-                  </p:par>
-                  <p:par>
-                    <p:cTn id="13" fill="hold">
-                      <p:stCondLst>
-                        <p:cond delay="indefinite"/>
-                      </p:stCondLst>
-                      <p:childTnLst>
-                        <p:par>
-                          <p:cTn id="14" fill="hold">
-                            <p:stCondLst>
-                              <p:cond delay="0"/>
-                            </p:stCondLst>
-                            <p:childTnLst>
-                              <p:par>
-                                <p:cTn id="15" presetID="10" presetClass="entr" presetSubtype="0" fill="hold" nodeType="clickEffect">
-                                  <p:stCondLst>
-                                    <p:cond delay="0"/>
-                                  </p:stCondLst>
-                                  <p:childTnLst>
-                                    <p:set>
-                                      <p:cBhvr>
-                                        <p:cTn id="16" dur="1" fill="hold">
-                                          <p:stCondLst>
-                                            <p:cond delay="0"/>
-                                          </p:stCondLst>
-                                        </p:cTn>
-                                        <p:tgtEl>
-                                          <p:spTgt spid="9"/>
-                                        </p:tgtEl>
-                                        <p:attrNameLst>
-                                          <p:attrName>style.visibility</p:attrName>
-                                        </p:attrNameLst>
-                                      </p:cBhvr>
-                                      <p:to>
-                                        <p:strVal val="visible"/>
-                                      </p:to>
-                                    </p:set>
-                                    <p:animEffect transition="in" filter="fade">
-                                      <p:cBhvr>
-                                        <p:cTn id="17" dur="500"/>
-                                        <p:tgtEl>
-                                          <p:spTgt spid="9"/>
-                                        </p:tgtEl>
-                                      </p:cBhvr>
-                                    </p:animEffect>
-                                  </p:childTnLst>
-                                </p:cTn>
-                              </p:par>
-                            </p:childTnLst>
-                          </p:cTn>
-                        </p:par>
-                      </p:childTnLst>
-                    </p:cTn>
-                  </p:par>
-                  <p:par>
-                    <p:cTn id="18" fill="hold">
-                      <p:stCondLst>
-                        <p:cond delay="indefinite"/>
-                      </p:stCondLst>
-                      <p:childTnLst>
-                        <p:par>
-                          <p:cTn id="19" fill="hold">
-                            <p:stCondLst>
-                              <p:cond delay="0"/>
-                            </p:stCondLst>
-                            <p:childTnLst>
-                              <p:par>
-                                <p:cTn id="20" presetID="10" presetClass="entr" presetSubtype="0" fill="hold" grpId="0" nodeType="clickEffect">
-                                  <p:stCondLst>
-                                    <p:cond delay="0"/>
-                                  </p:stCondLst>
-                                  <p:childTnLst>
-                                    <p:set>
-                                      <p:cBhvr>
-                                        <p:cTn id="21" dur="1" fill="hold">
                                           <p:stCondLst>
                                             <p:cond delay="0"/>
                                           </p:stCondLst>
@@ -17787,7 +20486,7 @@
                                     </p:set>
                                     <p:animEffect transition="in" filter="fade">
                                       <p:cBhvr>
-                                        <p:cTn id="22" dur="500"/>
+                                        <p:cTn id="12" dur="500"/>
                                         <p:tgtEl>
                                           <p:spTgt spid="82"/>
                                         </p:tgtEl>
@@ -17800,20 +20499,20 @@
                           </p:cTn>
                         </p:par>
                         <p:par>
-                          <p:cTn id="23" fill="hold">
+                          <p:cTn id="13" fill="hold">
                             <p:stCondLst>
                               <p:cond delay="500"/>
                             </p:stCondLst>
                             <p:childTnLst>
                               <p:par>
-                                <p:cTn id="24" presetID="10" presetClass="entr" presetSubtype="0" fill="hold" nodeType="afterEffect">
+                                <p:cTn id="14" presetID="10" presetClass="entr" presetSubtype="0" fill="hold" nodeType="afterEffect">
                                   <p:stCondLst>
                                     <p:cond delay="0"/>
                                   </p:stCondLst>
                                   <p:childTnLst>
                                     <p:set>
                                       <p:cBhvr>
-                                        <p:cTn id="25" dur="1" fill="hold">
+                                        <p:cTn id="15" dur="1" fill="hold">
                                           <p:stCondLst>
                                             <p:cond delay="0"/>
                                           </p:stCondLst>
@@ -17831,7 +20530,7 @@
                                     </p:set>
                                     <p:animEffect transition="in" filter="fade">
                                       <p:cBhvr>
-                                        <p:cTn id="26" dur="500"/>
+                                        <p:cTn id="16" dur="500"/>
                                         <p:tgtEl>
                                           <p:spTgt spid="13"/>
                                         </p:tgtEl>
@@ -17847,26 +20546,26 @@
                     </p:cTn>
                   </p:par>
                   <p:par>
-                    <p:cTn id="27" fill="hold">
+                    <p:cTn id="17" fill="hold">
                       <p:stCondLst>
                         <p:cond delay="indefinite"/>
                       </p:stCondLst>
                       <p:childTnLst>
                         <p:par>
-                          <p:cTn id="28" fill="hold">
+                          <p:cTn id="18" fill="hold">
                             <p:stCondLst>
                               <p:cond delay="0"/>
                             </p:stCondLst>
                             <p:childTnLst>
                               <p:par>
-                                <p:cTn id="29" presetID="10" presetClass="entr" presetSubtype="0" fill="hold" grpId="1" nodeType="clickEffect">
+                                <p:cTn id="19" presetID="10" presetClass="entr" presetSubtype="0" fill="hold" grpId="1" nodeType="clickEffect">
                                   <p:stCondLst>
                                     <p:cond delay="0"/>
                                   </p:stCondLst>
                                   <p:childTnLst>
                                     <p:set>
                                       <p:cBhvr>
-                                        <p:cTn id="30" dur="1" fill="hold">
+                                        <p:cTn id="20" dur="1" fill="hold">
                                           <p:stCondLst>
                                             <p:cond delay="0"/>
                                           </p:stCondLst>
@@ -17884,7 +20583,7 @@
                                     </p:set>
                                     <p:animEffect transition="in" filter="fade">
                                       <p:cBhvr>
-                                        <p:cTn id="31" dur="500"/>
+                                        <p:cTn id="21" dur="500"/>
                                         <p:tgtEl>
                                           <p:spTgt spid="81"/>
                                         </p:tgtEl>
@@ -17897,20 +20596,20 @@
                           </p:cTn>
                         </p:par>
                         <p:par>
-                          <p:cTn id="32" fill="hold">
+                          <p:cTn id="22" fill="hold">
                             <p:stCondLst>
                               <p:cond delay="500"/>
                             </p:stCondLst>
                             <p:childTnLst>
                               <p:par>
-                                <p:cTn id="33" presetID="10" presetClass="entr" presetSubtype="0" fill="hold" nodeType="afterEffect">
+                                <p:cTn id="23" presetID="10" presetClass="entr" presetSubtype="0" fill="hold" nodeType="afterEffect">
                                   <p:stCondLst>
                                     <p:cond delay="0"/>
                                   </p:stCondLst>
                                   <p:childTnLst>
                                     <p:set>
                                       <p:cBhvr>
-                                        <p:cTn id="34" dur="1" fill="hold">
+                                        <p:cTn id="24" dur="1" fill="hold">
                                           <p:stCondLst>
                                             <p:cond delay="0"/>
                                           </p:stCondLst>
@@ -17928,7 +20627,7 @@
                                     </p:set>
                                     <p:animEffect transition="in" filter="fade">
                                       <p:cBhvr>
-                                        <p:cTn id="35" dur="500"/>
+                                        <p:cTn id="25" dur="500"/>
                                         <p:tgtEl>
                                           <p:spTgt spid="12"/>
                                         </p:tgtEl>
@@ -17991,1119 +20690,872 @@
       </p:grpSpPr>
       <p:grpSp>
         <p:nvGrpSpPr>
-          <p:cNvPr id="6" name="Group 5"/>
+          <p:cNvPr id="142" name="Group 141"/>
           <p:cNvGrpSpPr/>
           <p:nvPr/>
         </p:nvGrpSpPr>
         <p:grpSpPr>
           <a:xfrm>
-            <a:off x="4320077" y="750013"/>
-            <a:ext cx="3551847" cy="5980372"/>
-            <a:chOff x="4320077" y="750013"/>
-            <a:chExt cx="3551847" cy="5980372"/>
+            <a:off x="4320077" y="1329919"/>
+            <a:ext cx="3551847" cy="4833190"/>
+            <a:chOff x="4320077" y="1329919"/>
+            <a:chExt cx="3551847" cy="4833190"/>
           </a:xfrm>
         </p:grpSpPr>
-        <p:grpSp>
-          <p:nvGrpSpPr>
-            <p:cNvPr id="142" name="Group 141"/>
-            <p:cNvGrpSpPr/>
+        <p:sp>
+          <p:nvSpPr>
+            <p:cNvPr id="145" name="Rounded Rectangle 144"/>
+            <p:cNvSpPr/>
             <p:nvPr/>
-          </p:nvGrpSpPr>
-          <p:grpSpPr>
+          </p:nvSpPr>
+          <p:spPr>
             <a:xfrm>
               <a:off x="4320077" y="1329919"/>
               <a:ext cx="3551847" cy="4833190"/>
-              <a:chOff x="4320077" y="1329919"/>
-              <a:chExt cx="3551847" cy="4833190"/>
             </a:xfrm>
-          </p:grpSpPr>
-          <p:sp>
-            <p:nvSpPr>
-              <p:cNvPr id="145" name="Rounded Rectangle 144"/>
-              <p:cNvSpPr/>
-              <p:nvPr/>
-            </p:nvSpPr>
-            <p:spPr>
-              <a:xfrm>
-                <a:off x="4320077" y="1329919"/>
-                <a:ext cx="3551847" cy="4833190"/>
-              </a:xfrm>
-              <a:prstGeom prst="roundRect">
-                <a:avLst>
-                  <a:gd name="adj" fmla="val 5497"/>
-                </a:avLst>
-              </a:prstGeom>
-              <a:solidFill>
-                <a:schemeClr val="accent1">
-                  <a:lumMod val="40000"/>
-                  <a:lumOff val="60000"/>
-                </a:schemeClr>
-              </a:solidFill>
-            </p:spPr>
-            <p:style>
-              <a:lnRef idx="3">
-                <a:schemeClr val="lt1"/>
-              </a:lnRef>
-              <a:fillRef idx="1">
-                <a:schemeClr val="accent1"/>
-              </a:fillRef>
-              <a:effectRef idx="1">
-                <a:schemeClr val="accent1"/>
-              </a:effectRef>
-              <a:fontRef idx="minor">
-                <a:schemeClr val="lt1"/>
-              </a:fontRef>
-            </p:style>
-            <p:txBody>
-              <a:bodyPr rtlCol="0" anchor="t" anchorCtr="0"/>
-              <a:lstStyle/>
-              <a:p>
-                <a:pPr algn="ctr"/>
-                <a:r>
-                  <a:rPr lang="en-US" dirty="0" smtClean="0">
-                    <a:solidFill>
-                      <a:schemeClr val="tx1"/>
-                    </a:solidFill>
-                  </a:rPr>
-                  <a:t>echo-</a:t>
-                </a:r>
-                <a:r>
-                  <a:rPr lang="en-US" dirty="0" err="1" smtClean="0">
-                    <a:solidFill>
-                      <a:schemeClr val="tx1"/>
-                    </a:solidFill>
-                  </a:rPr>
-                  <a:t>rename.cwl</a:t>
-                </a:r>
-                <a:endParaRPr lang="en-US" dirty="0">
+            <a:prstGeom prst="roundRect">
+              <a:avLst>
+                <a:gd name="adj" fmla="val 5497"/>
+              </a:avLst>
+            </a:prstGeom>
+            <a:solidFill>
+              <a:schemeClr val="accent1">
+                <a:lumMod val="40000"/>
+                <a:lumOff val="60000"/>
+              </a:schemeClr>
+            </a:solidFill>
+          </p:spPr>
+          <p:style>
+            <a:lnRef idx="3">
+              <a:schemeClr val="lt1"/>
+            </a:lnRef>
+            <a:fillRef idx="1">
+              <a:schemeClr val="accent1"/>
+            </a:fillRef>
+            <a:effectRef idx="1">
+              <a:schemeClr val="accent1"/>
+            </a:effectRef>
+            <a:fontRef idx="minor">
+              <a:schemeClr val="lt1"/>
+            </a:fontRef>
+          </p:style>
+          <p:txBody>
+            <a:bodyPr rtlCol="0" anchor="t" anchorCtr="0"/>
+            <a:lstStyle/>
+            <a:p>
+              <a:pPr algn="ctr"/>
+              <a:r>
+                <a:rPr lang="en-US" dirty="0" smtClean="0">
                   <a:solidFill>
                     <a:schemeClr val="tx1"/>
                   </a:solidFill>
-                </a:endParaRPr>
-              </a:p>
-            </p:txBody>
-          </p:sp>
-          <p:sp>
-            <p:nvSpPr>
-              <p:cNvPr id="146" name="Rounded Rectangle 145"/>
-              <p:cNvSpPr/>
-              <p:nvPr/>
-            </p:nvSpPr>
-            <p:spPr>
-              <a:xfrm>
-                <a:off x="4417303" y="2311871"/>
-                <a:ext cx="3346704" cy="3227293"/>
-              </a:xfrm>
-              <a:prstGeom prst="roundRect">
-                <a:avLst>
-                  <a:gd name="adj" fmla="val 8585"/>
-                </a:avLst>
-              </a:prstGeom>
-            </p:spPr>
-            <p:style>
-              <a:lnRef idx="2">
-                <a:schemeClr val="accent2">
-                  <a:shade val="50000"/>
-                </a:schemeClr>
-              </a:lnRef>
-              <a:fillRef idx="1">
-                <a:schemeClr val="accent2"/>
-              </a:fillRef>
-              <a:effectRef idx="0">
-                <a:schemeClr val="accent2"/>
-              </a:effectRef>
-              <a:fontRef idx="minor">
-                <a:schemeClr val="lt1"/>
-              </a:fontRef>
-            </p:style>
-            <p:txBody>
-              <a:bodyPr vert="vert270" rtlCol="0" anchor="t" anchorCtr="0"/>
-              <a:lstStyle/>
-              <a:p>
-                <a:pPr algn="ctr"/>
-                <a:r>
-                  <a:rPr lang="en-US" b="1" dirty="0" smtClean="0">
-                    <a:solidFill>
-                      <a:schemeClr val="tx1">
-                        <a:lumMod val="75000"/>
-                        <a:lumOff val="25000"/>
-                      </a:schemeClr>
-                    </a:solidFill>
-                  </a:rPr>
-                  <a:t>STEPS</a:t>
-                </a:r>
-                <a:endParaRPr lang="en-US" b="1" dirty="0">
+                </a:rPr>
+                <a:t>echo-</a:t>
+              </a:r>
+              <a:r>
+                <a:rPr lang="en-US" dirty="0" err="1" smtClean="0">
+                  <a:solidFill>
+                    <a:schemeClr val="tx1"/>
+                  </a:solidFill>
+                </a:rPr>
+                <a:t>rename.cwl</a:t>
+              </a:r>
+              <a:endParaRPr lang="en-US" dirty="0">
+                <a:solidFill>
+                  <a:schemeClr val="tx1"/>
+                </a:solidFill>
+              </a:endParaRPr>
+            </a:p>
+          </p:txBody>
+        </p:sp>
+        <p:sp>
+          <p:nvSpPr>
+            <p:cNvPr id="146" name="Rounded Rectangle 145"/>
+            <p:cNvSpPr/>
+            <p:nvPr/>
+          </p:nvSpPr>
+          <p:spPr>
+            <a:xfrm>
+              <a:off x="4417303" y="2311871"/>
+              <a:ext cx="3346704" cy="3227293"/>
+            </a:xfrm>
+            <a:prstGeom prst="roundRect">
+              <a:avLst>
+                <a:gd name="adj" fmla="val 8585"/>
+              </a:avLst>
+            </a:prstGeom>
+          </p:spPr>
+          <p:style>
+            <a:lnRef idx="2">
+              <a:schemeClr val="accent2">
+                <a:shade val="50000"/>
+              </a:schemeClr>
+            </a:lnRef>
+            <a:fillRef idx="1">
+              <a:schemeClr val="accent2"/>
+            </a:fillRef>
+            <a:effectRef idx="0">
+              <a:schemeClr val="accent2"/>
+            </a:effectRef>
+            <a:fontRef idx="minor">
+              <a:schemeClr val="lt1"/>
+            </a:fontRef>
+          </p:style>
+          <p:txBody>
+            <a:bodyPr vert="vert270" lIns="0" rtlCol="0" anchor="t" anchorCtr="0"/>
+            <a:lstStyle/>
+            <a:p>
+              <a:pPr algn="ctr"/>
+              <a:r>
+                <a:rPr lang="en-US" sz="1400" b="1" dirty="0" smtClean="0">
                   <a:solidFill>
                     <a:schemeClr val="tx1">
                       <a:lumMod val="75000"/>
                       <a:lumOff val="25000"/>
                     </a:schemeClr>
                   </a:solidFill>
-                </a:endParaRPr>
-              </a:p>
-            </p:txBody>
-          </p:sp>
-          <p:sp>
-            <p:nvSpPr>
-              <p:cNvPr id="147" name="Rounded Rectangle 146"/>
-              <p:cNvSpPr/>
-              <p:nvPr/>
-            </p:nvSpPr>
-            <p:spPr>
-              <a:xfrm>
-                <a:off x="4417303" y="5639156"/>
-                <a:ext cx="3346704" cy="411480"/>
-              </a:xfrm>
-              <a:prstGeom prst="roundRect">
-                <a:avLst/>
-              </a:prstGeom>
+                </a:rPr>
+                <a:t>STEPS</a:t>
+              </a:r>
+              <a:endParaRPr lang="en-US" sz="1400" b="1" dirty="0">
+                <a:solidFill>
+                  <a:schemeClr val="tx1">
+                    <a:lumMod val="75000"/>
+                    <a:lumOff val="25000"/>
+                  </a:schemeClr>
+                </a:solidFill>
+              </a:endParaRPr>
+            </a:p>
+          </p:txBody>
+        </p:sp>
+        <p:sp>
+          <p:nvSpPr>
+            <p:cNvPr id="147" name="Rounded Rectangle 146"/>
+            <p:cNvSpPr/>
+            <p:nvPr/>
+          </p:nvSpPr>
+          <p:spPr>
+            <a:xfrm>
+              <a:off x="4417303" y="5639156"/>
+              <a:ext cx="3346704" cy="411480"/>
+            </a:xfrm>
+            <a:prstGeom prst="roundRect">
+              <a:avLst/>
+            </a:prstGeom>
+            <a:solidFill>
+              <a:schemeClr val="accent1">
+                <a:lumMod val="60000"/>
+                <a:lumOff val="40000"/>
+              </a:schemeClr>
+            </a:solidFill>
+            <a:ln w="12700">
               <a:solidFill>
-                <a:schemeClr val="accent1">
-                  <a:lumMod val="60000"/>
-                  <a:lumOff val="40000"/>
-                </a:schemeClr>
+                <a:schemeClr val="bg1"/>
               </a:solidFill>
-              <a:ln w="12700">
-                <a:solidFill>
-                  <a:schemeClr val="bg1"/>
-                </a:solidFill>
-              </a:ln>
-            </p:spPr>
-            <p:style>
-              <a:lnRef idx="2">
-                <a:schemeClr val="accent1">
-                  <a:shade val="50000"/>
-                </a:schemeClr>
-              </a:lnRef>
-              <a:fillRef idx="1">
-                <a:schemeClr val="accent1"/>
-              </a:fillRef>
-              <a:effectRef idx="0">
-                <a:schemeClr val="accent1"/>
-              </a:effectRef>
-              <a:fontRef idx="minor">
-                <a:schemeClr val="lt1"/>
-              </a:fontRef>
-            </p:style>
-            <p:txBody>
-              <a:bodyPr rtlCol="0" anchor="ctr" anchorCtr="0"/>
-              <a:lstStyle/>
-              <a:p>
-                <a:r>
-                  <a:rPr lang="en-US" dirty="0">
-                    <a:solidFill>
-                      <a:schemeClr val="tx1">
-                        <a:lumMod val="75000"/>
-                        <a:lumOff val="25000"/>
-                      </a:schemeClr>
-                    </a:solidFill>
-                  </a:rPr>
-                  <a:t>outputs</a:t>
-                </a:r>
-              </a:p>
-            </p:txBody>
-          </p:sp>
-          <p:sp>
-            <p:nvSpPr>
-              <p:cNvPr id="148" name="Rounded Rectangle 147"/>
-              <p:cNvSpPr/>
-              <p:nvPr/>
-            </p:nvSpPr>
-            <p:spPr>
-              <a:xfrm>
-                <a:off x="4417303" y="1801456"/>
-                <a:ext cx="3346704" cy="411480"/>
-              </a:xfrm>
-              <a:prstGeom prst="roundRect">
-                <a:avLst/>
-              </a:prstGeom>
-              <a:solidFill>
-                <a:schemeClr val="accent1">
-                  <a:lumMod val="60000"/>
-                  <a:lumOff val="40000"/>
-                </a:schemeClr>
-              </a:solidFill>
-              <a:ln w="12700">
-                <a:solidFill>
-                  <a:schemeClr val="bg1"/>
-                </a:solidFill>
-              </a:ln>
-            </p:spPr>
-            <p:style>
-              <a:lnRef idx="2">
-                <a:schemeClr val="accent1">
-                  <a:shade val="50000"/>
-                </a:schemeClr>
-              </a:lnRef>
-              <a:fillRef idx="1">
-                <a:schemeClr val="accent1"/>
-              </a:fillRef>
-              <a:effectRef idx="0">
-                <a:schemeClr val="accent1"/>
-              </a:effectRef>
-              <a:fontRef idx="minor">
-                <a:schemeClr val="lt1"/>
-              </a:fontRef>
-            </p:style>
-            <p:txBody>
-              <a:bodyPr rtlCol="0" anchor="ctr" anchorCtr="0"/>
-              <a:lstStyle/>
-              <a:p>
-                <a:r>
-                  <a:rPr lang="en-US" dirty="0">
-                    <a:solidFill>
-                      <a:schemeClr val="tx1">
-                        <a:lumMod val="75000"/>
-                        <a:lumOff val="25000"/>
-                      </a:schemeClr>
-                    </a:solidFill>
-                  </a:rPr>
-                  <a:t>i</a:t>
-                </a:r>
-                <a:r>
-                  <a:rPr lang="en-US" dirty="0" smtClean="0">
-                    <a:solidFill>
-                      <a:schemeClr val="tx1">
-                        <a:lumMod val="75000"/>
-                        <a:lumOff val="25000"/>
-                      </a:schemeClr>
-                    </a:solidFill>
-                  </a:rPr>
-                  <a:t>nputs</a:t>
-                </a:r>
-                <a:endParaRPr lang="en-US" dirty="0">
+            </a:ln>
+          </p:spPr>
+          <p:style>
+            <a:lnRef idx="2">
+              <a:schemeClr val="accent1">
+                <a:shade val="50000"/>
+              </a:schemeClr>
+            </a:lnRef>
+            <a:fillRef idx="1">
+              <a:schemeClr val="accent1"/>
+            </a:fillRef>
+            <a:effectRef idx="0">
+              <a:schemeClr val="accent1"/>
+            </a:effectRef>
+            <a:fontRef idx="minor">
+              <a:schemeClr val="lt1"/>
+            </a:fontRef>
+          </p:style>
+          <p:txBody>
+            <a:bodyPr rtlCol="0" anchor="ctr" anchorCtr="0"/>
+            <a:lstStyle/>
+            <a:p>
+              <a:r>
+                <a:rPr lang="en-US" dirty="0">
                   <a:solidFill>
                     <a:schemeClr val="tx1">
                       <a:lumMod val="75000"/>
                       <a:lumOff val="25000"/>
                     </a:schemeClr>
                   </a:solidFill>
-                </a:endParaRPr>
-              </a:p>
-            </p:txBody>
-          </p:sp>
-          <p:sp>
-            <p:nvSpPr>
-              <p:cNvPr id="149" name="Rounded Rectangle 148"/>
-              <p:cNvSpPr/>
-              <p:nvPr/>
-            </p:nvSpPr>
-            <p:spPr>
-              <a:xfrm>
-                <a:off x="6448914" y="1870036"/>
-                <a:ext cx="1240993" cy="274320"/>
-              </a:xfrm>
-              <a:prstGeom prst="roundRect">
-                <a:avLst/>
-              </a:prstGeom>
+                </a:rPr>
+                <a:t>outputs</a:t>
+              </a:r>
+            </a:p>
+          </p:txBody>
+        </p:sp>
+        <p:sp>
+          <p:nvSpPr>
+            <p:cNvPr id="148" name="Rounded Rectangle 147"/>
+            <p:cNvSpPr/>
+            <p:nvPr/>
+          </p:nvSpPr>
+          <p:spPr>
+            <a:xfrm>
+              <a:off x="4417303" y="1801456"/>
+              <a:ext cx="3346704" cy="411480"/>
+            </a:xfrm>
+            <a:prstGeom prst="roundRect">
+              <a:avLst/>
+            </a:prstGeom>
+            <a:solidFill>
+              <a:schemeClr val="accent1">
+                <a:lumMod val="60000"/>
+                <a:lumOff val="40000"/>
+              </a:schemeClr>
+            </a:solidFill>
+            <a:ln w="12700">
               <a:solidFill>
-                <a:schemeClr val="accent4">
-                  <a:lumMod val="60000"/>
-                  <a:lumOff val="40000"/>
-                </a:schemeClr>
+                <a:schemeClr val="bg1"/>
               </a:solidFill>
-              <a:ln>
-                <a:noFill/>
-              </a:ln>
-            </p:spPr>
-            <p:style>
-              <a:lnRef idx="2">
-                <a:schemeClr val="accent1">
-                  <a:shade val="50000"/>
-                </a:schemeClr>
-              </a:lnRef>
-              <a:fillRef idx="1">
-                <a:schemeClr val="accent1"/>
-              </a:fillRef>
-              <a:effectRef idx="0">
-                <a:schemeClr val="accent1"/>
-              </a:effectRef>
-              <a:fontRef idx="minor">
-                <a:schemeClr val="lt1"/>
-              </a:fontRef>
-            </p:style>
-            <p:txBody>
-              <a:bodyPr rtlCol="0" anchor="ctr" anchorCtr="0"/>
-              <a:lstStyle/>
-              <a:p>
-                <a:pPr algn="ctr"/>
-                <a:r>
-                  <a:rPr lang="en-US" sz="1500" dirty="0" err="1" smtClean="0">
-                    <a:solidFill>
-                      <a:schemeClr val="tx1">
-                        <a:lumMod val="75000"/>
-                        <a:lumOff val="25000"/>
-                      </a:schemeClr>
-                    </a:solidFill>
-                  </a:rPr>
-                  <a:t>trgt_filename</a:t>
-                </a:r>
-                <a:endParaRPr lang="en-US" sz="1500" dirty="0">
+            </a:ln>
+          </p:spPr>
+          <p:style>
+            <a:lnRef idx="2">
+              <a:schemeClr val="accent1">
+                <a:shade val="50000"/>
+              </a:schemeClr>
+            </a:lnRef>
+            <a:fillRef idx="1">
+              <a:schemeClr val="accent1"/>
+            </a:fillRef>
+            <a:effectRef idx="0">
+              <a:schemeClr val="accent1"/>
+            </a:effectRef>
+            <a:fontRef idx="minor">
+              <a:schemeClr val="lt1"/>
+            </a:fontRef>
+          </p:style>
+          <p:txBody>
+            <a:bodyPr rtlCol="0" anchor="ctr" anchorCtr="0"/>
+            <a:lstStyle/>
+            <a:p>
+              <a:r>
+                <a:rPr lang="en-US" dirty="0">
                   <a:solidFill>
                     <a:schemeClr val="tx1">
                       <a:lumMod val="75000"/>
                       <a:lumOff val="25000"/>
                     </a:schemeClr>
                   </a:solidFill>
-                </a:endParaRPr>
-              </a:p>
-            </p:txBody>
-          </p:sp>
-          <p:sp>
-            <p:nvSpPr>
-              <p:cNvPr id="150" name="Rounded Rectangle 149"/>
-              <p:cNvSpPr/>
-              <p:nvPr/>
-            </p:nvSpPr>
-            <p:spPr>
-              <a:xfrm>
-                <a:off x="5500858" y="1870036"/>
-                <a:ext cx="855140" cy="274320"/>
-              </a:xfrm>
-              <a:prstGeom prst="roundRect">
-                <a:avLst/>
-              </a:prstGeom>
-              <a:solidFill>
-                <a:schemeClr val="accent4">
-                  <a:lumMod val="60000"/>
-                  <a:lumOff val="40000"/>
-                </a:schemeClr>
-              </a:solidFill>
-              <a:ln>
-                <a:noFill/>
-              </a:ln>
-            </p:spPr>
-            <p:style>
-              <a:lnRef idx="2">
-                <a:schemeClr val="accent1">
-                  <a:shade val="50000"/>
-                </a:schemeClr>
-              </a:lnRef>
-              <a:fillRef idx="1">
-                <a:schemeClr val="accent1"/>
-              </a:fillRef>
-              <a:effectRef idx="0">
-                <a:schemeClr val="accent1"/>
-              </a:effectRef>
-              <a:fontRef idx="minor">
-                <a:schemeClr val="lt1"/>
-              </a:fontRef>
-            </p:style>
-            <p:txBody>
-              <a:bodyPr rtlCol="0" anchor="ctr" anchorCtr="0"/>
-              <a:lstStyle/>
-              <a:p>
-                <a:pPr algn="ctr"/>
-                <a:r>
-                  <a:rPr lang="en-US" sz="1500" dirty="0" smtClean="0">
-                    <a:solidFill>
-                      <a:schemeClr val="tx1">
-                        <a:lumMod val="75000"/>
-                        <a:lumOff val="25000"/>
-                      </a:schemeClr>
-                    </a:solidFill>
-                  </a:rPr>
-                  <a:t>message</a:t>
-                </a:r>
-                <a:endParaRPr lang="en-US" sz="1500" dirty="0">
+                </a:rPr>
+                <a:t>i</a:t>
+              </a:r>
+              <a:r>
+                <a:rPr lang="en-US" dirty="0" smtClean="0">
                   <a:solidFill>
                     <a:schemeClr val="tx1">
                       <a:lumMod val="75000"/>
                       <a:lumOff val="25000"/>
                     </a:schemeClr>
                   </a:solidFill>
-                </a:endParaRPr>
-              </a:p>
-            </p:txBody>
-          </p:sp>
-          <p:sp>
-            <p:nvSpPr>
-              <p:cNvPr id="151" name="Rounded Rectangle 150"/>
-              <p:cNvSpPr/>
-              <p:nvPr/>
-            </p:nvSpPr>
-            <p:spPr>
-              <a:xfrm>
-                <a:off x="5184296" y="2407244"/>
-                <a:ext cx="2472596" cy="1463040"/>
-              </a:xfrm>
-              <a:prstGeom prst="roundRect">
-                <a:avLst/>
-              </a:prstGeom>
-              <a:solidFill>
-                <a:schemeClr val="accent1">
-                  <a:lumMod val="60000"/>
-                  <a:lumOff val="40000"/>
-                </a:schemeClr>
-              </a:solidFill>
-            </p:spPr>
-            <p:style>
-              <a:lnRef idx="2">
-                <a:schemeClr val="accent1">
-                  <a:shade val="50000"/>
-                </a:schemeClr>
-              </a:lnRef>
-              <a:fillRef idx="1">
-                <a:schemeClr val="accent1"/>
-              </a:fillRef>
-              <a:effectRef idx="0">
-                <a:schemeClr val="accent1"/>
-              </a:effectRef>
-              <a:fontRef idx="minor">
-                <a:schemeClr val="lt1"/>
-              </a:fontRef>
-            </p:style>
-            <p:txBody>
-              <a:bodyPr rtlCol="0" anchor="ctr" anchorCtr="0"/>
-              <a:lstStyle/>
-              <a:p>
-                <a:r>
-                  <a:rPr lang="en-US" sz="1500" b="1" dirty="0" smtClean="0">
-                    <a:solidFill>
-                      <a:schemeClr val="tx1"/>
-                    </a:solidFill>
-                    <a:latin typeface="Kailasa" charset="0"/>
-                    <a:ea typeface="Kailasa" charset="0"/>
-                    <a:cs typeface="Kailasa" charset="0"/>
-                  </a:rPr>
-                  <a:t>echo: </a:t>
-                </a:r>
-                <a:r>
-                  <a:rPr lang="en-US" sz="1500" dirty="0" err="1" smtClean="0">
-                    <a:solidFill>
-                      <a:schemeClr val="tx1"/>
-                    </a:solidFill>
-                    <a:latin typeface="Kailasa" charset="0"/>
-                    <a:ea typeface="Kailasa" charset="0"/>
-                    <a:cs typeface="Kailasa" charset="0"/>
-                  </a:rPr>
-                  <a:t>echo.cwl</a:t>
-                </a:r>
-                <a:endParaRPr lang="en-US" sz="1500" b="1" dirty="0">
+                </a:rPr>
+                <a:t>nputs</a:t>
+              </a:r>
+              <a:endParaRPr lang="en-US" dirty="0">
+                <a:solidFill>
+                  <a:schemeClr val="tx1">
+                    <a:lumMod val="75000"/>
+                    <a:lumOff val="25000"/>
+                  </a:schemeClr>
+                </a:solidFill>
+              </a:endParaRPr>
+            </a:p>
+          </p:txBody>
+        </p:sp>
+        <p:sp>
+          <p:nvSpPr>
+            <p:cNvPr id="149" name="Rounded Rectangle 148"/>
+            <p:cNvSpPr/>
+            <p:nvPr/>
+          </p:nvSpPr>
+          <p:spPr>
+            <a:xfrm>
+              <a:off x="6448914" y="1870036"/>
+              <a:ext cx="1240993" cy="274320"/>
+            </a:xfrm>
+            <a:prstGeom prst="roundRect">
+              <a:avLst/>
+            </a:prstGeom>
+            <a:solidFill>
+              <a:schemeClr val="accent4">
+                <a:lumMod val="60000"/>
+                <a:lumOff val="40000"/>
+              </a:schemeClr>
+            </a:solidFill>
+            <a:ln>
+              <a:noFill/>
+            </a:ln>
+          </p:spPr>
+          <p:style>
+            <a:lnRef idx="2">
+              <a:schemeClr val="accent1">
+                <a:shade val="50000"/>
+              </a:schemeClr>
+            </a:lnRef>
+            <a:fillRef idx="1">
+              <a:schemeClr val="accent1"/>
+            </a:fillRef>
+            <a:effectRef idx="0">
+              <a:schemeClr val="accent1"/>
+            </a:effectRef>
+            <a:fontRef idx="minor">
+              <a:schemeClr val="lt1"/>
+            </a:fontRef>
+          </p:style>
+          <p:txBody>
+            <a:bodyPr rtlCol="0" anchor="ctr" anchorCtr="0"/>
+            <a:lstStyle/>
+            <a:p>
+              <a:pPr algn="ctr"/>
+              <a:r>
+                <a:rPr lang="en-US" sz="1500" dirty="0" err="1" smtClean="0">
                   <a:solidFill>
                     <a:schemeClr val="tx1">
                       <a:lumMod val="75000"/>
                       <a:lumOff val="25000"/>
                     </a:schemeClr>
                   </a:solidFill>
-                </a:endParaRPr>
-              </a:p>
-            </p:txBody>
-          </p:sp>
-          <p:sp>
-            <p:nvSpPr>
-              <p:cNvPr id="152" name="Rounded Rectangle 151"/>
-              <p:cNvSpPr/>
-              <p:nvPr/>
-            </p:nvSpPr>
-            <p:spPr>
-              <a:xfrm>
-                <a:off x="5007082" y="2543220"/>
-                <a:ext cx="493776" cy="365760"/>
-              </a:xfrm>
-              <a:prstGeom prst="roundRect">
-                <a:avLst/>
-              </a:prstGeom>
-              <a:solidFill>
-                <a:schemeClr val="accent1"/>
-              </a:solidFill>
-              <a:ln/>
-            </p:spPr>
-            <p:style>
-              <a:lnRef idx="1">
-                <a:schemeClr val="accent1"/>
-              </a:lnRef>
-              <a:fillRef idx="3">
-                <a:schemeClr val="accent1"/>
-              </a:fillRef>
-              <a:effectRef idx="2">
-                <a:schemeClr val="accent1"/>
-              </a:effectRef>
-              <a:fontRef idx="minor">
-                <a:schemeClr val="lt1"/>
-              </a:fontRef>
-            </p:style>
-            <p:txBody>
-              <a:bodyPr rtlCol="0" anchor="ctr" anchorCtr="0"/>
-              <a:lstStyle/>
-              <a:p>
-                <a:pPr algn="ctr"/>
-                <a:r>
-                  <a:rPr lang="en-US" sz="1500" dirty="0" smtClean="0">
-                    <a:solidFill>
-                      <a:schemeClr val="tx1">
-                        <a:lumMod val="75000"/>
-                        <a:lumOff val="25000"/>
-                      </a:schemeClr>
-                    </a:solidFill>
-                  </a:rPr>
-                  <a:t>in</a:t>
-                </a:r>
-                <a:endParaRPr lang="en-US" sz="1500" dirty="0">
+                </a:rPr>
+                <a:t>trgt_filename</a:t>
+              </a:r>
+              <a:endParaRPr lang="en-US" sz="1500" dirty="0">
+                <a:solidFill>
+                  <a:schemeClr val="tx1">
+                    <a:lumMod val="75000"/>
+                    <a:lumOff val="25000"/>
+                  </a:schemeClr>
+                </a:solidFill>
+              </a:endParaRPr>
+            </a:p>
+          </p:txBody>
+        </p:sp>
+        <p:sp>
+          <p:nvSpPr>
+            <p:cNvPr id="150" name="Rounded Rectangle 149"/>
+            <p:cNvSpPr/>
+            <p:nvPr/>
+          </p:nvSpPr>
+          <p:spPr>
+            <a:xfrm>
+              <a:off x="5500858" y="1870036"/>
+              <a:ext cx="855140" cy="274320"/>
+            </a:xfrm>
+            <a:prstGeom prst="roundRect">
+              <a:avLst/>
+            </a:prstGeom>
+            <a:solidFill>
+              <a:schemeClr val="accent4">
+                <a:lumMod val="60000"/>
+                <a:lumOff val="40000"/>
+              </a:schemeClr>
+            </a:solidFill>
+            <a:ln>
+              <a:noFill/>
+            </a:ln>
+          </p:spPr>
+          <p:style>
+            <a:lnRef idx="2">
+              <a:schemeClr val="accent1">
+                <a:shade val="50000"/>
+              </a:schemeClr>
+            </a:lnRef>
+            <a:fillRef idx="1">
+              <a:schemeClr val="accent1"/>
+            </a:fillRef>
+            <a:effectRef idx="0">
+              <a:schemeClr val="accent1"/>
+            </a:effectRef>
+            <a:fontRef idx="minor">
+              <a:schemeClr val="lt1"/>
+            </a:fontRef>
+          </p:style>
+          <p:txBody>
+            <a:bodyPr rtlCol="0" anchor="ctr" anchorCtr="0"/>
+            <a:lstStyle/>
+            <a:p>
+              <a:pPr algn="ctr"/>
+              <a:r>
+                <a:rPr lang="en-US" sz="1500" dirty="0" smtClean="0">
                   <a:solidFill>
                     <a:schemeClr val="tx1">
                       <a:lumMod val="75000"/>
                       <a:lumOff val="25000"/>
                     </a:schemeClr>
                   </a:solidFill>
-                </a:endParaRPr>
-              </a:p>
-            </p:txBody>
-          </p:sp>
-          <p:sp>
-            <p:nvSpPr>
-              <p:cNvPr id="153" name="Rounded Rectangle 152"/>
-              <p:cNvSpPr/>
-              <p:nvPr/>
-            </p:nvSpPr>
-            <p:spPr>
-              <a:xfrm>
-                <a:off x="5007082" y="3350702"/>
-                <a:ext cx="493776" cy="365760"/>
-              </a:xfrm>
-              <a:prstGeom prst="roundRect">
-                <a:avLst/>
-              </a:prstGeom>
-              <a:solidFill>
-                <a:schemeClr val="accent1"/>
-              </a:solidFill>
-              <a:ln/>
-            </p:spPr>
-            <p:style>
-              <a:lnRef idx="1">
-                <a:schemeClr val="accent1"/>
-              </a:lnRef>
-              <a:fillRef idx="3">
-                <a:schemeClr val="accent1"/>
-              </a:fillRef>
-              <a:effectRef idx="2">
-                <a:schemeClr val="accent1"/>
-              </a:effectRef>
-              <a:fontRef idx="minor">
-                <a:schemeClr val="lt1"/>
-              </a:fontRef>
-            </p:style>
-            <p:txBody>
-              <a:bodyPr rtlCol="0" anchor="ctr" anchorCtr="0"/>
-              <a:lstStyle/>
-              <a:p>
-                <a:pPr algn="ctr"/>
-                <a:r>
-                  <a:rPr lang="en-US" sz="1500" dirty="0" smtClean="0">
-                    <a:solidFill>
-                      <a:schemeClr val="tx1">
-                        <a:lumMod val="75000"/>
-                        <a:lumOff val="25000"/>
-                      </a:schemeClr>
-                    </a:solidFill>
-                  </a:rPr>
-                  <a:t>out</a:t>
-                </a:r>
-                <a:endParaRPr lang="en-US" sz="1500" dirty="0">
+                </a:rPr>
+                <a:t>message</a:t>
+              </a:r>
+              <a:endParaRPr lang="en-US" sz="1500" dirty="0">
+                <a:solidFill>
+                  <a:schemeClr val="tx1">
+                    <a:lumMod val="75000"/>
+                    <a:lumOff val="25000"/>
+                  </a:schemeClr>
+                </a:solidFill>
+              </a:endParaRPr>
+            </a:p>
+          </p:txBody>
+        </p:sp>
+        <p:sp>
+          <p:nvSpPr>
+            <p:cNvPr id="151" name="Rounded Rectangle 150"/>
+            <p:cNvSpPr/>
+            <p:nvPr/>
+          </p:nvSpPr>
+          <p:spPr>
+            <a:xfrm>
+              <a:off x="5184296" y="2407244"/>
+              <a:ext cx="2472596" cy="1463040"/>
+            </a:xfrm>
+            <a:prstGeom prst="roundRect">
+              <a:avLst/>
+            </a:prstGeom>
+            <a:solidFill>
+              <a:schemeClr val="accent1">
+                <a:lumMod val="60000"/>
+                <a:lumOff val="40000"/>
+              </a:schemeClr>
+            </a:solidFill>
+          </p:spPr>
+          <p:style>
+            <a:lnRef idx="2">
+              <a:schemeClr val="accent1">
+                <a:shade val="50000"/>
+              </a:schemeClr>
+            </a:lnRef>
+            <a:fillRef idx="1">
+              <a:schemeClr val="accent1"/>
+            </a:fillRef>
+            <a:effectRef idx="0">
+              <a:schemeClr val="accent1"/>
+            </a:effectRef>
+            <a:fontRef idx="minor">
+              <a:schemeClr val="lt1"/>
+            </a:fontRef>
+          </p:style>
+          <p:txBody>
+            <a:bodyPr rtlCol="0" anchor="ctr" anchorCtr="0"/>
+            <a:lstStyle/>
+            <a:p>
+              <a:r>
+                <a:rPr lang="en-US" sz="1500" b="1" dirty="0" smtClean="0">
+                  <a:solidFill>
+                    <a:schemeClr val="tx1"/>
+                  </a:solidFill>
+                  <a:latin typeface="Kailasa" charset="0"/>
+                  <a:ea typeface="Kailasa" charset="0"/>
+                  <a:cs typeface="Kailasa" charset="0"/>
+                </a:rPr>
+                <a:t>echo: </a:t>
+              </a:r>
+              <a:r>
+                <a:rPr lang="en-US" sz="1500" dirty="0" err="1" smtClean="0">
+                  <a:solidFill>
+                    <a:schemeClr val="tx1"/>
+                  </a:solidFill>
+                  <a:latin typeface="Kailasa" charset="0"/>
+                  <a:ea typeface="Kailasa" charset="0"/>
+                  <a:cs typeface="Kailasa" charset="0"/>
+                </a:rPr>
+                <a:t>echo.cwl</a:t>
+              </a:r>
+              <a:endParaRPr lang="en-US" sz="1500" b="1" dirty="0">
+                <a:solidFill>
+                  <a:schemeClr val="tx1">
+                    <a:lumMod val="75000"/>
+                    <a:lumOff val="25000"/>
+                  </a:schemeClr>
+                </a:solidFill>
+              </a:endParaRPr>
+            </a:p>
+          </p:txBody>
+        </p:sp>
+        <p:sp>
+          <p:nvSpPr>
+            <p:cNvPr id="152" name="Rounded Rectangle 151"/>
+            <p:cNvSpPr/>
+            <p:nvPr/>
+          </p:nvSpPr>
+          <p:spPr>
+            <a:xfrm>
+              <a:off x="5007082" y="2543220"/>
+              <a:ext cx="493776" cy="365760"/>
+            </a:xfrm>
+            <a:prstGeom prst="roundRect">
+              <a:avLst/>
+            </a:prstGeom>
+            <a:solidFill>
+              <a:schemeClr val="accent1"/>
+            </a:solidFill>
+            <a:ln/>
+          </p:spPr>
+          <p:style>
+            <a:lnRef idx="1">
+              <a:schemeClr val="accent1"/>
+            </a:lnRef>
+            <a:fillRef idx="3">
+              <a:schemeClr val="accent1"/>
+            </a:fillRef>
+            <a:effectRef idx="2">
+              <a:schemeClr val="accent1"/>
+            </a:effectRef>
+            <a:fontRef idx="minor">
+              <a:schemeClr val="lt1"/>
+            </a:fontRef>
+          </p:style>
+          <p:txBody>
+            <a:bodyPr rtlCol="0" anchor="ctr" anchorCtr="0"/>
+            <a:lstStyle/>
+            <a:p>
+              <a:pPr algn="ctr"/>
+              <a:r>
+                <a:rPr lang="en-US" sz="1500" dirty="0" smtClean="0">
                   <a:solidFill>
                     <a:schemeClr val="tx1">
                       <a:lumMod val="75000"/>
                       <a:lumOff val="25000"/>
                     </a:schemeClr>
                   </a:solidFill>
-                </a:endParaRPr>
-              </a:p>
-            </p:txBody>
-          </p:sp>
-          <p:sp>
-            <p:nvSpPr>
-              <p:cNvPr id="154" name="Rounded Rectangle 153"/>
-              <p:cNvSpPr/>
-              <p:nvPr/>
-            </p:nvSpPr>
-            <p:spPr>
-              <a:xfrm>
-                <a:off x="5187251" y="3980507"/>
-                <a:ext cx="2472596" cy="1463040"/>
-              </a:xfrm>
-              <a:prstGeom prst="roundRect">
-                <a:avLst/>
-              </a:prstGeom>
-              <a:solidFill>
-                <a:schemeClr val="accent1">
-                  <a:lumMod val="60000"/>
-                  <a:lumOff val="40000"/>
-                </a:schemeClr>
-              </a:solidFill>
-            </p:spPr>
-            <p:style>
-              <a:lnRef idx="2">
-                <a:schemeClr val="accent1">
-                  <a:shade val="50000"/>
-                </a:schemeClr>
-              </a:lnRef>
-              <a:fillRef idx="1">
-                <a:schemeClr val="accent1"/>
-              </a:fillRef>
-              <a:effectRef idx="0">
-                <a:schemeClr val="accent1"/>
-              </a:effectRef>
-              <a:fontRef idx="minor">
-                <a:schemeClr val="lt1"/>
-              </a:fontRef>
-            </p:style>
-            <p:txBody>
-              <a:bodyPr rtlCol="0" anchor="ctr" anchorCtr="0"/>
-              <a:lstStyle/>
-              <a:p>
-                <a:r>
-                  <a:rPr lang="en-US" sz="1500" b="1" dirty="0" smtClean="0">
-                    <a:solidFill>
-                      <a:schemeClr val="tx1"/>
-                    </a:solidFill>
-                    <a:latin typeface="Kailasa" charset="0"/>
-                    <a:ea typeface="Kailasa" charset="0"/>
-                    <a:cs typeface="Kailasa" charset="0"/>
-                  </a:rPr>
-                  <a:t>rename: </a:t>
-                </a:r>
-                <a:r>
-                  <a:rPr lang="en-US" sz="1500" dirty="0" err="1" smtClean="0">
-                    <a:solidFill>
-                      <a:schemeClr val="tx1"/>
-                    </a:solidFill>
-                    <a:latin typeface="Kailasa" charset="0"/>
-                    <a:ea typeface="Kailasa" charset="0"/>
-                    <a:cs typeface="Kailasa" charset="0"/>
-                  </a:rPr>
-                  <a:t>rename.cwl</a:t>
-                </a:r>
-                <a:endParaRPr lang="en-US" sz="1500" b="1" dirty="0">
+                </a:rPr>
+                <a:t>in</a:t>
+              </a:r>
+              <a:endParaRPr lang="en-US" sz="1500" dirty="0">
+                <a:solidFill>
+                  <a:schemeClr val="tx1">
+                    <a:lumMod val="75000"/>
+                    <a:lumOff val="25000"/>
+                  </a:schemeClr>
+                </a:solidFill>
+              </a:endParaRPr>
+            </a:p>
+          </p:txBody>
+        </p:sp>
+        <p:sp>
+          <p:nvSpPr>
+            <p:cNvPr id="153" name="Rounded Rectangle 152"/>
+            <p:cNvSpPr/>
+            <p:nvPr/>
+          </p:nvSpPr>
+          <p:spPr>
+            <a:xfrm>
+              <a:off x="5007082" y="3350702"/>
+              <a:ext cx="493776" cy="365760"/>
+            </a:xfrm>
+            <a:prstGeom prst="roundRect">
+              <a:avLst/>
+            </a:prstGeom>
+            <a:solidFill>
+              <a:schemeClr val="accent1"/>
+            </a:solidFill>
+            <a:ln/>
+          </p:spPr>
+          <p:style>
+            <a:lnRef idx="1">
+              <a:schemeClr val="accent1"/>
+            </a:lnRef>
+            <a:fillRef idx="3">
+              <a:schemeClr val="accent1"/>
+            </a:fillRef>
+            <a:effectRef idx="2">
+              <a:schemeClr val="accent1"/>
+            </a:effectRef>
+            <a:fontRef idx="minor">
+              <a:schemeClr val="lt1"/>
+            </a:fontRef>
+          </p:style>
+          <p:txBody>
+            <a:bodyPr rtlCol="0" anchor="ctr" anchorCtr="0"/>
+            <a:lstStyle/>
+            <a:p>
+              <a:pPr algn="ctr"/>
+              <a:r>
+                <a:rPr lang="en-US" sz="1500" dirty="0" smtClean="0">
                   <a:solidFill>
                     <a:schemeClr val="tx1">
                       <a:lumMod val="75000"/>
                       <a:lumOff val="25000"/>
                     </a:schemeClr>
                   </a:solidFill>
-                </a:endParaRPr>
-              </a:p>
-            </p:txBody>
-          </p:sp>
-          <p:sp>
-            <p:nvSpPr>
-              <p:cNvPr id="155" name="Rounded Rectangle 154"/>
-              <p:cNvSpPr/>
-              <p:nvPr/>
-            </p:nvSpPr>
-            <p:spPr>
-              <a:xfrm>
-                <a:off x="5010037" y="4116483"/>
-                <a:ext cx="493776" cy="365760"/>
-              </a:xfrm>
-              <a:prstGeom prst="roundRect">
-                <a:avLst/>
-              </a:prstGeom>
-              <a:solidFill>
-                <a:schemeClr val="accent1"/>
-              </a:solidFill>
-              <a:ln/>
-            </p:spPr>
-            <p:style>
-              <a:lnRef idx="1">
-                <a:schemeClr val="accent1"/>
-              </a:lnRef>
-              <a:fillRef idx="3">
-                <a:schemeClr val="accent1"/>
-              </a:fillRef>
-              <a:effectRef idx="2">
-                <a:schemeClr val="accent1"/>
-              </a:effectRef>
-              <a:fontRef idx="minor">
-                <a:schemeClr val="lt1"/>
-              </a:fontRef>
-            </p:style>
-            <p:txBody>
-              <a:bodyPr rtlCol="0" anchor="ctr" anchorCtr="0"/>
-              <a:lstStyle/>
-              <a:p>
-                <a:pPr algn="ctr"/>
-                <a:r>
-                  <a:rPr lang="en-US" sz="1500" dirty="0" smtClean="0">
-                    <a:solidFill>
-                      <a:schemeClr val="tx1">
-                        <a:lumMod val="75000"/>
-                        <a:lumOff val="25000"/>
-                      </a:schemeClr>
-                    </a:solidFill>
-                  </a:rPr>
-                  <a:t>in</a:t>
-                </a:r>
-                <a:endParaRPr lang="en-US" sz="1500" dirty="0">
+                </a:rPr>
+                <a:t>out</a:t>
+              </a:r>
+              <a:endParaRPr lang="en-US" sz="1500" dirty="0">
+                <a:solidFill>
+                  <a:schemeClr val="tx1">
+                    <a:lumMod val="75000"/>
+                    <a:lumOff val="25000"/>
+                  </a:schemeClr>
+                </a:solidFill>
+              </a:endParaRPr>
+            </a:p>
+          </p:txBody>
+        </p:sp>
+        <p:sp>
+          <p:nvSpPr>
+            <p:cNvPr id="154" name="Rounded Rectangle 153"/>
+            <p:cNvSpPr/>
+            <p:nvPr/>
+          </p:nvSpPr>
+          <p:spPr>
+            <a:xfrm>
+              <a:off x="5187251" y="3980507"/>
+              <a:ext cx="2472596" cy="1463040"/>
+            </a:xfrm>
+            <a:prstGeom prst="roundRect">
+              <a:avLst/>
+            </a:prstGeom>
+            <a:solidFill>
+              <a:schemeClr val="accent1">
+                <a:lumMod val="60000"/>
+                <a:lumOff val="40000"/>
+              </a:schemeClr>
+            </a:solidFill>
+          </p:spPr>
+          <p:style>
+            <a:lnRef idx="2">
+              <a:schemeClr val="accent1">
+                <a:shade val="50000"/>
+              </a:schemeClr>
+            </a:lnRef>
+            <a:fillRef idx="1">
+              <a:schemeClr val="accent1"/>
+            </a:fillRef>
+            <a:effectRef idx="0">
+              <a:schemeClr val="accent1"/>
+            </a:effectRef>
+            <a:fontRef idx="minor">
+              <a:schemeClr val="lt1"/>
+            </a:fontRef>
+          </p:style>
+          <p:txBody>
+            <a:bodyPr rtlCol="0" anchor="ctr" anchorCtr="0"/>
+            <a:lstStyle/>
+            <a:p>
+              <a:r>
+                <a:rPr lang="en-US" sz="1500" b="1" dirty="0" smtClean="0">
+                  <a:solidFill>
+                    <a:schemeClr val="tx1"/>
+                  </a:solidFill>
+                  <a:latin typeface="Kailasa" charset="0"/>
+                  <a:ea typeface="Kailasa" charset="0"/>
+                  <a:cs typeface="Kailasa" charset="0"/>
+                </a:rPr>
+                <a:t>rename: </a:t>
+              </a:r>
+              <a:r>
+                <a:rPr lang="en-US" sz="1500" dirty="0" err="1" smtClean="0">
+                  <a:solidFill>
+                    <a:schemeClr val="tx1"/>
+                  </a:solidFill>
+                  <a:latin typeface="Kailasa" charset="0"/>
+                  <a:ea typeface="Kailasa" charset="0"/>
+                  <a:cs typeface="Kailasa" charset="0"/>
+                </a:rPr>
+                <a:t>rename.cwl</a:t>
+              </a:r>
+              <a:endParaRPr lang="en-US" sz="1500" b="1" dirty="0">
+                <a:solidFill>
+                  <a:schemeClr val="tx1">
+                    <a:lumMod val="75000"/>
+                    <a:lumOff val="25000"/>
+                  </a:schemeClr>
+                </a:solidFill>
+              </a:endParaRPr>
+            </a:p>
+          </p:txBody>
+        </p:sp>
+        <p:sp>
+          <p:nvSpPr>
+            <p:cNvPr id="155" name="Rounded Rectangle 154"/>
+            <p:cNvSpPr/>
+            <p:nvPr/>
+          </p:nvSpPr>
+          <p:spPr>
+            <a:xfrm>
+              <a:off x="5010037" y="4116483"/>
+              <a:ext cx="493776" cy="365760"/>
+            </a:xfrm>
+            <a:prstGeom prst="roundRect">
+              <a:avLst/>
+            </a:prstGeom>
+            <a:solidFill>
+              <a:schemeClr val="accent1"/>
+            </a:solidFill>
+            <a:ln/>
+          </p:spPr>
+          <p:style>
+            <a:lnRef idx="1">
+              <a:schemeClr val="accent1"/>
+            </a:lnRef>
+            <a:fillRef idx="3">
+              <a:schemeClr val="accent1"/>
+            </a:fillRef>
+            <a:effectRef idx="2">
+              <a:schemeClr val="accent1"/>
+            </a:effectRef>
+            <a:fontRef idx="minor">
+              <a:schemeClr val="lt1"/>
+            </a:fontRef>
+          </p:style>
+          <p:txBody>
+            <a:bodyPr rtlCol="0" anchor="ctr" anchorCtr="0"/>
+            <a:lstStyle/>
+            <a:p>
+              <a:pPr algn="ctr"/>
+              <a:r>
+                <a:rPr lang="en-US" sz="1500" dirty="0" smtClean="0">
                   <a:solidFill>
                     <a:schemeClr val="tx1">
                       <a:lumMod val="75000"/>
                       <a:lumOff val="25000"/>
                     </a:schemeClr>
                   </a:solidFill>
-                </a:endParaRPr>
-              </a:p>
-            </p:txBody>
-          </p:sp>
-          <p:sp>
-            <p:nvSpPr>
-              <p:cNvPr id="156" name="Rounded Rectangle 155"/>
-              <p:cNvSpPr/>
-              <p:nvPr/>
-            </p:nvSpPr>
-            <p:spPr>
-              <a:xfrm>
-                <a:off x="5010037" y="4923964"/>
-                <a:ext cx="493776" cy="365760"/>
-              </a:xfrm>
-              <a:prstGeom prst="roundRect">
-                <a:avLst/>
-              </a:prstGeom>
-              <a:solidFill>
-                <a:schemeClr val="accent1"/>
-              </a:solidFill>
-              <a:ln/>
-            </p:spPr>
-            <p:style>
-              <a:lnRef idx="1">
-                <a:schemeClr val="accent1"/>
-              </a:lnRef>
-              <a:fillRef idx="3">
-                <a:schemeClr val="accent1"/>
-              </a:fillRef>
-              <a:effectRef idx="2">
-                <a:schemeClr val="accent1"/>
-              </a:effectRef>
-              <a:fontRef idx="minor">
-                <a:schemeClr val="lt1"/>
-              </a:fontRef>
-            </p:style>
-            <p:txBody>
-              <a:bodyPr rtlCol="0" anchor="ctr" anchorCtr="0"/>
-              <a:lstStyle/>
-              <a:p>
-                <a:pPr algn="ctr"/>
-                <a:r>
-                  <a:rPr lang="en-US" sz="1500" dirty="0" smtClean="0">
-                    <a:solidFill>
-                      <a:schemeClr val="tx1">
-                        <a:lumMod val="75000"/>
-                        <a:lumOff val="25000"/>
-                      </a:schemeClr>
-                    </a:solidFill>
-                  </a:rPr>
-                  <a:t>out</a:t>
-                </a:r>
-                <a:endParaRPr lang="en-US" sz="1500" dirty="0">
+                </a:rPr>
+                <a:t>in</a:t>
+              </a:r>
+              <a:endParaRPr lang="en-US" sz="1500" dirty="0">
+                <a:solidFill>
+                  <a:schemeClr val="tx1">
+                    <a:lumMod val="75000"/>
+                    <a:lumOff val="25000"/>
+                  </a:schemeClr>
+                </a:solidFill>
+              </a:endParaRPr>
+            </a:p>
+          </p:txBody>
+        </p:sp>
+        <p:sp>
+          <p:nvSpPr>
+            <p:cNvPr id="156" name="Rounded Rectangle 155"/>
+            <p:cNvSpPr/>
+            <p:nvPr/>
+          </p:nvSpPr>
+          <p:spPr>
+            <a:xfrm>
+              <a:off x="5010037" y="4923964"/>
+              <a:ext cx="493776" cy="365760"/>
+            </a:xfrm>
+            <a:prstGeom prst="roundRect">
+              <a:avLst/>
+            </a:prstGeom>
+            <a:solidFill>
+              <a:schemeClr val="accent1"/>
+            </a:solidFill>
+            <a:ln/>
+          </p:spPr>
+          <p:style>
+            <a:lnRef idx="1">
+              <a:schemeClr val="accent1"/>
+            </a:lnRef>
+            <a:fillRef idx="3">
+              <a:schemeClr val="accent1"/>
+            </a:fillRef>
+            <a:effectRef idx="2">
+              <a:schemeClr val="accent1"/>
+            </a:effectRef>
+            <a:fontRef idx="minor">
+              <a:schemeClr val="lt1"/>
+            </a:fontRef>
+          </p:style>
+          <p:txBody>
+            <a:bodyPr rtlCol="0" anchor="ctr" anchorCtr="0"/>
+            <a:lstStyle/>
+            <a:p>
+              <a:pPr algn="ctr"/>
+              <a:r>
+                <a:rPr lang="en-US" sz="1500" dirty="0" smtClean="0">
                   <a:solidFill>
                     <a:schemeClr val="tx1">
                       <a:lumMod val="75000"/>
                       <a:lumOff val="25000"/>
                     </a:schemeClr>
                   </a:solidFill>
-                </a:endParaRPr>
-              </a:p>
-            </p:txBody>
-          </p:sp>
-          <p:sp>
-            <p:nvSpPr>
-              <p:cNvPr id="157" name="Rounded Rectangle 156"/>
-              <p:cNvSpPr/>
-              <p:nvPr/>
-            </p:nvSpPr>
-            <p:spPr>
-              <a:xfrm>
-                <a:off x="6448913" y="5706447"/>
-                <a:ext cx="1240993" cy="274320"/>
-              </a:xfrm>
-              <a:prstGeom prst="roundRect">
-                <a:avLst/>
-              </a:prstGeom>
-              <a:solidFill>
-                <a:schemeClr val="accent4">
-                  <a:lumMod val="60000"/>
-                  <a:lumOff val="40000"/>
-                </a:schemeClr>
-              </a:solidFill>
-              <a:ln>
-                <a:noFill/>
-              </a:ln>
-            </p:spPr>
-            <p:style>
-              <a:lnRef idx="2">
-                <a:schemeClr val="accent1">
-                  <a:shade val="50000"/>
-                </a:schemeClr>
-              </a:lnRef>
-              <a:fillRef idx="1">
-                <a:schemeClr val="accent1"/>
-              </a:fillRef>
-              <a:effectRef idx="0">
-                <a:schemeClr val="accent1"/>
-              </a:effectRef>
-              <a:fontRef idx="minor">
-                <a:schemeClr val="lt1"/>
-              </a:fontRef>
-            </p:style>
-            <p:txBody>
-              <a:bodyPr rtlCol="0" anchor="ctr" anchorCtr="0"/>
-              <a:lstStyle/>
-              <a:p>
-                <a:pPr algn="ctr"/>
-                <a:r>
-                  <a:rPr lang="en-US" sz="1500" dirty="0" err="1" smtClean="0">
-                    <a:solidFill>
-                      <a:schemeClr val="tx1">
-                        <a:lumMod val="75000"/>
-                        <a:lumOff val="25000"/>
-                      </a:schemeClr>
-                    </a:solidFill>
-                  </a:rPr>
-                  <a:t>renamed_file</a:t>
-                </a:r>
-                <a:endParaRPr lang="en-US" sz="1500" dirty="0">
+                </a:rPr>
+                <a:t>out</a:t>
+              </a:r>
+              <a:endParaRPr lang="en-US" sz="1500" dirty="0">
+                <a:solidFill>
+                  <a:schemeClr val="tx1">
+                    <a:lumMod val="75000"/>
+                    <a:lumOff val="25000"/>
+                  </a:schemeClr>
+                </a:solidFill>
+              </a:endParaRPr>
+            </a:p>
+          </p:txBody>
+        </p:sp>
+        <p:sp>
+          <p:nvSpPr>
+            <p:cNvPr id="157" name="Rounded Rectangle 156"/>
+            <p:cNvSpPr/>
+            <p:nvPr/>
+          </p:nvSpPr>
+          <p:spPr>
+            <a:xfrm>
+              <a:off x="6448913" y="5706447"/>
+              <a:ext cx="1240993" cy="274320"/>
+            </a:xfrm>
+            <a:prstGeom prst="roundRect">
+              <a:avLst/>
+            </a:prstGeom>
+            <a:solidFill>
+              <a:schemeClr val="accent4">
+                <a:lumMod val="60000"/>
+                <a:lumOff val="40000"/>
+              </a:schemeClr>
+            </a:solidFill>
+            <a:ln>
+              <a:noFill/>
+            </a:ln>
+          </p:spPr>
+          <p:style>
+            <a:lnRef idx="2">
+              <a:schemeClr val="accent1">
+                <a:shade val="50000"/>
+              </a:schemeClr>
+            </a:lnRef>
+            <a:fillRef idx="1">
+              <a:schemeClr val="accent1"/>
+            </a:fillRef>
+            <a:effectRef idx="0">
+              <a:schemeClr val="accent1"/>
+            </a:effectRef>
+            <a:fontRef idx="minor">
+              <a:schemeClr val="lt1"/>
+            </a:fontRef>
+          </p:style>
+          <p:txBody>
+            <a:bodyPr rtlCol="0" anchor="ctr" anchorCtr="0"/>
+            <a:lstStyle/>
+            <a:p>
+              <a:pPr algn="ctr"/>
+              <a:r>
+                <a:rPr lang="en-US" sz="1500" dirty="0" err="1" smtClean="0">
                   <a:solidFill>
                     <a:schemeClr val="tx1">
                       <a:lumMod val="75000"/>
                       <a:lumOff val="25000"/>
                     </a:schemeClr>
                   </a:solidFill>
-                </a:endParaRPr>
-              </a:p>
-            </p:txBody>
-          </p:sp>
-        </p:grpSp>
-        <p:grpSp>
-          <p:nvGrpSpPr>
-            <p:cNvPr id="158" name="Group 157"/>
-            <p:cNvGrpSpPr/>
-            <p:nvPr/>
-          </p:nvGrpSpPr>
-          <p:grpSpPr>
-            <a:xfrm>
-              <a:off x="5090160" y="750013"/>
-              <a:ext cx="2011680" cy="579905"/>
-              <a:chOff x="5090160" y="750013"/>
-              <a:chExt cx="2011680" cy="579905"/>
-            </a:xfrm>
-          </p:grpSpPr>
-          <p:sp>
-            <p:nvSpPr>
-              <p:cNvPr id="159" name="Rounded Rectangle 158"/>
-              <p:cNvSpPr/>
-              <p:nvPr/>
-            </p:nvSpPr>
-            <p:spPr>
-              <a:xfrm>
-                <a:off x="5090160" y="750013"/>
-                <a:ext cx="2011680" cy="362743"/>
-              </a:xfrm>
-              <a:prstGeom prst="roundRect">
-                <a:avLst/>
-              </a:prstGeom>
-              <a:solidFill>
-                <a:schemeClr val="accent4">
-                  <a:lumMod val="60000"/>
-                  <a:lumOff val="40000"/>
-                </a:schemeClr>
-              </a:solidFill>
-            </p:spPr>
-            <p:style>
-              <a:lnRef idx="3">
-                <a:schemeClr val="lt1"/>
-              </a:lnRef>
-              <a:fillRef idx="1">
-                <a:schemeClr val="accent1"/>
-              </a:fillRef>
-              <a:effectRef idx="1">
-                <a:schemeClr val="accent1"/>
-              </a:effectRef>
-              <a:fontRef idx="minor">
-                <a:schemeClr val="lt1"/>
-              </a:fontRef>
-            </p:style>
-            <p:txBody>
-              <a:bodyPr rtlCol="0" anchor="ctr"/>
-              <a:lstStyle/>
-              <a:p>
-                <a:pPr algn="ctr"/>
-                <a:r>
-                  <a:rPr lang="en-US" sz="1500" dirty="0" smtClean="0">
-                    <a:solidFill>
-                      <a:schemeClr val="tx1"/>
-                    </a:solidFill>
-                  </a:rPr>
-                  <a:t>echo-</a:t>
-                </a:r>
-                <a:r>
-                  <a:rPr lang="en-US" sz="1500" dirty="0" err="1" smtClean="0">
-                    <a:solidFill>
-                      <a:schemeClr val="tx1"/>
-                    </a:solidFill>
-                  </a:rPr>
-                  <a:t>rename.yml</a:t>
-                </a:r>
-                <a:endParaRPr lang="en-US" sz="1500" dirty="0" smtClean="0">
-                  <a:solidFill>
-                    <a:schemeClr val="tx1"/>
-                  </a:solidFill>
-                </a:endParaRPr>
-              </a:p>
-            </p:txBody>
-          </p:sp>
-          <p:cxnSp>
-            <p:nvCxnSpPr>
-              <p:cNvPr id="160" name="Elbow Connector 159"/>
-              <p:cNvCxnSpPr/>
-              <p:nvPr/>
-            </p:nvCxnSpPr>
-            <p:spPr>
-              <a:xfrm rot="16200000" flipH="1">
-                <a:off x="5987419" y="1221336"/>
-                <a:ext cx="217163" cy="1"/>
-              </a:xfrm>
-              <a:prstGeom prst="bentConnector3">
-                <a:avLst>
-                  <a:gd name="adj1" fmla="val 50000"/>
-                </a:avLst>
-              </a:prstGeom>
-              <a:ln w="50800">
+                </a:rPr>
+                <a:t>renamed_file</a:t>
+              </a:r>
+              <a:endParaRPr lang="en-US" sz="1500" dirty="0">
                 <a:solidFill>
                   <a:schemeClr val="tx1">
                     <a:lumMod val="75000"/>
                     <a:lumOff val="25000"/>
                   </a:schemeClr>
                 </a:solidFill>
-                <a:tailEnd type="triangle"/>
-              </a:ln>
-            </p:spPr>
-            <p:style>
-              <a:lnRef idx="1">
-                <a:schemeClr val="accent1"/>
-              </a:lnRef>
-              <a:fillRef idx="0">
-                <a:schemeClr val="accent1"/>
-              </a:fillRef>
-              <a:effectRef idx="0">
-                <a:schemeClr val="accent1"/>
-              </a:effectRef>
-              <a:fontRef idx="minor">
-                <a:schemeClr val="tx1"/>
-              </a:fontRef>
-            </p:style>
-          </p:cxnSp>
-        </p:grpSp>
-        <p:grpSp>
-          <p:nvGrpSpPr>
-            <p:cNvPr id="161" name="Group 160"/>
-            <p:cNvGrpSpPr/>
-            <p:nvPr/>
-          </p:nvGrpSpPr>
-          <p:grpSpPr>
-            <a:xfrm>
-              <a:off x="5090160" y="6163109"/>
-              <a:ext cx="2011680" cy="567276"/>
-              <a:chOff x="5090160" y="6163109"/>
-              <a:chExt cx="2011680" cy="567276"/>
-            </a:xfrm>
-          </p:grpSpPr>
-          <p:sp>
-            <p:nvSpPr>
-              <p:cNvPr id="162" name="Rounded Rectangle 161"/>
-              <p:cNvSpPr/>
-              <p:nvPr/>
-            </p:nvSpPr>
-            <p:spPr>
-              <a:xfrm>
-                <a:off x="5090160" y="6367642"/>
-                <a:ext cx="2011680" cy="362743"/>
-              </a:xfrm>
-              <a:prstGeom prst="roundRect">
-                <a:avLst/>
-              </a:prstGeom>
-              <a:solidFill>
-                <a:schemeClr val="accent4">
-                  <a:lumMod val="60000"/>
-                  <a:lumOff val="40000"/>
-                </a:schemeClr>
-              </a:solidFill>
-            </p:spPr>
-            <p:style>
-              <a:lnRef idx="3">
-                <a:schemeClr val="lt1"/>
-              </a:lnRef>
-              <a:fillRef idx="1">
-                <a:schemeClr val="accent1"/>
-              </a:fillRef>
-              <a:effectRef idx="1">
-                <a:schemeClr val="accent1"/>
-              </a:effectRef>
-              <a:fontRef idx="minor">
-                <a:schemeClr val="lt1"/>
-              </a:fontRef>
-            </p:style>
-            <p:txBody>
-              <a:bodyPr rtlCol="0" anchor="ctr"/>
-              <a:lstStyle/>
-              <a:p>
-                <a:pPr algn="ctr"/>
-                <a:r>
-                  <a:rPr lang="en-US" sz="1500" dirty="0" err="1" smtClean="0">
-                    <a:solidFill>
-                      <a:schemeClr val="tx1"/>
-                    </a:solidFill>
-                  </a:rPr>
-                  <a:t>renamed.txt</a:t>
-                </a:r>
-                <a:endParaRPr lang="en-US" sz="1500" dirty="0" smtClean="0">
-                  <a:solidFill>
-                    <a:schemeClr val="tx1"/>
-                  </a:solidFill>
-                </a:endParaRPr>
-              </a:p>
-            </p:txBody>
-          </p:sp>
-          <p:cxnSp>
-            <p:nvCxnSpPr>
-              <p:cNvPr id="163" name="Elbow Connector 162"/>
-              <p:cNvCxnSpPr/>
-              <p:nvPr/>
-            </p:nvCxnSpPr>
-            <p:spPr>
-              <a:xfrm rot="5400000">
-                <a:off x="5993735" y="6265375"/>
-                <a:ext cx="204533" cy="1"/>
-              </a:xfrm>
-              <a:prstGeom prst="bentConnector3">
-                <a:avLst>
-                  <a:gd name="adj1" fmla="val 50000"/>
-                </a:avLst>
-              </a:prstGeom>
-              <a:ln w="50800">
-                <a:solidFill>
-                  <a:schemeClr val="tx1">
-                    <a:lumMod val="75000"/>
-                    <a:lumOff val="25000"/>
-                  </a:schemeClr>
-                </a:solidFill>
-                <a:tailEnd type="triangle"/>
-              </a:ln>
-            </p:spPr>
-            <p:style>
-              <a:lnRef idx="1">
-                <a:schemeClr val="accent1"/>
-              </a:lnRef>
-              <a:fillRef idx="0">
-                <a:schemeClr val="accent1"/>
-              </a:fillRef>
-              <a:effectRef idx="0">
-                <a:schemeClr val="accent1"/>
-              </a:effectRef>
-              <a:fontRef idx="minor">
-                <a:schemeClr val="tx1"/>
-              </a:fontRef>
-            </p:style>
-          </p:cxnSp>
-        </p:grpSp>
+              </a:endParaRPr>
+            </a:p>
+          </p:txBody>
+        </p:sp>
       </p:grpSp>
       <p:grpSp>
         <p:nvGrpSpPr>
@@ -19801,7 +22253,7 @@
               <a:r>
                 <a:rPr lang="en-US" sz="1400" dirty="0" err="1">
                   <a:solidFill>
-                    <a:schemeClr val="tx1"/>
+                    <a:srgbClr val="FFFF00"/>
                   </a:solidFill>
                   <a:latin typeface="Menlo" charset="0"/>
                   <a:ea typeface="Menlo" charset="0"/>
@@ -19962,7 +22414,7 @@
               <a:r>
                 <a:rPr lang="en-US" sz="1400" dirty="0" err="1">
                   <a:solidFill>
-                    <a:schemeClr val="tx1"/>
+                    <a:srgbClr val="FFFF00"/>
                   </a:solidFill>
                   <a:latin typeface="Menlo" charset="0"/>
                   <a:ea typeface="Menlo" charset="0"/>
@@ -20509,11 +22961,7 @@
             <a:pPr algn="l"/>
             <a:r>
               <a:rPr lang="en-US" b="1" dirty="0" smtClean="0"/>
-              <a:t>Step </a:t>
-            </a:r>
-            <a:r>
-              <a:rPr lang="en-US" b="1" dirty="0" smtClean="0"/>
-              <a:t>3.2:</a:t>
+              <a:t>Step 3.2:</a:t>
             </a:r>
             <a:endParaRPr lang="en-US" dirty="0"/>
           </a:p>
@@ -20578,9 +23026,59 @@
           </a:p>
         </p:txBody>
       </p:sp>
+      <p:sp>
+        <p:nvSpPr>
+          <p:cNvPr id="141" name="Right Arrow 140"/>
+          <p:cNvSpPr/>
+          <p:nvPr/>
+        </p:nvSpPr>
+        <p:spPr>
+          <a:xfrm>
+            <a:off x="3601883" y="3660266"/>
+            <a:ext cx="1068157" cy="530502"/>
+          </a:xfrm>
+          <a:prstGeom prst="rightArrow">
+            <a:avLst/>
+          </a:prstGeom>
+          <a:solidFill>
+            <a:schemeClr val="bg1">
+              <a:lumMod val="95000"/>
+            </a:schemeClr>
+          </a:solidFill>
+          <a:ln w="63500">
+            <a:solidFill>
+              <a:schemeClr val="accent2"/>
+            </a:solidFill>
+          </a:ln>
+        </p:spPr>
+        <p:style>
+          <a:lnRef idx="2">
+            <a:schemeClr val="accent1">
+              <a:shade val="50000"/>
+            </a:schemeClr>
+          </a:lnRef>
+          <a:fillRef idx="1">
+            <a:schemeClr val="accent1"/>
+          </a:fillRef>
+          <a:effectRef idx="0">
+            <a:schemeClr val="accent1"/>
+          </a:effectRef>
+          <a:fontRef idx="minor">
+            <a:schemeClr val="lt1"/>
+          </a:fontRef>
+        </p:style>
+        <p:txBody>
+          <a:bodyPr rtlCol="0" anchor="ctr"/>
+          <a:lstStyle/>
+          <a:p>
+            <a:pPr algn="ctr"/>
+            <a:endParaRPr lang="en-US"/>
+          </a:p>
+        </p:txBody>
+      </p:sp>
       <p:grpSp>
         <p:nvGrpSpPr>
-          <p:cNvPr id="84" name="Group 83"/>
+          <p:cNvPr id="14" name="Group 13"/>
           <p:cNvGrpSpPr/>
           <p:nvPr/>
         </p:nvGrpSpPr>
@@ -20588,7 +23086,7 @@
           <a:xfrm>
             <a:off x="295575" y="1801455"/>
             <a:ext cx="3346704" cy="4252658"/>
-            <a:chOff x="4417303" y="1801455"/>
+            <a:chOff x="295575" y="1801455"/>
             <a:chExt cx="3346704" cy="4252658"/>
           </a:xfrm>
         </p:grpSpPr>
@@ -20600,7 +23098,7 @@
           </p:nvSpPr>
           <p:spPr>
             <a:xfrm>
-              <a:off x="4961369" y="3305044"/>
+              <a:off x="839641" y="3305044"/>
               <a:ext cx="2575050" cy="459973"/>
             </a:xfrm>
             <a:prstGeom prst="roundRect">
@@ -20652,7 +23150,7 @@
           </p:nvSpPr>
           <p:spPr>
             <a:xfrm>
-              <a:off x="4961369" y="2496867"/>
+              <a:off x="839641" y="2496867"/>
               <a:ext cx="2575050" cy="459973"/>
             </a:xfrm>
             <a:prstGeom prst="roundRect">
@@ -20704,7 +23202,7 @@
           </p:nvSpPr>
           <p:spPr>
             <a:xfrm>
-              <a:off x="6420594" y="3442142"/>
+              <a:off x="2298866" y="3442142"/>
               <a:ext cx="1002677" cy="182880"/>
             </a:xfrm>
             <a:prstGeom prst="roundRect">
@@ -20771,7 +23269,7 @@
           </p:nvSpPr>
           <p:spPr>
             <a:xfrm>
-              <a:off x="5778086" y="2634660"/>
+              <a:off x="1656358" y="2634660"/>
               <a:ext cx="721280" cy="182880"/>
             </a:xfrm>
             <a:prstGeom prst="roundRect">
@@ -20830,7 +23328,7 @@
           </p:nvSpPr>
           <p:spPr>
             <a:xfrm>
-              <a:off x="6701991" y="2634660"/>
+              <a:off x="2580263" y="2634660"/>
               <a:ext cx="721280" cy="182880"/>
             </a:xfrm>
             <a:prstGeom prst="roundRect">
@@ -20889,7 +23387,7 @@
           </p:nvCxnSpPr>
           <p:spPr>
             <a:xfrm>
-              <a:off x="6499366" y="2726100"/>
+              <a:off x="2377638" y="2726100"/>
               <a:ext cx="199303" cy="1"/>
             </a:xfrm>
             <a:prstGeom prst="bentConnector3">
@@ -20927,7 +23425,7 @@
           </p:nvCxnSpPr>
           <p:spPr>
             <a:xfrm rot="10800000">
-              <a:off x="5500858" y="3530885"/>
+              <a:off x="1379130" y="3530885"/>
               <a:ext cx="919738" cy="2"/>
             </a:xfrm>
             <a:prstGeom prst="bentConnector3">
@@ -20965,7 +23463,7 @@
           </p:nvCxnSpPr>
           <p:spPr>
             <a:xfrm>
-              <a:off x="5519616" y="2723829"/>
+              <a:off x="1397888" y="2723829"/>
               <a:ext cx="237903" cy="2272"/>
             </a:xfrm>
             <a:prstGeom prst="bentConnector3">
@@ -21003,7 +23501,7 @@
           </p:nvCxnSpPr>
           <p:spPr>
             <a:xfrm>
-              <a:off x="7310194" y="2956840"/>
+              <a:off x="3188466" y="2956840"/>
               <a:ext cx="0" cy="348204"/>
             </a:xfrm>
             <a:prstGeom prst="straightConnector1">
@@ -21039,7 +23537,7 @@
           </p:nvSpPr>
           <p:spPr>
             <a:xfrm>
-              <a:off x="4964323" y="4069785"/>
+              <a:off x="842595" y="4069785"/>
               <a:ext cx="2575050" cy="459973"/>
             </a:xfrm>
             <a:prstGeom prst="roundRect">
@@ -21091,7 +23589,7 @@
           </p:nvCxnSpPr>
           <p:spPr>
             <a:xfrm>
-              <a:off x="5253970" y="2212936"/>
+              <a:off x="1132242" y="2212936"/>
               <a:ext cx="0" cy="283931"/>
             </a:xfrm>
             <a:prstGeom prst="straightConnector1">
@@ -21127,7 +23625,7 @@
           </p:nvCxnSpPr>
           <p:spPr>
             <a:xfrm>
-              <a:off x="5253970" y="3765017"/>
+              <a:off x="1132242" y="3765017"/>
               <a:ext cx="0" cy="304768"/>
             </a:xfrm>
             <a:prstGeom prst="straightConnector1">
@@ -21163,7 +23661,7 @@
           </p:nvSpPr>
           <p:spPr>
             <a:xfrm>
-              <a:off x="5671446" y="4141747"/>
+              <a:off x="1549718" y="4141747"/>
               <a:ext cx="749148" cy="137160"/>
             </a:xfrm>
             <a:prstGeom prst="roundRect">
@@ -21230,7 +23728,7 @@
           </p:nvSpPr>
           <p:spPr>
             <a:xfrm>
-              <a:off x="6713872" y="4141747"/>
+              <a:off x="2592144" y="4141747"/>
               <a:ext cx="756346" cy="137160"/>
             </a:xfrm>
             <a:prstGeom prst="roundRect">
@@ -21297,7 +23795,7 @@
           </p:nvSpPr>
           <p:spPr>
             <a:xfrm>
-              <a:off x="5668833" y="4333121"/>
+              <a:off x="1547105" y="4333121"/>
               <a:ext cx="751761" cy="137160"/>
             </a:xfrm>
             <a:prstGeom prst="roundRect">
@@ -21364,7 +23862,7 @@
           </p:nvSpPr>
           <p:spPr>
             <a:xfrm>
-              <a:off x="6713872" y="4333121"/>
+              <a:off x="2592144" y="4333121"/>
               <a:ext cx="752656" cy="137160"/>
             </a:xfrm>
             <a:prstGeom prst="roundRect">
@@ -21431,7 +23929,7 @@
           </p:nvCxnSpPr>
           <p:spPr>
             <a:xfrm flipV="1">
-              <a:off x="5503286" y="4210327"/>
+              <a:off x="1381558" y="4210327"/>
               <a:ext cx="168160" cy="414"/>
             </a:xfrm>
             <a:prstGeom prst="straightConnector1">
@@ -21467,7 +23965,7 @@
           </p:nvCxnSpPr>
           <p:spPr>
             <a:xfrm flipV="1">
-              <a:off x="5503286" y="4402566"/>
+              <a:off x="1381558" y="4402566"/>
               <a:ext cx="168160" cy="413"/>
             </a:xfrm>
             <a:prstGeom prst="straightConnector1">
@@ -21503,7 +24001,7 @@
           </p:nvCxnSpPr>
           <p:spPr>
             <a:xfrm>
-              <a:off x="6420594" y="4210741"/>
+              <a:off x="2298866" y="4210741"/>
               <a:ext cx="293278" cy="1"/>
             </a:xfrm>
             <a:prstGeom prst="straightConnector1">
@@ -21539,7 +24037,7 @@
           </p:nvCxnSpPr>
           <p:spPr>
             <a:xfrm>
-              <a:off x="6420594" y="4402566"/>
+              <a:off x="2298866" y="4402566"/>
               <a:ext cx="278075" cy="0"/>
             </a:xfrm>
             <a:prstGeom prst="straightConnector1">
@@ -21575,7 +24073,7 @@
           </p:nvSpPr>
           <p:spPr>
             <a:xfrm>
-              <a:off x="4964323" y="4876858"/>
+              <a:off x="842595" y="4876858"/>
               <a:ext cx="2575050" cy="459973"/>
             </a:xfrm>
             <a:prstGeom prst="roundRect">
@@ -21627,7 +24125,7 @@
           </p:nvSpPr>
           <p:spPr>
             <a:xfrm>
-              <a:off x="6355998" y="5013695"/>
+              <a:off x="2234270" y="5013695"/>
               <a:ext cx="1067273" cy="182880"/>
             </a:xfrm>
             <a:prstGeom prst="roundRect">
@@ -21694,7 +24192,7 @@
           </p:nvCxnSpPr>
           <p:spPr>
             <a:xfrm flipH="1">
-              <a:off x="5519616" y="5105135"/>
+              <a:off x="1397888" y="5105135"/>
               <a:ext cx="836383" cy="0"/>
             </a:xfrm>
             <a:prstGeom prst="straightConnector1">
@@ -21730,7 +24228,7 @@
           </p:nvCxnSpPr>
           <p:spPr>
             <a:xfrm>
-              <a:off x="7310194" y="4529758"/>
+              <a:off x="3188466" y="4529758"/>
               <a:ext cx="0" cy="347100"/>
             </a:xfrm>
             <a:prstGeom prst="straightConnector1">
@@ -21766,7 +24264,7 @@
           </p:nvCxnSpPr>
           <p:spPr>
             <a:xfrm>
-              <a:off x="5253970" y="5347495"/>
+              <a:off x="1132242" y="5347495"/>
               <a:ext cx="0" cy="291661"/>
             </a:xfrm>
             <a:prstGeom prst="straightConnector1">
@@ -21802,7 +24300,7 @@
           </p:nvSpPr>
           <p:spPr>
             <a:xfrm>
-              <a:off x="4417303" y="1801455"/>
+              <a:off x="295575" y="1801455"/>
               <a:ext cx="3346704" cy="411480"/>
             </a:xfrm>
             <a:prstGeom prst="roundRect">
@@ -21854,7 +24352,7 @@
           </p:nvSpPr>
           <p:spPr>
             <a:xfrm>
-              <a:off x="4417303" y="5642633"/>
+              <a:off x="295575" y="5642633"/>
               <a:ext cx="3346704" cy="411480"/>
             </a:xfrm>
             <a:prstGeom prst="roundRect">
@@ -21898,57 +24396,277 @@
             </a:p>
           </p:txBody>
         </p:sp>
+        <p:cxnSp>
+          <p:nvCxnSpPr>
+            <p:cNvPr id="65" name="Elbow Connector 64"/>
+            <p:cNvCxnSpPr>
+              <a:endCxn id="94" idx="1"/>
+            </p:cNvCxnSpPr>
+            <p:nvPr/>
+          </p:nvCxnSpPr>
+          <p:spPr>
+            <a:xfrm rot="16200000" flipH="1">
+              <a:off x="-297565" y="3159611"/>
+              <a:ext cx="2086837" cy="193484"/>
+            </a:xfrm>
+            <a:prstGeom prst="bentConnector2">
+              <a:avLst/>
+            </a:prstGeom>
+            <a:ln w="44450">
+              <a:solidFill>
+                <a:schemeClr val="bg1"/>
+              </a:solidFill>
+              <a:tailEnd type="triangle"/>
+            </a:ln>
+          </p:spPr>
+          <p:style>
+            <a:lnRef idx="1">
+              <a:schemeClr val="accent1"/>
+            </a:lnRef>
+            <a:fillRef idx="0">
+              <a:schemeClr val="accent1"/>
+            </a:fillRef>
+            <a:effectRef idx="0">
+              <a:schemeClr val="accent1"/>
+            </a:effectRef>
+            <a:fontRef idx="minor">
+              <a:schemeClr val="tx1"/>
+            </a:fontRef>
+          </p:style>
+        </p:cxnSp>
       </p:grpSp>
-      <p:sp>
-        <p:nvSpPr>
-          <p:cNvPr id="141" name="Right Arrow 140"/>
-          <p:cNvSpPr/>
+      <p:grpSp>
+        <p:nvGrpSpPr>
+          <p:cNvPr id="20" name="Group 19"/>
+          <p:cNvGrpSpPr/>
           <p:nvPr/>
-        </p:nvSpPr>
-        <p:spPr>
+        </p:nvGrpSpPr>
+        <p:grpSpPr>
           <a:xfrm>
-            <a:off x="3601883" y="3660266"/>
-            <a:ext cx="1068157" cy="530502"/>
+            <a:off x="963087" y="750013"/>
+            <a:ext cx="2011680" cy="579905"/>
+            <a:chOff x="839641" y="750013"/>
+            <a:chExt cx="2011680" cy="579905"/>
           </a:xfrm>
-          <a:prstGeom prst="rightArrow">
-            <a:avLst/>
-          </a:prstGeom>
-          <a:solidFill>
-            <a:schemeClr val="bg1">
-              <a:lumMod val="95000"/>
-            </a:schemeClr>
-          </a:solidFill>
-          <a:ln w="63500">
+        </p:grpSpPr>
+        <p:sp>
+          <p:nvSpPr>
+            <p:cNvPr id="103" name="Rounded Rectangle 102"/>
+            <p:cNvSpPr/>
+            <p:nvPr/>
+          </p:nvSpPr>
+          <p:spPr>
+            <a:xfrm>
+              <a:off x="839641" y="750013"/>
+              <a:ext cx="2011680" cy="362743"/>
+            </a:xfrm>
+            <a:prstGeom prst="roundRect">
+              <a:avLst/>
+            </a:prstGeom>
             <a:solidFill>
-              <a:schemeClr val="accent2"/>
+              <a:schemeClr val="accent4">
+                <a:lumMod val="60000"/>
+                <a:lumOff val="40000"/>
+              </a:schemeClr>
             </a:solidFill>
-          </a:ln>
-        </p:spPr>
-        <p:style>
-          <a:lnRef idx="2">
-            <a:schemeClr val="accent1">
-              <a:shade val="50000"/>
-            </a:schemeClr>
-          </a:lnRef>
-          <a:fillRef idx="1">
-            <a:schemeClr val="accent1"/>
-          </a:fillRef>
-          <a:effectRef idx="0">
-            <a:schemeClr val="accent1"/>
-          </a:effectRef>
-          <a:fontRef idx="minor">
-            <a:schemeClr val="lt1"/>
-          </a:fontRef>
-        </p:style>
-        <p:txBody>
-          <a:bodyPr rtlCol="0" anchor="ctr"/>
-          <a:lstStyle/>
-          <a:p>
-            <a:pPr algn="ctr"/>
-            <a:endParaRPr lang="en-US"/>
-          </a:p>
-        </p:txBody>
-      </p:sp>
+          </p:spPr>
+          <p:style>
+            <a:lnRef idx="3">
+              <a:schemeClr val="lt1"/>
+            </a:lnRef>
+            <a:fillRef idx="1">
+              <a:schemeClr val="accent1"/>
+            </a:fillRef>
+            <a:effectRef idx="1">
+              <a:schemeClr val="accent1"/>
+            </a:effectRef>
+            <a:fontRef idx="minor">
+              <a:schemeClr val="lt1"/>
+            </a:fontRef>
+          </p:style>
+          <p:txBody>
+            <a:bodyPr rtlCol="0" anchor="ctr"/>
+            <a:lstStyle/>
+            <a:p>
+              <a:pPr algn="ctr"/>
+              <a:r>
+                <a:rPr lang="en-US" sz="1500" dirty="0" smtClean="0">
+                  <a:solidFill>
+                    <a:schemeClr val="tx1"/>
+                  </a:solidFill>
+                </a:rPr>
+                <a:t>echo-</a:t>
+              </a:r>
+              <a:r>
+                <a:rPr lang="en-US" sz="1500" dirty="0" err="1" smtClean="0">
+                  <a:solidFill>
+                    <a:schemeClr val="tx1"/>
+                  </a:solidFill>
+                </a:rPr>
+                <a:t>rename.yml</a:t>
+              </a:r>
+              <a:endParaRPr lang="en-US" sz="1500" dirty="0" smtClean="0">
+                <a:solidFill>
+                  <a:schemeClr val="tx1"/>
+                </a:solidFill>
+              </a:endParaRPr>
+            </a:p>
+          </p:txBody>
+        </p:sp>
+        <p:cxnSp>
+          <p:nvCxnSpPr>
+            <p:cNvPr id="106" name="Elbow Connector 105"/>
+            <p:cNvCxnSpPr/>
+            <p:nvPr/>
+          </p:nvCxnSpPr>
+          <p:spPr>
+            <a:xfrm rot="16200000" flipH="1">
+              <a:off x="1736900" y="1221336"/>
+              <a:ext cx="217163" cy="1"/>
+            </a:xfrm>
+            <a:prstGeom prst="bentConnector3">
+              <a:avLst>
+                <a:gd name="adj1" fmla="val 50000"/>
+              </a:avLst>
+            </a:prstGeom>
+            <a:ln w="50800">
+              <a:solidFill>
+                <a:schemeClr val="tx1">
+                  <a:lumMod val="75000"/>
+                  <a:lumOff val="25000"/>
+                </a:schemeClr>
+              </a:solidFill>
+              <a:tailEnd type="triangle"/>
+            </a:ln>
+          </p:spPr>
+          <p:style>
+            <a:lnRef idx="1">
+              <a:schemeClr val="accent1"/>
+            </a:lnRef>
+            <a:fillRef idx="0">
+              <a:schemeClr val="accent1"/>
+            </a:fillRef>
+            <a:effectRef idx="0">
+              <a:schemeClr val="accent1"/>
+            </a:effectRef>
+            <a:fontRef idx="minor">
+              <a:schemeClr val="tx1"/>
+            </a:fontRef>
+          </p:style>
+        </p:cxnSp>
+      </p:grpSp>
+      <p:grpSp>
+        <p:nvGrpSpPr>
+          <p:cNvPr id="21" name="Group 20"/>
+          <p:cNvGrpSpPr/>
+          <p:nvPr/>
+        </p:nvGrpSpPr>
+        <p:grpSpPr>
+          <a:xfrm>
+            <a:off x="963087" y="6163109"/>
+            <a:ext cx="2011680" cy="567276"/>
+            <a:chOff x="963658" y="6163109"/>
+            <a:chExt cx="2011680" cy="567276"/>
+          </a:xfrm>
+        </p:grpSpPr>
+        <p:sp>
+          <p:nvSpPr>
+            <p:cNvPr id="109" name="Rounded Rectangle 108"/>
+            <p:cNvSpPr/>
+            <p:nvPr/>
+          </p:nvSpPr>
+          <p:spPr>
+            <a:xfrm>
+              <a:off x="963658" y="6367642"/>
+              <a:ext cx="2011680" cy="362743"/>
+            </a:xfrm>
+            <a:prstGeom prst="roundRect">
+              <a:avLst/>
+            </a:prstGeom>
+            <a:solidFill>
+              <a:schemeClr val="accent4">
+                <a:lumMod val="60000"/>
+                <a:lumOff val="40000"/>
+              </a:schemeClr>
+            </a:solidFill>
+          </p:spPr>
+          <p:style>
+            <a:lnRef idx="3">
+              <a:schemeClr val="lt1"/>
+            </a:lnRef>
+            <a:fillRef idx="1">
+              <a:schemeClr val="accent1"/>
+            </a:fillRef>
+            <a:effectRef idx="1">
+              <a:schemeClr val="accent1"/>
+            </a:effectRef>
+            <a:fontRef idx="minor">
+              <a:schemeClr val="lt1"/>
+            </a:fontRef>
+          </p:style>
+          <p:txBody>
+            <a:bodyPr rtlCol="0" anchor="ctr"/>
+            <a:lstStyle/>
+            <a:p>
+              <a:pPr algn="ctr"/>
+              <a:r>
+                <a:rPr lang="en-US" sz="1500" dirty="0" err="1" smtClean="0">
+                  <a:solidFill>
+                    <a:schemeClr val="tx1"/>
+                  </a:solidFill>
+                </a:rPr>
+                <a:t>renamed.txt</a:t>
+              </a:r>
+              <a:endParaRPr lang="en-US" sz="1500" dirty="0" smtClean="0">
+                <a:solidFill>
+                  <a:schemeClr val="tx1"/>
+                </a:solidFill>
+              </a:endParaRPr>
+            </a:p>
+          </p:txBody>
+        </p:sp>
+        <p:cxnSp>
+          <p:nvCxnSpPr>
+            <p:cNvPr id="110" name="Elbow Connector 109"/>
+            <p:cNvCxnSpPr/>
+            <p:nvPr/>
+          </p:nvCxnSpPr>
+          <p:spPr>
+            <a:xfrm rot="5400000">
+              <a:off x="1867233" y="6265375"/>
+              <a:ext cx="204533" cy="1"/>
+            </a:xfrm>
+            <a:prstGeom prst="bentConnector3">
+              <a:avLst>
+                <a:gd name="adj1" fmla="val 50000"/>
+              </a:avLst>
+            </a:prstGeom>
+            <a:ln w="50800">
+              <a:solidFill>
+                <a:schemeClr val="tx1">
+                  <a:lumMod val="75000"/>
+                  <a:lumOff val="25000"/>
+                </a:schemeClr>
+              </a:solidFill>
+              <a:tailEnd type="triangle"/>
+            </a:ln>
+          </p:spPr>
+          <p:style>
+            <a:lnRef idx="1">
+              <a:schemeClr val="accent1"/>
+            </a:lnRef>
+            <a:fillRef idx="0">
+              <a:schemeClr val="accent1"/>
+            </a:fillRef>
+            <a:effectRef idx="0">
+              <a:schemeClr val="accent1"/>
+            </a:effectRef>
+            <a:fontRef idx="minor">
+              <a:schemeClr val="tx1"/>
+            </a:fontRef>
+          </p:style>
+        </p:cxnSp>
+      </p:grpSp>
     </p:spTree>
     <p:extLst>
       <p:ext uri="{BB962C8B-B14F-4D97-AF65-F5344CB8AC3E}">
@@ -21959,13 +24677,13 @@
   <p:clrMapOvr>
     <a:masterClrMapping/>
   </p:clrMapOvr>
-  <mc:AlternateContent xmlns:mc="http://schemas.openxmlformats.org/markup-compatibility/2006">
-    <mc:Choice xmlns:p14="http://schemas.microsoft.com/office/powerpoint/2010/main" Requires="p14">
+  <mc:AlternateContent xmlns:mc="http://schemas.openxmlformats.org/markup-compatibility/2006" xmlns:p14="http://schemas.microsoft.com/office/powerpoint/2010/main">
+    <mc:Choice Requires="p14">
       <p:transition spd="med" p14:dur="700">
         <p:fade/>
       </p:transition>
     </mc:Choice>
-    <mc:Fallback>
+    <mc:Fallback xmlns="">
       <p:transition spd="med">
         <p:fade/>
       </p:transition>
@@ -21992,42 +24710,51 @@
                             </p:stCondLst>
                             <p:childTnLst>
                               <p:par>
-                                <p:cTn id="5" presetID="42" presetClass="path" presetSubtype="0" decel="50000" fill="hold" nodeType="clickEffect">
+                                <p:cTn id="5" presetID="42" presetClass="path" presetSubtype="0" accel="50000" decel="50000" fill="hold" nodeType="clickEffect">
                                   <p:stCondLst>
                                     <p:cond delay="0"/>
                                   </p:stCondLst>
                                   <p:childTnLst>
-                                    <p:animMotion origin="layout" path="M 0 -3.7037E-7 L -0.33802 0.00093 " pathEditMode="relative" rAng="0" ptsTypes="AA">
+                                    <p:animMotion origin="layout" path="M 0 3.7037E-6 L -0.33854 -0.00047 " pathEditMode="relative" rAng="0" ptsTypes="AA">
                                       <p:cBhvr>
                                         <p:cTn id="6" dur="2000" fill="hold"/>
                                         <p:tgtEl>
-                                          <p:spTgt spid="6"/>
+                                          <p:spTgt spid="142"/>
                                         </p:tgtEl>
                                         <p:attrNameLst>
                                           <p:attrName>ppt_x</p:attrName>
                                           <p:attrName>ppt_y</p:attrName>
                                         </p:attrNameLst>
                                       </p:cBhvr>
-                                      <p:rCtr x="-16901" y="46"/>
+                                      <p:rCtr x="-16927" y="-23"/>
                                     </p:animMotion>
                                   </p:childTnLst>
                                 </p:cTn>
                               </p:par>
+                            </p:childTnLst>
+                          </p:cTn>
+                        </p:par>
+                        <p:par>
+                          <p:cTn id="7" fill="hold">
+                            <p:stCondLst>
+                              <p:cond delay="2000"/>
+                            </p:stCondLst>
+                            <p:childTnLst>
                               <p:par>
-                                <p:cTn id="7" presetID="10" presetClass="entr" presetSubtype="0" fill="hold" nodeType="withEffect">
+                                <p:cTn id="8" presetID="10" presetClass="entr" presetSubtype="0" fill="hold" nodeType="afterEffect">
                                   <p:stCondLst>
-                                    <p:cond delay="2000"/>
+                                    <p:cond delay="0"/>
                                   </p:stCondLst>
                                   <p:childTnLst>
                                     <p:set>
                                       <p:cBhvr>
-                                        <p:cTn id="8" dur="1" fill="hold">
+                                        <p:cTn id="9" dur="1" fill="hold">
                                           <p:stCondLst>
                                             <p:cond delay="0"/>
                                           </p:stCondLst>
                                         </p:cTn>
                                         <p:tgtEl>
-                                          <p:spTgt spid="84"/>
+                                          <p:spTgt spid="14"/>
                                         </p:tgtEl>
                                         <p:attrNameLst>
                                           <p:attrName>style.visibility</p:attrName>
@@ -22039,9 +24766,9 @@
                                     </p:set>
                                     <p:animEffect transition="in" filter="fade">
                                       <p:cBhvr>
-                                        <p:cTn id="9" dur="500"/>
+                                        <p:cTn id="10" dur="500"/>
                                         <p:tgtEl>
-                                          <p:spTgt spid="84"/>
+                                          <p:spTgt spid="14"/>
                                         </p:tgtEl>
                                       </p:cBhvr>
                                     </p:animEffect>
@@ -22052,20 +24779,20 @@
                           </p:cTn>
                         </p:par>
                         <p:par>
-                          <p:cTn id="10" fill="hold">
+                          <p:cTn id="11" fill="hold">
                             <p:stCondLst>
                               <p:cond delay="2500"/>
                             </p:stCondLst>
                             <p:childTnLst>
                               <p:par>
-                                <p:cTn id="11" presetID="10" presetClass="entr" presetSubtype="0" fill="hold" grpId="0" nodeType="afterEffect">
+                                <p:cTn id="12" presetID="10" presetClass="entr" presetSubtype="0" fill="hold" grpId="0" nodeType="afterEffect">
                                   <p:stCondLst>
                                     <p:cond delay="0"/>
                                   </p:stCondLst>
                                   <p:childTnLst>
                                     <p:set>
                                       <p:cBhvr>
-                                        <p:cTn id="12" dur="1" fill="hold">
+                                        <p:cTn id="13" dur="1" fill="hold">
                                           <p:stCondLst>
                                             <p:cond delay="0"/>
                                           </p:stCondLst>
@@ -22083,7 +24810,7 @@
                                     </p:set>
                                     <p:animEffect transition="in" filter="fade">
                                       <p:cBhvr>
-                                        <p:cTn id="13" dur="500"/>
+                                        <p:cTn id="14" dur="500"/>
                                         <p:tgtEl>
                                           <p:spTgt spid="141"/>
                                         </p:tgtEl>
@@ -22096,20 +24823,20 @@
                           </p:cTn>
                         </p:par>
                         <p:par>
-                          <p:cTn id="14" fill="hold">
+                          <p:cTn id="15" fill="hold">
                             <p:stCondLst>
                               <p:cond delay="3000"/>
                             </p:stCondLst>
                             <p:childTnLst>
                               <p:par>
-                                <p:cTn id="15" presetID="10" presetClass="entr" presetSubtype="0" fill="hold" nodeType="afterEffect">
+                                <p:cTn id="16" presetID="10" presetClass="entr" presetSubtype="0" fill="hold" nodeType="afterEffect">
                                   <p:stCondLst>
                                     <p:cond delay="0"/>
                                   </p:stCondLst>
                                   <p:childTnLst>
                                     <p:set>
                                       <p:cBhvr>
-                                        <p:cTn id="16" dur="1" fill="hold">
+                                        <p:cTn id="17" dur="1" fill="hold">
                                           <p:stCondLst>
                                             <p:cond delay="0"/>
                                           </p:stCondLst>
@@ -22127,7 +24854,7 @@
                                     </p:set>
                                     <p:animEffect transition="in" filter="fade">
                                       <p:cBhvr>
-                                        <p:cTn id="17" dur="500"/>
+                                        <p:cTn id="18" dur="500"/>
                                         <p:tgtEl>
                                           <p:spTgt spid="3"/>
                                         </p:tgtEl>
@@ -22143,26 +24870,26 @@
                     </p:cTn>
                   </p:par>
                   <p:par>
-                    <p:cTn id="18" fill="hold">
+                    <p:cTn id="19" fill="hold">
                       <p:stCondLst>
                         <p:cond delay="indefinite"/>
                       </p:stCondLst>
                       <p:childTnLst>
                         <p:par>
-                          <p:cTn id="19" fill="hold">
+                          <p:cTn id="20" fill="hold">
                             <p:stCondLst>
                               <p:cond delay="0"/>
                             </p:stCondLst>
                             <p:childTnLst>
                               <p:par>
-                                <p:cTn id="20" presetID="10" presetClass="entr" presetSubtype="0" fill="hold" nodeType="clickEffect">
+                                <p:cTn id="21" presetID="10" presetClass="entr" presetSubtype="0" fill="hold" nodeType="clickEffect">
                                   <p:stCondLst>
                                     <p:cond delay="0"/>
                                   </p:stCondLst>
                                   <p:childTnLst>
                                     <p:set>
                                       <p:cBhvr>
-                                        <p:cTn id="21" dur="1" fill="hold">
+                                        <p:cTn id="22" dur="1" fill="hold">
                                           <p:stCondLst>
                                             <p:cond delay="0"/>
                                           </p:stCondLst>
@@ -22180,9 +24907,44 @@
                                     </p:set>
                                     <p:animEffect transition="in" filter="fade">
                                       <p:cBhvr>
-                                        <p:cTn id="22" dur="500"/>
+                                        <p:cTn id="23" dur="500"/>
                                         <p:tgtEl>
                                           <p:spTgt spid="4"/>
+                                        </p:tgtEl>
+                                      </p:cBhvr>
+                                    </p:animEffect>
+                                  </p:childTnLst>
+                                </p:cTn>
+                              </p:par>
+                              <p:par>
+                                <p:cTn id="24" presetID="10" presetClass="entr" presetSubtype="0" fill="hold" nodeType="withEffect">
+                                  <p:stCondLst>
+                                    <p:cond delay="0"/>
+                                  </p:stCondLst>
+                                  <p:childTnLst>
+                                    <p:set>
+                                      <p:cBhvr>
+                                        <p:cTn id="25" dur="1" fill="hold">
+                                          <p:stCondLst>
+                                            <p:cond delay="0"/>
+                                          </p:stCondLst>
+                                        </p:cTn>
+                                        <p:tgtEl>
+                                          <p:spTgt spid="20"/>
+                                        </p:tgtEl>
+                                        <p:attrNameLst>
+                                          <p:attrName>style.visibility</p:attrName>
+                                        </p:attrNameLst>
+                                      </p:cBhvr>
+                                      <p:to>
+                                        <p:strVal val="visible"/>
+                                      </p:to>
+                                    </p:set>
+                                    <p:animEffect transition="in" filter="fade">
+                                      <p:cBhvr>
+                                        <p:cTn id="26" dur="500"/>
+                                        <p:tgtEl>
+                                          <p:spTgt spid="20"/>
                                         </p:tgtEl>
                                       </p:cBhvr>
                                     </p:animEffect>
@@ -22196,26 +24958,26 @@
                     </p:cTn>
                   </p:par>
                   <p:par>
-                    <p:cTn id="23" fill="hold">
+                    <p:cTn id="27" fill="hold">
                       <p:stCondLst>
                         <p:cond delay="indefinite"/>
                       </p:stCondLst>
                       <p:childTnLst>
                         <p:par>
-                          <p:cTn id="24" fill="hold">
+                          <p:cTn id="28" fill="hold">
                             <p:stCondLst>
                               <p:cond delay="0"/>
                             </p:stCondLst>
                             <p:childTnLst>
                               <p:par>
-                                <p:cTn id="25" presetID="10" presetClass="entr" presetSubtype="0" fill="hold" nodeType="clickEffect">
+                                <p:cTn id="29" presetID="10" presetClass="entr" presetSubtype="0" fill="hold" nodeType="clickEffect">
                                   <p:stCondLst>
                                     <p:cond delay="0"/>
                                   </p:stCondLst>
                                   <p:childTnLst>
                                     <p:set>
                                       <p:cBhvr>
-                                        <p:cTn id="26" dur="1" fill="hold">
+                                        <p:cTn id="30" dur="1" fill="hold">
                                           <p:stCondLst>
                                             <p:cond delay="0"/>
                                           </p:stCondLst>
@@ -22233,9 +24995,44 @@
                                     </p:set>
                                     <p:animEffect transition="in" filter="fade">
                                       <p:cBhvr>
-                                        <p:cTn id="27" dur="500"/>
+                                        <p:cTn id="31" dur="500"/>
                                         <p:tgtEl>
                                           <p:spTgt spid="5"/>
+                                        </p:tgtEl>
+                                      </p:cBhvr>
+                                    </p:animEffect>
+                                  </p:childTnLst>
+                                </p:cTn>
+                              </p:par>
+                              <p:par>
+                                <p:cTn id="32" presetID="10" presetClass="entr" presetSubtype="0" fill="hold" nodeType="withEffect">
+                                  <p:stCondLst>
+                                    <p:cond delay="0"/>
+                                  </p:stCondLst>
+                                  <p:childTnLst>
+                                    <p:set>
+                                      <p:cBhvr>
+                                        <p:cTn id="33" dur="1" fill="hold">
+                                          <p:stCondLst>
+                                            <p:cond delay="0"/>
+                                          </p:stCondLst>
+                                        </p:cTn>
+                                        <p:tgtEl>
+                                          <p:spTgt spid="21"/>
+                                        </p:tgtEl>
+                                        <p:attrNameLst>
+                                          <p:attrName>style.visibility</p:attrName>
+                                        </p:attrNameLst>
+                                      </p:cBhvr>
+                                      <p:to>
+                                        <p:strVal val="visible"/>
+                                      </p:to>
+                                    </p:set>
+                                    <p:animEffect transition="in" filter="fade">
+                                      <p:cBhvr>
+                                        <p:cTn id="34" dur="500"/>
+                                        <p:tgtEl>
+                                          <p:spTgt spid="21"/>
                                         </p:tgtEl>
                                       </p:cBhvr>
                                     </p:animEffect>
@@ -23021,18 +25818,7 @@
                 <a:ea typeface="Menlo" charset="0"/>
                 <a:cs typeface="Menlo" charset="0"/>
               </a:rPr>
-              <a:t>&gt;&gt;&gt; hint </a:t>
-            </a:r>
-            <a:r>
-              <a:rPr lang="en-US" sz="1400" b="1" dirty="0" smtClean="0">
-                <a:solidFill>
-                  <a:srgbClr val="C00000"/>
-                </a:solidFill>
-                <a:latin typeface="Menlo" charset="0"/>
-                <a:ea typeface="Menlo" charset="0"/>
-                <a:cs typeface="Menlo" charset="0"/>
-              </a:rPr>
-              <a:t>2</a:t>
+              <a:t>&gt;&gt;&gt; hint 2</a:t>
             </a:r>
             <a:endParaRPr lang="en-US" sz="1400" b="1" dirty="0">
               <a:solidFill>
@@ -23157,14 +25943,6 @@
               </a:rPr>
               <a:t>4</a:t>
             </a:r>
-            <a:endParaRPr lang="en-US" sz="1400" b="1" dirty="0">
-              <a:solidFill>
-                <a:srgbClr val="C00000"/>
-              </a:solidFill>
-              <a:latin typeface="Menlo" charset="0"/>
-              <a:ea typeface="Menlo" charset="0"/>
-              <a:cs typeface="Menlo" charset="0"/>
-            </a:endParaRPr>
           </a:p>
         </p:txBody>
       </p:sp>
@@ -23937,18 +26715,7 @@
                 <a:ea typeface="Menlo" charset="0"/>
                 <a:cs typeface="Menlo" charset="0"/>
               </a:rPr>
-              <a:t>&gt;&gt;&gt; hint </a:t>
-            </a:r>
-            <a:r>
-              <a:rPr lang="en-US" sz="1400" b="1" dirty="0" smtClean="0">
-                <a:solidFill>
-                  <a:srgbClr val="C00000"/>
-                </a:solidFill>
-                <a:latin typeface="Menlo" charset="0"/>
-                <a:ea typeface="Menlo" charset="0"/>
-                <a:cs typeface="Menlo" charset="0"/>
-              </a:rPr>
-              <a:t>3</a:t>
+              <a:t>&gt;&gt;&gt; hint 3</a:t>
             </a:r>
             <a:endParaRPr lang="en-US" sz="1400" b="1" dirty="0">
               <a:solidFill>
@@ -24084,14 +26851,6 @@
               </a:rPr>
               <a:t>1</a:t>
             </a:r>
-            <a:endParaRPr lang="en-US" sz="1400" b="1" dirty="0">
-              <a:solidFill>
-                <a:srgbClr val="C00000"/>
-              </a:solidFill>
-              <a:latin typeface="Menlo" charset="0"/>
-              <a:ea typeface="Menlo" charset="0"/>
-              <a:cs typeface="Menlo" charset="0"/>
-            </a:endParaRPr>
           </a:p>
         </p:txBody>
       </p:sp>
@@ -24423,13 +27182,13 @@
   <p:clrMapOvr>
     <a:masterClrMapping/>
   </p:clrMapOvr>
-  <mc:AlternateContent xmlns:mc="http://schemas.openxmlformats.org/markup-compatibility/2006">
-    <mc:Choice xmlns:p14="http://schemas.microsoft.com/office/powerpoint/2010/main" Requires="p14">
+  <mc:AlternateContent xmlns:mc="http://schemas.openxmlformats.org/markup-compatibility/2006" xmlns:p14="http://schemas.microsoft.com/office/powerpoint/2010/main">
+    <mc:Choice Requires="p14">
       <p:transition spd="med" p14:dur="700">
         <p:fade/>
       </p:transition>
     </mc:Choice>
-    <mc:Fallback>
+    <mc:Fallback xmlns="">
       <p:transition spd="med">
         <p:fade/>
       </p:transition>
@@ -26650,13 +29409,13 @@
   <p:clrMapOvr>
     <a:masterClrMapping/>
   </p:clrMapOvr>
-  <mc:AlternateContent xmlns:mc="http://schemas.openxmlformats.org/markup-compatibility/2006">
-    <mc:Choice xmlns:p14="http://schemas.microsoft.com/office/powerpoint/2010/main" Requires="p14">
+  <mc:AlternateContent xmlns:mc="http://schemas.openxmlformats.org/markup-compatibility/2006" xmlns:p14="http://schemas.microsoft.com/office/powerpoint/2010/main">
+    <mc:Choice Requires="p14">
       <p:transition spd="med" p14:dur="700">
         <p:fade/>
       </p:transition>
     </mc:Choice>
-    <mc:Fallback>
+    <mc:Fallback xmlns="">
       <p:transition spd="med">
         <p:fade/>
       </p:transition>
@@ -27951,13 +30710,13 @@
   <p:clrMapOvr>
     <a:masterClrMapping/>
   </p:clrMapOvr>
-  <mc:AlternateContent xmlns:mc="http://schemas.openxmlformats.org/markup-compatibility/2006">
-    <mc:Choice xmlns:p14="http://schemas.microsoft.com/office/powerpoint/2010/main" Requires="p14">
+  <mc:AlternateContent xmlns:mc="http://schemas.openxmlformats.org/markup-compatibility/2006" xmlns:p14="http://schemas.microsoft.com/office/powerpoint/2010/main">
+    <mc:Choice Requires="p14">
       <p:transition spd="med" p14:dur="700">
         <p:fade/>
       </p:transition>
     </mc:Choice>
-    <mc:Fallback>
+    <mc:Fallback xmlns="">
       <p:transition spd="med">
         <p:fade/>
       </p:transition>
@@ -29348,13 +32107,13 @@
   <p:clrMapOvr>
     <a:masterClrMapping/>
   </p:clrMapOvr>
-  <mc:AlternateContent xmlns:mc="http://schemas.openxmlformats.org/markup-compatibility/2006">
-    <mc:Choice xmlns:p14="http://schemas.microsoft.com/office/powerpoint/2010/main" Requires="p14">
+  <mc:AlternateContent xmlns:mc="http://schemas.openxmlformats.org/markup-compatibility/2006" xmlns:p14="http://schemas.microsoft.com/office/powerpoint/2010/main">
+    <mc:Choice Requires="p14">
       <p:transition spd="med" p14:dur="700">
         <p:fade/>
       </p:transition>
     </mc:Choice>
-    <mc:Fallback>
+    <mc:Fallback xmlns="">
       <p:transition spd="med">
         <p:fade/>
       </p:transition>
